--- a/document/데이터테이블 문서.pptx
+++ b/document/데이터테이블 문서.pptx
@@ -106,6 +106,11 @@
       </a:defRPr>
     </a:lvl9pPr>
   </p:defaultTextStyle>
+  <p:extLst>
+    <p:ext uri="{EFAFB233-063F-42B5-8137-9DF3F51BA10A}">
+      <p15:sldGuideLst xmlns:p15="http://schemas.microsoft.com/office/powerpoint/2012/main"/>
+    </p:ext>
+  </p:extLst>
 </p:presentation>
 </file>
 
@@ -256,7 +261,7 @@
           <a:p>
             <a:fld id="{682C012E-4EBA-4799-9B2E-722E3D1B6301}" type="datetimeFigureOut">
               <a:rPr lang="ko-KR" altLang="en-US" smtClean="0"/>
-              <a:t>2025-02-04</a:t>
+              <a:t>2025-02-05</a:t>
             </a:fld>
             <a:endParaRPr lang="ko-KR" altLang="en-US"/>
           </a:p>
@@ -454,7 +459,7 @@
           <a:p>
             <a:fld id="{682C012E-4EBA-4799-9B2E-722E3D1B6301}" type="datetimeFigureOut">
               <a:rPr lang="ko-KR" altLang="en-US" smtClean="0"/>
-              <a:t>2025-02-04</a:t>
+              <a:t>2025-02-05</a:t>
             </a:fld>
             <a:endParaRPr lang="ko-KR" altLang="en-US"/>
           </a:p>
@@ -662,7 +667,7 @@
           <a:p>
             <a:fld id="{682C012E-4EBA-4799-9B2E-722E3D1B6301}" type="datetimeFigureOut">
               <a:rPr lang="ko-KR" altLang="en-US" smtClean="0"/>
-              <a:t>2025-02-04</a:t>
+              <a:t>2025-02-05</a:t>
             </a:fld>
             <a:endParaRPr lang="ko-KR" altLang="en-US"/>
           </a:p>
@@ -860,7 +865,7 @@
           <a:p>
             <a:fld id="{682C012E-4EBA-4799-9B2E-722E3D1B6301}" type="datetimeFigureOut">
               <a:rPr lang="ko-KR" altLang="en-US" smtClean="0"/>
-              <a:t>2025-02-04</a:t>
+              <a:t>2025-02-05</a:t>
             </a:fld>
             <a:endParaRPr lang="ko-KR" altLang="en-US"/>
           </a:p>
@@ -1135,7 +1140,7 @@
           <a:p>
             <a:fld id="{682C012E-4EBA-4799-9B2E-722E3D1B6301}" type="datetimeFigureOut">
               <a:rPr lang="ko-KR" altLang="en-US" smtClean="0"/>
-              <a:t>2025-02-04</a:t>
+              <a:t>2025-02-05</a:t>
             </a:fld>
             <a:endParaRPr lang="ko-KR" altLang="en-US"/>
           </a:p>
@@ -1400,7 +1405,7 @@
           <a:p>
             <a:fld id="{682C012E-4EBA-4799-9B2E-722E3D1B6301}" type="datetimeFigureOut">
               <a:rPr lang="ko-KR" altLang="en-US" smtClean="0"/>
-              <a:t>2025-02-04</a:t>
+              <a:t>2025-02-05</a:t>
             </a:fld>
             <a:endParaRPr lang="ko-KR" altLang="en-US"/>
           </a:p>
@@ -1812,7 +1817,7 @@
           <a:p>
             <a:fld id="{682C012E-4EBA-4799-9B2E-722E3D1B6301}" type="datetimeFigureOut">
               <a:rPr lang="ko-KR" altLang="en-US" smtClean="0"/>
-              <a:t>2025-02-04</a:t>
+              <a:t>2025-02-05</a:t>
             </a:fld>
             <a:endParaRPr lang="ko-KR" altLang="en-US"/>
           </a:p>
@@ -1953,7 +1958,7 @@
           <a:p>
             <a:fld id="{682C012E-4EBA-4799-9B2E-722E3D1B6301}" type="datetimeFigureOut">
               <a:rPr lang="ko-KR" altLang="en-US" smtClean="0"/>
-              <a:t>2025-02-04</a:t>
+              <a:t>2025-02-05</a:t>
             </a:fld>
             <a:endParaRPr lang="ko-KR" altLang="en-US"/>
           </a:p>
@@ -2066,7 +2071,7 @@
           <a:p>
             <a:fld id="{682C012E-4EBA-4799-9B2E-722E3D1B6301}" type="datetimeFigureOut">
               <a:rPr lang="ko-KR" altLang="en-US" smtClean="0"/>
-              <a:t>2025-02-04</a:t>
+              <a:t>2025-02-05</a:t>
             </a:fld>
             <a:endParaRPr lang="ko-KR" altLang="en-US"/>
           </a:p>
@@ -2377,7 +2382,7 @@
           <a:p>
             <a:fld id="{682C012E-4EBA-4799-9B2E-722E3D1B6301}" type="datetimeFigureOut">
               <a:rPr lang="ko-KR" altLang="en-US" smtClean="0"/>
-              <a:t>2025-02-04</a:t>
+              <a:t>2025-02-05</a:t>
             </a:fld>
             <a:endParaRPr lang="ko-KR" altLang="en-US"/>
           </a:p>
@@ -2665,7 +2670,7 @@
           <a:p>
             <a:fld id="{682C012E-4EBA-4799-9B2E-722E3D1B6301}" type="datetimeFigureOut">
               <a:rPr lang="ko-KR" altLang="en-US" smtClean="0"/>
-              <a:t>2025-02-04</a:t>
+              <a:t>2025-02-05</a:t>
             </a:fld>
             <a:endParaRPr lang="ko-KR" altLang="en-US"/>
           </a:p>
@@ -2906,7 +2911,7 @@
           <a:p>
             <a:fld id="{682C012E-4EBA-4799-9B2E-722E3D1B6301}" type="datetimeFigureOut">
               <a:rPr lang="ko-KR" altLang="en-US" smtClean="0"/>
-              <a:t>2025-02-04</a:t>
+              <a:t>2025-02-05</a:t>
             </a:fld>
             <a:endParaRPr lang="ko-KR" altLang="en-US"/>
           </a:p>
@@ -5032,7 +5037,7 @@
           <p:nvPr>
             <p:extLst>
               <p:ext uri="{D42A27DB-BD31-4B8C-83A1-F6EECF244321}">
-                <p14:modId xmlns:p14="http://schemas.microsoft.com/office/powerpoint/2010/main" val="2201422161"/>
+                <p14:modId xmlns:p14="http://schemas.microsoft.com/office/powerpoint/2010/main" val="3364679573"/>
               </p:ext>
             </p:extLst>
           </p:nvPr>
@@ -7081,7 +7086,7 @@
                           <a:latin typeface="배달의민족 한나체 Air" panose="020B0600000101010101" pitchFamily="50" charset="-127"/>
                           <a:ea typeface="배달의민족 한나체 Air" panose="020B0600000101010101" pitchFamily="50" charset="-127"/>
                         </a:rPr>
-                        <a:t>0</a:t>
+                        <a:t>-1</a:t>
                       </a:r>
                       <a:r>
                         <a:rPr lang="ko-KR" altLang="en-US" sz="1100" b="0" i="0" u="none" strike="noStrike" dirty="0">
@@ -7249,7 +7254,9 @@
                       <a:tailEnd type="none" w="med" len="med"/>
                     </a:lnT>
                     <a:lnB w="12700" cap="flat" cmpd="sng" algn="ctr">
-                      <a:noFill/>
+                      <a:solidFill>
+                        <a:schemeClr val="tx1"/>
+                      </a:solidFill>
                       <a:prstDash val="solid"/>
                       <a:round/>
                       <a:headEnd type="none" w="med" len="med"/>

--- a/document/데이터테이블 문서.pptx
+++ b/document/데이터테이블 문서.pptx
@@ -8796,7 +8796,7 @@
           <p:nvPr>
             <p:extLst>
               <p:ext uri="{D42A27DB-BD31-4B8C-83A1-F6EECF244321}">
-                <p14:modId xmlns:p14="http://schemas.microsoft.com/office/powerpoint/2010/main" val="667989186"/>
+                <p14:modId xmlns:p14="http://schemas.microsoft.com/office/powerpoint/2010/main" val="1570919827"/>
               </p:ext>
             </p:extLst>
           </p:nvPr>
@@ -9832,12 +9832,15 @@
                     <a:p>
                       <a:pPr algn="l" fontAlgn="ctr"/>
                       <a:r>
-                        <a:rPr lang="en-US" sz="1100" u="none" strike="noStrike" dirty="0">
+                        <a:rPr lang="en-US" sz="1100" b="0" i="0" u="none" strike="noStrike" dirty="0" err="1">
+                          <a:solidFill>
+                            <a:srgbClr val="000000"/>
+                          </a:solidFill>
                           <a:effectLst/>
                           <a:latin typeface="배달의민족 한나체 Air" panose="020B0600000101010101" pitchFamily="50" charset="-127"/>
                           <a:ea typeface="배달의민족 한나체 Air" panose="020B0600000101010101" pitchFamily="50" charset="-127"/>
                         </a:rPr>
-                        <a:t>Name</a:t>
+                        <a:t>TextContent</a:t>
                       </a:r>
                       <a:endParaRPr lang="en-US" sz="1100" b="0" i="0" u="none" strike="noStrike" dirty="0">
                         <a:solidFill>

--- a/document/데이터테이블 문서.pptx
+++ b/document/데이터테이블 문서.pptx
@@ -265,7 +265,7 @@
           <a:p>
             <a:fld id="{682C012E-4EBA-4799-9B2E-722E3D1B6301}" type="datetimeFigureOut">
               <a:rPr lang="ko-KR" altLang="en-US" smtClean="0"/>
-              <a:t>2025-02-08</a:t>
+              <a:t>2025-02-11</a:t>
             </a:fld>
             <a:endParaRPr lang="ko-KR" altLang="en-US"/>
           </a:p>
@@ -463,7 +463,7 @@
           <a:p>
             <a:fld id="{682C012E-4EBA-4799-9B2E-722E3D1B6301}" type="datetimeFigureOut">
               <a:rPr lang="ko-KR" altLang="en-US" smtClean="0"/>
-              <a:t>2025-02-08</a:t>
+              <a:t>2025-02-11</a:t>
             </a:fld>
             <a:endParaRPr lang="ko-KR" altLang="en-US"/>
           </a:p>
@@ -671,7 +671,7 @@
           <a:p>
             <a:fld id="{682C012E-4EBA-4799-9B2E-722E3D1B6301}" type="datetimeFigureOut">
               <a:rPr lang="ko-KR" altLang="en-US" smtClean="0"/>
-              <a:t>2025-02-08</a:t>
+              <a:t>2025-02-11</a:t>
             </a:fld>
             <a:endParaRPr lang="ko-KR" altLang="en-US"/>
           </a:p>
@@ -869,7 +869,7 @@
           <a:p>
             <a:fld id="{682C012E-4EBA-4799-9B2E-722E3D1B6301}" type="datetimeFigureOut">
               <a:rPr lang="ko-KR" altLang="en-US" smtClean="0"/>
-              <a:t>2025-02-08</a:t>
+              <a:t>2025-02-11</a:t>
             </a:fld>
             <a:endParaRPr lang="ko-KR" altLang="en-US"/>
           </a:p>
@@ -1144,7 +1144,7 @@
           <a:p>
             <a:fld id="{682C012E-4EBA-4799-9B2E-722E3D1B6301}" type="datetimeFigureOut">
               <a:rPr lang="ko-KR" altLang="en-US" smtClean="0"/>
-              <a:t>2025-02-08</a:t>
+              <a:t>2025-02-11</a:t>
             </a:fld>
             <a:endParaRPr lang="ko-KR" altLang="en-US"/>
           </a:p>
@@ -1409,7 +1409,7 @@
           <a:p>
             <a:fld id="{682C012E-4EBA-4799-9B2E-722E3D1B6301}" type="datetimeFigureOut">
               <a:rPr lang="ko-KR" altLang="en-US" smtClean="0"/>
-              <a:t>2025-02-08</a:t>
+              <a:t>2025-02-11</a:t>
             </a:fld>
             <a:endParaRPr lang="ko-KR" altLang="en-US"/>
           </a:p>
@@ -1821,7 +1821,7 @@
           <a:p>
             <a:fld id="{682C012E-4EBA-4799-9B2E-722E3D1B6301}" type="datetimeFigureOut">
               <a:rPr lang="ko-KR" altLang="en-US" smtClean="0"/>
-              <a:t>2025-02-08</a:t>
+              <a:t>2025-02-11</a:t>
             </a:fld>
             <a:endParaRPr lang="ko-KR" altLang="en-US"/>
           </a:p>
@@ -1962,7 +1962,7 @@
           <a:p>
             <a:fld id="{682C012E-4EBA-4799-9B2E-722E3D1B6301}" type="datetimeFigureOut">
               <a:rPr lang="ko-KR" altLang="en-US" smtClean="0"/>
-              <a:t>2025-02-08</a:t>
+              <a:t>2025-02-11</a:t>
             </a:fld>
             <a:endParaRPr lang="ko-KR" altLang="en-US"/>
           </a:p>
@@ -2075,7 +2075,7 @@
           <a:p>
             <a:fld id="{682C012E-4EBA-4799-9B2E-722E3D1B6301}" type="datetimeFigureOut">
               <a:rPr lang="ko-KR" altLang="en-US" smtClean="0"/>
-              <a:t>2025-02-08</a:t>
+              <a:t>2025-02-11</a:t>
             </a:fld>
             <a:endParaRPr lang="ko-KR" altLang="en-US"/>
           </a:p>
@@ -2386,7 +2386,7 @@
           <a:p>
             <a:fld id="{682C012E-4EBA-4799-9B2E-722E3D1B6301}" type="datetimeFigureOut">
               <a:rPr lang="ko-KR" altLang="en-US" smtClean="0"/>
-              <a:t>2025-02-08</a:t>
+              <a:t>2025-02-11</a:t>
             </a:fld>
             <a:endParaRPr lang="ko-KR" altLang="en-US"/>
           </a:p>
@@ -2674,7 +2674,7 @@
           <a:p>
             <a:fld id="{682C012E-4EBA-4799-9B2E-722E3D1B6301}" type="datetimeFigureOut">
               <a:rPr lang="ko-KR" altLang="en-US" smtClean="0"/>
-              <a:t>2025-02-08</a:t>
+              <a:t>2025-02-11</a:t>
             </a:fld>
             <a:endParaRPr lang="ko-KR" altLang="en-US"/>
           </a:p>
@@ -2915,7 +2915,7 @@
           <a:p>
             <a:fld id="{682C012E-4EBA-4799-9B2E-722E3D1B6301}" type="datetimeFigureOut">
               <a:rPr lang="ko-KR" altLang="en-US" smtClean="0"/>
-              <a:t>2025-02-08</a:t>
+              <a:t>2025-02-11</a:t>
             </a:fld>
             <a:endParaRPr lang="ko-KR" altLang="en-US"/>
           </a:p>
@@ -17356,7 +17356,7 @@
         <p:spPr>
           <a:xfrm>
             <a:off x="593986" y="88760"/>
-            <a:ext cx="2497800" cy="461665"/>
+            <a:ext cx="2502608" cy="461665"/>
           </a:xfrm>
           <a:prstGeom prst="rect">
             <a:avLst/>
@@ -17381,7 +17381,7 @@
                 <a:latin typeface="배달의민족 한나체 Pro" panose="020B0600000101010101" pitchFamily="50" charset="-127"/>
                 <a:ea typeface="배달의민족 한나체 Pro" panose="020B0600000101010101" pitchFamily="50" charset="-127"/>
               </a:rPr>
-              <a:t>방해 이벤트 관계도</a:t>
+              <a:t>대화 이벤트 관계도</a:t>
             </a:r>
             <a:endParaRPr lang="en-US" altLang="ko-KR" sz="2400" dirty="0">
               <a:latin typeface="배달의민족 한나체 Pro" panose="020B0600000101010101" pitchFamily="50" charset="-127"/>
@@ -17484,7 +17484,7 @@
         </p:nvGrpSpPr>
         <p:grpSpPr>
           <a:xfrm>
-            <a:off x="8408504" y="1444393"/>
+            <a:off x="5367130" y="1826326"/>
             <a:ext cx="3313043" cy="2315209"/>
             <a:chOff x="766689" y="1737360"/>
             <a:chExt cx="2042772" cy="2868215"/>
@@ -17969,6 +17969,266 @@
           </p:txBody>
         </p:sp>
       </p:grpSp>
+      <p:grpSp>
+        <p:nvGrpSpPr>
+          <p:cNvPr id="2" name="그룹 1">
+            <a:extLst>
+              <a:ext uri="{FF2B5EF4-FFF2-40B4-BE49-F238E27FC236}">
+                <a16:creationId xmlns:a16="http://schemas.microsoft.com/office/drawing/2014/main" id="{CE3B2049-4542-1AD2-1016-AADC5C035BAB}"/>
+              </a:ext>
+            </a:extLst>
+          </p:cNvPr>
+          <p:cNvGrpSpPr/>
+          <p:nvPr/>
+        </p:nvGrpSpPr>
+        <p:grpSpPr>
+          <a:xfrm>
+            <a:off x="5918819" y="5372028"/>
+            <a:ext cx="2209664" cy="807105"/>
+            <a:chOff x="766689" y="1737360"/>
+            <a:chExt cx="2042772" cy="999888"/>
+          </a:xfrm>
+        </p:grpSpPr>
+        <p:sp>
+          <p:nvSpPr>
+            <p:cNvPr id="3" name="직사각형 2">
+              <a:extLst>
+                <a:ext uri="{FF2B5EF4-FFF2-40B4-BE49-F238E27FC236}">
+                  <a16:creationId xmlns:a16="http://schemas.microsoft.com/office/drawing/2014/main" id="{749FBD2A-C32B-9363-BD05-D8375A68DA8C}"/>
+                </a:ext>
+              </a:extLst>
+            </p:cNvPr>
+            <p:cNvSpPr/>
+            <p:nvPr/>
+          </p:nvSpPr>
+          <p:spPr>
+            <a:xfrm>
+              <a:off x="766689" y="1737360"/>
+              <a:ext cx="2042772" cy="351692"/>
+            </a:xfrm>
+            <a:prstGeom prst="rect">
+              <a:avLst/>
+            </a:prstGeom>
+          </p:spPr>
+          <p:style>
+            <a:lnRef idx="2">
+              <a:schemeClr val="accent1">
+                <a:shade val="15000"/>
+              </a:schemeClr>
+            </a:lnRef>
+            <a:fillRef idx="1">
+              <a:schemeClr val="accent1"/>
+            </a:fillRef>
+            <a:effectRef idx="0">
+              <a:schemeClr val="accent1"/>
+            </a:effectRef>
+            <a:fontRef idx="minor">
+              <a:schemeClr val="lt1"/>
+            </a:fontRef>
+          </p:style>
+          <p:txBody>
+            <a:bodyPr rtlCol="0" anchor="ctr"/>
+            <a:lstStyle/>
+            <a:p>
+              <a:pPr algn="ctr"/>
+              <a:r>
+                <a:rPr lang="en-US" altLang="ko-KR" sz="1600" dirty="0">
+                  <a:latin typeface="배달의민족 한나체 Pro" panose="020B0600000101010101" pitchFamily="50" charset="-127"/>
+                  <a:ea typeface="배달의민족 한나체 Pro" panose="020B0600000101010101" pitchFamily="50" charset="-127"/>
+                </a:rPr>
+                <a:t>Text</a:t>
+              </a:r>
+              <a:r>
+                <a:rPr lang="ko-KR" altLang="en-US" sz="1600" dirty="0">
+                  <a:latin typeface="배달의민족 한나체 Pro" panose="020B0600000101010101" pitchFamily="50" charset="-127"/>
+                  <a:ea typeface="배달의민족 한나체 Pro" panose="020B0600000101010101" pitchFamily="50" charset="-127"/>
+                </a:rPr>
+                <a:t> </a:t>
+              </a:r>
+              <a:r>
+                <a:rPr lang="en-US" altLang="ko-KR" sz="1600" dirty="0">
+                  <a:latin typeface="배달의민족 한나체 Pro" panose="020B0600000101010101" pitchFamily="50" charset="-127"/>
+                  <a:ea typeface="배달의민족 한나체 Pro" panose="020B0600000101010101" pitchFamily="50" charset="-127"/>
+                </a:rPr>
+                <a:t>DT</a:t>
+              </a:r>
+              <a:endParaRPr lang="ko-KR" altLang="en-US" sz="1600" dirty="0">
+                <a:latin typeface="배달의민족 한나체 Pro" panose="020B0600000101010101" pitchFamily="50" charset="-127"/>
+                <a:ea typeface="배달의민족 한나체 Pro" panose="020B0600000101010101" pitchFamily="50" charset="-127"/>
+              </a:endParaRPr>
+            </a:p>
+          </p:txBody>
+        </p:sp>
+        <p:sp>
+          <p:nvSpPr>
+            <p:cNvPr id="4" name="TextBox 3">
+              <a:extLst>
+                <a:ext uri="{FF2B5EF4-FFF2-40B4-BE49-F238E27FC236}">
+                  <a16:creationId xmlns:a16="http://schemas.microsoft.com/office/drawing/2014/main" id="{65FA0280-50B0-BF69-2796-EDE32EF86C2F}"/>
+                </a:ext>
+              </a:extLst>
+            </p:cNvPr>
+            <p:cNvSpPr txBox="1"/>
+            <p:nvPr/>
+          </p:nvSpPr>
+          <p:spPr>
+            <a:xfrm>
+              <a:off x="766689" y="2089053"/>
+              <a:ext cx="2042772" cy="648195"/>
+            </a:xfrm>
+            <a:prstGeom prst="rect">
+              <a:avLst/>
+            </a:prstGeom>
+            <a:noFill/>
+            <a:ln w="19050">
+              <a:solidFill>
+                <a:schemeClr val="tx1"/>
+              </a:solidFill>
+            </a:ln>
+          </p:spPr>
+          <p:txBody>
+            <a:bodyPr wrap="square" rtlCol="0">
+              <a:spAutoFit/>
+            </a:bodyPr>
+            <a:lstStyle/>
+            <a:p>
+              <a:pPr marL="285750" indent="-285750">
+                <a:buFontTx/>
+                <a:buChar char="-"/>
+              </a:pPr>
+              <a:r>
+                <a:rPr lang="en-US" altLang="ko-KR" sz="1400" dirty="0">
+                  <a:latin typeface="배달의민족 한나체 Pro" panose="020B0600000101010101" pitchFamily="50" charset="-127"/>
+                  <a:ea typeface="배달의민족 한나체 Pro" panose="020B0600000101010101" pitchFamily="50" charset="-127"/>
+                </a:rPr>
+                <a:t>ID </a:t>
+              </a:r>
+              <a:r>
+                <a:rPr lang="en-US" altLang="ko-KR" sz="1050" dirty="0">
+                  <a:latin typeface="배달의민족 한나체 Air" panose="020B0600000101010101" pitchFamily="50" charset="-127"/>
+                  <a:ea typeface="배달의민족 한나체 Air" panose="020B0600000101010101" pitchFamily="50" charset="-127"/>
+                </a:rPr>
+                <a:t>(</a:t>
+              </a:r>
+              <a:r>
+                <a:rPr lang="ko-KR" altLang="en-US" sz="1050" dirty="0">
+                  <a:latin typeface="배달의민족 한나체 Air" panose="020B0600000101010101" pitchFamily="50" charset="-127"/>
+                  <a:ea typeface="배달의민족 한나체 Air" panose="020B0600000101010101" pitchFamily="50" charset="-127"/>
+                </a:rPr>
+                <a:t>텍스트 </a:t>
+              </a:r>
+              <a:r>
+                <a:rPr lang="en-US" altLang="ko-KR" sz="1050" dirty="0">
+                  <a:latin typeface="배달의민족 한나체 Air" panose="020B0600000101010101" pitchFamily="50" charset="-127"/>
+                  <a:ea typeface="배달의민족 한나체 Air" panose="020B0600000101010101" pitchFamily="50" charset="-127"/>
+                </a:rPr>
+                <a:t>ID)</a:t>
+              </a:r>
+              <a:endParaRPr lang="en-US" altLang="ko-KR" sz="1050" dirty="0">
+                <a:latin typeface="배달의민족 한나체 Pro" panose="020B0600000101010101" pitchFamily="50" charset="-127"/>
+                <a:ea typeface="배달의민족 한나체 Pro" panose="020B0600000101010101" pitchFamily="50" charset="-127"/>
+              </a:endParaRPr>
+            </a:p>
+            <a:p>
+              <a:pPr marL="285750" indent="-285750">
+                <a:buFontTx/>
+                <a:buChar char="-"/>
+              </a:pPr>
+              <a:r>
+                <a:rPr lang="en-US" altLang="ko-KR" sz="1400" dirty="0" err="1">
+                  <a:latin typeface="배달의민족 한나체 Pro" panose="020B0600000101010101" pitchFamily="50" charset="-127"/>
+                  <a:ea typeface="배달의민족 한나체 Pro" panose="020B0600000101010101" pitchFamily="50" charset="-127"/>
+                </a:rPr>
+                <a:t>TextContent</a:t>
+              </a:r>
+              <a:r>
+                <a:rPr lang="en-US" altLang="ko-KR" sz="1200" dirty="0">
+                  <a:latin typeface="배달의민족 한나체 Air" panose="020B0600000101010101" pitchFamily="50" charset="-127"/>
+                  <a:ea typeface="배달의민족 한나체 Air" panose="020B0600000101010101" pitchFamily="50" charset="-127"/>
+                </a:rPr>
+                <a:t> </a:t>
+              </a:r>
+              <a:r>
+                <a:rPr lang="en-US" altLang="ko-KR" sz="1050" dirty="0">
+                  <a:latin typeface="배달의민족 한나체 Air" panose="020B0600000101010101" pitchFamily="50" charset="-127"/>
+                  <a:ea typeface="배달의민족 한나체 Air" panose="020B0600000101010101" pitchFamily="50" charset="-127"/>
+                </a:rPr>
+                <a:t>(Text</a:t>
+              </a:r>
+              <a:r>
+                <a:rPr lang="ko-KR" altLang="en-US" sz="1050" dirty="0">
+                  <a:latin typeface="배달의민족 한나체 Air" panose="020B0600000101010101" pitchFamily="50" charset="-127"/>
+                  <a:ea typeface="배달의민족 한나체 Air" panose="020B0600000101010101" pitchFamily="50" charset="-127"/>
+                </a:rPr>
+                <a:t>내용</a:t>
+              </a:r>
+              <a:r>
+                <a:rPr lang="en-US" altLang="ko-KR" sz="1050" dirty="0">
+                  <a:latin typeface="배달의민족 한나체 Air" panose="020B0600000101010101" pitchFamily="50" charset="-127"/>
+                  <a:ea typeface="배달의민족 한나체 Air" panose="020B0600000101010101" pitchFamily="50" charset="-127"/>
+                </a:rPr>
+                <a:t>)</a:t>
+              </a:r>
+              <a:endParaRPr lang="en-US" altLang="ko-KR" sz="1200" dirty="0">
+                <a:latin typeface="배달의민족 한나체 Air" panose="020B0600000101010101" pitchFamily="50" charset="-127"/>
+                <a:ea typeface="배달의민족 한나체 Air" panose="020B0600000101010101" pitchFamily="50" charset="-127"/>
+              </a:endParaRPr>
+            </a:p>
+          </p:txBody>
+        </p:sp>
+      </p:grpSp>
+      <p:sp>
+        <p:nvSpPr>
+          <p:cNvPr id="7" name="화살표: 아래쪽 6">
+            <a:extLst>
+              <a:ext uri="{FF2B5EF4-FFF2-40B4-BE49-F238E27FC236}">
+                <a16:creationId xmlns:a16="http://schemas.microsoft.com/office/drawing/2014/main" id="{06BF8A7E-72B8-B412-9B05-1E91C97DD06B}"/>
+              </a:ext>
+            </a:extLst>
+          </p:cNvPr>
+          <p:cNvSpPr/>
+          <p:nvPr/>
+        </p:nvSpPr>
+        <p:spPr>
+          <a:xfrm>
+            <a:off x="6685721" y="4177863"/>
+            <a:ext cx="675860" cy="1157836"/>
+          </a:xfrm>
+          <a:prstGeom prst="downArrow">
+            <a:avLst/>
+          </a:prstGeom>
+          <a:solidFill>
+            <a:srgbClr val="0070C0"/>
+          </a:solidFill>
+          <a:ln>
+            <a:noFill/>
+          </a:ln>
+        </p:spPr>
+        <p:style>
+          <a:lnRef idx="2">
+            <a:schemeClr val="accent1">
+              <a:shade val="15000"/>
+            </a:schemeClr>
+          </a:lnRef>
+          <a:fillRef idx="1">
+            <a:schemeClr val="accent1"/>
+          </a:fillRef>
+          <a:effectRef idx="0">
+            <a:schemeClr val="accent1"/>
+          </a:effectRef>
+          <a:fontRef idx="minor">
+            <a:schemeClr val="lt1"/>
+          </a:fontRef>
+        </p:style>
+        <p:txBody>
+          <a:bodyPr rtlCol="0" anchor="ctr"/>
+          <a:lstStyle/>
+          <a:p>
+            <a:pPr algn="ctr"/>
+            <a:endParaRPr lang="ko-KR" altLang="en-US"/>
+          </a:p>
+        </p:txBody>
+      </p:sp>
     </p:spTree>
     <p:extLst>
       <p:ext uri="{BB962C8B-B14F-4D97-AF65-F5344CB8AC3E}">

--- a/document/데이터테이블 문서.pptx
+++ b/document/데이터테이블 문서.pptx
@@ -9052,7 +9052,7 @@
           <p:nvPr>
             <p:extLst>
               <p:ext uri="{D42A27DB-BD31-4B8C-83A1-F6EECF244321}">
-                <p14:modId xmlns:p14="http://schemas.microsoft.com/office/powerpoint/2010/main" val="2262477702"/>
+                <p14:modId xmlns:p14="http://schemas.microsoft.com/office/powerpoint/2010/main" val="3561663059"/>
               </p:ext>
             </p:extLst>
           </p:nvPr>
@@ -10272,7 +10272,7 @@
                           <a:latin typeface="배달의민족 한나체 Air" panose="020B0600000101010101" pitchFamily="50" charset="-127"/>
                           <a:ea typeface="배달의민족 한나체 Air" panose="020B0600000101010101" pitchFamily="50" charset="-127"/>
                         </a:rPr>
-                        <a:t>3xxx</a:t>
+                        <a:t>2xxx</a:t>
                       </a:r>
                     </a:p>
                   </a:txBody>
@@ -17484,7 +17484,7 @@
         </p:nvGrpSpPr>
         <p:grpSpPr>
           <a:xfrm>
-            <a:off x="5367130" y="1826326"/>
+            <a:off x="922445" y="1410958"/>
             <a:ext cx="3313043" cy="2315209"/>
             <a:chOff x="766689" y="1737360"/>
             <a:chExt cx="2042772" cy="2868215"/>
@@ -17983,7 +17983,7 @@
         </p:nvGrpSpPr>
         <p:grpSpPr>
           <a:xfrm>
-            <a:off x="5918819" y="5372028"/>
+            <a:off x="1474134" y="4956660"/>
             <a:ext cx="2209664" cy="807105"/>
             <a:chOff x="766689" y="1737360"/>
             <a:chExt cx="2042772" cy="999888"/>
@@ -18191,7 +18191,7 @@
         </p:nvSpPr>
         <p:spPr>
           <a:xfrm>
-            <a:off x="6685721" y="4177863"/>
+            <a:off x="2241036" y="3762495"/>
             <a:ext cx="675860" cy="1157836"/>
           </a:xfrm>
           <a:prstGeom prst="downArrow">
@@ -18226,6 +18226,1319 @@
           <a:p>
             <a:pPr algn="ctr"/>
             <a:endParaRPr lang="ko-KR" altLang="en-US"/>
+          </a:p>
+        </p:txBody>
+      </p:sp>
+      <p:sp>
+        <p:nvSpPr>
+          <p:cNvPr id="8" name="직사각형 7">
+            <a:extLst>
+              <a:ext uri="{FF2B5EF4-FFF2-40B4-BE49-F238E27FC236}">
+                <a16:creationId xmlns:a16="http://schemas.microsoft.com/office/drawing/2014/main" id="{1FF22784-0969-368E-56F3-4C1B21A6A0F9}"/>
+              </a:ext>
+            </a:extLst>
+          </p:cNvPr>
+          <p:cNvSpPr/>
+          <p:nvPr/>
+        </p:nvSpPr>
+        <p:spPr>
+          <a:xfrm>
+            <a:off x="1190728" y="3063977"/>
+            <a:ext cx="2789583" cy="212035"/>
+          </a:xfrm>
+          <a:prstGeom prst="rect">
+            <a:avLst/>
+          </a:prstGeom>
+          <a:noFill/>
+          <a:ln w="38100">
+            <a:solidFill>
+              <a:srgbClr val="0070C0"/>
+            </a:solidFill>
+          </a:ln>
+        </p:spPr>
+        <p:style>
+          <a:lnRef idx="2">
+            <a:schemeClr val="accent1">
+              <a:shade val="15000"/>
+            </a:schemeClr>
+          </a:lnRef>
+          <a:fillRef idx="1">
+            <a:schemeClr val="accent1"/>
+          </a:fillRef>
+          <a:effectRef idx="0">
+            <a:schemeClr val="accent1"/>
+          </a:effectRef>
+          <a:fontRef idx="minor">
+            <a:schemeClr val="lt1"/>
+          </a:fontRef>
+        </p:style>
+        <p:txBody>
+          <a:bodyPr rtlCol="0" anchor="ctr"/>
+          <a:lstStyle/>
+          <a:p>
+            <a:pPr algn="ctr"/>
+            <a:endParaRPr lang="ko-KR" altLang="en-US"/>
+          </a:p>
+        </p:txBody>
+      </p:sp>
+      <p:grpSp>
+        <p:nvGrpSpPr>
+          <p:cNvPr id="9" name="그룹 8">
+            <a:extLst>
+              <a:ext uri="{FF2B5EF4-FFF2-40B4-BE49-F238E27FC236}">
+                <a16:creationId xmlns:a16="http://schemas.microsoft.com/office/drawing/2014/main" id="{FD40C003-F826-C7DF-2809-8BF805EAD4BB}"/>
+              </a:ext>
+            </a:extLst>
+          </p:cNvPr>
+          <p:cNvGrpSpPr/>
+          <p:nvPr/>
+        </p:nvGrpSpPr>
+        <p:grpSpPr>
+          <a:xfrm>
+            <a:off x="8176586" y="1356488"/>
+            <a:ext cx="3313043" cy="2315209"/>
+            <a:chOff x="766689" y="1737360"/>
+            <a:chExt cx="2042772" cy="2868215"/>
+          </a:xfrm>
+        </p:grpSpPr>
+        <p:sp>
+          <p:nvSpPr>
+            <p:cNvPr id="10" name="직사각형 9">
+              <a:extLst>
+                <a:ext uri="{FF2B5EF4-FFF2-40B4-BE49-F238E27FC236}">
+                  <a16:creationId xmlns:a16="http://schemas.microsoft.com/office/drawing/2014/main" id="{79A3F878-22CB-4E35-EAE3-2E3BC3E50A28}"/>
+                </a:ext>
+              </a:extLst>
+            </p:cNvPr>
+            <p:cNvSpPr/>
+            <p:nvPr/>
+          </p:nvSpPr>
+          <p:spPr>
+            <a:xfrm>
+              <a:off x="766689" y="1737360"/>
+              <a:ext cx="2042772" cy="351692"/>
+            </a:xfrm>
+            <a:prstGeom prst="rect">
+              <a:avLst/>
+            </a:prstGeom>
+          </p:spPr>
+          <p:style>
+            <a:lnRef idx="2">
+              <a:schemeClr val="accent1">
+                <a:shade val="15000"/>
+              </a:schemeClr>
+            </a:lnRef>
+            <a:fillRef idx="1">
+              <a:schemeClr val="accent1"/>
+            </a:fillRef>
+            <a:effectRef idx="0">
+              <a:schemeClr val="accent1"/>
+            </a:effectRef>
+            <a:fontRef idx="minor">
+              <a:schemeClr val="lt1"/>
+            </a:fontRef>
+          </p:style>
+          <p:txBody>
+            <a:bodyPr rtlCol="0" anchor="ctr"/>
+            <a:lstStyle/>
+            <a:p>
+              <a:pPr algn="ctr"/>
+              <a:r>
+                <a:rPr lang="en-US" altLang="ko-KR" sz="1600" dirty="0">
+                  <a:latin typeface="배달의민족 한나체 Pro" panose="020B0600000101010101" pitchFamily="50" charset="-127"/>
+                  <a:ea typeface="배달의민족 한나체 Pro" panose="020B0600000101010101" pitchFamily="50" charset="-127"/>
+                </a:rPr>
+                <a:t>Next  Pos Talking</a:t>
+              </a:r>
+              <a:r>
+                <a:rPr lang="ko-KR" altLang="en-US" sz="1600" dirty="0">
+                  <a:latin typeface="배달의민족 한나체 Pro" panose="020B0600000101010101" pitchFamily="50" charset="-127"/>
+                  <a:ea typeface="배달의민족 한나체 Pro" panose="020B0600000101010101" pitchFamily="50" charset="-127"/>
+                </a:rPr>
+                <a:t> </a:t>
+              </a:r>
+              <a:r>
+                <a:rPr lang="en-US" altLang="ko-KR" sz="1600" dirty="0">
+                  <a:latin typeface="배달의민족 한나체 Pro" panose="020B0600000101010101" pitchFamily="50" charset="-127"/>
+                  <a:ea typeface="배달의민족 한나체 Pro" panose="020B0600000101010101" pitchFamily="50" charset="-127"/>
+                </a:rPr>
+                <a:t>DT</a:t>
+              </a:r>
+              <a:endParaRPr lang="ko-KR" altLang="en-US" sz="1600" dirty="0">
+                <a:latin typeface="배달의민족 한나체 Pro" panose="020B0600000101010101" pitchFamily="50" charset="-127"/>
+                <a:ea typeface="배달의민족 한나체 Pro" panose="020B0600000101010101" pitchFamily="50" charset="-127"/>
+              </a:endParaRPr>
+            </a:p>
+          </p:txBody>
+        </p:sp>
+        <p:sp>
+          <p:nvSpPr>
+            <p:cNvPr id="11" name="TextBox 10">
+              <a:extLst>
+                <a:ext uri="{FF2B5EF4-FFF2-40B4-BE49-F238E27FC236}">
+                  <a16:creationId xmlns:a16="http://schemas.microsoft.com/office/drawing/2014/main" id="{6B7B08F2-E371-CA00-1CE7-8379F8BCB5C3}"/>
+                </a:ext>
+              </a:extLst>
+            </p:cNvPr>
+            <p:cNvSpPr txBox="1"/>
+            <p:nvPr/>
+          </p:nvSpPr>
+          <p:spPr>
+            <a:xfrm>
+              <a:off x="766689" y="2089052"/>
+              <a:ext cx="2042772" cy="2516523"/>
+            </a:xfrm>
+            <a:prstGeom prst="rect">
+              <a:avLst/>
+            </a:prstGeom>
+            <a:noFill/>
+            <a:ln w="19050">
+              <a:solidFill>
+                <a:schemeClr val="tx1"/>
+              </a:solidFill>
+            </a:ln>
+          </p:spPr>
+          <p:txBody>
+            <a:bodyPr wrap="square" rtlCol="0">
+              <a:spAutoFit/>
+            </a:bodyPr>
+            <a:lstStyle/>
+            <a:p>
+              <a:pPr marL="285750" indent="-285750">
+                <a:buFontTx/>
+                <a:buChar char="-"/>
+              </a:pPr>
+              <a:r>
+                <a:rPr lang="en-US" altLang="ko-KR" sz="1400" dirty="0">
+                  <a:latin typeface="배달의민족 한나체 Pro" panose="020B0600000101010101" pitchFamily="50" charset="-127"/>
+                  <a:ea typeface="배달의민족 한나체 Pro" panose="020B0600000101010101" pitchFamily="50" charset="-127"/>
+                </a:rPr>
+                <a:t>ID </a:t>
+              </a:r>
+              <a:r>
+                <a:rPr lang="en-US" altLang="ko-KR" sz="1050" dirty="0">
+                  <a:latin typeface="배달의민족 한나체 Air" panose="020B0600000101010101" pitchFamily="50" charset="-127"/>
+                  <a:ea typeface="배달의민족 한나체 Air" panose="020B0600000101010101" pitchFamily="50" charset="-127"/>
+                </a:rPr>
+                <a:t>(</a:t>
+              </a:r>
+              <a:r>
+                <a:rPr lang="ko-KR" altLang="en-US" sz="1050" dirty="0">
+                  <a:latin typeface="배달의민족 한나체 Air" panose="020B0600000101010101" pitchFamily="50" charset="-127"/>
+                  <a:ea typeface="배달의민족 한나체 Air" panose="020B0600000101010101" pitchFamily="50" charset="-127"/>
+                </a:rPr>
+                <a:t>대화 </a:t>
+              </a:r>
+              <a:r>
+                <a:rPr lang="en-US" altLang="ko-KR" sz="1050" dirty="0">
+                  <a:latin typeface="배달의민족 한나체 Air" panose="020B0600000101010101" pitchFamily="50" charset="-127"/>
+                  <a:ea typeface="배달의민족 한나체 Air" panose="020B0600000101010101" pitchFamily="50" charset="-127"/>
+                </a:rPr>
+                <a:t>ID)</a:t>
+              </a:r>
+            </a:p>
+            <a:p>
+              <a:pPr marL="285750" indent="-285750">
+                <a:buFontTx/>
+                <a:buChar char="-"/>
+              </a:pPr>
+              <a:r>
+                <a:rPr lang="en-US" altLang="ko-KR" sz="1400" dirty="0">
+                  <a:latin typeface="배달의민족 한나체 Pro" panose="020B0600000101010101" pitchFamily="50" charset="-127"/>
+                  <a:ea typeface="배달의민족 한나체 Pro" panose="020B0600000101010101" pitchFamily="50" charset="-127"/>
+                </a:rPr>
+                <a:t>Name </a:t>
+              </a:r>
+              <a:r>
+                <a:rPr lang="en-US" altLang="ko-KR" sz="1050" dirty="0">
+                  <a:latin typeface="배달의민족 한나체 Air" panose="020B0600000101010101" pitchFamily="50" charset="-127"/>
+                  <a:ea typeface="배달의민족 한나체 Air" panose="020B0600000101010101" pitchFamily="50" charset="-127"/>
+                </a:rPr>
+                <a:t>(</a:t>
+              </a:r>
+              <a:r>
+                <a:rPr lang="ko-KR" altLang="en-US" sz="1050" dirty="0">
+                  <a:latin typeface="배달의민족 한나체 Air" panose="020B0600000101010101" pitchFamily="50" charset="-127"/>
+                  <a:ea typeface="배달의민족 한나체 Air" panose="020B0600000101010101" pitchFamily="50" charset="-127"/>
+                </a:rPr>
+                <a:t>대화 이름</a:t>
+              </a:r>
+              <a:r>
+                <a:rPr lang="en-US" altLang="ko-KR" sz="1050" dirty="0">
+                  <a:latin typeface="배달의민족 한나체 Air" panose="020B0600000101010101" pitchFamily="50" charset="-127"/>
+                  <a:ea typeface="배달의민족 한나체 Air" panose="020B0600000101010101" pitchFamily="50" charset="-127"/>
+                </a:rPr>
+                <a:t>)</a:t>
+              </a:r>
+              <a:endParaRPr lang="en-US" altLang="ko-KR" sz="1400" dirty="0">
+                <a:latin typeface="배달의민족 한나체 Air" panose="020B0600000101010101" pitchFamily="50" charset="-127"/>
+                <a:ea typeface="배달의민족 한나체 Air" panose="020B0600000101010101" pitchFamily="50" charset="-127"/>
+              </a:endParaRPr>
+            </a:p>
+            <a:p>
+              <a:pPr marL="285750" indent="-285750">
+                <a:buFontTx/>
+                <a:buChar char="-"/>
+              </a:pPr>
+              <a:r>
+                <a:rPr lang="en-US" altLang="ko-KR" sz="1400" dirty="0">
+                  <a:latin typeface="배달의민족 한나체 Pro" panose="020B0600000101010101" pitchFamily="50" charset="-127"/>
+                  <a:ea typeface="배달의민족 한나체 Pro" panose="020B0600000101010101" pitchFamily="50" charset="-127"/>
+                </a:rPr>
+                <a:t>Type </a:t>
+              </a:r>
+              <a:r>
+                <a:rPr lang="en-US" altLang="ko-KR" sz="1050" dirty="0">
+                  <a:latin typeface="배달의민족 한나체 Air" panose="020B0600000101010101" pitchFamily="50" charset="-127"/>
+                  <a:ea typeface="배달의민족 한나체 Air" panose="020B0600000101010101" pitchFamily="50" charset="-127"/>
+                </a:rPr>
+                <a:t>(</a:t>
+              </a:r>
+              <a:r>
+                <a:rPr lang="ko-KR" altLang="en-US" sz="1050" dirty="0">
+                  <a:latin typeface="배달의민족 한나체 Air" panose="020B0600000101010101" pitchFamily="50" charset="-127"/>
+                  <a:ea typeface="배달의민족 한나체 Air" panose="020B0600000101010101" pitchFamily="50" charset="-127"/>
+                </a:rPr>
+                <a:t>대화의 타입</a:t>
+              </a:r>
+              <a:r>
+                <a:rPr lang="en-US" altLang="ko-KR" sz="1050" dirty="0">
+                  <a:latin typeface="배달의민족 한나체 Air" panose="020B0600000101010101" pitchFamily="50" charset="-127"/>
+                  <a:ea typeface="배달의민족 한나체 Air" panose="020B0600000101010101" pitchFamily="50" charset="-127"/>
+                </a:rPr>
+                <a:t>)</a:t>
+              </a:r>
+              <a:endParaRPr lang="en-US" altLang="ko-KR" sz="1400" dirty="0">
+                <a:latin typeface="배달의민족 한나체 Air" panose="020B0600000101010101" pitchFamily="50" charset="-127"/>
+                <a:ea typeface="배달의민족 한나체 Air" panose="020B0600000101010101" pitchFamily="50" charset="-127"/>
+              </a:endParaRPr>
+            </a:p>
+            <a:p>
+              <a:pPr marL="285750" indent="-285750">
+                <a:buFontTx/>
+                <a:buChar char="-"/>
+              </a:pPr>
+              <a:r>
+                <a:rPr lang="en-US" altLang="ko-KR" sz="1400" dirty="0" err="1">
+                  <a:latin typeface="배달의민족 한나체 Pro" panose="020B0600000101010101" pitchFamily="50" charset="-127"/>
+                  <a:ea typeface="배달의민족 한나체 Pro" panose="020B0600000101010101" pitchFamily="50" charset="-127"/>
+                </a:rPr>
+                <a:t>MainText</a:t>
+              </a:r>
+              <a:r>
+                <a:rPr lang="en-US" altLang="ko-KR" sz="1400" dirty="0">
+                  <a:latin typeface="배달의민족 한나체 Pro" panose="020B0600000101010101" pitchFamily="50" charset="-127"/>
+                  <a:ea typeface="배달의민족 한나체 Pro" panose="020B0600000101010101" pitchFamily="50" charset="-127"/>
+                </a:rPr>
+                <a:t> </a:t>
+              </a:r>
+              <a:r>
+                <a:rPr lang="en-US" altLang="ko-KR" sz="1050" dirty="0">
+                  <a:latin typeface="배달의민족 한나체 Air" panose="020B0600000101010101" pitchFamily="50" charset="-127"/>
+                  <a:ea typeface="배달의민족 한나체 Air" panose="020B0600000101010101" pitchFamily="50" charset="-127"/>
+                </a:rPr>
+                <a:t>(</a:t>
+              </a:r>
+              <a:r>
+                <a:rPr lang="ko-KR" altLang="en-US" sz="1050" dirty="0">
+                  <a:latin typeface="배달의민족 한나체 Air" panose="020B0600000101010101" pitchFamily="50" charset="-127"/>
+                  <a:ea typeface="배달의민족 한나체 Air" panose="020B0600000101010101" pitchFamily="50" charset="-127"/>
+                </a:rPr>
+                <a:t>문자 텍스트</a:t>
+              </a:r>
+              <a:r>
+                <a:rPr lang="en-US" altLang="ko-KR" sz="1050" dirty="0">
+                  <a:latin typeface="배달의민족 한나체 Air" panose="020B0600000101010101" pitchFamily="50" charset="-127"/>
+                  <a:ea typeface="배달의민족 한나체 Air" panose="020B0600000101010101" pitchFamily="50" charset="-127"/>
+                </a:rPr>
+                <a:t>)</a:t>
+              </a:r>
+              <a:endParaRPr lang="en-US" altLang="ko-KR" sz="1400" dirty="0">
+                <a:latin typeface="배달의민족 한나체 Air" panose="020B0600000101010101" pitchFamily="50" charset="-127"/>
+                <a:ea typeface="배달의민족 한나체 Air" panose="020B0600000101010101" pitchFamily="50" charset="-127"/>
+              </a:endParaRPr>
+            </a:p>
+            <a:p>
+              <a:pPr marL="285750" indent="-285750">
+                <a:buFontTx/>
+                <a:buChar char="-"/>
+              </a:pPr>
+              <a:r>
+                <a:rPr lang="en-US" altLang="ko-KR" sz="1400" dirty="0" err="1">
+                  <a:latin typeface="배달의민족 한나체 Pro" panose="020B0600000101010101" pitchFamily="50" charset="-127"/>
+                  <a:ea typeface="배달의민족 한나체 Pro" panose="020B0600000101010101" pitchFamily="50" charset="-127"/>
+                </a:rPr>
+                <a:t>AnswerList</a:t>
+              </a:r>
+              <a:r>
+                <a:rPr lang="en-US" altLang="ko-KR" sz="1400" dirty="0">
+                  <a:latin typeface="배달의민족 한나체 Pro" panose="020B0600000101010101" pitchFamily="50" charset="-127"/>
+                  <a:ea typeface="배달의민족 한나체 Pro" panose="020B0600000101010101" pitchFamily="50" charset="-127"/>
+                </a:rPr>
+                <a:t> </a:t>
+              </a:r>
+              <a:r>
+                <a:rPr lang="en-US" altLang="ko-KR" sz="1050" dirty="0">
+                  <a:latin typeface="배달의민족 한나체 Air" panose="020B0600000101010101" pitchFamily="50" charset="-127"/>
+                  <a:ea typeface="배달의민족 한나체 Air" panose="020B0600000101010101" pitchFamily="50" charset="-127"/>
+                </a:rPr>
+                <a:t>(</a:t>
+              </a:r>
+              <a:r>
+                <a:rPr lang="ko-KR" altLang="en-US" sz="1050" dirty="0">
+                  <a:latin typeface="배달의민족 한나체 Air" panose="020B0600000101010101" pitchFamily="50" charset="-127"/>
+                  <a:ea typeface="배달의민족 한나체 Air" panose="020B0600000101010101" pitchFamily="50" charset="-127"/>
+                </a:rPr>
+                <a:t>답변에 이용될 </a:t>
+              </a:r>
+              <a:r>
+                <a:rPr lang="en-US" altLang="ko-KR" sz="1050" dirty="0">
+                  <a:latin typeface="배달의민족 한나체 Air" panose="020B0600000101010101" pitchFamily="50" charset="-127"/>
+                  <a:ea typeface="배달의민족 한나체 Air" panose="020B0600000101010101" pitchFamily="50" charset="-127"/>
+                </a:rPr>
+                <a:t>text </a:t>
+              </a:r>
+              <a:r>
+                <a:rPr lang="ko-KR" altLang="en-US" sz="1050" dirty="0">
+                  <a:latin typeface="배달의민족 한나체 Air" panose="020B0600000101010101" pitchFamily="50" charset="-127"/>
+                  <a:ea typeface="배달의민족 한나체 Air" panose="020B0600000101010101" pitchFamily="50" charset="-127"/>
+                </a:rPr>
+                <a:t>리스트</a:t>
+              </a:r>
+              <a:r>
+                <a:rPr lang="en-US" altLang="ko-KR" sz="1050" dirty="0">
+                  <a:latin typeface="배달의민족 한나체 Air" panose="020B0600000101010101" pitchFamily="50" charset="-127"/>
+                  <a:ea typeface="배달의민족 한나체 Air" panose="020B0600000101010101" pitchFamily="50" charset="-127"/>
+                </a:rPr>
+                <a:t>)</a:t>
+              </a:r>
+            </a:p>
+            <a:p>
+              <a:pPr marL="285750" indent="-285750">
+                <a:buFontTx/>
+                <a:buChar char="-"/>
+              </a:pPr>
+              <a:r>
+                <a:rPr lang="en-US" altLang="ko-KR" sz="1400" dirty="0" err="1">
+                  <a:latin typeface="배달의민족 한나체 Pro" panose="020B0600000101010101" pitchFamily="50" charset="-127"/>
+                  <a:ea typeface="배달의민족 한나체 Pro" panose="020B0600000101010101" pitchFamily="50" charset="-127"/>
+                </a:rPr>
+                <a:t>PositiveTextList</a:t>
+              </a:r>
+              <a:r>
+                <a:rPr lang="en-US" altLang="ko-KR" sz="1400" dirty="0">
+                  <a:latin typeface="배달의민족 한나체 Pro" panose="020B0600000101010101" pitchFamily="50" charset="-127"/>
+                  <a:ea typeface="배달의민족 한나체 Pro" panose="020B0600000101010101" pitchFamily="50" charset="-127"/>
+                </a:rPr>
+                <a:t> </a:t>
+              </a:r>
+              <a:r>
+                <a:rPr lang="en-US" altLang="ko-KR" sz="1050" dirty="0">
+                  <a:latin typeface="배달의민족 한나체 Air" panose="020B0600000101010101" pitchFamily="50" charset="-127"/>
+                  <a:ea typeface="배달의민족 한나체 Air" panose="020B0600000101010101" pitchFamily="50" charset="-127"/>
+                </a:rPr>
+                <a:t>(</a:t>
+              </a:r>
+              <a:r>
+                <a:rPr lang="ko-KR" altLang="en-US" sz="1050" dirty="0">
+                  <a:latin typeface="배달의민족 한나체 Air" panose="020B0600000101010101" pitchFamily="50" charset="-127"/>
+                  <a:ea typeface="배달의민족 한나체 Air" panose="020B0600000101010101" pitchFamily="50" charset="-127"/>
+                </a:rPr>
+                <a:t>긍정적인 텍스트 리스트</a:t>
+              </a:r>
+              <a:r>
+                <a:rPr lang="en-US" altLang="ko-KR" sz="1050" dirty="0">
+                  <a:latin typeface="배달의민족 한나체 Air" panose="020B0600000101010101" pitchFamily="50" charset="-127"/>
+                  <a:ea typeface="배달의민족 한나체 Air" panose="020B0600000101010101" pitchFamily="50" charset="-127"/>
+                </a:rPr>
+                <a:t>)</a:t>
+              </a:r>
+            </a:p>
+            <a:p>
+              <a:pPr marL="285750" indent="-285750">
+                <a:buFontTx/>
+                <a:buChar char="-"/>
+              </a:pPr>
+              <a:r>
+                <a:rPr lang="en-US" altLang="ko-KR" sz="1400" dirty="0" err="1">
+                  <a:latin typeface="배달의민족 한나체 Pro" panose="020B0600000101010101" pitchFamily="50" charset="-127"/>
+                  <a:ea typeface="배달의민족 한나체 Pro" panose="020B0600000101010101" pitchFamily="50" charset="-127"/>
+                </a:rPr>
+                <a:t>PositiveResultID</a:t>
+              </a:r>
+              <a:r>
+                <a:rPr lang="en-US" altLang="ko-KR" sz="1400" dirty="0">
+                  <a:latin typeface="배달의민족 한나체 Pro" panose="020B0600000101010101" pitchFamily="50" charset="-127"/>
+                  <a:ea typeface="배달의민족 한나체 Pro" panose="020B0600000101010101" pitchFamily="50" charset="-127"/>
+                </a:rPr>
+                <a:t> </a:t>
+              </a:r>
+              <a:r>
+                <a:rPr lang="en-US" altLang="ko-KR" sz="1050" dirty="0">
+                  <a:latin typeface="배달의민족 한나체 Air" panose="020B0600000101010101" pitchFamily="50" charset="-127"/>
+                  <a:ea typeface="배달의민족 한나체 Air" panose="020B0600000101010101" pitchFamily="50" charset="-127"/>
+                </a:rPr>
+                <a:t>(</a:t>
+              </a:r>
+              <a:r>
+                <a:rPr lang="ko-KR" altLang="en-US" sz="1050" dirty="0">
+                  <a:latin typeface="배달의민족 한나체 Air" panose="020B0600000101010101" pitchFamily="50" charset="-127"/>
+                  <a:ea typeface="배달의민족 한나체 Air" panose="020B0600000101010101" pitchFamily="50" charset="-127"/>
+                </a:rPr>
+                <a:t>긍정적인 답변 대화</a:t>
+              </a:r>
+              <a:r>
+                <a:rPr lang="en-US" altLang="ko-KR" sz="1050" dirty="0">
+                  <a:latin typeface="배달의민족 한나체 Air" panose="020B0600000101010101" pitchFamily="50" charset="-127"/>
+                  <a:ea typeface="배달의민족 한나체 Air" panose="020B0600000101010101" pitchFamily="50" charset="-127"/>
+                </a:rPr>
+                <a:t>ID)</a:t>
+              </a:r>
+            </a:p>
+            <a:p>
+              <a:pPr marL="285750" indent="-285750">
+                <a:buFontTx/>
+                <a:buChar char="-"/>
+              </a:pPr>
+              <a:r>
+                <a:rPr lang="en-US" altLang="ko-KR" sz="1400" dirty="0" err="1">
+                  <a:latin typeface="배달의민족 한나체 Pro" panose="020B0600000101010101" pitchFamily="50" charset="-127"/>
+                  <a:ea typeface="배달의민족 한나체 Pro" panose="020B0600000101010101" pitchFamily="50" charset="-127"/>
+                </a:rPr>
+                <a:t>NegativeTextList</a:t>
+              </a:r>
+              <a:r>
+                <a:rPr lang="en-US" altLang="ko-KR" sz="1400" dirty="0">
+                  <a:latin typeface="배달의민족 한나체 Pro" panose="020B0600000101010101" pitchFamily="50" charset="-127"/>
+                  <a:ea typeface="배달의민족 한나체 Pro" panose="020B0600000101010101" pitchFamily="50" charset="-127"/>
+                </a:rPr>
+                <a:t> </a:t>
+              </a:r>
+              <a:r>
+                <a:rPr lang="en-US" altLang="ko-KR" sz="1050" dirty="0">
+                  <a:latin typeface="배달의민족 한나체 Air" panose="020B0600000101010101" pitchFamily="50" charset="-127"/>
+                  <a:ea typeface="배달의민족 한나체 Air" panose="020B0600000101010101" pitchFamily="50" charset="-127"/>
+                </a:rPr>
+                <a:t>(</a:t>
+              </a:r>
+              <a:r>
+                <a:rPr lang="ko-KR" altLang="en-US" sz="1050" dirty="0">
+                  <a:latin typeface="배달의민족 한나체 Air" panose="020B0600000101010101" pitchFamily="50" charset="-127"/>
+                  <a:ea typeface="배달의민족 한나체 Air" panose="020B0600000101010101" pitchFamily="50" charset="-127"/>
+                </a:rPr>
+                <a:t>부정적인 텍스트 리스트</a:t>
+              </a:r>
+              <a:r>
+                <a:rPr lang="en-US" altLang="ko-KR" sz="1050" dirty="0">
+                  <a:latin typeface="배달의민족 한나체 Air" panose="020B0600000101010101" pitchFamily="50" charset="-127"/>
+                  <a:ea typeface="배달의민족 한나체 Air" panose="020B0600000101010101" pitchFamily="50" charset="-127"/>
+                </a:rPr>
+                <a:t>)</a:t>
+              </a:r>
+            </a:p>
+            <a:p>
+              <a:pPr marL="285750" indent="-285750">
+                <a:buFontTx/>
+                <a:buChar char="-"/>
+              </a:pPr>
+              <a:r>
+                <a:rPr lang="en-US" altLang="ko-KR" sz="1400" dirty="0" err="1">
+                  <a:latin typeface="배달의민족 한나체 Pro" panose="020B0600000101010101" pitchFamily="50" charset="-127"/>
+                  <a:ea typeface="배달의민족 한나체 Pro" panose="020B0600000101010101" pitchFamily="50" charset="-127"/>
+                </a:rPr>
+                <a:t>NegativeResultID</a:t>
+              </a:r>
+              <a:r>
+                <a:rPr lang="en-US" altLang="ko-KR" sz="1050" dirty="0">
+                  <a:latin typeface="배달의민족 한나체 Pro" panose="020B0600000101010101" pitchFamily="50" charset="-127"/>
+                  <a:ea typeface="배달의민족 한나체 Pro" panose="020B0600000101010101" pitchFamily="50" charset="-127"/>
+                </a:rPr>
+                <a:t> </a:t>
+              </a:r>
+              <a:r>
+                <a:rPr lang="en-US" altLang="ko-KR" sz="1050" dirty="0">
+                  <a:latin typeface="배달의민족 한나체 Air" panose="020B0600000101010101" pitchFamily="50" charset="-127"/>
+                  <a:ea typeface="배달의민족 한나체 Air" panose="020B0600000101010101" pitchFamily="50" charset="-127"/>
+                </a:rPr>
+                <a:t>(</a:t>
+              </a:r>
+              <a:r>
+                <a:rPr lang="ko-KR" altLang="en-US" sz="1050" dirty="0">
+                  <a:latin typeface="배달의민족 한나체 Air" panose="020B0600000101010101" pitchFamily="50" charset="-127"/>
+                  <a:ea typeface="배달의민족 한나체 Air" panose="020B0600000101010101" pitchFamily="50" charset="-127"/>
+                </a:rPr>
+                <a:t>부정적인 답변 대화</a:t>
+              </a:r>
+              <a:r>
+                <a:rPr lang="en-US" altLang="ko-KR" sz="1050" dirty="0">
+                  <a:latin typeface="배달의민족 한나체 Air" panose="020B0600000101010101" pitchFamily="50" charset="-127"/>
+                  <a:ea typeface="배달의민족 한나체 Air" panose="020B0600000101010101" pitchFamily="50" charset="-127"/>
+                </a:rPr>
+                <a:t>ID)</a:t>
+              </a:r>
+            </a:p>
+          </p:txBody>
+        </p:sp>
+      </p:grpSp>
+      <p:cxnSp>
+        <p:nvCxnSpPr>
+          <p:cNvPr id="16" name="직선 화살표 연결선 15">
+            <a:extLst>
+              <a:ext uri="{FF2B5EF4-FFF2-40B4-BE49-F238E27FC236}">
+                <a16:creationId xmlns:a16="http://schemas.microsoft.com/office/drawing/2014/main" id="{D9B92A7E-C972-CF35-16F3-D4D999B3F4DC}"/>
+              </a:ext>
+            </a:extLst>
+          </p:cNvPr>
+          <p:cNvCxnSpPr>
+            <a:stCxn id="8" idx="3"/>
+            <a:endCxn id="11" idx="1"/>
+          </p:cNvCxnSpPr>
+          <p:nvPr/>
+        </p:nvCxnSpPr>
+        <p:spPr>
+          <a:xfrm flipV="1">
+            <a:off x="3980311" y="2656035"/>
+            <a:ext cx="4196275" cy="513960"/>
+          </a:xfrm>
+          <a:prstGeom prst="straightConnector1">
+            <a:avLst/>
+          </a:prstGeom>
+          <a:ln w="38100">
+            <a:solidFill>
+              <a:srgbClr val="0070C0"/>
+            </a:solidFill>
+            <a:tailEnd type="triangle"/>
+          </a:ln>
+        </p:spPr>
+        <p:style>
+          <a:lnRef idx="2">
+            <a:schemeClr val="accent1"/>
+          </a:lnRef>
+          <a:fillRef idx="0">
+            <a:schemeClr val="accent1"/>
+          </a:fillRef>
+          <a:effectRef idx="1">
+            <a:schemeClr val="accent1"/>
+          </a:effectRef>
+          <a:fontRef idx="minor">
+            <a:schemeClr val="tx1"/>
+          </a:fontRef>
+        </p:style>
+      </p:cxnSp>
+      <p:sp>
+        <p:nvSpPr>
+          <p:cNvPr id="17" name="직사각형 16">
+            <a:extLst>
+              <a:ext uri="{FF2B5EF4-FFF2-40B4-BE49-F238E27FC236}">
+                <a16:creationId xmlns:a16="http://schemas.microsoft.com/office/drawing/2014/main" id="{23B8DE60-2E52-0217-9980-B0FA7816BCDB}"/>
+              </a:ext>
+            </a:extLst>
+          </p:cNvPr>
+          <p:cNvSpPr/>
+          <p:nvPr/>
+        </p:nvSpPr>
+        <p:spPr>
+          <a:xfrm>
+            <a:off x="1184174" y="3475971"/>
+            <a:ext cx="2789583" cy="212035"/>
+          </a:xfrm>
+          <a:prstGeom prst="rect">
+            <a:avLst/>
+          </a:prstGeom>
+          <a:noFill/>
+          <a:ln w="38100">
+            <a:solidFill>
+              <a:srgbClr val="0070C0"/>
+            </a:solidFill>
+          </a:ln>
+        </p:spPr>
+        <p:style>
+          <a:lnRef idx="2">
+            <a:schemeClr val="accent1">
+              <a:shade val="15000"/>
+            </a:schemeClr>
+          </a:lnRef>
+          <a:fillRef idx="1">
+            <a:schemeClr val="accent1"/>
+          </a:fillRef>
+          <a:effectRef idx="0">
+            <a:schemeClr val="accent1"/>
+          </a:effectRef>
+          <a:fontRef idx="minor">
+            <a:schemeClr val="lt1"/>
+          </a:fontRef>
+        </p:style>
+        <p:txBody>
+          <a:bodyPr rtlCol="0" anchor="ctr"/>
+          <a:lstStyle/>
+          <a:p>
+            <a:pPr algn="ctr"/>
+            <a:endParaRPr lang="ko-KR" altLang="en-US"/>
+          </a:p>
+        </p:txBody>
+      </p:sp>
+      <p:cxnSp>
+        <p:nvCxnSpPr>
+          <p:cNvPr id="18" name="직선 화살표 연결선 17">
+            <a:extLst>
+              <a:ext uri="{FF2B5EF4-FFF2-40B4-BE49-F238E27FC236}">
+                <a16:creationId xmlns:a16="http://schemas.microsoft.com/office/drawing/2014/main" id="{9CF9F3DA-3DF0-7FC4-E9D6-B81264B8916B}"/>
+              </a:ext>
+            </a:extLst>
+          </p:cNvPr>
+          <p:cNvCxnSpPr>
+            <a:cxnSpLocks/>
+            <a:stCxn id="17" idx="3"/>
+            <a:endCxn id="23" idx="1"/>
+          </p:cNvCxnSpPr>
+          <p:nvPr/>
+        </p:nvCxnSpPr>
+        <p:spPr>
+          <a:xfrm>
+            <a:off x="3973757" y="3581989"/>
+            <a:ext cx="4202829" cy="1753305"/>
+          </a:xfrm>
+          <a:prstGeom prst="straightConnector1">
+            <a:avLst/>
+          </a:prstGeom>
+          <a:ln w="38100">
+            <a:solidFill>
+              <a:srgbClr val="0070C0"/>
+            </a:solidFill>
+            <a:tailEnd type="triangle"/>
+          </a:ln>
+        </p:spPr>
+        <p:style>
+          <a:lnRef idx="2">
+            <a:schemeClr val="accent1"/>
+          </a:lnRef>
+          <a:fillRef idx="0">
+            <a:schemeClr val="accent1"/>
+          </a:fillRef>
+          <a:effectRef idx="1">
+            <a:schemeClr val="accent1"/>
+          </a:effectRef>
+          <a:fontRef idx="minor">
+            <a:schemeClr val="tx1"/>
+          </a:fontRef>
+        </p:style>
+      </p:cxnSp>
+      <p:grpSp>
+        <p:nvGrpSpPr>
+          <p:cNvPr id="21" name="그룹 20">
+            <a:extLst>
+              <a:ext uri="{FF2B5EF4-FFF2-40B4-BE49-F238E27FC236}">
+                <a16:creationId xmlns:a16="http://schemas.microsoft.com/office/drawing/2014/main" id="{B764E30F-64A7-960E-96C2-A709246BDC3E}"/>
+              </a:ext>
+            </a:extLst>
+          </p:cNvPr>
+          <p:cNvGrpSpPr/>
+          <p:nvPr/>
+        </p:nvGrpSpPr>
+        <p:grpSpPr>
+          <a:xfrm>
+            <a:off x="8176586" y="4035747"/>
+            <a:ext cx="3313043" cy="2315209"/>
+            <a:chOff x="766689" y="1737360"/>
+            <a:chExt cx="2042772" cy="2868215"/>
+          </a:xfrm>
+        </p:grpSpPr>
+        <p:sp>
+          <p:nvSpPr>
+            <p:cNvPr id="22" name="직사각형 21">
+              <a:extLst>
+                <a:ext uri="{FF2B5EF4-FFF2-40B4-BE49-F238E27FC236}">
+                  <a16:creationId xmlns:a16="http://schemas.microsoft.com/office/drawing/2014/main" id="{51FEBE39-423E-390C-163C-B569EF653A19}"/>
+                </a:ext>
+              </a:extLst>
+            </p:cNvPr>
+            <p:cNvSpPr/>
+            <p:nvPr/>
+          </p:nvSpPr>
+          <p:spPr>
+            <a:xfrm>
+              <a:off x="766689" y="1737360"/>
+              <a:ext cx="2042772" cy="351692"/>
+            </a:xfrm>
+            <a:prstGeom prst="rect">
+              <a:avLst/>
+            </a:prstGeom>
+          </p:spPr>
+          <p:style>
+            <a:lnRef idx="2">
+              <a:schemeClr val="accent1">
+                <a:shade val="15000"/>
+              </a:schemeClr>
+            </a:lnRef>
+            <a:fillRef idx="1">
+              <a:schemeClr val="accent1"/>
+            </a:fillRef>
+            <a:effectRef idx="0">
+              <a:schemeClr val="accent1"/>
+            </a:effectRef>
+            <a:fontRef idx="minor">
+              <a:schemeClr val="lt1"/>
+            </a:fontRef>
+          </p:style>
+          <p:txBody>
+            <a:bodyPr rtlCol="0" anchor="ctr"/>
+            <a:lstStyle/>
+            <a:p>
+              <a:pPr algn="ctr"/>
+              <a:r>
+                <a:rPr lang="en-US" altLang="ko-KR" sz="1600" dirty="0">
+                  <a:latin typeface="배달의민족 한나체 Pro" panose="020B0600000101010101" pitchFamily="50" charset="-127"/>
+                  <a:ea typeface="배달의민족 한나체 Pro" panose="020B0600000101010101" pitchFamily="50" charset="-127"/>
+                </a:rPr>
+                <a:t>Next  Nav Talking</a:t>
+              </a:r>
+              <a:r>
+                <a:rPr lang="ko-KR" altLang="en-US" sz="1600" dirty="0">
+                  <a:latin typeface="배달의민족 한나체 Pro" panose="020B0600000101010101" pitchFamily="50" charset="-127"/>
+                  <a:ea typeface="배달의민족 한나체 Pro" panose="020B0600000101010101" pitchFamily="50" charset="-127"/>
+                </a:rPr>
+                <a:t> </a:t>
+              </a:r>
+              <a:r>
+                <a:rPr lang="en-US" altLang="ko-KR" sz="1600" dirty="0">
+                  <a:latin typeface="배달의민족 한나체 Pro" panose="020B0600000101010101" pitchFamily="50" charset="-127"/>
+                  <a:ea typeface="배달의민족 한나체 Pro" panose="020B0600000101010101" pitchFamily="50" charset="-127"/>
+                </a:rPr>
+                <a:t>DT</a:t>
+              </a:r>
+              <a:endParaRPr lang="ko-KR" altLang="en-US" sz="1600" dirty="0">
+                <a:latin typeface="배달의민족 한나체 Pro" panose="020B0600000101010101" pitchFamily="50" charset="-127"/>
+                <a:ea typeface="배달의민족 한나체 Pro" panose="020B0600000101010101" pitchFamily="50" charset="-127"/>
+              </a:endParaRPr>
+            </a:p>
+          </p:txBody>
+        </p:sp>
+        <p:sp>
+          <p:nvSpPr>
+            <p:cNvPr id="23" name="TextBox 22">
+              <a:extLst>
+                <a:ext uri="{FF2B5EF4-FFF2-40B4-BE49-F238E27FC236}">
+                  <a16:creationId xmlns:a16="http://schemas.microsoft.com/office/drawing/2014/main" id="{32E77A3D-1896-5D24-CF0C-84CC5BF2E3D0}"/>
+                </a:ext>
+              </a:extLst>
+            </p:cNvPr>
+            <p:cNvSpPr txBox="1"/>
+            <p:nvPr/>
+          </p:nvSpPr>
+          <p:spPr>
+            <a:xfrm>
+              <a:off x="766689" y="2089052"/>
+              <a:ext cx="2042772" cy="2516523"/>
+            </a:xfrm>
+            <a:prstGeom prst="rect">
+              <a:avLst/>
+            </a:prstGeom>
+            <a:noFill/>
+            <a:ln w="19050">
+              <a:solidFill>
+                <a:schemeClr val="tx1"/>
+              </a:solidFill>
+            </a:ln>
+          </p:spPr>
+          <p:txBody>
+            <a:bodyPr wrap="square" rtlCol="0">
+              <a:spAutoFit/>
+            </a:bodyPr>
+            <a:lstStyle/>
+            <a:p>
+              <a:pPr marL="285750" indent="-285750">
+                <a:buFontTx/>
+                <a:buChar char="-"/>
+              </a:pPr>
+              <a:r>
+                <a:rPr lang="en-US" altLang="ko-KR" sz="1400" dirty="0">
+                  <a:latin typeface="배달의민족 한나체 Pro" panose="020B0600000101010101" pitchFamily="50" charset="-127"/>
+                  <a:ea typeface="배달의민족 한나체 Pro" panose="020B0600000101010101" pitchFamily="50" charset="-127"/>
+                </a:rPr>
+                <a:t>ID </a:t>
+              </a:r>
+              <a:r>
+                <a:rPr lang="en-US" altLang="ko-KR" sz="1050" dirty="0">
+                  <a:latin typeface="배달의민족 한나체 Air" panose="020B0600000101010101" pitchFamily="50" charset="-127"/>
+                  <a:ea typeface="배달의민족 한나체 Air" panose="020B0600000101010101" pitchFamily="50" charset="-127"/>
+                </a:rPr>
+                <a:t>(</a:t>
+              </a:r>
+              <a:r>
+                <a:rPr lang="ko-KR" altLang="en-US" sz="1050" dirty="0">
+                  <a:latin typeface="배달의민족 한나체 Air" panose="020B0600000101010101" pitchFamily="50" charset="-127"/>
+                  <a:ea typeface="배달의민족 한나체 Air" panose="020B0600000101010101" pitchFamily="50" charset="-127"/>
+                </a:rPr>
+                <a:t>대화 </a:t>
+              </a:r>
+              <a:r>
+                <a:rPr lang="en-US" altLang="ko-KR" sz="1050" dirty="0">
+                  <a:latin typeface="배달의민족 한나체 Air" panose="020B0600000101010101" pitchFamily="50" charset="-127"/>
+                  <a:ea typeface="배달의민족 한나체 Air" panose="020B0600000101010101" pitchFamily="50" charset="-127"/>
+                </a:rPr>
+                <a:t>ID)</a:t>
+              </a:r>
+            </a:p>
+            <a:p>
+              <a:pPr marL="285750" indent="-285750">
+                <a:buFontTx/>
+                <a:buChar char="-"/>
+              </a:pPr>
+              <a:r>
+                <a:rPr lang="en-US" altLang="ko-KR" sz="1400" dirty="0">
+                  <a:latin typeface="배달의민족 한나체 Pro" panose="020B0600000101010101" pitchFamily="50" charset="-127"/>
+                  <a:ea typeface="배달의민족 한나체 Pro" panose="020B0600000101010101" pitchFamily="50" charset="-127"/>
+                </a:rPr>
+                <a:t>Name </a:t>
+              </a:r>
+              <a:r>
+                <a:rPr lang="en-US" altLang="ko-KR" sz="1050" dirty="0">
+                  <a:latin typeface="배달의민족 한나체 Air" panose="020B0600000101010101" pitchFamily="50" charset="-127"/>
+                  <a:ea typeface="배달의민족 한나체 Air" panose="020B0600000101010101" pitchFamily="50" charset="-127"/>
+                </a:rPr>
+                <a:t>(</a:t>
+              </a:r>
+              <a:r>
+                <a:rPr lang="ko-KR" altLang="en-US" sz="1050" dirty="0">
+                  <a:latin typeface="배달의민족 한나체 Air" panose="020B0600000101010101" pitchFamily="50" charset="-127"/>
+                  <a:ea typeface="배달의민족 한나체 Air" panose="020B0600000101010101" pitchFamily="50" charset="-127"/>
+                </a:rPr>
+                <a:t>대화 이름</a:t>
+              </a:r>
+              <a:r>
+                <a:rPr lang="en-US" altLang="ko-KR" sz="1050" dirty="0">
+                  <a:latin typeface="배달의민족 한나체 Air" panose="020B0600000101010101" pitchFamily="50" charset="-127"/>
+                  <a:ea typeface="배달의민족 한나체 Air" panose="020B0600000101010101" pitchFamily="50" charset="-127"/>
+                </a:rPr>
+                <a:t>)</a:t>
+              </a:r>
+              <a:endParaRPr lang="en-US" altLang="ko-KR" sz="1400" dirty="0">
+                <a:latin typeface="배달의민족 한나체 Air" panose="020B0600000101010101" pitchFamily="50" charset="-127"/>
+                <a:ea typeface="배달의민족 한나체 Air" panose="020B0600000101010101" pitchFamily="50" charset="-127"/>
+              </a:endParaRPr>
+            </a:p>
+            <a:p>
+              <a:pPr marL="285750" indent="-285750">
+                <a:buFontTx/>
+                <a:buChar char="-"/>
+              </a:pPr>
+              <a:r>
+                <a:rPr lang="en-US" altLang="ko-KR" sz="1400" dirty="0">
+                  <a:latin typeface="배달의민족 한나체 Pro" panose="020B0600000101010101" pitchFamily="50" charset="-127"/>
+                  <a:ea typeface="배달의민족 한나체 Pro" panose="020B0600000101010101" pitchFamily="50" charset="-127"/>
+                </a:rPr>
+                <a:t>Type </a:t>
+              </a:r>
+              <a:r>
+                <a:rPr lang="en-US" altLang="ko-KR" sz="1050" dirty="0">
+                  <a:latin typeface="배달의민족 한나체 Air" panose="020B0600000101010101" pitchFamily="50" charset="-127"/>
+                  <a:ea typeface="배달의민족 한나체 Air" panose="020B0600000101010101" pitchFamily="50" charset="-127"/>
+                </a:rPr>
+                <a:t>(</a:t>
+              </a:r>
+              <a:r>
+                <a:rPr lang="ko-KR" altLang="en-US" sz="1050" dirty="0">
+                  <a:latin typeface="배달의민족 한나체 Air" panose="020B0600000101010101" pitchFamily="50" charset="-127"/>
+                  <a:ea typeface="배달의민족 한나체 Air" panose="020B0600000101010101" pitchFamily="50" charset="-127"/>
+                </a:rPr>
+                <a:t>대화의 타입</a:t>
+              </a:r>
+              <a:r>
+                <a:rPr lang="en-US" altLang="ko-KR" sz="1050" dirty="0">
+                  <a:latin typeface="배달의민족 한나체 Air" panose="020B0600000101010101" pitchFamily="50" charset="-127"/>
+                  <a:ea typeface="배달의민족 한나체 Air" panose="020B0600000101010101" pitchFamily="50" charset="-127"/>
+                </a:rPr>
+                <a:t>)</a:t>
+              </a:r>
+              <a:endParaRPr lang="en-US" altLang="ko-KR" sz="1400" dirty="0">
+                <a:latin typeface="배달의민족 한나체 Air" panose="020B0600000101010101" pitchFamily="50" charset="-127"/>
+                <a:ea typeface="배달의민족 한나체 Air" panose="020B0600000101010101" pitchFamily="50" charset="-127"/>
+              </a:endParaRPr>
+            </a:p>
+            <a:p>
+              <a:pPr marL="285750" indent="-285750">
+                <a:buFontTx/>
+                <a:buChar char="-"/>
+              </a:pPr>
+              <a:r>
+                <a:rPr lang="en-US" altLang="ko-KR" sz="1400" dirty="0" err="1">
+                  <a:latin typeface="배달의민족 한나체 Pro" panose="020B0600000101010101" pitchFamily="50" charset="-127"/>
+                  <a:ea typeface="배달의민족 한나체 Pro" panose="020B0600000101010101" pitchFamily="50" charset="-127"/>
+                </a:rPr>
+                <a:t>MainText</a:t>
+              </a:r>
+              <a:r>
+                <a:rPr lang="en-US" altLang="ko-KR" sz="1400" dirty="0">
+                  <a:latin typeface="배달의민족 한나체 Pro" panose="020B0600000101010101" pitchFamily="50" charset="-127"/>
+                  <a:ea typeface="배달의민족 한나체 Pro" panose="020B0600000101010101" pitchFamily="50" charset="-127"/>
+                </a:rPr>
+                <a:t> </a:t>
+              </a:r>
+              <a:r>
+                <a:rPr lang="en-US" altLang="ko-KR" sz="1050" dirty="0">
+                  <a:latin typeface="배달의민족 한나체 Air" panose="020B0600000101010101" pitchFamily="50" charset="-127"/>
+                  <a:ea typeface="배달의민족 한나체 Air" panose="020B0600000101010101" pitchFamily="50" charset="-127"/>
+                </a:rPr>
+                <a:t>(</a:t>
+              </a:r>
+              <a:r>
+                <a:rPr lang="ko-KR" altLang="en-US" sz="1050" dirty="0">
+                  <a:latin typeface="배달의민족 한나체 Air" panose="020B0600000101010101" pitchFamily="50" charset="-127"/>
+                  <a:ea typeface="배달의민족 한나체 Air" panose="020B0600000101010101" pitchFamily="50" charset="-127"/>
+                </a:rPr>
+                <a:t>문자 텍스트</a:t>
+              </a:r>
+              <a:r>
+                <a:rPr lang="en-US" altLang="ko-KR" sz="1050" dirty="0">
+                  <a:latin typeface="배달의민족 한나체 Air" panose="020B0600000101010101" pitchFamily="50" charset="-127"/>
+                  <a:ea typeface="배달의민족 한나체 Air" panose="020B0600000101010101" pitchFamily="50" charset="-127"/>
+                </a:rPr>
+                <a:t>)</a:t>
+              </a:r>
+              <a:endParaRPr lang="en-US" altLang="ko-KR" sz="1400" dirty="0">
+                <a:latin typeface="배달의민족 한나체 Air" panose="020B0600000101010101" pitchFamily="50" charset="-127"/>
+                <a:ea typeface="배달의민족 한나체 Air" panose="020B0600000101010101" pitchFamily="50" charset="-127"/>
+              </a:endParaRPr>
+            </a:p>
+            <a:p>
+              <a:pPr marL="285750" indent="-285750">
+                <a:buFontTx/>
+                <a:buChar char="-"/>
+              </a:pPr>
+              <a:r>
+                <a:rPr lang="en-US" altLang="ko-KR" sz="1400" dirty="0" err="1">
+                  <a:latin typeface="배달의민족 한나체 Pro" panose="020B0600000101010101" pitchFamily="50" charset="-127"/>
+                  <a:ea typeface="배달의민족 한나체 Pro" panose="020B0600000101010101" pitchFamily="50" charset="-127"/>
+                </a:rPr>
+                <a:t>AnswerList</a:t>
+              </a:r>
+              <a:r>
+                <a:rPr lang="en-US" altLang="ko-KR" sz="1400" dirty="0">
+                  <a:latin typeface="배달의민족 한나체 Pro" panose="020B0600000101010101" pitchFamily="50" charset="-127"/>
+                  <a:ea typeface="배달의민족 한나체 Pro" panose="020B0600000101010101" pitchFamily="50" charset="-127"/>
+                </a:rPr>
+                <a:t> </a:t>
+              </a:r>
+              <a:r>
+                <a:rPr lang="en-US" altLang="ko-KR" sz="1050" dirty="0">
+                  <a:latin typeface="배달의민족 한나체 Air" panose="020B0600000101010101" pitchFamily="50" charset="-127"/>
+                  <a:ea typeface="배달의민족 한나체 Air" panose="020B0600000101010101" pitchFamily="50" charset="-127"/>
+                </a:rPr>
+                <a:t>(</a:t>
+              </a:r>
+              <a:r>
+                <a:rPr lang="ko-KR" altLang="en-US" sz="1050" dirty="0">
+                  <a:latin typeface="배달의민족 한나체 Air" panose="020B0600000101010101" pitchFamily="50" charset="-127"/>
+                  <a:ea typeface="배달의민족 한나체 Air" panose="020B0600000101010101" pitchFamily="50" charset="-127"/>
+                </a:rPr>
+                <a:t>답변에 이용될 </a:t>
+              </a:r>
+              <a:r>
+                <a:rPr lang="en-US" altLang="ko-KR" sz="1050" dirty="0">
+                  <a:latin typeface="배달의민족 한나체 Air" panose="020B0600000101010101" pitchFamily="50" charset="-127"/>
+                  <a:ea typeface="배달의민족 한나체 Air" panose="020B0600000101010101" pitchFamily="50" charset="-127"/>
+                </a:rPr>
+                <a:t>text </a:t>
+              </a:r>
+              <a:r>
+                <a:rPr lang="ko-KR" altLang="en-US" sz="1050" dirty="0">
+                  <a:latin typeface="배달의민족 한나체 Air" panose="020B0600000101010101" pitchFamily="50" charset="-127"/>
+                  <a:ea typeface="배달의민족 한나체 Air" panose="020B0600000101010101" pitchFamily="50" charset="-127"/>
+                </a:rPr>
+                <a:t>리스트</a:t>
+              </a:r>
+              <a:r>
+                <a:rPr lang="en-US" altLang="ko-KR" sz="1050" dirty="0">
+                  <a:latin typeface="배달의민족 한나체 Air" panose="020B0600000101010101" pitchFamily="50" charset="-127"/>
+                  <a:ea typeface="배달의민족 한나체 Air" panose="020B0600000101010101" pitchFamily="50" charset="-127"/>
+                </a:rPr>
+                <a:t>)</a:t>
+              </a:r>
+            </a:p>
+            <a:p>
+              <a:pPr marL="285750" indent="-285750">
+                <a:buFontTx/>
+                <a:buChar char="-"/>
+              </a:pPr>
+              <a:r>
+                <a:rPr lang="en-US" altLang="ko-KR" sz="1400" dirty="0" err="1">
+                  <a:latin typeface="배달의민족 한나체 Pro" panose="020B0600000101010101" pitchFamily="50" charset="-127"/>
+                  <a:ea typeface="배달의민족 한나체 Pro" panose="020B0600000101010101" pitchFamily="50" charset="-127"/>
+                </a:rPr>
+                <a:t>PositiveTextList</a:t>
+              </a:r>
+              <a:r>
+                <a:rPr lang="en-US" altLang="ko-KR" sz="1400" dirty="0">
+                  <a:latin typeface="배달의민족 한나체 Pro" panose="020B0600000101010101" pitchFamily="50" charset="-127"/>
+                  <a:ea typeface="배달의민족 한나체 Pro" panose="020B0600000101010101" pitchFamily="50" charset="-127"/>
+                </a:rPr>
+                <a:t> </a:t>
+              </a:r>
+              <a:r>
+                <a:rPr lang="en-US" altLang="ko-KR" sz="1050" dirty="0">
+                  <a:latin typeface="배달의민족 한나체 Air" panose="020B0600000101010101" pitchFamily="50" charset="-127"/>
+                  <a:ea typeface="배달의민족 한나체 Air" panose="020B0600000101010101" pitchFamily="50" charset="-127"/>
+                </a:rPr>
+                <a:t>(</a:t>
+              </a:r>
+              <a:r>
+                <a:rPr lang="ko-KR" altLang="en-US" sz="1050" dirty="0">
+                  <a:latin typeface="배달의민족 한나체 Air" panose="020B0600000101010101" pitchFamily="50" charset="-127"/>
+                  <a:ea typeface="배달의민족 한나체 Air" panose="020B0600000101010101" pitchFamily="50" charset="-127"/>
+                </a:rPr>
+                <a:t>긍정적인 텍스트 리스트</a:t>
+              </a:r>
+              <a:r>
+                <a:rPr lang="en-US" altLang="ko-KR" sz="1050" dirty="0">
+                  <a:latin typeface="배달의민족 한나체 Air" panose="020B0600000101010101" pitchFamily="50" charset="-127"/>
+                  <a:ea typeface="배달의민족 한나체 Air" panose="020B0600000101010101" pitchFamily="50" charset="-127"/>
+                </a:rPr>
+                <a:t>)</a:t>
+              </a:r>
+            </a:p>
+            <a:p>
+              <a:pPr marL="285750" indent="-285750">
+                <a:buFontTx/>
+                <a:buChar char="-"/>
+              </a:pPr>
+              <a:r>
+                <a:rPr lang="en-US" altLang="ko-KR" sz="1400" dirty="0" err="1">
+                  <a:latin typeface="배달의민족 한나체 Pro" panose="020B0600000101010101" pitchFamily="50" charset="-127"/>
+                  <a:ea typeface="배달의민족 한나체 Pro" panose="020B0600000101010101" pitchFamily="50" charset="-127"/>
+                </a:rPr>
+                <a:t>PositiveResultID</a:t>
+              </a:r>
+              <a:r>
+                <a:rPr lang="en-US" altLang="ko-KR" sz="1400" dirty="0">
+                  <a:latin typeface="배달의민족 한나체 Pro" panose="020B0600000101010101" pitchFamily="50" charset="-127"/>
+                  <a:ea typeface="배달의민족 한나체 Pro" panose="020B0600000101010101" pitchFamily="50" charset="-127"/>
+                </a:rPr>
+                <a:t> </a:t>
+              </a:r>
+              <a:r>
+                <a:rPr lang="en-US" altLang="ko-KR" sz="1050" dirty="0">
+                  <a:latin typeface="배달의민족 한나체 Air" panose="020B0600000101010101" pitchFamily="50" charset="-127"/>
+                  <a:ea typeface="배달의민족 한나체 Air" panose="020B0600000101010101" pitchFamily="50" charset="-127"/>
+                </a:rPr>
+                <a:t>(</a:t>
+              </a:r>
+              <a:r>
+                <a:rPr lang="ko-KR" altLang="en-US" sz="1050" dirty="0">
+                  <a:latin typeface="배달의민족 한나체 Air" panose="020B0600000101010101" pitchFamily="50" charset="-127"/>
+                  <a:ea typeface="배달의민족 한나체 Air" panose="020B0600000101010101" pitchFamily="50" charset="-127"/>
+                </a:rPr>
+                <a:t>긍정적인 답변 대화</a:t>
+              </a:r>
+              <a:r>
+                <a:rPr lang="en-US" altLang="ko-KR" sz="1050" dirty="0">
+                  <a:latin typeface="배달의민족 한나체 Air" panose="020B0600000101010101" pitchFamily="50" charset="-127"/>
+                  <a:ea typeface="배달의민족 한나체 Air" panose="020B0600000101010101" pitchFamily="50" charset="-127"/>
+                </a:rPr>
+                <a:t>ID)</a:t>
+              </a:r>
+            </a:p>
+            <a:p>
+              <a:pPr marL="285750" indent="-285750">
+                <a:buFontTx/>
+                <a:buChar char="-"/>
+              </a:pPr>
+              <a:r>
+                <a:rPr lang="en-US" altLang="ko-KR" sz="1400" dirty="0" err="1">
+                  <a:latin typeface="배달의민족 한나체 Pro" panose="020B0600000101010101" pitchFamily="50" charset="-127"/>
+                  <a:ea typeface="배달의민족 한나체 Pro" panose="020B0600000101010101" pitchFamily="50" charset="-127"/>
+                </a:rPr>
+                <a:t>NegativeTextList</a:t>
+              </a:r>
+              <a:r>
+                <a:rPr lang="en-US" altLang="ko-KR" sz="1400" dirty="0">
+                  <a:latin typeface="배달의민족 한나체 Pro" panose="020B0600000101010101" pitchFamily="50" charset="-127"/>
+                  <a:ea typeface="배달의민족 한나체 Pro" panose="020B0600000101010101" pitchFamily="50" charset="-127"/>
+                </a:rPr>
+                <a:t> </a:t>
+              </a:r>
+              <a:r>
+                <a:rPr lang="en-US" altLang="ko-KR" sz="1050" dirty="0">
+                  <a:latin typeface="배달의민족 한나체 Air" panose="020B0600000101010101" pitchFamily="50" charset="-127"/>
+                  <a:ea typeface="배달의민족 한나체 Air" panose="020B0600000101010101" pitchFamily="50" charset="-127"/>
+                </a:rPr>
+                <a:t>(</a:t>
+              </a:r>
+              <a:r>
+                <a:rPr lang="ko-KR" altLang="en-US" sz="1050" dirty="0">
+                  <a:latin typeface="배달의민족 한나체 Air" panose="020B0600000101010101" pitchFamily="50" charset="-127"/>
+                  <a:ea typeface="배달의민족 한나체 Air" panose="020B0600000101010101" pitchFamily="50" charset="-127"/>
+                </a:rPr>
+                <a:t>부정적인 텍스트 리스트</a:t>
+              </a:r>
+              <a:r>
+                <a:rPr lang="en-US" altLang="ko-KR" sz="1050" dirty="0">
+                  <a:latin typeface="배달의민족 한나체 Air" panose="020B0600000101010101" pitchFamily="50" charset="-127"/>
+                  <a:ea typeface="배달의민족 한나체 Air" panose="020B0600000101010101" pitchFamily="50" charset="-127"/>
+                </a:rPr>
+                <a:t>)</a:t>
+              </a:r>
+            </a:p>
+            <a:p>
+              <a:pPr marL="285750" indent="-285750">
+                <a:buFontTx/>
+                <a:buChar char="-"/>
+              </a:pPr>
+              <a:r>
+                <a:rPr lang="en-US" altLang="ko-KR" sz="1400" dirty="0" err="1">
+                  <a:latin typeface="배달의민족 한나체 Pro" panose="020B0600000101010101" pitchFamily="50" charset="-127"/>
+                  <a:ea typeface="배달의민족 한나체 Pro" panose="020B0600000101010101" pitchFamily="50" charset="-127"/>
+                </a:rPr>
+                <a:t>NegativeResultID</a:t>
+              </a:r>
+              <a:r>
+                <a:rPr lang="en-US" altLang="ko-KR" sz="1050" dirty="0">
+                  <a:latin typeface="배달의민족 한나체 Pro" panose="020B0600000101010101" pitchFamily="50" charset="-127"/>
+                  <a:ea typeface="배달의민족 한나체 Pro" panose="020B0600000101010101" pitchFamily="50" charset="-127"/>
+                </a:rPr>
+                <a:t> </a:t>
+              </a:r>
+              <a:r>
+                <a:rPr lang="en-US" altLang="ko-KR" sz="1050" dirty="0">
+                  <a:latin typeface="배달의민족 한나체 Air" panose="020B0600000101010101" pitchFamily="50" charset="-127"/>
+                  <a:ea typeface="배달의민족 한나체 Air" panose="020B0600000101010101" pitchFamily="50" charset="-127"/>
+                </a:rPr>
+                <a:t>(</a:t>
+              </a:r>
+              <a:r>
+                <a:rPr lang="ko-KR" altLang="en-US" sz="1050" dirty="0">
+                  <a:latin typeface="배달의민족 한나체 Air" panose="020B0600000101010101" pitchFamily="50" charset="-127"/>
+                  <a:ea typeface="배달의민족 한나체 Air" panose="020B0600000101010101" pitchFamily="50" charset="-127"/>
+                </a:rPr>
+                <a:t>부정적인 답변 대화</a:t>
+              </a:r>
+              <a:r>
+                <a:rPr lang="en-US" altLang="ko-KR" sz="1050" dirty="0">
+                  <a:latin typeface="배달의민족 한나체 Air" panose="020B0600000101010101" pitchFamily="50" charset="-127"/>
+                  <a:ea typeface="배달의민족 한나체 Air" panose="020B0600000101010101" pitchFamily="50" charset="-127"/>
+                </a:rPr>
+                <a:t>ID)</a:t>
+              </a:r>
+            </a:p>
+          </p:txBody>
+        </p:sp>
+      </p:grpSp>
+      <p:sp>
+        <p:nvSpPr>
+          <p:cNvPr id="27" name="TextBox 26">
+            <a:extLst>
+              <a:ext uri="{FF2B5EF4-FFF2-40B4-BE49-F238E27FC236}">
+                <a16:creationId xmlns:a16="http://schemas.microsoft.com/office/drawing/2014/main" id="{9AC12C6D-885B-ADAB-FF47-3FE4E7B9D840}"/>
+              </a:ext>
+            </a:extLst>
+          </p:cNvPr>
+          <p:cNvSpPr txBox="1"/>
+          <p:nvPr/>
+        </p:nvSpPr>
+        <p:spPr>
+          <a:xfrm>
+            <a:off x="4689515" y="3245680"/>
+            <a:ext cx="3225340" cy="461665"/>
+          </a:xfrm>
+          <a:prstGeom prst="rect">
+            <a:avLst/>
+          </a:prstGeom>
+          <a:solidFill>
+            <a:schemeClr val="bg1"/>
+          </a:solidFill>
+          <a:ln w="38100">
+            <a:solidFill>
+              <a:srgbClr val="0070C0"/>
+            </a:solidFill>
+          </a:ln>
+        </p:spPr>
+        <p:txBody>
+          <a:bodyPr wrap="square" rtlCol="0">
+            <a:spAutoFit/>
+          </a:bodyPr>
+          <a:lstStyle/>
+          <a:p>
+            <a:pPr algn="ctr"/>
+            <a:r>
+              <a:rPr lang="ko-KR" altLang="en-US" sz="1200" dirty="0"/>
+              <a:t>선택한 선택지에 따라</a:t>
+            </a:r>
+            <a:endParaRPr lang="en-US" altLang="ko-KR" sz="1200" dirty="0"/>
+          </a:p>
+          <a:p>
+            <a:pPr algn="ctr"/>
+            <a:r>
+              <a:rPr lang="ko-KR" altLang="en-US" sz="1200" dirty="0"/>
+              <a:t>다음 </a:t>
+            </a:r>
+            <a:r>
+              <a:rPr lang="en-US" altLang="ko-KR" sz="1200" dirty="0"/>
+              <a:t>Text</a:t>
+            </a:r>
+            <a:r>
+              <a:rPr lang="ko-KR" altLang="en-US" sz="1200" dirty="0"/>
+              <a:t>로 가는 것이 정해진다</a:t>
+            </a:r>
+            <a:r>
+              <a:rPr lang="en-US" altLang="ko-KR" sz="1200" dirty="0"/>
+              <a:t>.</a:t>
+            </a:r>
+            <a:endParaRPr lang="ko-KR" altLang="en-US" sz="1200" dirty="0"/>
+          </a:p>
+        </p:txBody>
+      </p:sp>
+      <p:sp>
+        <p:nvSpPr>
+          <p:cNvPr id="28" name="TextBox 27">
+            <a:extLst>
+              <a:ext uri="{FF2B5EF4-FFF2-40B4-BE49-F238E27FC236}">
+                <a16:creationId xmlns:a16="http://schemas.microsoft.com/office/drawing/2014/main" id="{812F623E-EECF-F16C-CF3E-E206223825FB}"/>
+              </a:ext>
+            </a:extLst>
+          </p:cNvPr>
+          <p:cNvSpPr txBox="1"/>
+          <p:nvPr/>
+        </p:nvSpPr>
+        <p:spPr>
+          <a:xfrm>
+            <a:off x="1031090" y="3970706"/>
+            <a:ext cx="3225340" cy="276999"/>
+          </a:xfrm>
+          <a:prstGeom prst="rect">
+            <a:avLst/>
+          </a:prstGeom>
+          <a:solidFill>
+            <a:schemeClr val="bg1"/>
+          </a:solidFill>
+          <a:ln w="38100">
+            <a:solidFill>
+              <a:srgbClr val="0070C0"/>
+            </a:solidFill>
+          </a:ln>
+        </p:spPr>
+        <p:txBody>
+          <a:bodyPr wrap="square" rtlCol="0">
+            <a:spAutoFit/>
+          </a:bodyPr>
+          <a:lstStyle/>
+          <a:p>
+            <a:pPr algn="ctr"/>
+            <a:r>
+              <a:rPr lang="ko-KR" altLang="en-US" sz="1200" dirty="0"/>
+              <a:t>모든 텍스트는 </a:t>
+            </a:r>
+            <a:r>
+              <a:rPr lang="en-US" altLang="ko-KR" sz="1200" dirty="0"/>
+              <a:t>Text DT</a:t>
+            </a:r>
+            <a:r>
+              <a:rPr lang="ko-KR" altLang="en-US" sz="1200" dirty="0"/>
+              <a:t>에서 가져온다</a:t>
+            </a:r>
+            <a:r>
+              <a:rPr lang="en-US" altLang="ko-KR" sz="1200" dirty="0"/>
+              <a:t>.</a:t>
+            </a:r>
+            <a:endParaRPr lang="ko-KR" altLang="en-US" sz="1200" dirty="0"/>
           </a:p>
         </p:txBody>
       </p:sp>
@@ -18391,14 +19704,14 @@
           <p:nvPr>
             <p:extLst>
               <p:ext uri="{D42A27DB-BD31-4B8C-83A1-F6EECF244321}">
-                <p14:modId xmlns:p14="http://schemas.microsoft.com/office/powerpoint/2010/main" val="3364679573"/>
+                <p14:modId xmlns:p14="http://schemas.microsoft.com/office/powerpoint/2010/main" val="1918027744"/>
               </p:ext>
             </p:extLst>
           </p:nvPr>
         </p:nvGraphicFramePr>
         <p:xfrm>
           <a:off x="487017" y="780835"/>
-          <a:ext cx="11512823" cy="2147473"/>
+          <a:ext cx="11368706" cy="2147473"/>
         </p:xfrm>
         <a:graphic>
           <a:graphicData uri="http://schemas.openxmlformats.org/drawingml/2006/table">
@@ -18407,65 +19720,72 @@
                 <a:tableStyleId>{5C22544A-7EE6-4342-B048-85BDC9FD1C3A}</a:tableStyleId>
               </a:tblPr>
               <a:tblGrid>
-                <a:gridCol w="872235">
+                <a:gridCol w="760858">
                   <a:extLst>
                     <a:ext uri="{9D8B030D-6E8A-4147-A177-3AD203B41FA5}">
                       <a16:colId xmlns:a16="http://schemas.microsoft.com/office/drawing/2014/main" val="2094208962"/>
                     </a:ext>
                   </a:extLst>
                 </a:gridCol>
-                <a:gridCol w="1520084">
+                <a:gridCol w="1325981">
                   <a:extLst>
                     <a:ext uri="{9D8B030D-6E8A-4147-A177-3AD203B41FA5}">
                       <a16:colId xmlns:a16="http://schemas.microsoft.com/office/drawing/2014/main" val="2752306251"/>
                     </a:ext>
                   </a:extLst>
                 </a:gridCol>
-                <a:gridCol w="1520084">
+                <a:gridCol w="1325981">
                   <a:extLst>
                     <a:ext uri="{9D8B030D-6E8A-4147-A177-3AD203B41FA5}">
                       <a16:colId xmlns:a16="http://schemas.microsoft.com/office/drawing/2014/main" val="596121574"/>
                     </a:ext>
                   </a:extLst>
                 </a:gridCol>
-                <a:gridCol w="1520084">
+                <a:gridCol w="1325981">
+                  <a:extLst>
+                    <a:ext uri="{9D8B030D-6E8A-4147-A177-3AD203B41FA5}">
+                      <a16:colId xmlns:a16="http://schemas.microsoft.com/office/drawing/2014/main" val="463318638"/>
+                    </a:ext>
+                  </a:extLst>
+                </a:gridCol>
+                <a:gridCol w="1325981">
                   <a:extLst>
                     <a:ext uri="{9D8B030D-6E8A-4147-A177-3AD203B41FA5}">
                       <a16:colId xmlns:a16="http://schemas.microsoft.com/office/drawing/2014/main" val="1037817449"/>
                     </a:ext>
                   </a:extLst>
                 </a:gridCol>
-                <a:gridCol w="1520084">
+                <a:gridCol w="1325981">
                   <a:extLst>
                     <a:ext uri="{9D8B030D-6E8A-4147-A177-3AD203B41FA5}">
                       <a16:colId xmlns:a16="http://schemas.microsoft.com/office/drawing/2014/main" val="2961327913"/>
                     </a:ext>
                   </a:extLst>
                 </a:gridCol>
-                <a:gridCol w="1520084">
+                <a:gridCol w="1325981">
                   <a:extLst>
                     <a:ext uri="{9D8B030D-6E8A-4147-A177-3AD203B41FA5}">
                       <a16:colId xmlns:a16="http://schemas.microsoft.com/office/drawing/2014/main" val="3221427985"/>
                     </a:ext>
                   </a:extLst>
                 </a:gridCol>
-                <a:gridCol w="1520084">
+                <a:gridCol w="1325981">
                   <a:extLst>
                     <a:ext uri="{9D8B030D-6E8A-4147-A177-3AD203B41FA5}">
-                      <a16:colId xmlns:a16="http://schemas.microsoft.com/office/drawing/2014/main" val="1821235804"/>
+                      <a16:colId xmlns:a16="http://schemas.microsoft.com/office/drawing/2014/main" val="4260391894"/>
                     </a:ext>
                   </a:extLst>
                 </a:gridCol>
-                <a:gridCol w="1520084">
+                <a:gridCol w="1325981">
                   <a:extLst>
                     <a:ext uri="{9D8B030D-6E8A-4147-A177-3AD203B41FA5}">
-                      <a16:colId xmlns:a16="http://schemas.microsoft.com/office/drawing/2014/main" val="3693018477"/>
+                      <a16:colId xmlns:a16="http://schemas.microsoft.com/office/drawing/2014/main" val="968585779"/>
                     </a:ext>
                   </a:extLst>
                 </a:gridCol>
               </a:tblGrid>
               <a:tr h="305973">
-                <a:tc gridSpan="8">
+                <a:tc gridSpan="9">
                   <a:txBody>
                     <a:bodyPr/>
                     <a:lstStyle/>
@@ -18618,6 +19938,17 @@
                     </a:p>
                   </a:txBody>
                   <a:tcPr marL="7620" marR="7620" marT="7620" marB="0" anchor="ctr"/>
+                </a:tc>
+                <a:tc hMerge="1">
+                  <a:txBody>
+                    <a:bodyPr/>
+                    <a:lstStyle/>
+                    <a:p>
+                      <a:pPr latinLnBrk="1"/>
+                      <a:endParaRPr lang="ko-KR" altLang="en-US"/>
+                    </a:p>
+                  </a:txBody>
+                  <a:tcPr/>
                 </a:tc>
                 <a:tc hMerge="1">
                   <a:txBody>
@@ -18883,7 +20214,7 @@
                           <a:latin typeface="배달의민족 한나체 Pro" panose="020B0600000101010101" pitchFamily="50" charset="-127"/>
                           <a:ea typeface="배달의민족 한나체 Pro" panose="020B0600000101010101" pitchFamily="50" charset="-127"/>
                         </a:rPr>
-                        <a:t>이벤트 </a:t>
+                        <a:t>대화 </a:t>
                       </a:r>
                       <a:r>
                         <a:rPr lang="en-US" sz="1100" u="none" strike="noStrike" dirty="0">
@@ -18952,12 +20283,26 @@
                     <a:p>
                       <a:pPr algn="ctr" fontAlgn="ctr"/>
                       <a:r>
-                        <a:rPr lang="ko-KR" altLang="en-US" sz="1100" u="none" strike="noStrike" dirty="0">
+                        <a:rPr lang="ko-KR" altLang="en-US" sz="1100" b="0" i="0" u="none" strike="noStrike" dirty="0">
+                          <a:solidFill>
+                            <a:srgbClr val="000000"/>
+                          </a:solidFill>
                           <a:effectLst/>
                           <a:latin typeface="배달의민족 한나체 Pro" panose="020B0600000101010101" pitchFamily="50" charset="-127"/>
                           <a:ea typeface="배달의민족 한나체 Pro" panose="020B0600000101010101" pitchFamily="50" charset="-127"/>
                         </a:rPr>
-                        <a:t>이벤트 이름</a:t>
+                        <a:t>대화 내용 </a:t>
+                      </a:r>
+                      <a:r>
+                        <a:rPr lang="en-US" altLang="ko-KR" sz="1100" b="0" i="0" u="none" strike="noStrike" dirty="0">
+                          <a:solidFill>
+                            <a:srgbClr val="000000"/>
+                          </a:solidFill>
+                          <a:effectLst/>
+                          <a:latin typeface="배달의민족 한나체 Pro" panose="020B0600000101010101" pitchFamily="50" charset="-127"/>
+                          <a:ea typeface="배달의민족 한나체 Pro" panose="020B0600000101010101" pitchFamily="50" charset="-127"/>
+                        </a:rPr>
+                        <a:t>ID</a:t>
                       </a:r>
                       <a:endParaRPr lang="ko-KR" altLang="en-US" sz="1100" b="0" i="0" u="none" strike="noStrike" dirty="0">
                         <a:solidFill>
@@ -19026,8 +20371,27 @@
                           <a:latin typeface="배달의민족 한나체 Pro" panose="020B0600000101010101" pitchFamily="50" charset="-127"/>
                           <a:ea typeface="배달의민족 한나체 Pro" panose="020B0600000101010101" pitchFamily="50" charset="-127"/>
                         </a:rPr>
-                        <a:t>이벤트 난이도</a:t>
-                      </a:r>
+                        <a:t>대화 </a:t>
+                      </a:r>
+                      <a:r>
+                        <a:rPr lang="en-US" altLang="ko-KR" sz="1100" b="0" i="0" u="none" strike="noStrike" dirty="0">
+                          <a:solidFill>
+                            <a:srgbClr val="000000"/>
+                          </a:solidFill>
+                          <a:effectLst/>
+                          <a:latin typeface="배달의민족 한나체 Pro" panose="020B0600000101010101" pitchFamily="50" charset="-127"/>
+                          <a:ea typeface="배달의민족 한나체 Pro" panose="020B0600000101010101" pitchFamily="50" charset="-127"/>
+                        </a:rPr>
+                        <a:t>Text ID</a:t>
+                      </a:r>
+                      <a:endParaRPr lang="ko-KR" altLang="en-US" sz="1100" b="0" i="0" u="none" strike="noStrike" dirty="0">
+                        <a:solidFill>
+                          <a:srgbClr val="000000"/>
+                        </a:solidFill>
+                        <a:effectLst/>
+                        <a:latin typeface="배달의민족 한나체 Pro" panose="020B0600000101010101" pitchFamily="50" charset="-127"/>
+                        <a:ea typeface="배달의민족 한나체 Pro" panose="020B0600000101010101" pitchFamily="50" charset="-127"/>
+                      </a:endParaRPr>
                     </a:p>
                   </a:txBody>
                   <a:tcPr marL="7620" marR="7620" marT="7620" marB="0" anchor="ctr">
@@ -19079,6 +20443,17 @@
                     <a:p>
                       <a:pPr algn="ctr" fontAlgn="ctr"/>
                       <a:r>
+                        <a:rPr lang="ko-KR" altLang="en-US" sz="1100" b="0" i="0" u="none" strike="noStrike" dirty="0">
+                          <a:solidFill>
+                            <a:srgbClr val="000000"/>
+                          </a:solidFill>
+                          <a:effectLst/>
+                          <a:latin typeface="배달의민족 한나체 Pro" panose="020B0600000101010101" pitchFamily="50" charset="-127"/>
+                          <a:ea typeface="배달의민족 한나체 Pro" panose="020B0600000101010101" pitchFamily="50" charset="-127"/>
+                        </a:rPr>
+                        <a:t>대답 </a:t>
+                      </a:r>
+                      <a:r>
                         <a:rPr lang="en-US" altLang="ko-KR" sz="1100" b="0" i="0" u="none" strike="noStrike" dirty="0">
                           <a:solidFill>
                             <a:srgbClr val="000000"/>
@@ -19087,29 +20462,7 @@
                           <a:latin typeface="배달의민족 한나체 Pro" panose="020B0600000101010101" pitchFamily="50" charset="-127"/>
                           <a:ea typeface="배달의민족 한나체 Pro" panose="020B0600000101010101" pitchFamily="50" charset="-127"/>
                         </a:rPr>
-                        <a:t> </a:t>
-                      </a:r>
-                      <a:r>
-                        <a:rPr lang="ko-KR" altLang="en-US" sz="1100" b="0" i="0" u="none" strike="noStrike" dirty="0">
-                          <a:solidFill>
-                            <a:srgbClr val="000000"/>
-                          </a:solidFill>
-                          <a:effectLst/>
-                          <a:latin typeface="배달의민족 한나체 Pro" panose="020B0600000101010101" pitchFamily="50" charset="-127"/>
-                          <a:ea typeface="배달의민족 한나체 Pro" panose="020B0600000101010101" pitchFamily="50" charset="-127"/>
-                        </a:rPr>
-                        <a:t>후속 이벤트 </a:t>
-                      </a:r>
-                      <a:r>
-                        <a:rPr lang="en-US" altLang="ko-KR" sz="1100" b="0" i="0" u="none" strike="noStrike" dirty="0">
-                          <a:solidFill>
-                            <a:srgbClr val="000000"/>
-                          </a:solidFill>
-                          <a:effectLst/>
-                          <a:latin typeface="배달의민족 한나체 Pro" panose="020B0600000101010101" pitchFamily="50" charset="-127"/>
-                          <a:ea typeface="배달의민족 한나체 Pro" panose="020B0600000101010101" pitchFamily="50" charset="-127"/>
-                        </a:rPr>
-                        <a:t>ID</a:t>
+                        <a:t>Text List</a:t>
                       </a:r>
                       <a:endParaRPr lang="ko-KR" altLang="en-US" sz="1100" b="0" i="0" u="none" strike="noStrike" dirty="0">
                         <a:solidFill>
@@ -19170,45 +20523,27 @@
                     <a:p>
                       <a:pPr algn="ctr" fontAlgn="ctr"/>
                       <a:r>
-                        <a:rPr lang="ko-KR" altLang="en-US" sz="1100" u="none" strike="noStrike" dirty="0">
+                        <a:rPr lang="en-US" altLang="ko-KR" sz="1100" b="0" i="0" u="none" strike="noStrike" dirty="0">
+                          <a:solidFill>
+                            <a:srgbClr val="000000"/>
+                          </a:solidFill>
                           <a:effectLst/>
                           <a:latin typeface="배달의민족 한나체 Pro" panose="020B0600000101010101" pitchFamily="50" charset="-127"/>
                           <a:ea typeface="배달의민족 한나체 Pro" panose="020B0600000101010101" pitchFamily="50" charset="-127"/>
                         </a:rPr>
-                        <a:t>이벤트 관련 </a:t>
-                      </a:r>
-                      <a:r>
-                        <a:rPr lang="ko-KR" altLang="en-US" sz="1100" u="none" strike="noStrike" dirty="0" err="1">
+                        <a:t> </a:t>
+                      </a:r>
+                      <a:r>
+                        <a:rPr lang="ko-KR" altLang="en-US" sz="1100" b="0" i="0" u="none" strike="noStrike" dirty="0">
+                          <a:solidFill>
+                            <a:srgbClr val="000000"/>
+                          </a:solidFill>
                           <a:effectLst/>
                           <a:latin typeface="배달의민족 한나체 Pro" panose="020B0600000101010101" pitchFamily="50" charset="-127"/>
                           <a:ea typeface="배달의민족 한나체 Pro" panose="020B0600000101010101" pitchFamily="50" charset="-127"/>
                         </a:rPr>
-                        <a:t>프리팹</a:t>
-                      </a:r>
-                      <a:r>
-                        <a:rPr lang="ko-KR" altLang="en-US" sz="1100" u="none" strike="noStrike" dirty="0">
-                          <a:effectLst/>
-                          <a:latin typeface="배달의민족 한나체 Pro" panose="020B0600000101010101" pitchFamily="50" charset="-127"/>
-                          <a:ea typeface="배달의민족 한나체 Pro" panose="020B0600000101010101" pitchFamily="50" charset="-127"/>
-                        </a:rPr>
-                        <a:t> 이름</a:t>
-                      </a:r>
-                      <a:r>
-                        <a:rPr lang="en-US" altLang="ko-KR" sz="1100" u="none" strike="noStrike" dirty="0">
-                          <a:effectLst/>
-                          <a:latin typeface="배달의민족 한나체 Pro" panose="020B0600000101010101" pitchFamily="50" charset="-127"/>
-                          <a:ea typeface="배달의민족 한나체 Pro" panose="020B0600000101010101" pitchFamily="50" charset="-127"/>
-                        </a:rPr>
-                        <a:t>1</a:t>
-                      </a:r>
-                      <a:endParaRPr lang="ko-KR" altLang="en-US" sz="1100" b="0" i="0" u="none" strike="noStrike" dirty="0">
-                        <a:solidFill>
-                          <a:srgbClr val="000000"/>
-                        </a:solidFill>
-                        <a:effectLst/>
-                        <a:latin typeface="배달의민족 한나체 Pro" panose="020B0600000101010101" pitchFamily="50" charset="-127"/>
-                        <a:ea typeface="배달의민족 한나체 Pro" panose="020B0600000101010101" pitchFamily="50" charset="-127"/>
-                      </a:endParaRPr>
+                        <a:t>긍정적인 답변</a:t>
+                      </a:r>
                     </a:p>
                   </a:txBody>
                   <a:tcPr marL="7620" marR="7620" marT="7620" marB="0" anchor="ctr">
@@ -19258,54 +20593,14 @@
                     <a:bodyPr/>
                     <a:lstStyle/>
                     <a:p>
-                      <a:pPr marL="0" marR="0" lvl="0" indent="0" algn="ctr" defTabSz="914400" rtl="0" eaLnBrk="1" fontAlgn="ctr" latinLnBrk="1" hangingPunct="1">
-                        <a:lnSpc>
-                          <a:spcPct val="100000"/>
-                        </a:lnSpc>
-                        <a:spcBef>
-                          <a:spcPts val="0"/>
-                        </a:spcBef>
-                        <a:spcAft>
-                          <a:spcPts val="0"/>
-                        </a:spcAft>
-                        <a:buClrTx/>
-                        <a:buSzTx/>
-                        <a:buFontTx/>
-                        <a:buNone/>
-                        <a:tabLst/>
-                        <a:defRPr/>
-                      </a:pPr>
+                      <a:pPr algn="ctr" fontAlgn="ctr"/>
                       <a:r>
                         <a:rPr lang="ko-KR" altLang="en-US" sz="1100" u="none" strike="noStrike" dirty="0">
                           <a:effectLst/>
                           <a:latin typeface="배달의민족 한나체 Pro" panose="020B0600000101010101" pitchFamily="50" charset="-127"/>
                           <a:ea typeface="배달의민족 한나체 Pro" panose="020B0600000101010101" pitchFamily="50" charset="-127"/>
                         </a:rPr>
-                        <a:t>이벤트 관련 </a:t>
-                      </a:r>
-                      <a:r>
-                        <a:rPr lang="ko-KR" altLang="en-US" sz="1100" u="none" strike="noStrike" dirty="0" err="1">
-                          <a:effectLst/>
-                          <a:latin typeface="배달의민족 한나체 Pro" panose="020B0600000101010101" pitchFamily="50" charset="-127"/>
-                          <a:ea typeface="배달의민족 한나체 Pro" panose="020B0600000101010101" pitchFamily="50" charset="-127"/>
-                        </a:rPr>
-                        <a:t>프리팹</a:t>
-                      </a:r>
-                      <a:r>
-                        <a:rPr lang="ko-KR" altLang="en-US" sz="1100" u="none" strike="noStrike" dirty="0">
-                          <a:effectLst/>
-                          <a:latin typeface="배달의민족 한나체 Pro" panose="020B0600000101010101" pitchFamily="50" charset="-127"/>
-                          <a:ea typeface="배달의민족 한나체 Pro" panose="020B0600000101010101" pitchFamily="50" charset="-127"/>
-                        </a:rPr>
-                        <a:t> 이름</a:t>
-                      </a:r>
-                      <a:r>
-                        <a:rPr lang="en-US" altLang="ko-KR" sz="1100" u="none" strike="noStrike" dirty="0">
-                          <a:effectLst/>
-                          <a:latin typeface="배달의민족 한나체 Pro" panose="020B0600000101010101" pitchFamily="50" charset="-127"/>
-                          <a:ea typeface="배달의민족 한나체 Pro" panose="020B0600000101010101" pitchFamily="50" charset="-127"/>
-                        </a:rPr>
-                        <a:t>2</a:t>
+                        <a:t>긍정적인 다음 대화</a:t>
                       </a:r>
                       <a:endParaRPr lang="ko-KR" altLang="en-US" sz="1100" b="0" i="0" u="none" strike="noStrike" dirty="0">
                         <a:solidFill>
@@ -19364,63 +20659,79 @@
                     <a:bodyPr/>
                     <a:lstStyle/>
                     <a:p>
-                      <a:pPr marL="0" marR="0" lvl="0" indent="0" algn="ctr" defTabSz="914400" rtl="0" eaLnBrk="1" fontAlgn="ctr" latinLnBrk="1" hangingPunct="1">
-                        <a:lnSpc>
-                          <a:spcPct val="100000"/>
-                        </a:lnSpc>
-                        <a:spcBef>
-                          <a:spcPts val="0"/>
-                        </a:spcBef>
-                        <a:spcAft>
-                          <a:spcPts val="0"/>
-                        </a:spcAft>
-                        <a:buClrTx/>
-                        <a:buSzTx/>
-                        <a:buFontTx/>
-                        <a:buNone/>
-                        <a:tabLst/>
-                        <a:defRPr/>
-                      </a:pPr>
-                      <a:r>
-                        <a:rPr lang="ko-KR" altLang="en-US" sz="1100" u="none" strike="noStrike" dirty="0">
+                      <a:pPr algn="ctr" fontAlgn="ctr"/>
+                      <a:r>
+                        <a:rPr lang="ko-KR" altLang="en-US" sz="1100" b="0" i="0" u="none" strike="noStrike" dirty="0">
+                          <a:solidFill>
+                            <a:srgbClr val="000000"/>
+                          </a:solidFill>
                           <a:effectLst/>
                           <a:latin typeface="배달의민족 한나체 Pro" panose="020B0600000101010101" pitchFamily="50" charset="-127"/>
                           <a:ea typeface="배달의민족 한나체 Pro" panose="020B0600000101010101" pitchFamily="50" charset="-127"/>
                         </a:rPr>
-                        <a:t>이벤트 관련 </a:t>
-                      </a:r>
-                      <a:r>
-                        <a:rPr lang="ko-KR" altLang="en-US" sz="1100" u="none" strike="noStrike" dirty="0" err="1">
+                        <a:t>부정적인 답변</a:t>
+                      </a:r>
+                    </a:p>
+                  </a:txBody>
+                  <a:tcPr marL="7620" marR="7620" marT="7620" marB="0" anchor="ctr">
+                    <a:lnL w="12700" cap="flat" cmpd="sng" algn="ctr">
+                      <a:solidFill>
+                        <a:schemeClr val="tx1"/>
+                      </a:solidFill>
+                      <a:prstDash val="solid"/>
+                      <a:round/>
+                      <a:headEnd type="none" w="med" len="med"/>
+                      <a:tailEnd type="none" w="med" len="med"/>
+                    </a:lnL>
+                    <a:lnR w="12700" cap="flat" cmpd="sng" algn="ctr">
+                      <a:solidFill>
+                        <a:schemeClr val="tx1"/>
+                      </a:solidFill>
+                      <a:prstDash val="solid"/>
+                      <a:round/>
+                      <a:headEnd type="none" w="med" len="med"/>
+                      <a:tailEnd type="none" w="med" len="med"/>
+                    </a:lnR>
+                    <a:lnT w="12700" cap="flat" cmpd="sng" algn="ctr">
+                      <a:solidFill>
+                        <a:schemeClr val="tx1"/>
+                      </a:solidFill>
+                      <a:prstDash val="solid"/>
+                      <a:round/>
+                      <a:headEnd type="none" w="med" len="med"/>
+                      <a:tailEnd type="none" w="med" len="med"/>
+                    </a:lnT>
+                    <a:lnB w="12700" cap="flat" cmpd="sng" algn="ctr">
+                      <a:solidFill>
+                        <a:schemeClr val="tx1"/>
+                      </a:solidFill>
+                      <a:prstDash val="solid"/>
+                      <a:round/>
+                      <a:headEnd type="none" w="med" len="med"/>
+                      <a:tailEnd type="none" w="med" len="med"/>
+                    </a:lnB>
+                    <a:solidFill>
+                      <a:srgbClr val="FFFF00"/>
+                    </a:solidFill>
+                  </a:tcPr>
+                </a:tc>
+                <a:tc>
+                  <a:txBody>
+                    <a:bodyPr/>
+                    <a:lstStyle/>
+                    <a:p>
+                      <a:pPr algn="ctr" fontAlgn="ctr"/>
+                      <a:r>
+                        <a:rPr lang="ko-KR" altLang="en-US" sz="1100" b="0" i="0" u="none" strike="noStrike" dirty="0">
+                          <a:solidFill>
+                            <a:srgbClr val="000000"/>
+                          </a:solidFill>
                           <a:effectLst/>
                           <a:latin typeface="배달의민족 한나체 Pro" panose="020B0600000101010101" pitchFamily="50" charset="-127"/>
                           <a:ea typeface="배달의민족 한나체 Pro" panose="020B0600000101010101" pitchFamily="50" charset="-127"/>
                         </a:rPr>
-                        <a:t>프리팹</a:t>
-                      </a:r>
-                      <a:r>
-                        <a:rPr lang="ko-KR" altLang="en-US" sz="1100" u="none" strike="noStrike" dirty="0">
-                          <a:effectLst/>
-                          <a:latin typeface="배달의민족 한나체 Pro" panose="020B0600000101010101" pitchFamily="50" charset="-127"/>
-                          <a:ea typeface="배달의민족 한나체 Pro" panose="020B0600000101010101" pitchFamily="50" charset="-127"/>
-                        </a:rPr>
-                        <a:t> 이름</a:t>
-                      </a:r>
-                      <a:r>
-                        <a:rPr lang="en-US" altLang="ko-KR" sz="1100" u="none" strike="noStrike" dirty="0">
-                          <a:effectLst/>
-                          <a:latin typeface="배달의민족 한나체 Pro" panose="020B0600000101010101" pitchFamily="50" charset="-127"/>
-                          <a:ea typeface="배달의민족 한나체 Pro" panose="020B0600000101010101" pitchFamily="50" charset="-127"/>
-                        </a:rPr>
-                        <a:t>3</a:t>
-                      </a:r>
-                      <a:endParaRPr lang="ko-KR" altLang="en-US" sz="1100" b="0" i="0" u="none" strike="noStrike" dirty="0">
-                        <a:solidFill>
-                          <a:srgbClr val="000000"/>
-                        </a:solidFill>
-                        <a:effectLst/>
-                        <a:latin typeface="배달의민족 한나체 Pro" panose="020B0600000101010101" pitchFamily="50" charset="-127"/>
-                        <a:ea typeface="배달의민족 한나체 Pro" panose="020B0600000101010101" pitchFamily="50" charset="-127"/>
-                      </a:endParaRPr>
+                        <a:t>부정적인 다음 대화</a:t>
+                      </a:r>
                     </a:p>
                   </a:txBody>
                   <a:tcPr marL="7620" marR="7620" marT="7620" marB="0" anchor="ctr">
@@ -19608,12 +20919,73 @@
                     <a:p>
                       <a:pPr algn="l" fontAlgn="ctr"/>
                       <a:r>
-                        <a:rPr lang="en-US" sz="1100" u="none" strike="noStrike" dirty="0">
+                        <a:rPr lang="en-US" sz="1100" b="0" i="0" u="none" strike="noStrike" dirty="0">
+                          <a:solidFill>
+                            <a:srgbClr val="000000"/>
+                          </a:solidFill>
                           <a:effectLst/>
                           <a:latin typeface="배달의민족 한나체 Air" panose="020B0600000101010101" pitchFamily="50" charset="-127"/>
                           <a:ea typeface="배달의민족 한나체 Air" panose="020B0600000101010101" pitchFamily="50" charset="-127"/>
                         </a:rPr>
-                        <a:t>String</a:t>
+                        <a:t>Int</a:t>
+                      </a:r>
+                    </a:p>
+                  </a:txBody>
+                  <a:tcPr marL="36000" marR="7620" marT="7620" marB="0" anchor="ctr">
+                    <a:lnL w="12700" cap="flat" cmpd="sng" algn="ctr">
+                      <a:solidFill>
+                        <a:schemeClr val="tx1"/>
+                      </a:solidFill>
+                      <a:prstDash val="solid"/>
+                      <a:round/>
+                      <a:headEnd type="none" w="med" len="med"/>
+                      <a:tailEnd type="none" w="med" len="med"/>
+                    </a:lnL>
+                    <a:lnR w="12700" cap="flat" cmpd="sng" algn="ctr">
+                      <a:solidFill>
+                        <a:schemeClr val="tx1"/>
+                      </a:solidFill>
+                      <a:prstDash val="solid"/>
+                      <a:round/>
+                      <a:headEnd type="none" w="med" len="med"/>
+                      <a:tailEnd type="none" w="med" len="med"/>
+                    </a:lnR>
+                    <a:lnT w="12700" cap="flat" cmpd="sng" algn="ctr">
+                      <a:solidFill>
+                        <a:schemeClr val="tx1"/>
+                      </a:solidFill>
+                      <a:prstDash val="solid"/>
+                      <a:round/>
+                      <a:headEnd type="none" w="med" len="med"/>
+                      <a:tailEnd type="none" w="med" len="med"/>
+                    </a:lnT>
+                    <a:lnB w="12700" cap="flat" cmpd="sng" algn="ctr">
+                      <a:solidFill>
+                        <a:schemeClr val="tx1"/>
+                      </a:solidFill>
+                      <a:prstDash val="solid"/>
+                      <a:round/>
+                      <a:headEnd type="none" w="med" len="med"/>
+                      <a:tailEnd type="none" w="med" len="med"/>
+                    </a:lnB>
+                  </a:tcPr>
+                </a:tc>
+                <a:tc>
+                  <a:txBody>
+                    <a:bodyPr/>
+                    <a:lstStyle/>
+                    <a:p>
+                      <a:pPr algn="l" fontAlgn="ctr"/>
+                      <a:r>
+                        <a:rPr lang="en-US" altLang="ko-KR" sz="1100" b="0" i="0" u="none" strike="noStrike" dirty="0">
+                          <a:solidFill>
+                            <a:srgbClr val="000000"/>
+                          </a:solidFill>
+                          <a:effectLst/>
+                          <a:latin typeface="배달의민족 한나체 Air" panose="020B0600000101010101" pitchFamily="50" charset="-127"/>
+                          <a:ea typeface="배달의민족 한나체 Air" panose="020B0600000101010101" pitchFamily="50" charset="-127"/>
+                        </a:rPr>
+                        <a:t>Int</a:t>
                       </a:r>
                       <a:endParaRPr lang="en-US" sz="1100" b="0" i="0" u="none" strike="noStrike" dirty="0">
                         <a:solidFill>
@@ -19671,135 +21043,6 @@
                     <a:p>
                       <a:pPr algn="l" fontAlgn="ctr"/>
                       <a:r>
-                        <a:rPr lang="en-US" sz="1100" b="0" i="0" u="none" strike="noStrike" dirty="0" err="1">
-                          <a:solidFill>
-                            <a:srgbClr val="000000"/>
-                          </a:solidFill>
-                          <a:effectLst/>
-                          <a:latin typeface="배달의민족 한나체 Air" panose="020B0600000101010101" pitchFamily="50" charset="-127"/>
-                          <a:ea typeface="배달의민족 한나체 Air" panose="020B0600000101010101" pitchFamily="50" charset="-127"/>
-                        </a:rPr>
-                        <a:t>enum</a:t>
-                      </a:r>
-                      <a:endParaRPr lang="en-US" sz="1100" b="0" i="0" u="none" strike="noStrike" dirty="0">
-                        <a:solidFill>
-                          <a:srgbClr val="000000"/>
-                        </a:solidFill>
-                        <a:effectLst/>
-                        <a:latin typeface="배달의민족 한나체 Air" panose="020B0600000101010101" pitchFamily="50" charset="-127"/>
-                        <a:ea typeface="배달의민족 한나체 Air" panose="020B0600000101010101" pitchFamily="50" charset="-127"/>
-                      </a:endParaRPr>
-                    </a:p>
-                  </a:txBody>
-                  <a:tcPr marL="36000" marR="7620" marT="7620" marB="0" anchor="ctr">
-                    <a:lnL w="12700" cap="flat" cmpd="sng" algn="ctr">
-                      <a:solidFill>
-                        <a:schemeClr val="tx1"/>
-                      </a:solidFill>
-                      <a:prstDash val="solid"/>
-                      <a:round/>
-                      <a:headEnd type="none" w="med" len="med"/>
-                      <a:tailEnd type="none" w="med" len="med"/>
-                    </a:lnL>
-                    <a:lnR w="12700" cap="flat" cmpd="sng" algn="ctr">
-                      <a:solidFill>
-                        <a:schemeClr val="tx1"/>
-                      </a:solidFill>
-                      <a:prstDash val="solid"/>
-                      <a:round/>
-                      <a:headEnd type="none" w="med" len="med"/>
-                      <a:tailEnd type="none" w="med" len="med"/>
-                    </a:lnR>
-                    <a:lnT w="12700" cap="flat" cmpd="sng" algn="ctr">
-                      <a:solidFill>
-                        <a:schemeClr val="tx1"/>
-                      </a:solidFill>
-                      <a:prstDash val="solid"/>
-                      <a:round/>
-                      <a:headEnd type="none" w="med" len="med"/>
-                      <a:tailEnd type="none" w="med" len="med"/>
-                    </a:lnT>
-                    <a:lnB w="12700" cap="flat" cmpd="sng" algn="ctr">
-                      <a:solidFill>
-                        <a:schemeClr val="tx1"/>
-                      </a:solidFill>
-                      <a:prstDash val="solid"/>
-                      <a:round/>
-                      <a:headEnd type="none" w="med" len="med"/>
-                      <a:tailEnd type="none" w="med" len="med"/>
-                    </a:lnB>
-                  </a:tcPr>
-                </a:tc>
-                <a:tc>
-                  <a:txBody>
-                    <a:bodyPr/>
-                    <a:lstStyle/>
-                    <a:p>
-                      <a:pPr algn="l" fontAlgn="ctr"/>
-                      <a:r>
-                        <a:rPr lang="en-US" sz="1100" u="none" strike="noStrike" dirty="0">
-                          <a:effectLst/>
-                          <a:latin typeface="배달의민족 한나체 Air" panose="020B0600000101010101" pitchFamily="50" charset="-127"/>
-                          <a:ea typeface="배달의민족 한나체 Air" panose="020B0600000101010101" pitchFamily="50" charset="-127"/>
-                        </a:rPr>
-                        <a:t>Int</a:t>
-                      </a:r>
-                      <a:endParaRPr lang="en-US" sz="1100" b="0" i="0" u="none" strike="noStrike" dirty="0">
-                        <a:solidFill>
-                          <a:srgbClr val="000000"/>
-                        </a:solidFill>
-                        <a:effectLst/>
-                        <a:latin typeface="배달의민족 한나체 Air" panose="020B0600000101010101" pitchFamily="50" charset="-127"/>
-                        <a:ea typeface="배달의민족 한나체 Air" panose="020B0600000101010101" pitchFamily="50" charset="-127"/>
-                      </a:endParaRPr>
-                    </a:p>
-                  </a:txBody>
-                  <a:tcPr marL="36000" marR="7620" marT="7620" marB="0" anchor="ctr">
-                    <a:lnL w="12700" cap="flat" cmpd="sng" algn="ctr">
-                      <a:solidFill>
-                        <a:schemeClr val="tx1"/>
-                      </a:solidFill>
-                      <a:prstDash val="solid"/>
-                      <a:round/>
-                      <a:headEnd type="none" w="med" len="med"/>
-                      <a:tailEnd type="none" w="med" len="med"/>
-                    </a:lnL>
-                    <a:lnR w="12700" cap="flat" cmpd="sng" algn="ctr">
-                      <a:solidFill>
-                        <a:schemeClr val="tx1"/>
-                      </a:solidFill>
-                      <a:prstDash val="solid"/>
-                      <a:round/>
-                      <a:headEnd type="none" w="med" len="med"/>
-                      <a:tailEnd type="none" w="med" len="med"/>
-                    </a:lnR>
-                    <a:lnT w="12700" cap="flat" cmpd="sng" algn="ctr">
-                      <a:solidFill>
-                        <a:schemeClr val="tx1"/>
-                      </a:solidFill>
-                      <a:prstDash val="solid"/>
-                      <a:round/>
-                      <a:headEnd type="none" w="med" len="med"/>
-                      <a:tailEnd type="none" w="med" len="med"/>
-                    </a:lnT>
-                    <a:lnB w="12700" cap="flat" cmpd="sng" algn="ctr">
-                      <a:solidFill>
-                        <a:schemeClr val="tx1"/>
-                      </a:solidFill>
-                      <a:prstDash val="solid"/>
-                      <a:round/>
-                      <a:headEnd type="none" w="med" len="med"/>
-                      <a:tailEnd type="none" w="med" len="med"/>
-                    </a:lnB>
-                  </a:tcPr>
-                </a:tc>
-                <a:tc gridSpan="3">
-                  <a:txBody>
-                    <a:bodyPr/>
-                    <a:lstStyle/>
-                    <a:p>
-                      <a:pPr algn="l" fontAlgn="ctr"/>
-                      <a:r>
                         <a:rPr lang="en-US" sz="1100" b="0" i="0" u="none" strike="noStrike" dirty="0">
                           <a:solidFill>
                             <a:srgbClr val="000000"/>
@@ -19808,7 +21051,7 @@
                           <a:latin typeface="배달의민족 한나체 Air" panose="020B0600000101010101" pitchFamily="50" charset="-127"/>
                           <a:ea typeface="배달의민족 한나체 Air" panose="020B0600000101010101" pitchFamily="50" charset="-127"/>
                         </a:rPr>
-                        <a:t>string</a:t>
+                        <a:t>Int</a:t>
                       </a:r>
                     </a:p>
                   </a:txBody>
@@ -19851,20 +21094,23 @@
                     </a:lnB>
                   </a:tcPr>
                 </a:tc>
-                <a:tc hMerge="1">
+                <a:tc>
                   <a:txBody>
                     <a:bodyPr/>
                     <a:lstStyle/>
                     <a:p>
                       <a:pPr algn="l" fontAlgn="ctr"/>
-                      <a:endParaRPr lang="en-US" sz="1100" b="0" i="0" u="none" strike="noStrike" dirty="0">
-                        <a:solidFill>
-                          <a:srgbClr val="000000"/>
-                        </a:solidFill>
-                        <a:effectLst/>
-                        <a:latin typeface="배달의민족 한나체 Air" panose="020B0600000101010101" pitchFamily="50" charset="-127"/>
-                        <a:ea typeface="배달의민족 한나체 Air" panose="020B0600000101010101" pitchFamily="50" charset="-127"/>
-                      </a:endParaRPr>
+                      <a:r>
+                        <a:rPr lang="en-US" sz="1100" b="0" i="0" u="none" strike="noStrike" dirty="0">
+                          <a:solidFill>
+                            <a:srgbClr val="000000"/>
+                          </a:solidFill>
+                          <a:effectLst/>
+                          <a:latin typeface="배달의민족 한나체 Air" panose="020B0600000101010101" pitchFamily="50" charset="-127"/>
+                          <a:ea typeface="배달의민족 한나체 Air" panose="020B0600000101010101" pitchFamily="50" charset="-127"/>
+                        </a:rPr>
+                        <a:t>List&lt;int&gt;</a:t>
+                      </a:r>
                     </a:p>
                   </a:txBody>
                   <a:tcPr marL="36000" marR="7620" marT="7620" marB="0" anchor="ctr">
@@ -19906,20 +21152,139 @@
                     </a:lnB>
                   </a:tcPr>
                 </a:tc>
-                <a:tc hMerge="1">
+                <a:tc>
                   <a:txBody>
                     <a:bodyPr/>
                     <a:lstStyle/>
                     <a:p>
                       <a:pPr algn="l" fontAlgn="ctr"/>
-                      <a:endParaRPr lang="en-US" sz="1100" b="0" i="0" u="none" strike="noStrike" dirty="0">
-                        <a:solidFill>
-                          <a:srgbClr val="000000"/>
-                        </a:solidFill>
-                        <a:effectLst/>
-                        <a:latin typeface="배달의민족 한나체 Air" panose="020B0600000101010101" pitchFamily="50" charset="-127"/>
-                        <a:ea typeface="배달의민족 한나체 Air" panose="020B0600000101010101" pitchFamily="50" charset="-127"/>
-                      </a:endParaRPr>
+                      <a:r>
+                        <a:rPr lang="en-US" sz="1100" b="0" i="0" u="none" strike="noStrike" dirty="0">
+                          <a:solidFill>
+                            <a:srgbClr val="000000"/>
+                          </a:solidFill>
+                          <a:effectLst/>
+                          <a:latin typeface="배달의민족 한나체 Air" panose="020B0600000101010101" pitchFamily="50" charset="-127"/>
+                          <a:ea typeface="배달의민족 한나체 Air" panose="020B0600000101010101" pitchFamily="50" charset="-127"/>
+                        </a:rPr>
+                        <a:t>Int</a:t>
+                      </a:r>
+                    </a:p>
+                  </a:txBody>
+                  <a:tcPr marL="36000" marR="7620" marT="7620" marB="0" anchor="ctr">
+                    <a:lnL w="12700" cap="flat" cmpd="sng" algn="ctr">
+                      <a:solidFill>
+                        <a:schemeClr val="tx1"/>
+                      </a:solidFill>
+                      <a:prstDash val="solid"/>
+                      <a:round/>
+                      <a:headEnd type="none" w="med" len="med"/>
+                      <a:tailEnd type="none" w="med" len="med"/>
+                    </a:lnL>
+                    <a:lnR w="12700" cap="flat" cmpd="sng" algn="ctr">
+                      <a:solidFill>
+                        <a:schemeClr val="tx1"/>
+                      </a:solidFill>
+                      <a:prstDash val="solid"/>
+                      <a:round/>
+                      <a:headEnd type="none" w="med" len="med"/>
+                      <a:tailEnd type="none" w="med" len="med"/>
+                    </a:lnR>
+                    <a:lnT w="12700" cap="flat" cmpd="sng" algn="ctr">
+                      <a:solidFill>
+                        <a:schemeClr val="tx1"/>
+                      </a:solidFill>
+                      <a:prstDash val="solid"/>
+                      <a:round/>
+                      <a:headEnd type="none" w="med" len="med"/>
+                      <a:tailEnd type="none" w="med" len="med"/>
+                    </a:lnT>
+                    <a:lnB w="12700" cap="flat" cmpd="sng" algn="ctr">
+                      <a:solidFill>
+                        <a:schemeClr val="tx1"/>
+                      </a:solidFill>
+                      <a:prstDash val="solid"/>
+                      <a:round/>
+                      <a:headEnd type="none" w="med" len="med"/>
+                      <a:tailEnd type="none" w="med" len="med"/>
+                    </a:lnB>
+                  </a:tcPr>
+                </a:tc>
+                <a:tc>
+                  <a:txBody>
+                    <a:bodyPr/>
+                    <a:lstStyle/>
+                    <a:p>
+                      <a:pPr algn="l" fontAlgn="ctr"/>
+                      <a:r>
+                        <a:rPr lang="en-US" sz="1100" b="0" i="0" u="none" strike="noStrike" dirty="0">
+                          <a:solidFill>
+                            <a:srgbClr val="000000"/>
+                          </a:solidFill>
+                          <a:effectLst/>
+                          <a:latin typeface="배달의민족 한나체 Air" panose="020B0600000101010101" pitchFamily="50" charset="-127"/>
+                          <a:ea typeface="배달의민족 한나체 Air" panose="020B0600000101010101" pitchFamily="50" charset="-127"/>
+                        </a:rPr>
+                        <a:t>List&lt;int&gt;</a:t>
+                      </a:r>
+                    </a:p>
+                  </a:txBody>
+                  <a:tcPr marL="36000" marR="7620" marT="7620" marB="0" anchor="ctr">
+                    <a:lnL w="12700" cap="flat" cmpd="sng" algn="ctr">
+                      <a:solidFill>
+                        <a:schemeClr val="tx1"/>
+                      </a:solidFill>
+                      <a:prstDash val="solid"/>
+                      <a:round/>
+                      <a:headEnd type="none" w="med" len="med"/>
+                      <a:tailEnd type="none" w="med" len="med"/>
+                    </a:lnL>
+                    <a:lnR w="12700" cap="flat" cmpd="sng" algn="ctr">
+                      <a:solidFill>
+                        <a:schemeClr val="tx1"/>
+                      </a:solidFill>
+                      <a:prstDash val="solid"/>
+                      <a:round/>
+                      <a:headEnd type="none" w="med" len="med"/>
+                      <a:tailEnd type="none" w="med" len="med"/>
+                    </a:lnR>
+                    <a:lnT w="12700" cap="flat" cmpd="sng" algn="ctr">
+                      <a:solidFill>
+                        <a:schemeClr val="tx1"/>
+                      </a:solidFill>
+                      <a:prstDash val="solid"/>
+                      <a:round/>
+                      <a:headEnd type="none" w="med" len="med"/>
+                      <a:tailEnd type="none" w="med" len="med"/>
+                    </a:lnT>
+                    <a:lnB w="12700" cap="flat" cmpd="sng" algn="ctr">
+                      <a:solidFill>
+                        <a:schemeClr val="tx1"/>
+                      </a:solidFill>
+                      <a:prstDash val="solid"/>
+                      <a:round/>
+                      <a:headEnd type="none" w="med" len="med"/>
+                      <a:tailEnd type="none" w="med" len="med"/>
+                    </a:lnB>
+                  </a:tcPr>
+                </a:tc>
+                <a:tc>
+                  <a:txBody>
+                    <a:bodyPr/>
+                    <a:lstStyle/>
+                    <a:p>
+                      <a:pPr algn="l" fontAlgn="ctr"/>
+                      <a:r>
+                        <a:rPr lang="en-US" sz="1100" b="0" i="0" u="none" strike="noStrike" dirty="0">
+                          <a:solidFill>
+                            <a:srgbClr val="000000"/>
+                          </a:solidFill>
+                          <a:effectLst/>
+                          <a:latin typeface="배달의민족 한나체 Air" panose="020B0600000101010101" pitchFamily="50" charset="-127"/>
+                          <a:ea typeface="배달의민족 한나체 Air" panose="020B0600000101010101" pitchFamily="50" charset="-127"/>
+                        </a:rPr>
+                        <a:t>Int</a:t>
+                      </a:r>
                     </a:p>
                   </a:txBody>
                   <a:tcPr marL="36000" marR="7620" marT="7620" marB="0" anchor="ctr">
@@ -19967,8 +21332,8 @@
                   </a:ext>
                 </a:extLst>
               </a:tr>
-              <a:tr h="294640">
-                <a:tc rowSpan="4">
+              <a:tr h="1178560">
+                <a:tc>
                   <a:txBody>
                     <a:bodyPr/>
                     <a:lstStyle/>
@@ -20034,7 +21399,7 @@
                     </a:lnB>
                   </a:tcPr>
                 </a:tc>
-                <a:tc rowSpan="4">
+                <a:tc>
                   <a:txBody>
                     <a:bodyPr/>
                     <a:lstStyle/>
@@ -20046,7 +21411,7 @@
                           <a:latin typeface="배달의민족 한나체 Air" panose="020B0600000101010101" pitchFamily="50" charset="-127"/>
                           <a:ea typeface="배달의민족 한나체 Air" panose="020B0600000101010101" pitchFamily="50" charset="-127"/>
                         </a:rPr>
-                        <a:t>이벤트의 </a:t>
+                        <a:t>대화의 </a:t>
                       </a:r>
                       <a:r>
                         <a:rPr lang="en-US" sz="1100" u="none" strike="noStrike" dirty="0">
@@ -20112,7 +21477,7 @@
                           <a:latin typeface="배달의민족 한나체 Air" panose="020B0600000101010101" pitchFamily="50" charset="-127"/>
                           <a:ea typeface="배달의민족 한나체 Air" panose="020B0600000101010101" pitchFamily="50" charset="-127"/>
                         </a:rPr>
-                        <a:t>1xxx</a:t>
+                        <a:t>4xxx</a:t>
                       </a:r>
                     </a:p>
                   </a:txBody>
@@ -20155,7 +21520,7 @@
                     </a:lnB>
                   </a:tcPr>
                 </a:tc>
-                <a:tc rowSpan="4">
+                <a:tc>
                   <a:txBody>
                     <a:bodyPr/>
                     <a:lstStyle/>
@@ -20167,8 +21532,41 @@
                           <a:latin typeface="배달의민족 한나체 Air" panose="020B0600000101010101" pitchFamily="50" charset="-127"/>
                           <a:ea typeface="배달의민족 한나체 Air" panose="020B0600000101010101" pitchFamily="50" charset="-127"/>
                         </a:rPr>
-                        <a:t>이벤트 이름을 표기</a:t>
-                      </a:r>
+                        <a:t>해당 대화 그룹의 이름을</a:t>
+                      </a:r>
+                      <a:endParaRPr lang="en-US" altLang="ko-KR" sz="1100" u="none" strike="noStrike" dirty="0">
+                        <a:effectLst/>
+                        <a:latin typeface="배달의민족 한나체 Air" panose="020B0600000101010101" pitchFamily="50" charset="-127"/>
+                        <a:ea typeface="배달의민족 한나체 Air" panose="020B0600000101010101" pitchFamily="50" charset="-127"/>
+                      </a:endParaRPr>
+                    </a:p>
+                    <a:p>
+                      <a:pPr algn="l" fontAlgn="ctr"/>
+                      <a:r>
+                        <a:rPr lang="ko-KR" altLang="en-US" sz="1100" b="0" i="0" u="none" strike="noStrike" dirty="0">
+                          <a:solidFill>
+                            <a:srgbClr val="000000"/>
+                          </a:solidFill>
+                          <a:effectLst/>
+                          <a:latin typeface="배달의민족 한나체 Air" panose="020B0600000101010101" pitchFamily="50" charset="-127"/>
+                          <a:ea typeface="배달의민족 한나체 Air" panose="020B0600000101010101" pitchFamily="50" charset="-127"/>
+                        </a:rPr>
+                        <a:t>나타낸다</a:t>
+                      </a:r>
+                      <a:r>
+                        <a:rPr lang="en-US" altLang="ko-KR" sz="1100" b="0" i="0" u="none" strike="noStrike" dirty="0">
+                          <a:solidFill>
+                            <a:srgbClr val="000000"/>
+                          </a:solidFill>
+                          <a:effectLst/>
+                          <a:latin typeface="배달의민족 한나체 Air" panose="020B0600000101010101" pitchFamily="50" charset="-127"/>
+                          <a:ea typeface="배달의민족 한나체 Air" panose="020B0600000101010101" pitchFamily="50" charset="-127"/>
+                        </a:rPr>
+                        <a:t>.</a:t>
+                      </a:r>
+                    </a:p>
+                    <a:p>
+                      <a:pPr algn="l" fontAlgn="ctr"/>
                       <a:endParaRPr lang="ko-KR" altLang="en-US" sz="1100" b="0" i="0" u="none" strike="noStrike" dirty="0">
                         <a:solidFill>
                           <a:srgbClr val="000000"/>
@@ -20225,6 +21623,17 @@
                     <a:p>
                       <a:pPr algn="l" fontAlgn="ctr"/>
                       <a:r>
+                        <a:rPr lang="en-US" altLang="ko-KR" sz="1100" b="0" i="0" u="none" strike="noStrike" dirty="0" err="1">
+                          <a:solidFill>
+                            <a:srgbClr val="000000"/>
+                          </a:solidFill>
+                          <a:effectLst/>
+                          <a:latin typeface="배달의민족 한나체 Air" panose="020B0600000101010101" pitchFamily="50" charset="-127"/>
+                          <a:ea typeface="배달의민족 한나체 Air" panose="020B0600000101010101" pitchFamily="50" charset="-127"/>
+                        </a:rPr>
+                        <a:t>Npc</a:t>
+                      </a:r>
+                      <a:r>
                         <a:rPr lang="ko-KR" altLang="en-US" sz="1100" b="0" i="0" u="none" strike="noStrike" dirty="0">
                           <a:solidFill>
                             <a:srgbClr val="000000"/>
@@ -20233,7 +21642,7 @@
                           <a:latin typeface="배달의민족 한나체 Air" panose="020B0600000101010101" pitchFamily="50" charset="-127"/>
                           <a:ea typeface="배달의민족 한나체 Air" panose="020B0600000101010101" pitchFamily="50" charset="-127"/>
                         </a:rPr>
-                        <a:t>해당</a:t>
+                        <a:t>가 말하는 </a:t>
                       </a:r>
                       <a:r>
                         <a:rPr lang="en-US" altLang="ko-KR" sz="1100" b="0" i="0" u="none" strike="noStrike" dirty="0">
@@ -20244,7 +21653,7 @@
                           <a:latin typeface="배달의민족 한나체 Air" panose="020B0600000101010101" pitchFamily="50" charset="-127"/>
                           <a:ea typeface="배달의민족 한나체 Air" panose="020B0600000101010101" pitchFamily="50" charset="-127"/>
                         </a:rPr>
-                        <a:t> </a:t>
+                        <a:t>Text</a:t>
                       </a:r>
                       <a:r>
                         <a:rPr lang="ko-KR" altLang="en-US" sz="1100" b="0" i="0" u="none" strike="noStrike" dirty="0">
@@ -20255,85 +21664,7 @@
                           <a:latin typeface="배달의민족 한나체 Air" panose="020B0600000101010101" pitchFamily="50" charset="-127"/>
                           <a:ea typeface="배달의민족 한나체 Air" panose="020B0600000101010101" pitchFamily="50" charset="-127"/>
                         </a:rPr>
-                        <a:t>이벤트의</a:t>
-                      </a:r>
-                      <a:r>
-                        <a:rPr lang="en-US" altLang="ko-KR" sz="1100" b="0" i="0" u="none" strike="noStrike" dirty="0">
-                          <a:solidFill>
-                            <a:srgbClr val="000000"/>
-                          </a:solidFill>
-                          <a:effectLst/>
-                          <a:latin typeface="배달의민족 한나체 Air" panose="020B0600000101010101" pitchFamily="50" charset="-127"/>
-                          <a:ea typeface="배달의민족 한나체 Air" panose="020B0600000101010101" pitchFamily="50" charset="-127"/>
-                        </a:rPr>
-                        <a:t> </a:t>
-                      </a:r>
-                      <a:r>
-                        <a:rPr lang="ko-KR" altLang="en-US" sz="1100" b="0" i="0" u="none" strike="noStrike" dirty="0">
-                          <a:solidFill>
-                            <a:srgbClr val="000000"/>
-                          </a:solidFill>
-                          <a:effectLst/>
-                          <a:latin typeface="배달의민족 한나체 Air" panose="020B0600000101010101" pitchFamily="50" charset="-127"/>
-                          <a:ea typeface="배달의민족 한나체 Air" panose="020B0600000101010101" pitchFamily="50" charset="-127"/>
-                        </a:rPr>
-                        <a:t>난이도 표기</a:t>
-                      </a:r>
-                    </a:p>
-                  </a:txBody>
-                  <a:tcPr marL="36000" marR="7620" marT="7620" marB="0" anchor="ctr">
-                    <a:lnL w="12700" cap="flat" cmpd="sng" algn="ctr">
-                      <a:solidFill>
-                        <a:schemeClr val="tx1"/>
-                      </a:solidFill>
-                      <a:prstDash val="solid"/>
-                      <a:round/>
-                      <a:headEnd type="none" w="med" len="med"/>
-                      <a:tailEnd type="none" w="med" len="med"/>
-                    </a:lnL>
-                    <a:lnR w="12700" cap="flat" cmpd="sng" algn="ctr">
-                      <a:solidFill>
-                        <a:schemeClr val="tx1"/>
-                      </a:solidFill>
-                      <a:prstDash val="solid"/>
-                      <a:round/>
-                      <a:headEnd type="none" w="med" len="med"/>
-                      <a:tailEnd type="none" w="med" len="med"/>
-                    </a:lnR>
-                    <a:lnT w="12700" cap="flat" cmpd="sng" algn="ctr">
-                      <a:solidFill>
-                        <a:schemeClr val="tx1"/>
-                      </a:solidFill>
-                      <a:prstDash val="solid"/>
-                      <a:round/>
-                      <a:headEnd type="none" w="med" len="med"/>
-                      <a:tailEnd type="none" w="med" len="med"/>
-                    </a:lnT>
-                    <a:lnB w="12700" cap="flat" cmpd="sng" algn="ctr">
-                      <a:noFill/>
-                      <a:prstDash val="solid"/>
-                      <a:round/>
-                      <a:headEnd type="none" w="med" len="med"/>
-                      <a:tailEnd type="none" w="med" len="med"/>
-                    </a:lnB>
-                  </a:tcPr>
-                </a:tc>
-                <a:tc rowSpan="4">
-                  <a:txBody>
-                    <a:bodyPr/>
-                    <a:lstStyle/>
-                    <a:p>
-                      <a:pPr algn="l" fontAlgn="ctr"/>
-                      <a:r>
-                        <a:rPr lang="ko-KR" altLang="en-US" sz="1100" b="0" i="0" u="none" strike="noStrike" dirty="0">
-                          <a:solidFill>
-                            <a:srgbClr val="000000"/>
-                          </a:solidFill>
-                          <a:effectLst/>
-                          <a:latin typeface="배달의민족 한나체 Air" panose="020B0600000101010101" pitchFamily="50" charset="-127"/>
-                          <a:ea typeface="배달의민족 한나체 Air" panose="020B0600000101010101" pitchFamily="50" charset="-127"/>
-                        </a:rPr>
-                        <a:t>해당 이벤트가 끝나고 올</a:t>
+                        <a:t>의</a:t>
                       </a:r>
                       <a:endParaRPr lang="en-US" altLang="ko-KR" sz="1100" b="0" i="0" u="none" strike="noStrike" dirty="0">
                         <a:solidFill>
@@ -20346,17 +21677,6 @@
                     </a:p>
                     <a:p>
                       <a:pPr algn="l" fontAlgn="ctr"/>
-                      <a:r>
-                        <a:rPr lang="ko-KR" altLang="en-US" sz="1100" b="0" i="0" u="none" strike="noStrike" dirty="0">
-                          <a:solidFill>
-                            <a:srgbClr val="000000"/>
-                          </a:solidFill>
-                          <a:effectLst/>
-                          <a:latin typeface="배달의민족 한나체 Air" panose="020B0600000101010101" pitchFamily="50" charset="-127"/>
-                          <a:ea typeface="배달의민족 한나체 Air" panose="020B0600000101010101" pitchFamily="50" charset="-127"/>
-                        </a:rPr>
-                        <a:t>다음 이벤트 </a:t>
-                      </a:r>
                       <a:r>
                         <a:rPr lang="en-US" altLang="ko-KR" sz="1100" b="0" i="0" u="none" strike="noStrike" dirty="0">
                           <a:solidFill>
@@ -20368,6 +21688,61 @@
                         </a:rPr>
                         <a:t>ID</a:t>
                       </a:r>
+                      <a:endParaRPr lang="ko-KR" altLang="en-US" sz="1100" b="0" i="0" u="none" strike="noStrike" dirty="0">
+                        <a:solidFill>
+                          <a:srgbClr val="000000"/>
+                        </a:solidFill>
+                        <a:effectLst/>
+                        <a:latin typeface="배달의민족 한나체 Air" panose="020B0600000101010101" pitchFamily="50" charset="-127"/>
+                        <a:ea typeface="배달의민족 한나체 Air" panose="020B0600000101010101" pitchFamily="50" charset="-127"/>
+                      </a:endParaRPr>
+                    </a:p>
+                  </a:txBody>
+                  <a:tcPr marL="36000" marR="7620" marT="7620" marB="0" anchor="ctr">
+                    <a:lnL w="12700" cap="flat" cmpd="sng" algn="ctr">
+                      <a:solidFill>
+                        <a:schemeClr val="tx1"/>
+                      </a:solidFill>
+                      <a:prstDash val="solid"/>
+                      <a:round/>
+                      <a:headEnd type="none" w="med" len="med"/>
+                      <a:tailEnd type="none" w="med" len="med"/>
+                    </a:lnL>
+                    <a:lnR w="12700" cap="flat" cmpd="sng" algn="ctr">
+                      <a:solidFill>
+                        <a:schemeClr val="tx1"/>
+                      </a:solidFill>
+                      <a:prstDash val="solid"/>
+                      <a:round/>
+                      <a:headEnd type="none" w="med" len="med"/>
+                      <a:tailEnd type="none" w="med" len="med"/>
+                    </a:lnR>
+                    <a:lnT w="12700" cap="flat" cmpd="sng" algn="ctr">
+                      <a:solidFill>
+                        <a:schemeClr val="tx1"/>
+                      </a:solidFill>
+                      <a:prstDash val="solid"/>
+                      <a:round/>
+                      <a:headEnd type="none" w="med" len="med"/>
+                      <a:tailEnd type="none" w="med" len="med"/>
+                    </a:lnT>
+                    <a:lnB w="12700" cap="flat" cmpd="sng" algn="ctr">
+                      <a:solidFill>
+                        <a:schemeClr val="tx1"/>
+                      </a:solidFill>
+                      <a:prstDash val="solid"/>
+                      <a:round/>
+                      <a:headEnd type="none" w="med" len="med"/>
+                      <a:tailEnd type="none" w="med" len="med"/>
+                    </a:lnB>
+                  </a:tcPr>
+                </a:tc>
+                <a:tc>
+                  <a:txBody>
+                    <a:bodyPr/>
+                    <a:lstStyle/>
+                    <a:p>
+                      <a:pPr algn="l" fontAlgn="ctr"/>
                       <a:r>
                         <a:rPr lang="ko-KR" altLang="en-US" sz="1100" b="0" i="0" u="none" strike="noStrike" dirty="0">
                           <a:solidFill>
@@ -20377,7 +21752,62 @@
                           <a:latin typeface="배달의민족 한나체 Air" panose="020B0600000101010101" pitchFamily="50" charset="-127"/>
                           <a:ea typeface="배달의민족 한나체 Air" panose="020B0600000101010101" pitchFamily="50" charset="-127"/>
                         </a:rPr>
-                        <a:t>를 나타낸다</a:t>
+                        <a:t>해당 대화에 사용될</a:t>
+                      </a:r>
+                      <a:endParaRPr lang="en-US" altLang="ko-KR" sz="1100" b="0" i="0" u="none" strike="noStrike" dirty="0">
+                        <a:solidFill>
+                          <a:srgbClr val="000000"/>
+                        </a:solidFill>
+                        <a:effectLst/>
+                        <a:latin typeface="배달의민족 한나체 Air" panose="020B0600000101010101" pitchFamily="50" charset="-127"/>
+                        <a:ea typeface="배달의민족 한나체 Air" panose="020B0600000101010101" pitchFamily="50" charset="-127"/>
+                      </a:endParaRPr>
+                    </a:p>
+                    <a:p>
+                      <a:pPr algn="l" fontAlgn="ctr"/>
+                      <a:r>
+                        <a:rPr lang="ko-KR" altLang="en-US" sz="1100" b="0" i="0" u="none" strike="noStrike" dirty="0">
+                          <a:solidFill>
+                            <a:srgbClr val="000000"/>
+                          </a:solidFill>
+                          <a:effectLst/>
+                          <a:latin typeface="배달의민족 한나체 Air" panose="020B0600000101010101" pitchFamily="50" charset="-127"/>
+                          <a:ea typeface="배달의민족 한나체 Air" panose="020B0600000101010101" pitchFamily="50" charset="-127"/>
+                        </a:rPr>
+                        <a:t>선택지들의 </a:t>
+                      </a:r>
+                      <a:r>
+                        <a:rPr lang="en-US" altLang="ko-KR" sz="1100" b="0" i="0" u="none" strike="noStrike" dirty="0" err="1">
+                          <a:solidFill>
+                            <a:srgbClr val="000000"/>
+                          </a:solidFill>
+                          <a:effectLst/>
+                          <a:latin typeface="배달의민족 한나체 Air" panose="020B0600000101010101" pitchFamily="50" charset="-127"/>
+                          <a:ea typeface="배달의민족 한나체 Air" panose="020B0600000101010101" pitchFamily="50" charset="-127"/>
+                        </a:rPr>
+                        <a:t>TextID</a:t>
+                      </a:r>
+                      <a:endParaRPr lang="en-US" altLang="ko-KR" sz="1100" b="0" i="0" u="none" strike="noStrike" dirty="0">
+                        <a:solidFill>
+                          <a:srgbClr val="000000"/>
+                        </a:solidFill>
+                        <a:effectLst/>
+                        <a:latin typeface="배달의민족 한나체 Air" panose="020B0600000101010101" pitchFamily="50" charset="-127"/>
+                        <a:ea typeface="배달의민족 한나체 Air" panose="020B0600000101010101" pitchFamily="50" charset="-127"/>
+                      </a:endParaRPr>
+                    </a:p>
+                    <a:p>
+                      <a:pPr algn="l" fontAlgn="ctr"/>
+                      <a:r>
+                        <a:rPr lang="ko-KR" altLang="en-US" sz="1100" b="0" i="0" u="none" strike="noStrike" dirty="0">
+                          <a:solidFill>
+                            <a:srgbClr val="000000"/>
+                          </a:solidFill>
+                          <a:effectLst/>
+                          <a:latin typeface="배달의민족 한나체 Air" panose="020B0600000101010101" pitchFamily="50" charset="-127"/>
+                          <a:ea typeface="배달의민족 한나체 Air" panose="020B0600000101010101" pitchFamily="50" charset="-127"/>
+                        </a:rPr>
+                        <a:t>리스트를 나타낸다</a:t>
                       </a:r>
                       <a:r>
                         <a:rPr lang="en-US" altLang="ko-KR" sz="1100" b="0" i="0" u="none" strike="noStrike" dirty="0">
@@ -20390,9 +21820,72 @@
                         </a:rPr>
                         <a:t>.</a:t>
                       </a:r>
-                    </a:p>
+                      <a:endParaRPr lang="ko-KR" altLang="en-US" sz="1100" b="0" i="0" u="none" strike="noStrike" dirty="0">
+                        <a:solidFill>
+                          <a:srgbClr val="000000"/>
+                        </a:solidFill>
+                        <a:effectLst/>
+                        <a:latin typeface="배달의민족 한나체 Air" panose="020B0600000101010101" pitchFamily="50" charset="-127"/>
+                        <a:ea typeface="배달의민족 한나체 Air" panose="020B0600000101010101" pitchFamily="50" charset="-127"/>
+                      </a:endParaRPr>
+                    </a:p>
+                  </a:txBody>
+                  <a:tcPr marL="36000" marR="7620" marT="7620" marB="0" anchor="ctr">
+                    <a:lnL w="12700" cap="flat" cmpd="sng" algn="ctr">
+                      <a:solidFill>
+                        <a:schemeClr val="tx1"/>
+                      </a:solidFill>
+                      <a:prstDash val="solid"/>
+                      <a:round/>
+                      <a:headEnd type="none" w="med" len="med"/>
+                      <a:tailEnd type="none" w="med" len="med"/>
+                    </a:lnL>
+                    <a:lnR w="12700" cap="flat" cmpd="sng" algn="ctr">
+                      <a:solidFill>
+                        <a:schemeClr val="tx1"/>
+                      </a:solidFill>
+                      <a:prstDash val="solid"/>
+                      <a:round/>
+                      <a:headEnd type="none" w="med" len="med"/>
+                      <a:tailEnd type="none" w="med" len="med"/>
+                    </a:lnR>
+                    <a:lnT w="12700" cap="flat" cmpd="sng" algn="ctr">
+                      <a:solidFill>
+                        <a:schemeClr val="tx1"/>
+                      </a:solidFill>
+                      <a:prstDash val="solid"/>
+                      <a:round/>
+                      <a:headEnd type="none" w="med" len="med"/>
+                      <a:tailEnd type="none" w="med" len="med"/>
+                    </a:lnT>
+                    <a:lnB w="12700" cap="flat" cmpd="sng" algn="ctr">
+                      <a:solidFill>
+                        <a:schemeClr val="tx1"/>
+                      </a:solidFill>
+                      <a:prstDash val="solid"/>
+                      <a:round/>
+                      <a:headEnd type="none" w="med" len="med"/>
+                      <a:tailEnd type="none" w="med" len="med"/>
+                    </a:lnB>
+                  </a:tcPr>
+                </a:tc>
+                <a:tc>
+                  <a:txBody>
+                    <a:bodyPr/>
+                    <a:lstStyle/>
                     <a:p>
                       <a:pPr algn="l" fontAlgn="ctr"/>
+                      <a:r>
+                        <a:rPr lang="ko-KR" altLang="en-US" sz="1100" b="0" i="0" u="none" strike="noStrike" dirty="0">
+                          <a:solidFill>
+                            <a:srgbClr val="000000"/>
+                          </a:solidFill>
+                          <a:effectLst/>
+                          <a:latin typeface="배달의민족 한나체 Air" panose="020B0600000101010101" pitchFamily="50" charset="-127"/>
+                          <a:ea typeface="배달의민족 한나체 Air" panose="020B0600000101010101" pitchFamily="50" charset="-127"/>
+                        </a:rPr>
+                        <a:t>우호적인 답변들의</a:t>
+                      </a:r>
                       <a:endParaRPr lang="en-US" altLang="ko-KR" sz="1100" b="0" i="0" u="none" strike="noStrike" dirty="0">
                         <a:solidFill>
                           <a:srgbClr val="000000"/>
@@ -20403,23 +21896,7 @@
                       </a:endParaRPr>
                     </a:p>
                     <a:p>
-                      <a:pPr marL="0" marR="0" lvl="0" indent="0" algn="l" defTabSz="914400" rtl="0" eaLnBrk="1" fontAlgn="ctr" latinLnBrk="1" hangingPunct="1">
-                        <a:lnSpc>
-                          <a:spcPct val="100000"/>
-                        </a:lnSpc>
-                        <a:spcBef>
-                          <a:spcPts val="0"/>
-                        </a:spcBef>
-                        <a:spcAft>
-                          <a:spcPts val="0"/>
-                        </a:spcAft>
-                        <a:buClrTx/>
-                        <a:buSzTx/>
-                        <a:buFontTx/>
-                        <a:buNone/>
-                        <a:tabLst/>
-                        <a:defRPr/>
-                      </a:pPr>
+                      <a:pPr algn="l" fontAlgn="ctr"/>
                       <a:r>
                         <a:rPr lang="ko-KR" altLang="en-US" sz="1100" b="0" i="0" u="none" strike="noStrike" dirty="0">
                           <a:solidFill>
@@ -20429,95 +21906,7 @@
                           <a:latin typeface="배달의민족 한나체 Air" panose="020B0600000101010101" pitchFamily="50" charset="-127"/>
                           <a:ea typeface="배달의민족 한나체 Air" panose="020B0600000101010101" pitchFamily="50" charset="-127"/>
                         </a:rPr>
-                        <a:t>없을 경우 </a:t>
-                      </a:r>
-                      <a:r>
-                        <a:rPr lang="en-US" altLang="ko-KR" sz="1100" b="0" i="0" u="none" strike="noStrike" dirty="0">
-                          <a:solidFill>
-                            <a:srgbClr val="000000"/>
-                          </a:solidFill>
-                          <a:effectLst/>
-                          <a:latin typeface="배달의민족 한나체 Air" panose="020B0600000101010101" pitchFamily="50" charset="-127"/>
-                          <a:ea typeface="배달의민족 한나체 Air" panose="020B0600000101010101" pitchFamily="50" charset="-127"/>
-                        </a:rPr>
-                        <a:t>-1</a:t>
-                      </a:r>
-                      <a:r>
-                        <a:rPr lang="ko-KR" altLang="en-US" sz="1100" b="0" i="0" u="none" strike="noStrike" dirty="0">
-                          <a:solidFill>
-                            <a:srgbClr val="000000"/>
-                          </a:solidFill>
-                          <a:effectLst/>
-                          <a:latin typeface="배달의민족 한나체 Air" panose="020B0600000101010101" pitchFamily="50" charset="-127"/>
-                          <a:ea typeface="배달의민족 한나체 Air" panose="020B0600000101010101" pitchFamily="50" charset="-127"/>
-                        </a:rPr>
-                        <a:t>으로 표기</a:t>
-                      </a:r>
-                      <a:endParaRPr lang="en-US" altLang="ko-KR" sz="1100" b="0" i="0" u="none" strike="noStrike" dirty="0">
-                        <a:solidFill>
-                          <a:srgbClr val="000000"/>
-                        </a:solidFill>
-                        <a:effectLst/>
-                        <a:latin typeface="배달의민족 한나체 Air" panose="020B0600000101010101" pitchFamily="50" charset="-127"/>
-                        <a:ea typeface="배달의민족 한나체 Air" panose="020B0600000101010101" pitchFamily="50" charset="-127"/>
-                      </a:endParaRPr>
-                    </a:p>
-                  </a:txBody>
-                  <a:tcPr marL="36000" marR="7620" marT="7620" marB="0" anchor="ctr">
-                    <a:lnL w="12700" cap="flat" cmpd="sng" algn="ctr">
-                      <a:solidFill>
-                        <a:schemeClr val="tx1"/>
-                      </a:solidFill>
-                      <a:prstDash val="solid"/>
-                      <a:round/>
-                      <a:headEnd type="none" w="med" len="med"/>
-                      <a:tailEnd type="none" w="med" len="med"/>
-                    </a:lnL>
-                    <a:lnR w="12700" cap="flat" cmpd="sng" algn="ctr">
-                      <a:solidFill>
-                        <a:schemeClr val="tx1"/>
-                      </a:solidFill>
-                      <a:prstDash val="solid"/>
-                      <a:round/>
-                      <a:headEnd type="none" w="med" len="med"/>
-                      <a:tailEnd type="none" w="med" len="med"/>
-                    </a:lnR>
-                    <a:lnT w="12700" cap="flat" cmpd="sng" algn="ctr">
-                      <a:solidFill>
-                        <a:schemeClr val="tx1"/>
-                      </a:solidFill>
-                      <a:prstDash val="solid"/>
-                      <a:round/>
-                      <a:headEnd type="none" w="med" len="med"/>
-                      <a:tailEnd type="none" w="med" len="med"/>
-                    </a:lnT>
-                    <a:lnB w="12700" cap="flat" cmpd="sng" algn="ctr">
-                      <a:solidFill>
-                        <a:schemeClr val="tx1"/>
-                      </a:solidFill>
-                      <a:prstDash val="solid"/>
-                      <a:round/>
-                      <a:headEnd type="none" w="med" len="med"/>
-                      <a:tailEnd type="none" w="med" len="med"/>
-                    </a:lnB>
-                  </a:tcPr>
-                </a:tc>
-                <a:tc rowSpan="4" gridSpan="3">
-                  <a:txBody>
-                    <a:bodyPr/>
-                    <a:lstStyle/>
-                    <a:p>
-                      <a:pPr algn="l" fontAlgn="ctr"/>
-                      <a:r>
-                        <a:rPr lang="ko-KR" altLang="en-US" sz="1100" b="0" i="0" u="none" strike="noStrike" dirty="0">
-                          <a:solidFill>
-                            <a:srgbClr val="000000"/>
-                          </a:solidFill>
-                          <a:effectLst/>
-                          <a:latin typeface="배달의민족 한나체 Air" panose="020B0600000101010101" pitchFamily="50" charset="-127"/>
-                          <a:ea typeface="배달의민족 한나체 Air" panose="020B0600000101010101" pitchFamily="50" charset="-127"/>
-                        </a:rPr>
-                        <a:t>이벤트를 진행하는데 있어서 필요한 오브젝트들에 대한 이름을 나타낸다</a:t>
+                        <a:t>리스트를 나타낸다</a:t>
                       </a:r>
                       <a:r>
                         <a:rPr lang="en-US" altLang="ko-KR" sz="1100" b="0" i="0" u="none" strike="noStrike" dirty="0">
@@ -20531,6 +21920,50 @@
                         <a:t>.</a:t>
                       </a:r>
                     </a:p>
+                  </a:txBody>
+                  <a:tcPr marL="36000" marR="7620" marT="7620" marB="0" anchor="ctr">
+                    <a:lnL w="12700" cap="flat" cmpd="sng" algn="ctr">
+                      <a:solidFill>
+                        <a:schemeClr val="tx1"/>
+                      </a:solidFill>
+                      <a:prstDash val="solid"/>
+                      <a:round/>
+                      <a:headEnd type="none" w="med" len="med"/>
+                      <a:tailEnd type="none" w="med" len="med"/>
+                    </a:lnL>
+                    <a:lnR w="12700" cap="flat" cmpd="sng" algn="ctr">
+                      <a:solidFill>
+                        <a:schemeClr val="tx1"/>
+                      </a:solidFill>
+                      <a:prstDash val="solid"/>
+                      <a:round/>
+                      <a:headEnd type="none" w="med" len="med"/>
+                      <a:tailEnd type="none" w="med" len="med"/>
+                    </a:lnR>
+                    <a:lnT w="12700" cap="flat" cmpd="sng" algn="ctr">
+                      <a:solidFill>
+                        <a:schemeClr val="tx1"/>
+                      </a:solidFill>
+                      <a:prstDash val="solid"/>
+                      <a:round/>
+                      <a:headEnd type="none" w="med" len="med"/>
+                      <a:tailEnd type="none" w="med" len="med"/>
+                    </a:lnT>
+                    <a:lnB w="12700" cap="flat" cmpd="sng" algn="ctr">
+                      <a:solidFill>
+                        <a:schemeClr val="tx1"/>
+                      </a:solidFill>
+                      <a:prstDash val="solid"/>
+                      <a:round/>
+                      <a:headEnd type="none" w="med" len="med"/>
+                      <a:tailEnd type="none" w="med" len="med"/>
+                    </a:lnB>
+                  </a:tcPr>
+                </a:tc>
+                <a:tc>
+                  <a:txBody>
+                    <a:bodyPr/>
+                    <a:lstStyle/>
                     <a:p>
                       <a:pPr algn="l" fontAlgn="ctr"/>
                       <a:r>
@@ -20542,7 +21975,29 @@
                           <a:latin typeface="배달의민족 한나체 Air" panose="020B0600000101010101" pitchFamily="50" charset="-127"/>
                           <a:ea typeface="배달의민족 한나체 Air" panose="020B0600000101010101" pitchFamily="50" charset="-127"/>
                         </a:rPr>
-                        <a:t>필요하지 않을 경우 </a:t>
+                        <a:t>답변을 받은 후</a:t>
+                      </a:r>
+                      <a:endParaRPr lang="en-US" altLang="ko-KR" sz="1100" b="0" i="0" u="none" strike="noStrike" dirty="0">
+                        <a:solidFill>
+                          <a:srgbClr val="000000"/>
+                        </a:solidFill>
+                        <a:effectLst/>
+                        <a:latin typeface="배달의민족 한나체 Air" panose="020B0600000101010101" pitchFamily="50" charset="-127"/>
+                        <a:ea typeface="배달의민족 한나체 Air" panose="020B0600000101010101" pitchFamily="50" charset="-127"/>
+                      </a:endParaRPr>
+                    </a:p>
+                    <a:p>
+                      <a:pPr algn="l" fontAlgn="ctr"/>
+                      <a:r>
+                        <a:rPr lang="ko-KR" altLang="en-US" sz="1100" b="0" i="0" u="none" strike="noStrike" dirty="0">
+                          <a:solidFill>
+                            <a:srgbClr val="000000"/>
+                          </a:solidFill>
+                          <a:effectLst/>
+                          <a:latin typeface="배달의민족 한나체 Air" panose="020B0600000101010101" pitchFamily="50" charset="-127"/>
+                          <a:ea typeface="배달의민족 한나체 Air" panose="020B0600000101010101" pitchFamily="50" charset="-127"/>
+                        </a:rPr>
+                        <a:t>다음 대화 이벤트</a:t>
                       </a:r>
                       <a:r>
                         <a:rPr lang="en-US" altLang="ko-KR" sz="1100" b="0" i="0" u="none" strike="noStrike" dirty="0">
@@ -20553,8 +22008,55 @@
                           <a:latin typeface="배달의민족 한나체 Air" panose="020B0600000101010101" pitchFamily="50" charset="-127"/>
                           <a:ea typeface="배달의민족 한나체 Air" panose="020B0600000101010101" pitchFamily="50" charset="-127"/>
                         </a:rPr>
-                        <a:t>“X”</a:t>
-                      </a:r>
+                        <a:t>ID</a:t>
+                      </a:r>
+                    </a:p>
+                  </a:txBody>
+                  <a:tcPr marL="36000" marR="7620" marT="7620" marB="0" anchor="ctr">
+                    <a:lnL w="12700" cap="flat" cmpd="sng" algn="ctr">
+                      <a:solidFill>
+                        <a:schemeClr val="tx1"/>
+                      </a:solidFill>
+                      <a:prstDash val="solid"/>
+                      <a:round/>
+                      <a:headEnd type="none" w="med" len="med"/>
+                      <a:tailEnd type="none" w="med" len="med"/>
+                    </a:lnL>
+                    <a:lnR w="12700" cap="flat" cmpd="sng" algn="ctr">
+                      <a:solidFill>
+                        <a:schemeClr val="tx1"/>
+                      </a:solidFill>
+                      <a:prstDash val="solid"/>
+                      <a:round/>
+                      <a:headEnd type="none" w="med" len="med"/>
+                      <a:tailEnd type="none" w="med" len="med"/>
+                    </a:lnR>
+                    <a:lnT w="12700" cap="flat" cmpd="sng" algn="ctr">
+                      <a:solidFill>
+                        <a:schemeClr val="tx1"/>
+                      </a:solidFill>
+                      <a:prstDash val="solid"/>
+                      <a:round/>
+                      <a:headEnd type="none" w="med" len="med"/>
+                      <a:tailEnd type="none" w="med" len="med"/>
+                    </a:lnT>
+                    <a:lnB w="12700" cap="flat" cmpd="sng" algn="ctr">
+                      <a:solidFill>
+                        <a:schemeClr val="tx1"/>
+                      </a:solidFill>
+                      <a:prstDash val="solid"/>
+                      <a:round/>
+                      <a:headEnd type="none" w="med" len="med"/>
+                      <a:tailEnd type="none" w="med" len="med"/>
+                    </a:lnB>
+                  </a:tcPr>
+                </a:tc>
+                <a:tc>
+                  <a:txBody>
+                    <a:bodyPr/>
+                    <a:lstStyle/>
+                    <a:p>
+                      <a:pPr algn="l" fontAlgn="ctr"/>
                       <a:r>
                         <a:rPr lang="ko-KR" altLang="en-US" sz="1100" b="0" i="0" u="none" strike="noStrike" dirty="0">
                           <a:solidFill>
@@ -20564,7 +22066,29 @@
                           <a:latin typeface="배달의민족 한나체 Air" panose="020B0600000101010101" pitchFamily="50" charset="-127"/>
                           <a:ea typeface="배달의민족 한나체 Air" panose="020B0600000101010101" pitchFamily="50" charset="-127"/>
                         </a:rPr>
-                        <a:t>로 표기한다</a:t>
+                        <a:t>부적정인 답변들의</a:t>
+                      </a:r>
+                      <a:endParaRPr lang="en-US" altLang="ko-KR" sz="1100" b="0" i="0" u="none" strike="noStrike" dirty="0">
+                        <a:solidFill>
+                          <a:srgbClr val="000000"/>
+                        </a:solidFill>
+                        <a:effectLst/>
+                        <a:latin typeface="배달의민족 한나체 Air" panose="020B0600000101010101" pitchFamily="50" charset="-127"/>
+                        <a:ea typeface="배달의민족 한나체 Air" panose="020B0600000101010101" pitchFamily="50" charset="-127"/>
+                      </a:endParaRPr>
+                    </a:p>
+                    <a:p>
+                      <a:pPr algn="l" fontAlgn="ctr"/>
+                      <a:r>
+                        <a:rPr lang="ko-KR" altLang="en-US" sz="1100" b="0" i="0" u="none" strike="noStrike" dirty="0">
+                          <a:solidFill>
+                            <a:srgbClr val="000000"/>
+                          </a:solidFill>
+                          <a:effectLst/>
+                          <a:latin typeface="배달의민족 한나체 Air" panose="020B0600000101010101" pitchFamily="50" charset="-127"/>
+                          <a:ea typeface="배달의민족 한나체 Air" panose="020B0600000101010101" pitchFamily="50" charset="-127"/>
+                        </a:rPr>
+                        <a:t>리스트를 나타낸다</a:t>
                       </a:r>
                       <a:r>
                         <a:rPr lang="en-US" altLang="ko-KR" sz="1100" b="0" i="0" u="none" strike="noStrike" dirty="0">
@@ -20618,12 +22142,23 @@
                     </a:lnB>
                   </a:tcPr>
                 </a:tc>
-                <a:tc rowSpan="4" hMerge="1">
+                <a:tc>
                   <a:txBody>
                     <a:bodyPr/>
                     <a:lstStyle/>
                     <a:p>
                       <a:pPr algn="l" fontAlgn="ctr"/>
+                      <a:r>
+                        <a:rPr lang="ko-KR" altLang="en-US" sz="1100" b="0" i="0" u="none" strike="noStrike" dirty="0">
+                          <a:solidFill>
+                            <a:srgbClr val="000000"/>
+                          </a:solidFill>
+                          <a:effectLst/>
+                          <a:latin typeface="배달의민족 한나체 Air" panose="020B0600000101010101" pitchFamily="50" charset="-127"/>
+                          <a:ea typeface="배달의민족 한나체 Air" panose="020B0600000101010101" pitchFamily="50" charset="-127"/>
+                        </a:rPr>
+                        <a:t>답변을 받은 후</a:t>
+                      </a:r>
                       <a:endParaRPr lang="en-US" altLang="ko-KR" sz="1100" b="0" i="0" u="none" strike="noStrike" dirty="0">
                         <a:solidFill>
                           <a:srgbClr val="000000"/>
@@ -20633,60 +22168,30 @@
                         <a:ea typeface="배달의민족 한나체 Air" panose="020B0600000101010101" pitchFamily="50" charset="-127"/>
                       </a:endParaRPr>
                     </a:p>
-                  </a:txBody>
-                  <a:tcPr marL="36000" marR="7620" marT="7620" marB="0" anchor="ctr">
-                    <a:lnL w="12700" cap="flat" cmpd="sng" algn="ctr">
-                      <a:solidFill>
-                        <a:schemeClr val="tx1"/>
-                      </a:solidFill>
-                      <a:prstDash val="solid"/>
-                      <a:round/>
-                      <a:headEnd type="none" w="med" len="med"/>
-                      <a:tailEnd type="none" w="med" len="med"/>
-                    </a:lnL>
-                    <a:lnR w="12700" cap="flat" cmpd="sng" algn="ctr">
-                      <a:solidFill>
-                        <a:schemeClr val="tx1"/>
-                      </a:solidFill>
-                      <a:prstDash val="solid"/>
-                      <a:round/>
-                      <a:headEnd type="none" w="med" len="med"/>
-                      <a:tailEnd type="none" w="med" len="med"/>
-                    </a:lnR>
-                    <a:lnT w="12700" cap="flat" cmpd="sng" algn="ctr">
-                      <a:solidFill>
-                        <a:schemeClr val="tx1"/>
-                      </a:solidFill>
-                      <a:prstDash val="solid"/>
-                      <a:round/>
-                      <a:headEnd type="none" w="med" len="med"/>
-                      <a:tailEnd type="none" w="med" len="med"/>
-                    </a:lnT>
-                    <a:lnB w="12700" cap="flat" cmpd="sng" algn="ctr">
-                      <a:solidFill>
-                        <a:schemeClr val="tx1"/>
-                      </a:solidFill>
-                      <a:prstDash val="solid"/>
-                      <a:round/>
-                      <a:headEnd type="none" w="med" len="med"/>
-                      <a:tailEnd type="none" w="med" len="med"/>
-                    </a:lnB>
-                  </a:tcPr>
-                </a:tc>
-                <a:tc rowSpan="4" hMerge="1">
-                  <a:txBody>
-                    <a:bodyPr/>
-                    <a:lstStyle/>
                     <a:p>
                       <a:pPr algn="l" fontAlgn="ctr"/>
-                      <a:endParaRPr lang="en-US" altLang="ko-KR" sz="1100" b="0" i="0" u="none" strike="noStrike" dirty="0">
-                        <a:solidFill>
-                          <a:srgbClr val="000000"/>
-                        </a:solidFill>
-                        <a:effectLst/>
-                        <a:latin typeface="배달의민족 한나체 Air" panose="020B0600000101010101" pitchFamily="50" charset="-127"/>
-                        <a:ea typeface="배달의민족 한나체 Air" panose="020B0600000101010101" pitchFamily="50" charset="-127"/>
-                      </a:endParaRPr>
+                      <a:r>
+                        <a:rPr lang="ko-KR" altLang="en-US" sz="1100" b="0" i="0" u="none" strike="noStrike" dirty="0">
+                          <a:solidFill>
+                            <a:srgbClr val="000000"/>
+                          </a:solidFill>
+                          <a:effectLst/>
+                          <a:latin typeface="배달의민족 한나체 Air" panose="020B0600000101010101" pitchFamily="50" charset="-127"/>
+                          <a:ea typeface="배달의민족 한나체 Air" panose="020B0600000101010101" pitchFamily="50" charset="-127"/>
+                        </a:rPr>
+                        <a:t>다음 대화 이벤트</a:t>
+                      </a:r>
+                      <a:r>
+                        <a:rPr lang="en-US" altLang="ko-KR" sz="1100" b="0" i="0" u="none" strike="noStrike" dirty="0">
+                          <a:solidFill>
+                            <a:srgbClr val="000000"/>
+                          </a:solidFill>
+                          <a:effectLst/>
+                          <a:latin typeface="배달의민족 한나체 Air" panose="020B0600000101010101" pitchFamily="50" charset="-127"/>
+                          <a:ea typeface="배달의민족 한나체 Air" panose="020B0600000101010101" pitchFamily="50" charset="-127"/>
+                        </a:rPr>
+                        <a:t>ID</a:t>
+                      </a:r>
                     </a:p>
                   </a:txBody>
                   <a:tcPr marL="36000" marR="7620" marT="7620" marB="0" anchor="ctr">
@@ -20734,869 +22239,6 @@
                   </a:ext>
                 </a:extLst>
               </a:tr>
-              <a:tr h="294640">
-                <a:tc vMerge="1">
-                  <a:txBody>
-                    <a:bodyPr/>
-                    <a:lstStyle/>
-                    <a:p>
-                      <a:pPr latinLnBrk="1"/>
-                      <a:endParaRPr lang="ko-KR" altLang="en-US"/>
-                    </a:p>
-                  </a:txBody>
-                  <a:tcPr/>
-                </a:tc>
-                <a:tc vMerge="1">
-                  <a:txBody>
-                    <a:bodyPr/>
-                    <a:lstStyle/>
-                    <a:p>
-                      <a:pPr latinLnBrk="1"/>
-                      <a:endParaRPr lang="ko-KR" altLang="en-US"/>
-                    </a:p>
-                  </a:txBody>
-                  <a:tcPr/>
-                </a:tc>
-                <a:tc vMerge="1">
-                  <a:txBody>
-                    <a:bodyPr/>
-                    <a:lstStyle/>
-                    <a:p>
-                      <a:pPr latinLnBrk="1"/>
-                      <a:endParaRPr lang="ko-KR" altLang="en-US"/>
-                    </a:p>
-                  </a:txBody>
-                  <a:tcPr/>
-                </a:tc>
-                <a:tc>
-                  <a:txBody>
-                    <a:bodyPr/>
-                    <a:lstStyle/>
-                    <a:p>
-                      <a:pPr marL="0" marR="0" lvl="0" indent="0" algn="l" defTabSz="914400" rtl="0" eaLnBrk="1" fontAlgn="ctr" latinLnBrk="1" hangingPunct="1">
-                        <a:lnSpc>
-                          <a:spcPct val="100000"/>
-                        </a:lnSpc>
-                        <a:spcBef>
-                          <a:spcPts val="0"/>
-                        </a:spcBef>
-                        <a:spcAft>
-                          <a:spcPts val="0"/>
-                        </a:spcAft>
-                        <a:buClrTx/>
-                        <a:buSzTx/>
-                        <a:buFontTx/>
-                        <a:buNone/>
-                        <a:tabLst/>
-                        <a:defRPr/>
-                      </a:pPr>
-                      <a:r>
-                        <a:rPr lang="en-US" altLang="ko-KR" sz="1100" u="none" strike="noStrike" dirty="0">
-                          <a:effectLst/>
-                          <a:latin typeface="배달의민족 한나체 Air" panose="020B0600000101010101" pitchFamily="50" charset="-127"/>
-                          <a:ea typeface="배달의민족 한나체 Air" panose="020B0600000101010101" pitchFamily="50" charset="-127"/>
-                        </a:rPr>
-                        <a:t>1:</a:t>
-                      </a:r>
-                      <a:r>
-                        <a:rPr lang="ko-KR" altLang="en-US" sz="1100" u="none" strike="noStrike" dirty="0">
-                          <a:effectLst/>
-                          <a:latin typeface="배달의민족 한나체 Air" panose="020B0600000101010101" pitchFamily="50" charset="-127"/>
-                          <a:ea typeface="배달의민족 한나체 Air" panose="020B0600000101010101" pitchFamily="50" charset="-127"/>
-                        </a:rPr>
-                        <a:t>쉬움</a:t>
-                      </a:r>
-                      <a:endParaRPr lang="ko-KR" altLang="en-US" sz="1100" b="0" i="0" u="none" strike="noStrike" dirty="0">
-                        <a:solidFill>
-                          <a:srgbClr val="000000"/>
-                        </a:solidFill>
-                        <a:effectLst/>
-                        <a:latin typeface="배달의민족 한나체 Air" panose="020B0600000101010101" pitchFamily="50" charset="-127"/>
-                        <a:ea typeface="배달의민족 한나체 Air" panose="020B0600000101010101" pitchFamily="50" charset="-127"/>
-                      </a:endParaRPr>
-                    </a:p>
-                  </a:txBody>
-                  <a:tcPr marL="36000" marR="7620" marT="7620" marB="0" anchor="ctr">
-                    <a:lnL w="12700" cap="flat" cmpd="sng" algn="ctr">
-                      <a:solidFill>
-                        <a:schemeClr val="tx1"/>
-                      </a:solidFill>
-                      <a:prstDash val="solid"/>
-                      <a:round/>
-                      <a:headEnd type="none" w="med" len="med"/>
-                      <a:tailEnd type="none" w="med" len="med"/>
-                    </a:lnL>
-                    <a:lnR w="12700" cap="flat" cmpd="sng" algn="ctr">
-                      <a:solidFill>
-                        <a:schemeClr val="tx1"/>
-                      </a:solidFill>
-                      <a:prstDash val="solid"/>
-                      <a:round/>
-                      <a:headEnd type="none" w="med" len="med"/>
-                      <a:tailEnd type="none" w="med" len="med"/>
-                    </a:lnR>
-                    <a:lnT w="12700" cap="flat" cmpd="sng" algn="ctr">
-                      <a:noFill/>
-                      <a:prstDash val="solid"/>
-                      <a:round/>
-                      <a:headEnd type="none" w="med" len="med"/>
-                      <a:tailEnd type="none" w="med" len="med"/>
-                    </a:lnT>
-                    <a:lnB w="12700" cap="flat" cmpd="sng" algn="ctr">
-                      <a:noFill/>
-                      <a:prstDash val="solid"/>
-                      <a:round/>
-                      <a:headEnd type="none" w="med" len="med"/>
-                      <a:tailEnd type="none" w="med" len="med"/>
-                    </a:lnB>
-                  </a:tcPr>
-                </a:tc>
-                <a:tc vMerge="1">
-                  <a:txBody>
-                    <a:bodyPr/>
-                    <a:lstStyle/>
-                    <a:p>
-                      <a:pPr latinLnBrk="1"/>
-                      <a:endParaRPr lang="ko-KR" altLang="en-US"/>
-                    </a:p>
-                  </a:txBody>
-                  <a:tcPr/>
-                </a:tc>
-                <a:tc gridSpan="3" vMerge="1">
-                  <a:txBody>
-                    <a:bodyPr/>
-                    <a:lstStyle/>
-                    <a:p>
-                      <a:pPr latinLnBrk="1"/>
-                      <a:endParaRPr lang="ko-KR" altLang="en-US"/>
-                    </a:p>
-                  </a:txBody>
-                  <a:tcPr/>
-                </a:tc>
-                <a:tc hMerge="1" vMerge="1">
-                  <a:txBody>
-                    <a:bodyPr/>
-                    <a:lstStyle/>
-                    <a:p>
-                      <a:pPr latinLnBrk="1"/>
-                      <a:endParaRPr lang="ko-KR" altLang="en-US"/>
-                    </a:p>
-                  </a:txBody>
-                  <a:tcPr/>
-                </a:tc>
-                <a:tc hMerge="1" vMerge="1">
-                  <a:txBody>
-                    <a:bodyPr/>
-                    <a:lstStyle/>
-                    <a:p>
-                      <a:pPr latinLnBrk="1"/>
-                      <a:endParaRPr lang="ko-KR" altLang="en-US"/>
-                    </a:p>
-                  </a:txBody>
-                  <a:tcPr/>
-                </a:tc>
-                <a:extLst>
-                  <a:ext uri="{0D108BD9-81ED-4DB2-BD59-A6C34878D82A}">
-                    <a16:rowId xmlns:a16="http://schemas.microsoft.com/office/drawing/2014/main" val="4041445063"/>
-                  </a:ext>
-                </a:extLst>
-              </a:tr>
-              <a:tr h="294640">
-                <a:tc vMerge="1">
-                  <a:txBody>
-                    <a:bodyPr/>
-                    <a:lstStyle/>
-                    <a:p>
-                      <a:pPr algn="ctr" fontAlgn="ctr"/>
-                      <a:endParaRPr lang="ko-KR" altLang="en-US" sz="1100" b="0" i="0" u="none" strike="noStrike" dirty="0">
-                        <a:solidFill>
-                          <a:srgbClr val="000000"/>
-                        </a:solidFill>
-                        <a:effectLst/>
-                        <a:latin typeface="배달의민족 한나체 Pro" panose="020B0600000101010101" pitchFamily="50" charset="-127"/>
-                        <a:ea typeface="배달의민족 한나체 Pro" panose="020B0600000101010101" pitchFamily="50" charset="-127"/>
-                      </a:endParaRPr>
-                    </a:p>
-                  </a:txBody>
-                  <a:tcPr marL="7620" marR="7620" marT="7620" marB="0" anchor="ctr">
-                    <a:lnL w="12700" cap="flat" cmpd="sng" algn="ctr">
-                      <a:solidFill>
-                        <a:schemeClr val="tx1"/>
-                      </a:solidFill>
-                      <a:prstDash val="solid"/>
-                      <a:round/>
-                      <a:headEnd type="none" w="med" len="med"/>
-                      <a:tailEnd type="none" w="med" len="med"/>
-                    </a:lnL>
-                    <a:lnR w="12700" cap="flat" cmpd="sng" algn="ctr">
-                      <a:solidFill>
-                        <a:schemeClr val="tx1"/>
-                      </a:solidFill>
-                      <a:prstDash val="solid"/>
-                      <a:round/>
-                      <a:headEnd type="none" w="med" len="med"/>
-                      <a:tailEnd type="none" w="med" len="med"/>
-                    </a:lnR>
-                    <a:lnT w="12700" cap="flat" cmpd="sng" algn="ctr">
-                      <a:noFill/>
-                      <a:prstDash val="solid"/>
-                      <a:round/>
-                      <a:headEnd type="none" w="med" len="med"/>
-                      <a:tailEnd type="none" w="med" len="med"/>
-                    </a:lnT>
-                    <a:lnB w="12700" cap="flat" cmpd="sng" algn="ctr">
-                      <a:noFill/>
-                      <a:prstDash val="solid"/>
-                      <a:round/>
-                      <a:headEnd type="none" w="med" len="med"/>
-                      <a:tailEnd type="none" w="med" len="med"/>
-                    </a:lnB>
-                  </a:tcPr>
-                </a:tc>
-                <a:tc vMerge="1">
-                  <a:txBody>
-                    <a:bodyPr/>
-                    <a:lstStyle/>
-                    <a:p>
-                      <a:pPr algn="l" fontAlgn="ctr"/>
-                      <a:endParaRPr lang="ko-KR" altLang="en-US" sz="1100" b="0" i="0" u="none" strike="noStrike" dirty="0">
-                        <a:solidFill>
-                          <a:srgbClr val="000000"/>
-                        </a:solidFill>
-                        <a:effectLst/>
-                        <a:latin typeface="배달의민족 한나체 Air" panose="020B0600000101010101" pitchFamily="50" charset="-127"/>
-                        <a:ea typeface="배달의민족 한나체 Air" panose="020B0600000101010101" pitchFamily="50" charset="-127"/>
-                      </a:endParaRPr>
-                    </a:p>
-                  </a:txBody>
-                  <a:tcPr marL="36000" marR="7620" marT="7620" marB="0" anchor="ctr">
-                    <a:lnL w="12700" cap="flat" cmpd="sng" algn="ctr">
-                      <a:solidFill>
-                        <a:schemeClr val="tx1"/>
-                      </a:solidFill>
-                      <a:prstDash val="solid"/>
-                      <a:round/>
-                      <a:headEnd type="none" w="med" len="med"/>
-                      <a:tailEnd type="none" w="med" len="med"/>
-                    </a:lnL>
-                    <a:lnR w="12700" cap="flat" cmpd="sng" algn="ctr">
-                      <a:solidFill>
-                        <a:schemeClr val="tx1"/>
-                      </a:solidFill>
-                      <a:prstDash val="solid"/>
-                      <a:round/>
-                      <a:headEnd type="none" w="med" len="med"/>
-                      <a:tailEnd type="none" w="med" len="med"/>
-                    </a:lnR>
-                    <a:lnT w="12700" cap="flat" cmpd="sng" algn="ctr">
-                      <a:noFill/>
-                      <a:prstDash val="solid"/>
-                      <a:round/>
-                      <a:headEnd type="none" w="med" len="med"/>
-                      <a:tailEnd type="none" w="med" len="med"/>
-                    </a:lnT>
-                    <a:lnB w="12700" cap="flat" cmpd="sng" algn="ctr">
-                      <a:noFill/>
-                      <a:prstDash val="solid"/>
-                      <a:round/>
-                      <a:headEnd type="none" w="med" len="med"/>
-                      <a:tailEnd type="none" w="med" len="med"/>
-                    </a:lnB>
-                  </a:tcPr>
-                </a:tc>
-                <a:tc vMerge="1">
-                  <a:txBody>
-                    <a:bodyPr/>
-                    <a:lstStyle/>
-                    <a:p>
-                      <a:pPr algn="l" fontAlgn="ctr"/>
-                      <a:endParaRPr lang="ko-KR" altLang="en-US" sz="1100" b="0" i="0" u="none" strike="noStrike" dirty="0">
-                        <a:solidFill>
-                          <a:srgbClr val="000000"/>
-                        </a:solidFill>
-                        <a:effectLst/>
-                        <a:latin typeface="배달의민족 한나체 Air" panose="020B0600000101010101" pitchFamily="50" charset="-127"/>
-                        <a:ea typeface="배달의민족 한나체 Air" panose="020B0600000101010101" pitchFamily="50" charset="-127"/>
-                      </a:endParaRPr>
-                    </a:p>
-                  </a:txBody>
-                  <a:tcPr marL="36000" marR="7620" marT="7620" marB="0" anchor="ctr">
-                    <a:lnL w="12700" cap="flat" cmpd="sng" algn="ctr">
-                      <a:solidFill>
-                        <a:schemeClr val="tx1"/>
-                      </a:solidFill>
-                      <a:prstDash val="solid"/>
-                      <a:round/>
-                      <a:headEnd type="none" w="med" len="med"/>
-                      <a:tailEnd type="none" w="med" len="med"/>
-                    </a:lnL>
-                    <a:lnR w="12700" cap="flat" cmpd="sng" algn="ctr">
-                      <a:solidFill>
-                        <a:schemeClr val="tx1"/>
-                      </a:solidFill>
-                      <a:prstDash val="solid"/>
-                      <a:round/>
-                      <a:headEnd type="none" w="med" len="med"/>
-                      <a:tailEnd type="none" w="med" len="med"/>
-                    </a:lnR>
-                    <a:lnT w="12700" cap="flat" cmpd="sng" algn="ctr">
-                      <a:noFill/>
-                      <a:prstDash val="solid"/>
-                      <a:round/>
-                      <a:headEnd type="none" w="med" len="med"/>
-                      <a:tailEnd type="none" w="med" len="med"/>
-                    </a:lnT>
-                    <a:lnB w="12700" cap="flat" cmpd="sng" algn="ctr">
-                      <a:noFill/>
-                      <a:prstDash val="solid"/>
-                      <a:round/>
-                      <a:headEnd type="none" w="med" len="med"/>
-                      <a:tailEnd type="none" w="med" len="med"/>
-                    </a:lnB>
-                  </a:tcPr>
-                </a:tc>
-                <a:tc>
-                  <a:txBody>
-                    <a:bodyPr/>
-                    <a:lstStyle/>
-                    <a:p>
-                      <a:pPr algn="l" fontAlgn="ctr"/>
-                      <a:r>
-                        <a:rPr lang="en-US" altLang="ko-KR" sz="1100" u="none" strike="noStrike" dirty="0">
-                          <a:effectLst/>
-                          <a:latin typeface="배달의민족 한나체 Air" panose="020B0600000101010101" pitchFamily="50" charset="-127"/>
-                          <a:ea typeface="배달의민족 한나체 Air" panose="020B0600000101010101" pitchFamily="50" charset="-127"/>
-                        </a:rPr>
-                        <a:t>2:</a:t>
-                      </a:r>
-                      <a:r>
-                        <a:rPr lang="ko-KR" altLang="en-US" sz="1100" u="none" strike="noStrike" dirty="0">
-                          <a:effectLst/>
-                          <a:latin typeface="배달의민족 한나체 Air" panose="020B0600000101010101" pitchFamily="50" charset="-127"/>
-                          <a:ea typeface="배달의민족 한나체 Air" panose="020B0600000101010101" pitchFamily="50" charset="-127"/>
-                        </a:rPr>
-                        <a:t>중간</a:t>
-                      </a:r>
-                      <a:endParaRPr lang="ko-KR" altLang="en-US" sz="1100" b="0" i="0" u="none" strike="noStrike" dirty="0">
-                        <a:solidFill>
-                          <a:srgbClr val="000000"/>
-                        </a:solidFill>
-                        <a:effectLst/>
-                        <a:latin typeface="배달의민족 한나체 Air" panose="020B0600000101010101" pitchFamily="50" charset="-127"/>
-                        <a:ea typeface="배달의민족 한나체 Air" panose="020B0600000101010101" pitchFamily="50" charset="-127"/>
-                      </a:endParaRPr>
-                    </a:p>
-                  </a:txBody>
-                  <a:tcPr marL="36000" marR="7620" marT="7620" marB="0" anchor="ctr">
-                    <a:lnL w="12700" cap="flat" cmpd="sng" algn="ctr">
-                      <a:solidFill>
-                        <a:schemeClr val="tx1"/>
-                      </a:solidFill>
-                      <a:prstDash val="solid"/>
-                      <a:round/>
-                      <a:headEnd type="none" w="med" len="med"/>
-                      <a:tailEnd type="none" w="med" len="med"/>
-                    </a:lnL>
-                    <a:lnR w="12700" cap="flat" cmpd="sng" algn="ctr">
-                      <a:solidFill>
-                        <a:schemeClr val="tx1"/>
-                      </a:solidFill>
-                      <a:prstDash val="solid"/>
-                      <a:round/>
-                      <a:headEnd type="none" w="med" len="med"/>
-                      <a:tailEnd type="none" w="med" len="med"/>
-                    </a:lnR>
-                    <a:lnT w="12700" cap="flat" cmpd="sng" algn="ctr">
-                      <a:noFill/>
-                      <a:prstDash val="solid"/>
-                      <a:round/>
-                      <a:headEnd type="none" w="med" len="med"/>
-                      <a:tailEnd type="none" w="med" len="med"/>
-                    </a:lnT>
-                    <a:lnB w="12700" cap="flat" cmpd="sng" algn="ctr">
-                      <a:noFill/>
-                      <a:prstDash val="solid"/>
-                      <a:round/>
-                      <a:headEnd type="none" w="med" len="med"/>
-                      <a:tailEnd type="none" w="med" len="med"/>
-                    </a:lnB>
-                  </a:tcPr>
-                </a:tc>
-                <a:tc vMerge="1">
-                  <a:txBody>
-                    <a:bodyPr/>
-                    <a:lstStyle/>
-                    <a:p>
-                      <a:pPr algn="l" fontAlgn="ctr"/>
-                      <a:endParaRPr lang="ko-KR" altLang="en-US" sz="1100" b="0" i="0" u="none" strike="noStrike" dirty="0">
-                        <a:solidFill>
-                          <a:srgbClr val="000000"/>
-                        </a:solidFill>
-                        <a:effectLst/>
-                        <a:latin typeface="배달의민족 한나체 Air" panose="020B0600000101010101" pitchFamily="50" charset="-127"/>
-                        <a:ea typeface="배달의민족 한나체 Air" panose="020B0600000101010101" pitchFamily="50" charset="-127"/>
-                      </a:endParaRPr>
-                    </a:p>
-                  </a:txBody>
-                  <a:tcPr marL="36000" marR="7620" marT="7620" marB="0" anchor="ctr">
-                    <a:lnL w="12700" cap="flat" cmpd="sng" algn="ctr">
-                      <a:solidFill>
-                        <a:schemeClr val="tx1"/>
-                      </a:solidFill>
-                      <a:prstDash val="solid"/>
-                      <a:round/>
-                      <a:headEnd type="none" w="med" len="med"/>
-                      <a:tailEnd type="none" w="med" len="med"/>
-                    </a:lnL>
-                    <a:lnR w="12700" cap="flat" cmpd="sng" algn="ctr">
-                      <a:solidFill>
-                        <a:schemeClr val="tx1"/>
-                      </a:solidFill>
-                      <a:prstDash val="solid"/>
-                      <a:round/>
-                      <a:headEnd type="none" w="med" len="med"/>
-                      <a:tailEnd type="none" w="med" len="med"/>
-                    </a:lnR>
-                    <a:lnT w="12700" cap="flat" cmpd="sng" algn="ctr">
-                      <a:noFill/>
-                      <a:prstDash val="solid"/>
-                      <a:round/>
-                      <a:headEnd type="none" w="med" len="med"/>
-                      <a:tailEnd type="none" w="med" len="med"/>
-                    </a:lnT>
-                    <a:lnB w="12700" cap="flat" cmpd="sng" algn="ctr">
-                      <a:noFill/>
-                      <a:prstDash val="solid"/>
-                      <a:round/>
-                      <a:headEnd type="none" w="med" len="med"/>
-                      <a:tailEnd type="none" w="med" len="med"/>
-                    </a:lnB>
-                  </a:tcPr>
-                </a:tc>
-                <a:tc gridSpan="3" vMerge="1">
-                  <a:txBody>
-                    <a:bodyPr/>
-                    <a:lstStyle/>
-                    <a:p>
-                      <a:endParaRPr/>
-                    </a:p>
-                  </a:txBody>
-                  <a:tcPr marL="36000" marR="7620" marT="7620" marB="0" anchor="ctr">
-                    <a:lnL w="12700" cap="flat" cmpd="sng" algn="ctr">
-                      <a:solidFill>
-                        <a:schemeClr val="tx1"/>
-                      </a:solidFill>
-                      <a:prstDash val="solid"/>
-                      <a:round/>
-                      <a:headEnd type="none" w="med" len="med"/>
-                      <a:tailEnd type="none" w="med" len="med"/>
-                    </a:lnL>
-                    <a:lnR w="12700" cap="flat" cmpd="sng" algn="ctr">
-                      <a:solidFill>
-                        <a:schemeClr val="tx1"/>
-                      </a:solidFill>
-                      <a:prstDash val="solid"/>
-                      <a:round/>
-                      <a:headEnd type="none" w="med" len="med"/>
-                      <a:tailEnd type="none" w="med" len="med"/>
-                    </a:lnR>
-                    <a:lnT w="12700" cap="flat" cmpd="sng" algn="ctr">
-                      <a:noFill/>
-                      <a:prstDash val="solid"/>
-                      <a:round/>
-                      <a:headEnd type="none" w="med" len="med"/>
-                      <a:tailEnd type="none" w="med" len="med"/>
-                    </a:lnT>
-                    <a:lnB w="12700" cap="flat" cmpd="sng" algn="ctr">
-                      <a:noFill/>
-                      <a:prstDash val="solid"/>
-                      <a:round/>
-                      <a:headEnd type="none" w="med" len="med"/>
-                      <a:tailEnd type="none" w="med" len="med"/>
-                    </a:lnB>
-                  </a:tcPr>
-                </a:tc>
-                <a:tc hMerge="1" vMerge="1">
-                  <a:txBody>
-                    <a:bodyPr/>
-                    <a:lstStyle/>
-                    <a:p>
-                      <a:pPr latinLnBrk="1"/>
-                      <a:endParaRPr lang="ko-KR" altLang="en-US"/>
-                    </a:p>
-                  </a:txBody>
-                  <a:tcPr/>
-                </a:tc>
-                <a:tc hMerge="1" vMerge="1">
-                  <a:txBody>
-                    <a:bodyPr/>
-                    <a:lstStyle/>
-                    <a:p>
-                      <a:pPr latinLnBrk="1"/>
-                      <a:endParaRPr lang="ko-KR" altLang="en-US"/>
-                    </a:p>
-                  </a:txBody>
-                  <a:tcPr/>
-                </a:tc>
-                <a:extLst>
-                  <a:ext uri="{0D108BD9-81ED-4DB2-BD59-A6C34878D82A}">
-                    <a16:rowId xmlns:a16="http://schemas.microsoft.com/office/drawing/2014/main" val="655464074"/>
-                  </a:ext>
-                </a:extLst>
-              </a:tr>
-              <a:tr h="294640">
-                <a:tc vMerge="1">
-                  <a:txBody>
-                    <a:bodyPr/>
-                    <a:lstStyle/>
-                    <a:p>
-                      <a:pPr algn="ctr" fontAlgn="ctr"/>
-                      <a:endParaRPr lang="ko-KR" altLang="en-US" sz="1100" b="0" i="0" u="none" strike="noStrike" dirty="0">
-                        <a:solidFill>
-                          <a:srgbClr val="000000"/>
-                        </a:solidFill>
-                        <a:effectLst/>
-                        <a:latin typeface="배달의민족 한나체 Pro" panose="020B0600000101010101" pitchFamily="50" charset="-127"/>
-                        <a:ea typeface="배달의민족 한나체 Pro" panose="020B0600000101010101" pitchFamily="50" charset="-127"/>
-                      </a:endParaRPr>
-                    </a:p>
-                  </a:txBody>
-                  <a:tcPr marL="7620" marR="7620" marT="7620" marB="0" anchor="ctr">
-                    <a:lnL w="12700" cap="flat" cmpd="sng" algn="ctr">
-                      <a:solidFill>
-                        <a:schemeClr val="tx1"/>
-                      </a:solidFill>
-                      <a:prstDash val="solid"/>
-                      <a:round/>
-                      <a:headEnd type="none" w="med" len="med"/>
-                      <a:tailEnd type="none" w="med" len="med"/>
-                    </a:lnL>
-                    <a:lnR w="12700" cap="flat" cmpd="sng" algn="ctr">
-                      <a:solidFill>
-                        <a:schemeClr val="tx1"/>
-                      </a:solidFill>
-                      <a:prstDash val="solid"/>
-                      <a:round/>
-                      <a:headEnd type="none" w="med" len="med"/>
-                      <a:tailEnd type="none" w="med" len="med"/>
-                    </a:lnR>
-                    <a:lnT w="12700" cap="flat" cmpd="sng" algn="ctr">
-                      <a:noFill/>
-                      <a:prstDash val="solid"/>
-                      <a:round/>
-                      <a:headEnd type="none" w="med" len="med"/>
-                      <a:tailEnd type="none" w="med" len="med"/>
-                    </a:lnT>
-                    <a:lnB w="12700" cap="flat" cmpd="sng" algn="ctr">
-                      <a:noFill/>
-                      <a:prstDash val="solid"/>
-                      <a:round/>
-                      <a:headEnd type="none" w="med" len="med"/>
-                      <a:tailEnd type="none" w="med" len="med"/>
-                    </a:lnB>
-                  </a:tcPr>
-                </a:tc>
-                <a:tc vMerge="1">
-                  <a:txBody>
-                    <a:bodyPr/>
-                    <a:lstStyle/>
-                    <a:p>
-                      <a:pPr algn="l" fontAlgn="ctr"/>
-                      <a:endParaRPr lang="ko-KR" altLang="en-US" sz="1100" b="0" i="0" u="none" strike="noStrike" dirty="0">
-                        <a:solidFill>
-                          <a:srgbClr val="000000"/>
-                        </a:solidFill>
-                        <a:effectLst/>
-                        <a:latin typeface="배달의민족 한나체 Air" panose="020B0600000101010101" pitchFamily="50" charset="-127"/>
-                        <a:ea typeface="배달의민족 한나체 Air" panose="020B0600000101010101" pitchFamily="50" charset="-127"/>
-                      </a:endParaRPr>
-                    </a:p>
-                  </a:txBody>
-                  <a:tcPr marL="36000" marR="7620" marT="7620" marB="0" anchor="ctr">
-                    <a:lnL w="12700" cap="flat" cmpd="sng" algn="ctr">
-                      <a:solidFill>
-                        <a:schemeClr val="tx1"/>
-                      </a:solidFill>
-                      <a:prstDash val="solid"/>
-                      <a:round/>
-                      <a:headEnd type="none" w="med" len="med"/>
-                      <a:tailEnd type="none" w="med" len="med"/>
-                    </a:lnL>
-                    <a:lnR w="12700" cap="flat" cmpd="sng" algn="ctr">
-                      <a:solidFill>
-                        <a:schemeClr val="tx1"/>
-                      </a:solidFill>
-                      <a:prstDash val="solid"/>
-                      <a:round/>
-                      <a:headEnd type="none" w="med" len="med"/>
-                      <a:tailEnd type="none" w="med" len="med"/>
-                    </a:lnR>
-                    <a:lnT w="12700" cap="flat" cmpd="sng" algn="ctr">
-                      <a:noFill/>
-                      <a:prstDash val="solid"/>
-                      <a:round/>
-                      <a:headEnd type="none" w="med" len="med"/>
-                      <a:tailEnd type="none" w="med" len="med"/>
-                    </a:lnT>
-                    <a:lnB w="12700" cap="flat" cmpd="sng" algn="ctr">
-                      <a:noFill/>
-                      <a:prstDash val="solid"/>
-                      <a:round/>
-                      <a:headEnd type="none" w="med" len="med"/>
-                      <a:tailEnd type="none" w="med" len="med"/>
-                    </a:lnB>
-                  </a:tcPr>
-                </a:tc>
-                <a:tc vMerge="1">
-                  <a:txBody>
-                    <a:bodyPr/>
-                    <a:lstStyle/>
-                    <a:p>
-                      <a:pPr algn="l" fontAlgn="ctr"/>
-                      <a:endParaRPr lang="ko-KR" altLang="en-US" sz="1100" b="0" i="0" u="none" strike="noStrike" dirty="0">
-                        <a:solidFill>
-                          <a:srgbClr val="000000"/>
-                        </a:solidFill>
-                        <a:effectLst/>
-                        <a:latin typeface="배달의민족 한나체 Air" panose="020B0600000101010101" pitchFamily="50" charset="-127"/>
-                        <a:ea typeface="배달의민족 한나체 Air" panose="020B0600000101010101" pitchFamily="50" charset="-127"/>
-                      </a:endParaRPr>
-                    </a:p>
-                  </a:txBody>
-                  <a:tcPr marL="36000" marR="7620" marT="7620" marB="0" anchor="ctr">
-                    <a:lnL w="12700" cap="flat" cmpd="sng" algn="ctr">
-                      <a:solidFill>
-                        <a:schemeClr val="tx1"/>
-                      </a:solidFill>
-                      <a:prstDash val="solid"/>
-                      <a:round/>
-                      <a:headEnd type="none" w="med" len="med"/>
-                      <a:tailEnd type="none" w="med" len="med"/>
-                    </a:lnL>
-                    <a:lnR w="12700" cap="flat" cmpd="sng" algn="ctr">
-                      <a:solidFill>
-                        <a:schemeClr val="tx1"/>
-                      </a:solidFill>
-                      <a:prstDash val="solid"/>
-                      <a:round/>
-                      <a:headEnd type="none" w="med" len="med"/>
-                      <a:tailEnd type="none" w="med" len="med"/>
-                    </a:lnR>
-                    <a:lnT w="12700" cap="flat" cmpd="sng" algn="ctr">
-                      <a:noFill/>
-                      <a:prstDash val="solid"/>
-                      <a:round/>
-                      <a:headEnd type="none" w="med" len="med"/>
-                      <a:tailEnd type="none" w="med" len="med"/>
-                    </a:lnT>
-                    <a:lnB w="12700" cap="flat" cmpd="sng" algn="ctr">
-                      <a:noFill/>
-                      <a:prstDash val="solid"/>
-                      <a:round/>
-                      <a:headEnd type="none" w="med" len="med"/>
-                      <a:tailEnd type="none" w="med" len="med"/>
-                    </a:lnB>
-                  </a:tcPr>
-                </a:tc>
-                <a:tc>
-                  <a:txBody>
-                    <a:bodyPr/>
-                    <a:lstStyle/>
-                    <a:p>
-                      <a:pPr algn="l" fontAlgn="ctr"/>
-                      <a:r>
-                        <a:rPr lang="en-US" altLang="ko-KR" sz="1100" u="none" strike="noStrike" dirty="0">
-                          <a:effectLst/>
-                          <a:latin typeface="배달의민족 한나체 Air" panose="020B0600000101010101" pitchFamily="50" charset="-127"/>
-                          <a:ea typeface="배달의민족 한나체 Air" panose="020B0600000101010101" pitchFamily="50" charset="-127"/>
-                        </a:rPr>
-                        <a:t>3:</a:t>
-                      </a:r>
-                      <a:r>
-                        <a:rPr lang="ko-KR" altLang="en-US" sz="1100" u="none" strike="noStrike" dirty="0">
-                          <a:effectLst/>
-                          <a:latin typeface="배달의민족 한나체 Air" panose="020B0600000101010101" pitchFamily="50" charset="-127"/>
-                          <a:ea typeface="배달의민족 한나체 Air" panose="020B0600000101010101" pitchFamily="50" charset="-127"/>
-                        </a:rPr>
-                        <a:t>어려움</a:t>
-                      </a:r>
-                      <a:endParaRPr lang="ko-KR" altLang="en-US" sz="1100" b="0" i="0" u="none" strike="noStrike" dirty="0">
-                        <a:solidFill>
-                          <a:srgbClr val="000000"/>
-                        </a:solidFill>
-                        <a:effectLst/>
-                        <a:latin typeface="배달의민족 한나체 Air" panose="020B0600000101010101" pitchFamily="50" charset="-127"/>
-                        <a:ea typeface="배달의민족 한나체 Air" panose="020B0600000101010101" pitchFamily="50" charset="-127"/>
-                      </a:endParaRPr>
-                    </a:p>
-                  </a:txBody>
-                  <a:tcPr marL="36000" marR="7620" marT="7620" marB="0" anchor="ctr">
-                    <a:lnL w="12700" cap="flat" cmpd="sng" algn="ctr">
-                      <a:solidFill>
-                        <a:schemeClr val="tx1"/>
-                      </a:solidFill>
-                      <a:prstDash val="solid"/>
-                      <a:round/>
-                      <a:headEnd type="none" w="med" len="med"/>
-                      <a:tailEnd type="none" w="med" len="med"/>
-                    </a:lnL>
-                    <a:lnR w="12700" cap="flat" cmpd="sng" algn="ctr">
-                      <a:solidFill>
-                        <a:schemeClr val="tx1"/>
-                      </a:solidFill>
-                      <a:prstDash val="solid"/>
-                      <a:round/>
-                      <a:headEnd type="none" w="med" len="med"/>
-                      <a:tailEnd type="none" w="med" len="med"/>
-                    </a:lnR>
-                    <a:lnT w="12700" cap="flat" cmpd="sng" algn="ctr">
-                      <a:noFill/>
-                      <a:prstDash val="solid"/>
-                      <a:round/>
-                      <a:headEnd type="none" w="med" len="med"/>
-                      <a:tailEnd type="none" w="med" len="med"/>
-                    </a:lnT>
-                    <a:lnB w="12700" cap="flat" cmpd="sng" algn="ctr">
-                      <a:solidFill>
-                        <a:schemeClr val="tx1"/>
-                      </a:solidFill>
-                      <a:prstDash val="solid"/>
-                      <a:round/>
-                      <a:headEnd type="none" w="med" len="med"/>
-                      <a:tailEnd type="none" w="med" len="med"/>
-                    </a:lnB>
-                  </a:tcPr>
-                </a:tc>
-                <a:tc vMerge="1">
-                  <a:txBody>
-                    <a:bodyPr/>
-                    <a:lstStyle/>
-                    <a:p>
-                      <a:pPr algn="l" fontAlgn="ctr"/>
-                      <a:endParaRPr lang="ko-KR" altLang="en-US" sz="1100" b="0" i="0" u="none" strike="noStrike" dirty="0">
-                        <a:solidFill>
-                          <a:srgbClr val="000000"/>
-                        </a:solidFill>
-                        <a:effectLst/>
-                        <a:latin typeface="배달의민족 한나체 Air" panose="020B0600000101010101" pitchFamily="50" charset="-127"/>
-                        <a:ea typeface="배달의민족 한나체 Air" panose="020B0600000101010101" pitchFamily="50" charset="-127"/>
-                      </a:endParaRPr>
-                    </a:p>
-                  </a:txBody>
-                  <a:tcPr marL="36000" marR="7620" marT="7620" marB="0" anchor="ctr">
-                    <a:lnL w="12700" cap="flat" cmpd="sng" algn="ctr">
-                      <a:solidFill>
-                        <a:schemeClr val="tx1"/>
-                      </a:solidFill>
-                      <a:prstDash val="solid"/>
-                      <a:round/>
-                      <a:headEnd type="none" w="med" len="med"/>
-                      <a:tailEnd type="none" w="med" len="med"/>
-                    </a:lnL>
-                    <a:lnR w="12700" cap="flat" cmpd="sng" algn="ctr">
-                      <a:solidFill>
-                        <a:schemeClr val="tx1"/>
-                      </a:solidFill>
-                      <a:prstDash val="solid"/>
-                      <a:round/>
-                      <a:headEnd type="none" w="med" len="med"/>
-                      <a:tailEnd type="none" w="med" len="med"/>
-                    </a:lnR>
-                    <a:lnT w="12700" cap="flat" cmpd="sng" algn="ctr">
-                      <a:noFill/>
-                      <a:prstDash val="solid"/>
-                      <a:round/>
-                      <a:headEnd type="none" w="med" len="med"/>
-                      <a:tailEnd type="none" w="med" len="med"/>
-                    </a:lnT>
-                    <a:lnB w="12700" cap="flat" cmpd="sng" algn="ctr">
-                      <a:noFill/>
-                      <a:prstDash val="solid"/>
-                      <a:round/>
-                      <a:headEnd type="none" w="med" len="med"/>
-                      <a:tailEnd type="none" w="med" len="med"/>
-                    </a:lnB>
-                  </a:tcPr>
-                </a:tc>
-                <a:tc gridSpan="3" vMerge="1">
-                  <a:txBody>
-                    <a:bodyPr/>
-                    <a:lstStyle/>
-                    <a:p>
-                      <a:pPr algn="l" fontAlgn="ctr"/>
-                      <a:endParaRPr lang="ko-KR" altLang="en-US" sz="1100" b="0" i="0" u="none" strike="noStrike" dirty="0">
-                        <a:solidFill>
-                          <a:srgbClr val="000000"/>
-                        </a:solidFill>
-                        <a:effectLst/>
-                        <a:latin typeface="배달의민족 한나체 Air" panose="020B0600000101010101" pitchFamily="50" charset="-127"/>
-                        <a:ea typeface="배달의민족 한나체 Air" panose="020B0600000101010101" pitchFamily="50" charset="-127"/>
-                      </a:endParaRPr>
-                    </a:p>
-                  </a:txBody>
-                  <a:tcPr marL="36000" marR="7620" marT="7620" marB="0" anchor="ctr">
-                    <a:lnL w="12700" cap="flat" cmpd="sng" algn="ctr">
-                      <a:solidFill>
-                        <a:schemeClr val="tx1"/>
-                      </a:solidFill>
-                      <a:prstDash val="solid"/>
-                      <a:round/>
-                      <a:headEnd type="none" w="med" len="med"/>
-                      <a:tailEnd type="none" w="med" len="med"/>
-                    </a:lnL>
-                    <a:lnR w="12700" cap="flat" cmpd="sng" algn="ctr">
-                      <a:solidFill>
-                        <a:schemeClr val="tx1"/>
-                      </a:solidFill>
-                      <a:prstDash val="solid"/>
-                      <a:round/>
-                      <a:headEnd type="none" w="med" len="med"/>
-                      <a:tailEnd type="none" w="med" len="med"/>
-                    </a:lnR>
-                    <a:lnT w="12700" cap="flat" cmpd="sng" algn="ctr">
-                      <a:noFill/>
-                      <a:prstDash val="solid"/>
-                      <a:round/>
-                      <a:headEnd type="none" w="med" len="med"/>
-                      <a:tailEnd type="none" w="med" len="med"/>
-                    </a:lnT>
-                    <a:lnB w="12700" cap="flat" cmpd="sng" algn="ctr">
-                      <a:noFill/>
-                      <a:prstDash val="solid"/>
-                      <a:round/>
-                      <a:headEnd type="none" w="med" len="med"/>
-                      <a:tailEnd type="none" w="med" len="med"/>
-                    </a:lnB>
-                  </a:tcPr>
-                </a:tc>
-                <a:tc hMerge="1" vMerge="1">
-                  <a:txBody>
-                    <a:bodyPr/>
-                    <a:lstStyle/>
-                    <a:p>
-                      <a:pPr latinLnBrk="1"/>
-                      <a:endParaRPr lang="ko-KR" altLang="en-US"/>
-                    </a:p>
-                  </a:txBody>
-                  <a:tcPr/>
-                </a:tc>
-                <a:tc hMerge="1" vMerge="1">
-                  <a:txBody>
-                    <a:bodyPr/>
-                    <a:lstStyle/>
-                    <a:p>
-                      <a:pPr latinLnBrk="1"/>
-                      <a:endParaRPr lang="ko-KR" altLang="en-US"/>
-                    </a:p>
-                  </a:txBody>
-                  <a:tcPr/>
-                </a:tc>
-                <a:extLst>
-                  <a:ext uri="{0D108BD9-81ED-4DB2-BD59-A6C34878D82A}">
-                    <a16:rowId xmlns:a16="http://schemas.microsoft.com/office/drawing/2014/main" val="1658453515"/>
-                  </a:ext>
-                </a:extLst>
-              </a:tr>
               <a:tr h="220980">
                 <a:tc>
                   <a:txBody>
@@ -21734,12 +22376,73 @@
                     <a:p>
                       <a:pPr algn="l" fontAlgn="ctr"/>
                       <a:r>
-                        <a:rPr lang="en-US" sz="1100" u="none" strike="noStrike" dirty="0">
+                        <a:rPr lang="en-US" sz="1100" b="0" i="0" u="none" strike="noStrike" dirty="0">
+                          <a:solidFill>
+                            <a:srgbClr val="000000"/>
+                          </a:solidFill>
                           <a:effectLst/>
                           <a:latin typeface="배달의민족 한나체 Air" panose="020B0600000101010101" pitchFamily="50" charset="-127"/>
                           <a:ea typeface="배달의민족 한나체 Air" panose="020B0600000101010101" pitchFamily="50" charset="-127"/>
                         </a:rPr>
                         <a:t>Name</a:t>
+                      </a:r>
+                    </a:p>
+                  </a:txBody>
+                  <a:tcPr marL="36000" marR="7620" marT="7620" marB="0" anchor="ctr">
+                    <a:lnL w="12700" cap="flat" cmpd="sng" algn="ctr">
+                      <a:solidFill>
+                        <a:schemeClr val="tx1"/>
+                      </a:solidFill>
+                      <a:prstDash val="solid"/>
+                      <a:round/>
+                      <a:headEnd type="none" w="med" len="med"/>
+                      <a:tailEnd type="none" w="med" len="med"/>
+                    </a:lnL>
+                    <a:lnR w="12700" cap="flat" cmpd="sng" algn="ctr">
+                      <a:solidFill>
+                        <a:schemeClr val="tx1"/>
+                      </a:solidFill>
+                      <a:prstDash val="solid"/>
+                      <a:round/>
+                      <a:headEnd type="none" w="med" len="med"/>
+                      <a:tailEnd type="none" w="med" len="med"/>
+                    </a:lnR>
+                    <a:lnT w="12700" cap="flat" cmpd="sng" algn="ctr">
+                      <a:solidFill>
+                        <a:schemeClr val="tx1"/>
+                      </a:solidFill>
+                      <a:prstDash val="solid"/>
+                      <a:round/>
+                      <a:headEnd type="none" w="med" len="med"/>
+                      <a:tailEnd type="none" w="med" len="med"/>
+                    </a:lnT>
+                    <a:lnB w="12700" cap="flat" cmpd="sng" algn="ctr">
+                      <a:solidFill>
+                        <a:schemeClr val="tx1"/>
+                      </a:solidFill>
+                      <a:prstDash val="solid"/>
+                      <a:round/>
+                      <a:headEnd type="none" w="med" len="med"/>
+                      <a:tailEnd type="none" w="med" len="med"/>
+                    </a:lnB>
+                  </a:tcPr>
+                </a:tc>
+                <a:tc>
+                  <a:txBody>
+                    <a:bodyPr/>
+                    <a:lstStyle/>
+                    <a:p>
+                      <a:pPr algn="l" fontAlgn="ctr"/>
+                      <a:r>
+                        <a:rPr lang="en-US" sz="1100" b="0" i="0" u="none" strike="noStrike" dirty="0" err="1">
+                          <a:solidFill>
+                            <a:srgbClr val="000000"/>
+                          </a:solidFill>
+                          <a:effectLst/>
+                          <a:latin typeface="배달의민족 한나체 Air" panose="020B0600000101010101" pitchFamily="50" charset="-127"/>
+                          <a:ea typeface="배달의민족 한나체 Air" panose="020B0600000101010101" pitchFamily="50" charset="-127"/>
+                        </a:rPr>
+                        <a:t>MainTextID</a:t>
                       </a:r>
                       <a:endParaRPr lang="en-US" sz="1100" b="0" i="0" u="none" strike="noStrike" dirty="0">
                         <a:solidFill>
@@ -21797,12 +22500,15 @@
                     <a:p>
                       <a:pPr algn="l" fontAlgn="ctr"/>
                       <a:r>
-                        <a:rPr lang="en-US" sz="1100" u="none" strike="noStrike" dirty="0">
+                        <a:rPr lang="en-US" sz="1100" b="0" i="0" u="none" strike="noStrike" dirty="0" err="1">
+                          <a:solidFill>
+                            <a:srgbClr val="000000"/>
+                          </a:solidFill>
                           <a:effectLst/>
                           <a:latin typeface="배달의민족 한나체 Air" panose="020B0600000101010101" pitchFamily="50" charset="-127"/>
                           <a:ea typeface="배달의민족 한나체 Air" panose="020B0600000101010101" pitchFamily="50" charset="-127"/>
                         </a:rPr>
-                        <a:t>Level</a:t>
+                        <a:t>AnswerList</a:t>
                       </a:r>
                       <a:endParaRPr lang="en-US" sz="1100" b="0" i="0" u="none" strike="noStrike" dirty="0">
                         <a:solidFill>
@@ -21860,6 +22566,68 @@
                     <a:p>
                       <a:pPr algn="l" fontAlgn="ctr"/>
                       <a:r>
+                        <a:rPr lang="en-US" altLang="ko-KR" sz="1100" dirty="0" err="1">
+                          <a:latin typeface="배달의민족 한나체 Air" panose="020B0600000101010101" pitchFamily="50" charset="-127"/>
+                          <a:ea typeface="배달의민족 한나체 Air" panose="020B0600000101010101" pitchFamily="50" charset="-127"/>
+                        </a:rPr>
+                        <a:t>PositiveTextList</a:t>
+                      </a:r>
+                      <a:endParaRPr lang="en-US" sz="1100" b="0" i="0" u="none" strike="noStrike" dirty="0">
+                        <a:solidFill>
+                          <a:srgbClr val="000000"/>
+                        </a:solidFill>
+                        <a:effectLst/>
+                        <a:latin typeface="배달의민족 한나체 Air" panose="020B0600000101010101" pitchFamily="50" charset="-127"/>
+                        <a:ea typeface="배달의민족 한나체 Air" panose="020B0600000101010101" pitchFamily="50" charset="-127"/>
+                      </a:endParaRPr>
+                    </a:p>
+                  </a:txBody>
+                  <a:tcPr marL="36000" marR="7620" marT="7620" marB="0" anchor="ctr">
+                    <a:lnL w="12700" cap="flat" cmpd="sng" algn="ctr">
+                      <a:solidFill>
+                        <a:schemeClr val="tx1"/>
+                      </a:solidFill>
+                      <a:prstDash val="solid"/>
+                      <a:round/>
+                      <a:headEnd type="none" w="med" len="med"/>
+                      <a:tailEnd type="none" w="med" len="med"/>
+                    </a:lnL>
+                    <a:lnR w="12700" cap="flat" cmpd="sng" algn="ctr">
+                      <a:solidFill>
+                        <a:schemeClr val="tx1"/>
+                      </a:solidFill>
+                      <a:prstDash val="solid"/>
+                      <a:round/>
+                      <a:headEnd type="none" w="med" len="med"/>
+                      <a:tailEnd type="none" w="med" len="med"/>
+                    </a:lnR>
+                    <a:lnT w="12700" cap="flat" cmpd="sng" algn="ctr">
+                      <a:solidFill>
+                        <a:schemeClr val="tx1"/>
+                      </a:solidFill>
+                      <a:prstDash val="solid"/>
+                      <a:round/>
+                      <a:headEnd type="none" w="med" len="med"/>
+                      <a:tailEnd type="none" w="med" len="med"/>
+                    </a:lnT>
+                    <a:lnB w="12700" cap="flat" cmpd="sng" algn="ctr">
+                      <a:solidFill>
+                        <a:schemeClr val="tx1"/>
+                      </a:solidFill>
+                      <a:prstDash val="solid"/>
+                      <a:round/>
+                      <a:headEnd type="none" w="med" len="med"/>
+                      <a:tailEnd type="none" w="med" len="med"/>
+                    </a:lnB>
+                  </a:tcPr>
+                </a:tc>
+                <a:tc>
+                  <a:txBody>
+                    <a:bodyPr/>
+                    <a:lstStyle/>
+                    <a:p>
+                      <a:pPr algn="l" fontAlgn="ctr"/>
+                      <a:r>
                         <a:rPr lang="en-US" sz="1100" b="0" i="0" u="none" strike="noStrike" dirty="0" err="1">
                           <a:solidFill>
                             <a:srgbClr val="000000"/>
@@ -21868,7 +22636,7 @@
                           <a:latin typeface="배달의민족 한나체 Air" panose="020B0600000101010101" pitchFamily="50" charset="-127"/>
                           <a:ea typeface="배달의민족 한나체 Air" panose="020B0600000101010101" pitchFamily="50" charset="-127"/>
                         </a:rPr>
-                        <a:t>NextEventID</a:t>
+                        <a:t>PostiveTalkID</a:t>
                       </a:r>
                       <a:endParaRPr lang="en-US" sz="1100" b="0" i="0" u="none" strike="noStrike" dirty="0">
                         <a:solidFill>
@@ -21926,7 +22694,7 @@
                     <a:p>
                       <a:pPr algn="l" fontAlgn="ctr"/>
                       <a:r>
-                        <a:rPr lang="en-US" sz="1100" b="0" i="0" u="none" strike="noStrike" dirty="0">
+                        <a:rPr lang="en-US" sz="1100" b="0" i="0" u="none" strike="noStrike" dirty="0" err="1">
                           <a:solidFill>
                             <a:srgbClr val="000000"/>
                           </a:solidFill>
@@ -21934,8 +22702,16 @@
                           <a:latin typeface="배달의민족 한나체 Air" panose="020B0600000101010101" pitchFamily="50" charset="-127"/>
                           <a:ea typeface="배달의민족 한나체 Air" panose="020B0600000101010101" pitchFamily="50" charset="-127"/>
                         </a:rPr>
-                        <a:t>PrefabID1</a:t>
-                      </a:r>
+                        <a:t>NavtiveTextList</a:t>
+                      </a:r>
+                      <a:endParaRPr lang="en-US" sz="1100" b="0" i="0" u="none" strike="noStrike" dirty="0">
+                        <a:solidFill>
+                          <a:srgbClr val="000000"/>
+                        </a:solidFill>
+                        <a:effectLst/>
+                        <a:latin typeface="배달의민족 한나체 Air" panose="020B0600000101010101" pitchFamily="50" charset="-127"/>
+                        <a:ea typeface="배달의민족 한나체 Air" panose="020B0600000101010101" pitchFamily="50" charset="-127"/>
+                      </a:endParaRPr>
                     </a:p>
                   </a:txBody>
                   <a:tcPr marL="36000" marR="7620" marT="7620" marB="0" anchor="ctr">
@@ -21982,25 +22758,9 @@
                     <a:bodyPr/>
                     <a:lstStyle/>
                     <a:p>
-                      <a:pPr marL="0" marR="0" lvl="0" indent="0" algn="l" defTabSz="914400" rtl="0" eaLnBrk="1" fontAlgn="ctr" latinLnBrk="1" hangingPunct="1">
-                        <a:lnSpc>
-                          <a:spcPct val="100000"/>
-                        </a:lnSpc>
-                        <a:spcBef>
-                          <a:spcPts val="0"/>
-                        </a:spcBef>
-                        <a:spcAft>
-                          <a:spcPts val="0"/>
-                        </a:spcAft>
-                        <a:buClrTx/>
-                        <a:buSzTx/>
-                        <a:buFontTx/>
-                        <a:buNone/>
-                        <a:tabLst/>
-                        <a:defRPr/>
-                      </a:pPr>
-                      <a:r>
-                        <a:rPr lang="en-US" altLang="ko-KR" sz="1100" b="0" i="0" u="none" strike="noStrike" dirty="0">
+                      <a:pPr algn="l" fontAlgn="ctr"/>
+                      <a:r>
+                        <a:rPr lang="en-US" sz="1100" b="0" i="0" u="none" strike="noStrike" dirty="0" err="1">
                           <a:solidFill>
                             <a:srgbClr val="000000"/>
                           </a:solidFill>
@@ -22008,82 +22768,16 @@
                           <a:latin typeface="배달의민족 한나체 Air" panose="020B0600000101010101" pitchFamily="50" charset="-127"/>
                           <a:ea typeface="배달의민족 한나체 Air" panose="020B0600000101010101" pitchFamily="50" charset="-127"/>
                         </a:rPr>
-                        <a:t>PrefabID2</a:t>
-                      </a:r>
-                    </a:p>
-                  </a:txBody>
-                  <a:tcPr marL="36000" marR="7620" marT="7620" marB="0" anchor="ctr">
-                    <a:lnL w="12700" cap="flat" cmpd="sng" algn="ctr">
-                      <a:solidFill>
-                        <a:schemeClr val="tx1"/>
-                      </a:solidFill>
-                      <a:prstDash val="solid"/>
-                      <a:round/>
-                      <a:headEnd type="none" w="med" len="med"/>
-                      <a:tailEnd type="none" w="med" len="med"/>
-                    </a:lnL>
-                    <a:lnR w="12700" cap="flat" cmpd="sng" algn="ctr">
-                      <a:solidFill>
-                        <a:schemeClr val="tx1"/>
-                      </a:solidFill>
-                      <a:prstDash val="solid"/>
-                      <a:round/>
-                      <a:headEnd type="none" w="med" len="med"/>
-                      <a:tailEnd type="none" w="med" len="med"/>
-                    </a:lnR>
-                    <a:lnT w="12700" cap="flat" cmpd="sng" algn="ctr">
-                      <a:solidFill>
-                        <a:schemeClr val="tx1"/>
-                      </a:solidFill>
-                      <a:prstDash val="solid"/>
-                      <a:round/>
-                      <a:headEnd type="none" w="med" len="med"/>
-                      <a:tailEnd type="none" w="med" len="med"/>
-                    </a:lnT>
-                    <a:lnB w="12700" cap="flat" cmpd="sng" algn="ctr">
-                      <a:solidFill>
-                        <a:schemeClr val="tx1"/>
-                      </a:solidFill>
-                      <a:prstDash val="solid"/>
-                      <a:round/>
-                      <a:headEnd type="none" w="med" len="med"/>
-                      <a:tailEnd type="none" w="med" len="med"/>
-                    </a:lnB>
-                  </a:tcPr>
-                </a:tc>
-                <a:tc>
-                  <a:txBody>
-                    <a:bodyPr/>
-                    <a:lstStyle/>
-                    <a:p>
-                      <a:pPr marL="0" marR="0" lvl="0" indent="0" algn="l" defTabSz="914400" rtl="0" eaLnBrk="1" fontAlgn="ctr" latinLnBrk="1" hangingPunct="1">
-                        <a:lnSpc>
-                          <a:spcPct val="100000"/>
-                        </a:lnSpc>
-                        <a:spcBef>
-                          <a:spcPts val="0"/>
-                        </a:spcBef>
-                        <a:spcAft>
-                          <a:spcPts val="0"/>
-                        </a:spcAft>
-                        <a:buClrTx/>
-                        <a:buSzTx/>
-                        <a:buFontTx/>
-                        <a:buNone/>
-                        <a:tabLst/>
-                        <a:defRPr/>
-                      </a:pPr>
-                      <a:r>
-                        <a:rPr lang="en-US" altLang="ko-KR" sz="1100" b="0" i="0" u="none" strike="noStrike" dirty="0">
-                          <a:solidFill>
-                            <a:srgbClr val="000000"/>
-                          </a:solidFill>
-                          <a:effectLst/>
-                          <a:latin typeface="배달의민족 한나체 Air" panose="020B0600000101010101" pitchFamily="50" charset="-127"/>
-                          <a:ea typeface="배달의민족 한나체 Air" panose="020B0600000101010101" pitchFamily="50" charset="-127"/>
-                        </a:rPr>
-                        <a:t>PrefabID3</a:t>
-                      </a:r>
+                        <a:t>NavtiveTalkId</a:t>
+                      </a:r>
+                      <a:endParaRPr lang="en-US" sz="1100" b="0" i="0" u="none" strike="noStrike" dirty="0">
+                        <a:solidFill>
+                          <a:srgbClr val="000000"/>
+                        </a:solidFill>
+                        <a:effectLst/>
+                        <a:latin typeface="배달의민족 한나체 Air" panose="020B0600000101010101" pitchFamily="50" charset="-127"/>
+                        <a:ea typeface="배달의민족 한나체 Air" panose="020B0600000101010101" pitchFamily="50" charset="-127"/>
+                      </a:endParaRPr>
                     </a:p>
                   </a:txBody>
                   <a:tcPr marL="36000" marR="7620" marT="7620" marB="0" anchor="ctr">
@@ -22137,10 +22831,10 @@
       </p:graphicFrame>
       <p:graphicFrame>
         <p:nvGraphicFramePr>
-          <p:cNvPr id="3" name="표 2">
+          <p:cNvPr id="7" name="표 6">
             <a:extLst>
               <a:ext uri="{FF2B5EF4-FFF2-40B4-BE49-F238E27FC236}">
-                <a16:creationId xmlns:a16="http://schemas.microsoft.com/office/drawing/2014/main" id="{32DBA2DA-CCD9-062B-7072-29EFE22289E0}"/>
+                <a16:creationId xmlns:a16="http://schemas.microsoft.com/office/drawing/2014/main" id="{6DBD41E2-A3FB-FEF6-5581-FA0D7F8100F9}"/>
               </a:ext>
             </a:extLst>
           </p:cNvPr>
@@ -22150,13 +22844,13 @@
           <p:nvPr>
             <p:extLst>
               <p:ext uri="{D42A27DB-BD31-4B8C-83A1-F6EECF244321}">
-                <p14:modId xmlns:p14="http://schemas.microsoft.com/office/powerpoint/2010/main" val="1570919827"/>
+                <p14:modId xmlns:p14="http://schemas.microsoft.com/office/powerpoint/2010/main" val="2056402700"/>
               </p:ext>
             </p:extLst>
           </p:nvPr>
         </p:nvGraphicFramePr>
         <p:xfrm>
-          <a:off x="487017" y="3504156"/>
+          <a:off x="865646" y="4047292"/>
           <a:ext cx="3878627" cy="1852833"/>
         </p:xfrm>
         <a:graphic>
@@ -22923,7 +23617,7 @@
                           <a:latin typeface="배달의민족 한나체 Air" panose="020B0600000101010101" pitchFamily="50" charset="-127"/>
                           <a:ea typeface="배달의민족 한나체 Air" panose="020B0600000101010101" pitchFamily="50" charset="-127"/>
                         </a:rPr>
-                        <a:t>2xxx</a:t>
+                        <a:t>3xxx</a:t>
                       </a:r>
                     </a:p>
                   </a:txBody>
@@ -23195,1221 +23889,6 @@
                           <a:ea typeface="배달의민족 한나체 Air" panose="020B0600000101010101" pitchFamily="50" charset="-127"/>
                         </a:rPr>
                         <a:t>TextContent</a:t>
-                      </a:r>
-                      <a:endParaRPr lang="en-US" sz="1100" b="0" i="0" u="none" strike="noStrike" dirty="0">
-                        <a:solidFill>
-                          <a:srgbClr val="000000"/>
-                        </a:solidFill>
-                        <a:effectLst/>
-                        <a:latin typeface="배달의민족 한나체 Air" panose="020B0600000101010101" pitchFamily="50" charset="-127"/>
-                        <a:ea typeface="배달의민족 한나체 Air" panose="020B0600000101010101" pitchFamily="50" charset="-127"/>
-                      </a:endParaRPr>
-                    </a:p>
-                  </a:txBody>
-                  <a:tcPr marL="36000" marR="7620" marT="7620" marB="0" anchor="ctr">
-                    <a:lnL w="12700" cap="flat" cmpd="sng" algn="ctr">
-                      <a:solidFill>
-                        <a:schemeClr val="tx1"/>
-                      </a:solidFill>
-                      <a:prstDash val="solid"/>
-                      <a:round/>
-                      <a:headEnd type="none" w="med" len="med"/>
-                      <a:tailEnd type="none" w="med" len="med"/>
-                    </a:lnL>
-                    <a:lnR w="12700" cap="flat" cmpd="sng" algn="ctr">
-                      <a:solidFill>
-                        <a:schemeClr val="tx1"/>
-                      </a:solidFill>
-                      <a:prstDash val="solid"/>
-                      <a:round/>
-                      <a:headEnd type="none" w="med" len="med"/>
-                      <a:tailEnd type="none" w="med" len="med"/>
-                    </a:lnR>
-                    <a:lnT w="12700" cap="flat" cmpd="sng" algn="ctr">
-                      <a:solidFill>
-                        <a:schemeClr val="tx1"/>
-                      </a:solidFill>
-                      <a:prstDash val="solid"/>
-                      <a:round/>
-                      <a:headEnd type="none" w="med" len="med"/>
-                      <a:tailEnd type="none" w="med" len="med"/>
-                    </a:lnT>
-                    <a:lnB w="12700" cap="flat" cmpd="sng" algn="ctr">
-                      <a:solidFill>
-                        <a:schemeClr val="tx1"/>
-                      </a:solidFill>
-                      <a:prstDash val="solid"/>
-                      <a:round/>
-                      <a:headEnd type="none" w="med" len="med"/>
-                      <a:tailEnd type="none" w="med" len="med"/>
-                    </a:lnB>
-                  </a:tcPr>
-                </a:tc>
-                <a:extLst>
-                  <a:ext uri="{0D108BD9-81ED-4DB2-BD59-A6C34878D82A}">
-                    <a16:rowId xmlns:a16="http://schemas.microsoft.com/office/drawing/2014/main" val="1414270501"/>
-                  </a:ext>
-                </a:extLst>
-              </a:tr>
-            </a:tbl>
-          </a:graphicData>
-        </a:graphic>
-      </p:graphicFrame>
-      <p:graphicFrame>
-        <p:nvGraphicFramePr>
-          <p:cNvPr id="6" name="표 5">
-            <a:extLst>
-              <a:ext uri="{FF2B5EF4-FFF2-40B4-BE49-F238E27FC236}">
-                <a16:creationId xmlns:a16="http://schemas.microsoft.com/office/drawing/2014/main" id="{C520D49D-FC0C-4AEE-D5C6-96F15006A672}"/>
-              </a:ext>
-            </a:extLst>
-          </p:cNvPr>
-          <p:cNvGraphicFramePr>
-            <a:graphicFrameLocks noGrp="1"/>
-          </p:cNvGraphicFramePr>
-          <p:nvPr>
-            <p:extLst>
-              <p:ext uri="{D42A27DB-BD31-4B8C-83A1-F6EECF244321}">
-                <p14:modId xmlns:p14="http://schemas.microsoft.com/office/powerpoint/2010/main" val="99003235"/>
-              </p:ext>
-            </p:extLst>
-          </p:nvPr>
-        </p:nvGraphicFramePr>
-        <p:xfrm>
-          <a:off x="8121213" y="3504156"/>
-          <a:ext cx="3878627" cy="1852833"/>
-        </p:xfrm>
-        <a:graphic>
-          <a:graphicData uri="http://schemas.openxmlformats.org/drawingml/2006/table">
-            <a:tbl>
-              <a:tblPr>
-                <a:tableStyleId>{5C22544A-7EE6-4342-B048-85BDC9FD1C3A}</a:tableStyleId>
-              </a:tblPr>
-              <a:tblGrid>
-                <a:gridCol w="864705">
-                  <a:extLst>
-                    <a:ext uri="{9D8B030D-6E8A-4147-A177-3AD203B41FA5}">
-                      <a16:colId xmlns:a16="http://schemas.microsoft.com/office/drawing/2014/main" val="2094208962"/>
-                    </a:ext>
-                  </a:extLst>
-                </a:gridCol>
-                <a:gridCol w="1506961">
-                  <a:extLst>
-                    <a:ext uri="{9D8B030D-6E8A-4147-A177-3AD203B41FA5}">
-                      <a16:colId xmlns:a16="http://schemas.microsoft.com/office/drawing/2014/main" val="2752306251"/>
-                    </a:ext>
-                  </a:extLst>
-                </a:gridCol>
-                <a:gridCol w="1506961">
-                  <a:extLst>
-                    <a:ext uri="{9D8B030D-6E8A-4147-A177-3AD203B41FA5}">
-                      <a16:colId xmlns:a16="http://schemas.microsoft.com/office/drawing/2014/main" val="596121574"/>
-                    </a:ext>
-                  </a:extLst>
-                </a:gridCol>
-              </a:tblGrid>
-              <a:tr h="305973">
-                <a:tc gridSpan="3">
-                  <a:txBody>
-                    <a:bodyPr/>
-                    <a:lstStyle/>
-                    <a:p>
-                      <a:pPr algn="ctr" fontAlgn="ctr"/>
-                      <a:r>
-                        <a:rPr lang="ko-KR" altLang="en-US" sz="1600" b="0" i="0" u="none" strike="noStrike" dirty="0">
-                          <a:solidFill>
-                            <a:srgbClr val="000000"/>
-                          </a:solidFill>
-                          <a:effectLst/>
-                          <a:latin typeface="배달의민족 한나체 Pro" panose="020B0600000101010101" pitchFamily="50" charset="-127"/>
-                          <a:ea typeface="배달의민족 한나체 Pro" panose="020B0600000101010101" pitchFamily="50" charset="-127"/>
-                        </a:rPr>
-                        <a:t>오브젝트 </a:t>
-                      </a:r>
-                      <a:r>
-                        <a:rPr lang="ko-KR" altLang="en-US" sz="1600" b="0" i="0" u="none" strike="noStrike" dirty="0" err="1">
-                          <a:solidFill>
-                            <a:srgbClr val="000000"/>
-                          </a:solidFill>
-                          <a:effectLst/>
-                          <a:latin typeface="배달의민족 한나체 Pro" panose="020B0600000101010101" pitchFamily="50" charset="-127"/>
-                          <a:ea typeface="배달의민족 한나체 Pro" panose="020B0600000101010101" pitchFamily="50" charset="-127"/>
-                        </a:rPr>
-                        <a:t>프리팹</a:t>
-                      </a:r>
-                      <a:r>
-                        <a:rPr lang="ko-KR" altLang="en-US" sz="1600" b="0" i="0" u="none" strike="noStrike" dirty="0">
-                          <a:solidFill>
-                            <a:srgbClr val="000000"/>
-                          </a:solidFill>
-                          <a:effectLst/>
-                          <a:latin typeface="배달의민족 한나체 Pro" panose="020B0600000101010101" pitchFamily="50" charset="-127"/>
-                          <a:ea typeface="배달의민족 한나체 Pro" panose="020B0600000101010101" pitchFamily="50" charset="-127"/>
-                        </a:rPr>
-                        <a:t> </a:t>
-                      </a:r>
-                      <a:r>
-                        <a:rPr lang="en-US" altLang="ko-KR" sz="1600" b="0" i="0" u="none" strike="noStrike" dirty="0">
-                          <a:solidFill>
-                            <a:srgbClr val="000000"/>
-                          </a:solidFill>
-                          <a:effectLst/>
-                          <a:latin typeface="배달의민족 한나체 Pro" panose="020B0600000101010101" pitchFamily="50" charset="-127"/>
-                          <a:ea typeface="배달의민족 한나체 Pro" panose="020B0600000101010101" pitchFamily="50" charset="-127"/>
-                        </a:rPr>
-                        <a:t>DT</a:t>
-                      </a:r>
-                      <a:endParaRPr lang="en-US" sz="1600" b="0" i="0" u="none" strike="noStrike" dirty="0">
-                        <a:solidFill>
-                          <a:srgbClr val="000000"/>
-                        </a:solidFill>
-                        <a:effectLst/>
-                        <a:latin typeface="배달의민족 한나체 Pro" panose="020B0600000101010101" pitchFamily="50" charset="-127"/>
-                        <a:ea typeface="배달의민족 한나체 Pro" panose="020B0600000101010101" pitchFamily="50" charset="-127"/>
-                      </a:endParaRPr>
-                    </a:p>
-                  </a:txBody>
-                  <a:tcPr marL="7620" marR="7620" marT="7620" marB="0" anchor="ctr">
-                    <a:lnL w="12700" cap="flat" cmpd="sng" algn="ctr">
-                      <a:solidFill>
-                        <a:schemeClr val="tx1"/>
-                      </a:solidFill>
-                      <a:prstDash val="solid"/>
-                      <a:round/>
-                      <a:headEnd type="none" w="med" len="med"/>
-                      <a:tailEnd type="none" w="med" len="med"/>
-                    </a:lnL>
-                    <a:lnR w="12700" cap="flat" cmpd="sng" algn="ctr">
-                      <a:solidFill>
-                        <a:schemeClr val="tx1"/>
-                      </a:solidFill>
-                      <a:prstDash val="solid"/>
-                      <a:round/>
-                      <a:headEnd type="none" w="med" len="med"/>
-                      <a:tailEnd type="none" w="med" len="med"/>
-                    </a:lnR>
-                    <a:lnT w="12700" cap="flat" cmpd="sng" algn="ctr">
-                      <a:solidFill>
-                        <a:schemeClr val="tx1"/>
-                      </a:solidFill>
-                      <a:prstDash val="solid"/>
-                      <a:round/>
-                      <a:headEnd type="none" w="med" len="med"/>
-                      <a:tailEnd type="none" w="med" len="med"/>
-                    </a:lnT>
-                    <a:lnB w="12700" cap="flat" cmpd="sng" algn="ctr">
-                      <a:solidFill>
-                        <a:schemeClr val="tx1"/>
-                      </a:solidFill>
-                      <a:prstDash val="solid"/>
-                      <a:round/>
-                      <a:headEnd type="none" w="med" len="med"/>
-                      <a:tailEnd type="none" w="med" len="med"/>
-                    </a:lnB>
-                    <a:solidFill>
-                      <a:schemeClr val="accent1">
-                        <a:lumMod val="40000"/>
-                        <a:lumOff val="60000"/>
-                      </a:schemeClr>
-                    </a:solidFill>
-                  </a:tcPr>
-                </a:tc>
-                <a:tc hMerge="1">
-                  <a:txBody>
-                    <a:bodyPr/>
-                    <a:lstStyle/>
-                    <a:p>
-                      <a:endParaRPr dirty="0"/>
-                    </a:p>
-                  </a:txBody>
-                  <a:tcPr marL="7620" marR="7620" marT="7620" marB="0" anchor="ctr">
-                    <a:lnL w="12700" cap="flat" cmpd="sng" algn="ctr">
-                      <a:solidFill>
-                        <a:schemeClr val="tx1"/>
-                      </a:solidFill>
-                      <a:prstDash val="solid"/>
-                      <a:round/>
-                      <a:headEnd type="none" w="med" len="med"/>
-                      <a:tailEnd type="none" w="med" len="med"/>
-                    </a:lnL>
-                    <a:lnR w="12700" cap="flat" cmpd="sng" algn="ctr">
-                      <a:solidFill>
-                        <a:schemeClr val="tx1"/>
-                      </a:solidFill>
-                      <a:prstDash val="solid"/>
-                      <a:round/>
-                      <a:headEnd type="none" w="med" len="med"/>
-                      <a:tailEnd type="none" w="med" len="med"/>
-                    </a:lnR>
-                    <a:lnT w="12700" cap="flat" cmpd="sng" algn="ctr">
-                      <a:solidFill>
-                        <a:schemeClr val="tx1"/>
-                      </a:solidFill>
-                      <a:prstDash val="solid"/>
-                      <a:round/>
-                      <a:headEnd type="none" w="med" len="med"/>
-                      <a:tailEnd type="none" w="med" len="med"/>
-                    </a:lnT>
-                    <a:lnB w="12700" cap="flat" cmpd="sng" algn="ctr">
-                      <a:solidFill>
-                        <a:schemeClr val="tx1"/>
-                      </a:solidFill>
-                      <a:prstDash val="solid"/>
-                      <a:round/>
-                      <a:headEnd type="none" w="med" len="med"/>
-                      <a:tailEnd type="none" w="med" len="med"/>
-                    </a:lnB>
-                    <a:solidFill>
-                      <a:schemeClr val="accent1">
-                        <a:lumMod val="40000"/>
-                        <a:lumOff val="60000"/>
-                      </a:schemeClr>
-                    </a:solidFill>
-                  </a:tcPr>
-                </a:tc>
-                <a:tc hMerge="1">
-                  <a:txBody>
-                    <a:bodyPr/>
-                    <a:lstStyle/>
-                    <a:p>
-                      <a:pPr algn="l" fontAlgn="ctr"/>
-                      <a:endParaRPr lang="ko-KR" altLang="en-US" sz="1100" b="0" i="0" u="none" strike="noStrike">
-                        <a:solidFill>
-                          <a:srgbClr val="000000"/>
-                        </a:solidFill>
-                        <a:effectLst/>
-                        <a:latin typeface="맑은 고딕" panose="020B0503020000020004" pitchFamily="50" charset="-127"/>
-                        <a:ea typeface="맑은 고딕" panose="020B0503020000020004" pitchFamily="50" charset="-127"/>
-                      </a:endParaRPr>
-                    </a:p>
-                  </a:txBody>
-                  <a:tcPr marL="7620" marR="7620" marT="7620" marB="0" anchor="ctr"/>
-                </a:tc>
-                <a:extLst>
-                  <a:ext uri="{0D108BD9-81ED-4DB2-BD59-A6C34878D82A}">
-                    <a16:rowId xmlns:a16="http://schemas.microsoft.com/office/drawing/2014/main" val="2294131330"/>
-                  </a:ext>
-                </a:extLst>
-              </a:tr>
-              <a:tr h="220980">
-                <a:tc>
-                  <a:txBody>
-                    <a:bodyPr/>
-                    <a:lstStyle/>
-                    <a:p>
-                      <a:pPr algn="ctr" fontAlgn="ctr"/>
-                      <a:r>
-                        <a:rPr lang="ko-KR" altLang="en-US" sz="1100" b="0" i="0" u="none" strike="noStrike" dirty="0">
-                          <a:solidFill>
-                            <a:srgbClr val="000000"/>
-                          </a:solidFill>
-                          <a:effectLst/>
-                          <a:latin typeface="배달의민족 한나체 Pro" panose="020B0600000101010101" pitchFamily="50" charset="-127"/>
-                          <a:ea typeface="배달의민족 한나체 Pro" panose="020B0600000101010101" pitchFamily="50" charset="-127"/>
-                        </a:rPr>
-                        <a:t>항목</a:t>
-                      </a:r>
-                      <a:endParaRPr lang="en-US" sz="1100" b="0" i="0" u="none" strike="noStrike" dirty="0">
-                        <a:solidFill>
-                          <a:srgbClr val="000000"/>
-                        </a:solidFill>
-                        <a:effectLst/>
-                        <a:latin typeface="배달의민족 한나체 Pro" panose="020B0600000101010101" pitchFamily="50" charset="-127"/>
-                        <a:ea typeface="배달의민족 한나체 Pro" panose="020B0600000101010101" pitchFamily="50" charset="-127"/>
-                      </a:endParaRPr>
-                    </a:p>
-                  </a:txBody>
-                  <a:tcPr marL="7620" marR="7620" marT="7620" marB="0" anchor="ctr">
-                    <a:lnL w="12700" cap="flat" cmpd="sng" algn="ctr">
-                      <a:solidFill>
-                        <a:schemeClr val="tx1"/>
-                      </a:solidFill>
-                      <a:prstDash val="solid"/>
-                      <a:round/>
-                      <a:headEnd type="none" w="med" len="med"/>
-                      <a:tailEnd type="none" w="med" len="med"/>
-                    </a:lnL>
-                    <a:lnR w="12700" cap="flat" cmpd="sng" algn="ctr">
-                      <a:solidFill>
-                        <a:schemeClr val="tx1"/>
-                      </a:solidFill>
-                      <a:prstDash val="solid"/>
-                      <a:round/>
-                      <a:headEnd type="none" w="med" len="med"/>
-                      <a:tailEnd type="none" w="med" len="med"/>
-                    </a:lnR>
-                    <a:lnT w="12700" cap="flat" cmpd="sng" algn="ctr">
-                      <a:solidFill>
-                        <a:schemeClr val="tx1"/>
-                      </a:solidFill>
-                      <a:prstDash val="solid"/>
-                      <a:round/>
-                      <a:headEnd type="none" w="med" len="med"/>
-                      <a:tailEnd type="none" w="med" len="med"/>
-                    </a:lnT>
-                    <a:lnB w="12700" cap="flat" cmpd="sng" algn="ctr">
-                      <a:solidFill>
-                        <a:schemeClr val="tx1"/>
-                      </a:solidFill>
-                      <a:prstDash val="solid"/>
-                      <a:round/>
-                      <a:headEnd type="none" w="med" len="med"/>
-                      <a:tailEnd type="none" w="med" len="med"/>
-                    </a:lnB>
-                    <a:solidFill>
-                      <a:srgbClr val="FFFF00"/>
-                    </a:solidFill>
-                  </a:tcPr>
-                </a:tc>
-                <a:tc>
-                  <a:txBody>
-                    <a:bodyPr/>
-                    <a:lstStyle/>
-                    <a:p>
-                      <a:pPr algn="ctr" fontAlgn="ctr"/>
-                      <a:r>
-                        <a:rPr lang="ko-KR" altLang="en-US" sz="1100" u="none" strike="noStrike" dirty="0" err="1">
-                          <a:effectLst/>
-                          <a:latin typeface="배달의민족 한나체 Pro" panose="020B0600000101010101" pitchFamily="50" charset="-127"/>
-                          <a:ea typeface="배달의민족 한나체 Pro" panose="020B0600000101010101" pitchFamily="50" charset="-127"/>
-                        </a:rPr>
-                        <a:t>프리팹</a:t>
-                      </a:r>
-                      <a:r>
-                        <a:rPr lang="ko-KR" altLang="en-US" sz="1100" u="none" strike="noStrike" dirty="0">
-                          <a:effectLst/>
-                          <a:latin typeface="배달의민족 한나체 Pro" panose="020B0600000101010101" pitchFamily="50" charset="-127"/>
-                          <a:ea typeface="배달의민족 한나체 Pro" panose="020B0600000101010101" pitchFamily="50" charset="-127"/>
-                        </a:rPr>
-                        <a:t> </a:t>
-                      </a:r>
-                      <a:r>
-                        <a:rPr lang="en-US" sz="1100" u="none" strike="noStrike" dirty="0">
-                          <a:effectLst/>
-                          <a:latin typeface="배달의민족 한나체 Pro" panose="020B0600000101010101" pitchFamily="50" charset="-127"/>
-                          <a:ea typeface="배달의민족 한나체 Pro" panose="020B0600000101010101" pitchFamily="50" charset="-127"/>
-                        </a:rPr>
-                        <a:t>ID</a:t>
-                      </a:r>
-                      <a:endParaRPr lang="en-US" sz="1100" b="0" i="0" u="none" strike="noStrike" dirty="0">
-                        <a:solidFill>
-                          <a:srgbClr val="000000"/>
-                        </a:solidFill>
-                        <a:effectLst/>
-                        <a:latin typeface="배달의민족 한나체 Pro" panose="020B0600000101010101" pitchFamily="50" charset="-127"/>
-                        <a:ea typeface="배달의민족 한나체 Pro" panose="020B0600000101010101" pitchFamily="50" charset="-127"/>
-                      </a:endParaRPr>
-                    </a:p>
-                  </a:txBody>
-                  <a:tcPr marL="7620" marR="7620" marT="7620" marB="0" anchor="ctr">
-                    <a:lnL w="12700" cap="flat" cmpd="sng" algn="ctr">
-                      <a:solidFill>
-                        <a:schemeClr val="tx1"/>
-                      </a:solidFill>
-                      <a:prstDash val="solid"/>
-                      <a:round/>
-                      <a:headEnd type="none" w="med" len="med"/>
-                      <a:tailEnd type="none" w="med" len="med"/>
-                    </a:lnL>
-                    <a:lnR w="12700" cap="flat" cmpd="sng" algn="ctr">
-                      <a:solidFill>
-                        <a:schemeClr val="tx1"/>
-                      </a:solidFill>
-                      <a:prstDash val="solid"/>
-                      <a:round/>
-                      <a:headEnd type="none" w="med" len="med"/>
-                      <a:tailEnd type="none" w="med" len="med"/>
-                    </a:lnR>
-                    <a:lnT w="12700" cap="flat" cmpd="sng" algn="ctr">
-                      <a:solidFill>
-                        <a:schemeClr val="tx1"/>
-                      </a:solidFill>
-                      <a:prstDash val="solid"/>
-                      <a:round/>
-                      <a:headEnd type="none" w="med" len="med"/>
-                      <a:tailEnd type="none" w="med" len="med"/>
-                    </a:lnT>
-                    <a:lnB w="12700" cap="flat" cmpd="sng" algn="ctr">
-                      <a:solidFill>
-                        <a:schemeClr val="tx1"/>
-                      </a:solidFill>
-                      <a:prstDash val="solid"/>
-                      <a:round/>
-                      <a:headEnd type="none" w="med" len="med"/>
-                      <a:tailEnd type="none" w="med" len="med"/>
-                    </a:lnB>
-                    <a:solidFill>
-                      <a:srgbClr val="FFFF00"/>
-                    </a:solidFill>
-                  </a:tcPr>
-                </a:tc>
-                <a:tc>
-                  <a:txBody>
-                    <a:bodyPr/>
-                    <a:lstStyle/>
-                    <a:p>
-                      <a:pPr algn="ctr" fontAlgn="ctr"/>
-                      <a:r>
-                        <a:rPr lang="ko-KR" altLang="en-US" sz="1100" u="none" strike="noStrike" dirty="0">
-                          <a:effectLst/>
-                          <a:latin typeface="배달의민족 한나체 Pro" panose="020B0600000101010101" pitchFamily="50" charset="-127"/>
-                          <a:ea typeface="배달의민족 한나체 Pro" panose="020B0600000101010101" pitchFamily="50" charset="-127"/>
-                        </a:rPr>
-                        <a:t> </a:t>
-                      </a:r>
-                      <a:r>
-                        <a:rPr lang="ko-KR" altLang="en-US" sz="1100" u="none" strike="noStrike" dirty="0" err="1">
-                          <a:effectLst/>
-                          <a:latin typeface="배달의민족 한나체 Pro" panose="020B0600000101010101" pitchFamily="50" charset="-127"/>
-                          <a:ea typeface="배달의민족 한나체 Pro" panose="020B0600000101010101" pitchFamily="50" charset="-127"/>
-                        </a:rPr>
-                        <a:t>프리팹</a:t>
-                      </a:r>
-                      <a:r>
-                        <a:rPr lang="ko-KR" altLang="en-US" sz="1100" u="none" strike="noStrike" dirty="0">
-                          <a:effectLst/>
-                          <a:latin typeface="배달의민족 한나체 Pro" panose="020B0600000101010101" pitchFamily="50" charset="-127"/>
-                          <a:ea typeface="배달의민족 한나체 Pro" panose="020B0600000101010101" pitchFamily="50" charset="-127"/>
-                        </a:rPr>
-                        <a:t> 이름</a:t>
-                      </a:r>
-                      <a:endParaRPr lang="ko-KR" altLang="en-US" sz="1100" b="0" i="0" u="none" strike="noStrike" dirty="0">
-                        <a:solidFill>
-                          <a:srgbClr val="000000"/>
-                        </a:solidFill>
-                        <a:effectLst/>
-                        <a:latin typeface="배달의민족 한나체 Pro" panose="020B0600000101010101" pitchFamily="50" charset="-127"/>
-                        <a:ea typeface="배달의민족 한나체 Pro" panose="020B0600000101010101" pitchFamily="50" charset="-127"/>
-                      </a:endParaRPr>
-                    </a:p>
-                  </a:txBody>
-                  <a:tcPr marL="7620" marR="7620" marT="7620" marB="0" anchor="ctr">
-                    <a:lnL w="12700" cap="flat" cmpd="sng" algn="ctr">
-                      <a:solidFill>
-                        <a:schemeClr val="tx1"/>
-                      </a:solidFill>
-                      <a:prstDash val="solid"/>
-                      <a:round/>
-                      <a:headEnd type="none" w="med" len="med"/>
-                      <a:tailEnd type="none" w="med" len="med"/>
-                    </a:lnL>
-                    <a:lnR w="12700" cap="flat" cmpd="sng" algn="ctr">
-                      <a:solidFill>
-                        <a:schemeClr val="tx1"/>
-                      </a:solidFill>
-                      <a:prstDash val="solid"/>
-                      <a:round/>
-                      <a:headEnd type="none" w="med" len="med"/>
-                      <a:tailEnd type="none" w="med" len="med"/>
-                    </a:lnR>
-                    <a:lnT w="12700" cap="flat" cmpd="sng" algn="ctr">
-                      <a:solidFill>
-                        <a:schemeClr val="tx1"/>
-                      </a:solidFill>
-                      <a:prstDash val="solid"/>
-                      <a:round/>
-                      <a:headEnd type="none" w="med" len="med"/>
-                      <a:tailEnd type="none" w="med" len="med"/>
-                    </a:lnT>
-                    <a:lnB w="12700" cap="flat" cmpd="sng" algn="ctr">
-                      <a:solidFill>
-                        <a:schemeClr val="tx1"/>
-                      </a:solidFill>
-                      <a:prstDash val="solid"/>
-                      <a:round/>
-                      <a:headEnd type="none" w="med" len="med"/>
-                      <a:tailEnd type="none" w="med" len="med"/>
-                    </a:lnB>
-                    <a:solidFill>
-                      <a:srgbClr val="FFFF00"/>
-                    </a:solidFill>
-                  </a:tcPr>
-                </a:tc>
-                <a:extLst>
-                  <a:ext uri="{0D108BD9-81ED-4DB2-BD59-A6C34878D82A}">
-                    <a16:rowId xmlns:a16="http://schemas.microsoft.com/office/drawing/2014/main" val="528428707"/>
-                  </a:ext>
-                </a:extLst>
-              </a:tr>
-              <a:tr h="220980">
-                <a:tc>
-                  <a:txBody>
-                    <a:bodyPr/>
-                    <a:lstStyle/>
-                    <a:p>
-                      <a:pPr algn="ctr" fontAlgn="ctr"/>
-                      <a:r>
-                        <a:rPr lang="ko-KR" altLang="en-US" sz="1100" b="0" i="0" u="none" strike="noStrike" dirty="0">
-                          <a:solidFill>
-                            <a:srgbClr val="000000"/>
-                          </a:solidFill>
-                          <a:effectLst/>
-                          <a:latin typeface="배달의민족 한나체 Pro" panose="020B0600000101010101" pitchFamily="50" charset="-127"/>
-                          <a:ea typeface="배달의민족 한나체 Pro" panose="020B0600000101010101" pitchFamily="50" charset="-127"/>
-                        </a:rPr>
-                        <a:t>데이터타입</a:t>
-                      </a:r>
-                      <a:endParaRPr lang="en-US" sz="1100" b="0" i="0" u="none" strike="noStrike" dirty="0">
-                        <a:solidFill>
-                          <a:srgbClr val="000000"/>
-                        </a:solidFill>
-                        <a:effectLst/>
-                        <a:latin typeface="배달의민족 한나체 Pro" panose="020B0600000101010101" pitchFamily="50" charset="-127"/>
-                        <a:ea typeface="배달의민족 한나체 Pro" panose="020B0600000101010101" pitchFamily="50" charset="-127"/>
-                      </a:endParaRPr>
-                    </a:p>
-                  </a:txBody>
-                  <a:tcPr marL="7620" marR="7620" marT="7620" marB="0" anchor="ctr">
-                    <a:lnL w="12700" cap="flat" cmpd="sng" algn="ctr">
-                      <a:solidFill>
-                        <a:schemeClr val="tx1"/>
-                      </a:solidFill>
-                      <a:prstDash val="solid"/>
-                      <a:round/>
-                      <a:headEnd type="none" w="med" len="med"/>
-                      <a:tailEnd type="none" w="med" len="med"/>
-                    </a:lnL>
-                    <a:lnR w="12700" cap="flat" cmpd="sng" algn="ctr">
-                      <a:solidFill>
-                        <a:schemeClr val="tx1"/>
-                      </a:solidFill>
-                      <a:prstDash val="solid"/>
-                      <a:round/>
-                      <a:headEnd type="none" w="med" len="med"/>
-                      <a:tailEnd type="none" w="med" len="med"/>
-                    </a:lnR>
-                    <a:lnT w="12700" cap="flat" cmpd="sng" algn="ctr">
-                      <a:solidFill>
-                        <a:schemeClr val="tx1"/>
-                      </a:solidFill>
-                      <a:prstDash val="solid"/>
-                      <a:round/>
-                      <a:headEnd type="none" w="med" len="med"/>
-                      <a:tailEnd type="none" w="med" len="med"/>
-                    </a:lnT>
-                    <a:lnB w="12700" cap="flat" cmpd="sng" algn="ctr">
-                      <a:solidFill>
-                        <a:schemeClr val="tx1"/>
-                      </a:solidFill>
-                      <a:prstDash val="solid"/>
-                      <a:round/>
-                      <a:headEnd type="none" w="med" len="med"/>
-                      <a:tailEnd type="none" w="med" len="med"/>
-                    </a:lnB>
-                  </a:tcPr>
-                </a:tc>
-                <a:tc>
-                  <a:txBody>
-                    <a:bodyPr/>
-                    <a:lstStyle/>
-                    <a:p>
-                      <a:pPr algn="l" fontAlgn="ctr"/>
-                      <a:r>
-                        <a:rPr lang="en-US" sz="1100" u="none" strike="noStrike" dirty="0">
-                          <a:effectLst/>
-                          <a:latin typeface="배달의민족 한나체 Air" panose="020B0600000101010101" pitchFamily="50" charset="-127"/>
-                          <a:ea typeface="배달의민족 한나체 Air" panose="020B0600000101010101" pitchFamily="50" charset="-127"/>
-                        </a:rPr>
-                        <a:t>Int</a:t>
-                      </a:r>
-                      <a:endParaRPr lang="en-US" sz="1100" b="0" i="0" u="none" strike="noStrike" dirty="0">
-                        <a:solidFill>
-                          <a:srgbClr val="000000"/>
-                        </a:solidFill>
-                        <a:effectLst/>
-                        <a:latin typeface="배달의민족 한나체 Air" panose="020B0600000101010101" pitchFamily="50" charset="-127"/>
-                        <a:ea typeface="배달의민족 한나체 Air" panose="020B0600000101010101" pitchFamily="50" charset="-127"/>
-                      </a:endParaRPr>
-                    </a:p>
-                  </a:txBody>
-                  <a:tcPr marL="36000" marR="7620" marT="7620" marB="0" anchor="ctr">
-                    <a:lnL w="12700" cap="flat" cmpd="sng" algn="ctr">
-                      <a:solidFill>
-                        <a:schemeClr val="tx1"/>
-                      </a:solidFill>
-                      <a:prstDash val="solid"/>
-                      <a:round/>
-                      <a:headEnd type="none" w="med" len="med"/>
-                      <a:tailEnd type="none" w="med" len="med"/>
-                    </a:lnL>
-                    <a:lnR w="12700" cap="flat" cmpd="sng" algn="ctr">
-                      <a:solidFill>
-                        <a:schemeClr val="tx1"/>
-                      </a:solidFill>
-                      <a:prstDash val="solid"/>
-                      <a:round/>
-                      <a:headEnd type="none" w="med" len="med"/>
-                      <a:tailEnd type="none" w="med" len="med"/>
-                    </a:lnR>
-                    <a:lnT w="12700" cap="flat" cmpd="sng" algn="ctr">
-                      <a:solidFill>
-                        <a:schemeClr val="tx1"/>
-                      </a:solidFill>
-                      <a:prstDash val="solid"/>
-                      <a:round/>
-                      <a:headEnd type="none" w="med" len="med"/>
-                      <a:tailEnd type="none" w="med" len="med"/>
-                    </a:lnT>
-                    <a:lnB w="12700" cap="flat" cmpd="sng" algn="ctr">
-                      <a:solidFill>
-                        <a:schemeClr val="tx1"/>
-                      </a:solidFill>
-                      <a:prstDash val="solid"/>
-                      <a:round/>
-                      <a:headEnd type="none" w="med" len="med"/>
-                      <a:tailEnd type="none" w="med" len="med"/>
-                    </a:lnB>
-                  </a:tcPr>
-                </a:tc>
-                <a:tc>
-                  <a:txBody>
-                    <a:bodyPr/>
-                    <a:lstStyle/>
-                    <a:p>
-                      <a:pPr algn="l" fontAlgn="ctr"/>
-                      <a:r>
-                        <a:rPr lang="en-US" sz="1100" u="none" strike="noStrike" dirty="0">
-                          <a:effectLst/>
-                          <a:latin typeface="배달의민족 한나체 Air" panose="020B0600000101010101" pitchFamily="50" charset="-127"/>
-                          <a:ea typeface="배달의민족 한나체 Air" panose="020B0600000101010101" pitchFamily="50" charset="-127"/>
-                        </a:rPr>
-                        <a:t>String</a:t>
-                      </a:r>
-                      <a:endParaRPr lang="en-US" sz="1100" b="0" i="0" u="none" strike="noStrike" dirty="0">
-                        <a:solidFill>
-                          <a:srgbClr val="000000"/>
-                        </a:solidFill>
-                        <a:effectLst/>
-                        <a:latin typeface="배달의민족 한나체 Air" panose="020B0600000101010101" pitchFamily="50" charset="-127"/>
-                        <a:ea typeface="배달의민족 한나체 Air" panose="020B0600000101010101" pitchFamily="50" charset="-127"/>
-                      </a:endParaRPr>
-                    </a:p>
-                  </a:txBody>
-                  <a:tcPr marL="36000" marR="7620" marT="7620" marB="0" anchor="ctr">
-                    <a:lnL w="12700" cap="flat" cmpd="sng" algn="ctr">
-                      <a:solidFill>
-                        <a:schemeClr val="tx1"/>
-                      </a:solidFill>
-                      <a:prstDash val="solid"/>
-                      <a:round/>
-                      <a:headEnd type="none" w="med" len="med"/>
-                      <a:tailEnd type="none" w="med" len="med"/>
-                    </a:lnL>
-                    <a:lnR w="12700" cap="flat" cmpd="sng" algn="ctr">
-                      <a:solidFill>
-                        <a:schemeClr val="tx1"/>
-                      </a:solidFill>
-                      <a:prstDash val="solid"/>
-                      <a:round/>
-                      <a:headEnd type="none" w="med" len="med"/>
-                      <a:tailEnd type="none" w="med" len="med"/>
-                    </a:lnR>
-                    <a:lnT w="12700" cap="flat" cmpd="sng" algn="ctr">
-                      <a:solidFill>
-                        <a:schemeClr val="tx1"/>
-                      </a:solidFill>
-                      <a:prstDash val="solid"/>
-                      <a:round/>
-                      <a:headEnd type="none" w="med" len="med"/>
-                      <a:tailEnd type="none" w="med" len="med"/>
-                    </a:lnT>
-                    <a:lnB w="12700" cap="flat" cmpd="sng" algn="ctr">
-                      <a:solidFill>
-                        <a:schemeClr val="tx1"/>
-                      </a:solidFill>
-                      <a:prstDash val="solid"/>
-                      <a:round/>
-                      <a:headEnd type="none" w="med" len="med"/>
-                      <a:tailEnd type="none" w="med" len="med"/>
-                    </a:lnB>
-                  </a:tcPr>
-                </a:tc>
-                <a:extLst>
-                  <a:ext uri="{0D108BD9-81ED-4DB2-BD59-A6C34878D82A}">
-                    <a16:rowId xmlns:a16="http://schemas.microsoft.com/office/drawing/2014/main" val="2244374391"/>
-                  </a:ext>
-                </a:extLst>
-              </a:tr>
-              <a:tr h="883920">
-                <a:tc>
-                  <a:txBody>
-                    <a:bodyPr/>
-                    <a:lstStyle/>
-                    <a:p>
-                      <a:pPr algn="ctr" fontAlgn="ctr"/>
-                      <a:r>
-                        <a:rPr lang="ko-KR" altLang="en-US" sz="1100" b="0" i="0" u="none" strike="noStrike" dirty="0">
-                          <a:solidFill>
-                            <a:srgbClr val="000000"/>
-                          </a:solidFill>
-                          <a:effectLst/>
-                          <a:latin typeface="배달의민족 한나체 Pro" panose="020B0600000101010101" pitchFamily="50" charset="-127"/>
-                          <a:ea typeface="배달의민족 한나체 Pro" panose="020B0600000101010101" pitchFamily="50" charset="-127"/>
-                        </a:rPr>
-                        <a:t>설명</a:t>
-                      </a:r>
-                      <a:endParaRPr lang="en-US" sz="1100" b="0" i="0" u="none" strike="noStrike" dirty="0">
-                        <a:solidFill>
-                          <a:srgbClr val="000000"/>
-                        </a:solidFill>
-                        <a:effectLst/>
-                        <a:latin typeface="배달의민족 한나체 Pro" panose="020B0600000101010101" pitchFamily="50" charset="-127"/>
-                        <a:ea typeface="배달의민족 한나체 Pro" panose="020B0600000101010101" pitchFamily="50" charset="-127"/>
-                      </a:endParaRPr>
-                    </a:p>
-                  </a:txBody>
-                  <a:tcPr marL="7620" marR="7620" marT="7620" marB="0" anchor="ctr">
-                    <a:lnL w="12700" cap="flat" cmpd="sng" algn="ctr">
-                      <a:solidFill>
-                        <a:schemeClr val="tx1"/>
-                      </a:solidFill>
-                      <a:prstDash val="solid"/>
-                      <a:round/>
-                      <a:headEnd type="none" w="med" len="med"/>
-                      <a:tailEnd type="none" w="med" len="med"/>
-                    </a:lnL>
-                    <a:lnR w="12700" cap="flat" cmpd="sng" algn="ctr">
-                      <a:solidFill>
-                        <a:schemeClr val="tx1"/>
-                      </a:solidFill>
-                      <a:prstDash val="solid"/>
-                      <a:round/>
-                      <a:headEnd type="none" w="med" len="med"/>
-                      <a:tailEnd type="none" w="med" len="med"/>
-                    </a:lnR>
-                    <a:lnT w="12700" cap="flat" cmpd="sng" algn="ctr">
-                      <a:solidFill>
-                        <a:schemeClr val="tx1"/>
-                      </a:solidFill>
-                      <a:prstDash val="solid"/>
-                      <a:round/>
-                      <a:headEnd type="none" w="med" len="med"/>
-                      <a:tailEnd type="none" w="med" len="med"/>
-                    </a:lnT>
-                    <a:lnB w="12700" cap="flat" cmpd="sng" algn="ctr">
-                      <a:solidFill>
-                        <a:schemeClr val="tx1"/>
-                      </a:solidFill>
-                      <a:prstDash val="solid"/>
-                      <a:round/>
-                      <a:headEnd type="none" w="med" len="med"/>
-                      <a:tailEnd type="none" w="med" len="med"/>
-                    </a:lnB>
-                  </a:tcPr>
-                </a:tc>
-                <a:tc>
-                  <a:txBody>
-                    <a:bodyPr/>
-                    <a:lstStyle/>
-                    <a:p>
-                      <a:pPr algn="l" fontAlgn="ctr"/>
-                      <a:r>
-                        <a:rPr lang="ko-KR" altLang="en-US" sz="1100" u="none" strike="noStrike" dirty="0">
-                          <a:effectLst/>
-                          <a:latin typeface="배달의민족 한나체 Air" panose="020B0600000101010101" pitchFamily="50" charset="-127"/>
-                          <a:ea typeface="배달의민족 한나체 Air" panose="020B0600000101010101" pitchFamily="50" charset="-127"/>
-                        </a:rPr>
-                        <a:t>사용될 </a:t>
-                      </a:r>
-                      <a:r>
-                        <a:rPr lang="ko-KR" altLang="en-US" sz="1100" u="none" strike="noStrike" dirty="0" err="1">
-                          <a:effectLst/>
-                          <a:latin typeface="배달의민족 한나체 Air" panose="020B0600000101010101" pitchFamily="50" charset="-127"/>
-                          <a:ea typeface="배달의민족 한나체 Air" panose="020B0600000101010101" pitchFamily="50" charset="-127"/>
-                        </a:rPr>
-                        <a:t>프리팹의</a:t>
-                      </a:r>
-                      <a:r>
-                        <a:rPr lang="ko-KR" altLang="en-US" sz="1100" u="none" strike="noStrike" dirty="0">
-                          <a:effectLst/>
-                          <a:latin typeface="배달의민족 한나체 Air" panose="020B0600000101010101" pitchFamily="50" charset="-127"/>
-                          <a:ea typeface="배달의민족 한나체 Air" panose="020B0600000101010101" pitchFamily="50" charset="-127"/>
-                        </a:rPr>
-                        <a:t> </a:t>
-                      </a:r>
-                      <a:r>
-                        <a:rPr lang="en-US" sz="1100" u="none" strike="noStrike" dirty="0">
-                          <a:effectLst/>
-                          <a:latin typeface="배달의민족 한나체 Air" panose="020B0600000101010101" pitchFamily="50" charset="-127"/>
-                          <a:ea typeface="배달의민족 한나체 Air" panose="020B0600000101010101" pitchFamily="50" charset="-127"/>
-                        </a:rPr>
-                        <a:t>ID</a:t>
-                      </a:r>
-                    </a:p>
-                    <a:p>
-                      <a:pPr algn="l" fontAlgn="ctr"/>
-                      <a:r>
-                        <a:rPr lang="ko-KR" altLang="en-US" sz="1100" b="0" i="0" u="none" strike="noStrike" dirty="0">
-                          <a:solidFill>
-                            <a:srgbClr val="000000"/>
-                          </a:solidFill>
-                          <a:effectLst/>
-                          <a:latin typeface="배달의민족 한나체 Air" panose="020B0600000101010101" pitchFamily="50" charset="-127"/>
-                          <a:ea typeface="배달의민족 한나체 Air" panose="020B0600000101010101" pitchFamily="50" charset="-127"/>
-                        </a:rPr>
-                        <a:t>표기</a:t>
-                      </a:r>
-                      <a:endParaRPr lang="en-US" altLang="ko-KR" sz="1100" b="0" i="0" u="none" strike="noStrike" dirty="0">
-                        <a:solidFill>
-                          <a:srgbClr val="000000"/>
-                        </a:solidFill>
-                        <a:effectLst/>
-                        <a:latin typeface="배달의민족 한나체 Air" panose="020B0600000101010101" pitchFamily="50" charset="-127"/>
-                        <a:ea typeface="배달의민족 한나체 Air" panose="020B0600000101010101" pitchFamily="50" charset="-127"/>
-                      </a:endParaRPr>
-                    </a:p>
-                    <a:p>
-                      <a:pPr algn="l" fontAlgn="ctr"/>
-                      <a:endParaRPr lang="en-US" altLang="ko-KR" sz="1100" b="0" i="0" u="none" strike="noStrike" dirty="0">
-                        <a:solidFill>
-                          <a:srgbClr val="000000"/>
-                        </a:solidFill>
-                        <a:effectLst/>
-                        <a:latin typeface="배달의민족 한나체 Air" panose="020B0600000101010101" pitchFamily="50" charset="-127"/>
-                        <a:ea typeface="배달의민족 한나체 Air" panose="020B0600000101010101" pitchFamily="50" charset="-127"/>
-                      </a:endParaRPr>
-                    </a:p>
-                    <a:p>
-                      <a:pPr algn="l" fontAlgn="ctr"/>
-                      <a:r>
-                        <a:rPr lang="ko-KR" altLang="en-US" sz="1100" b="0" i="0" u="none" strike="noStrike" dirty="0">
-                          <a:solidFill>
-                            <a:srgbClr val="000000"/>
-                          </a:solidFill>
-                          <a:effectLst/>
-                          <a:latin typeface="배달의민족 한나체 Air" panose="020B0600000101010101" pitchFamily="50" charset="-127"/>
-                          <a:ea typeface="배달의민족 한나체 Air" panose="020B0600000101010101" pitchFamily="50" charset="-127"/>
-                        </a:rPr>
-                        <a:t>예시</a:t>
-                      </a:r>
-                      <a:r>
-                        <a:rPr lang="en-US" altLang="ko-KR" sz="1100" b="0" i="0" u="none" strike="noStrike" dirty="0">
-                          <a:solidFill>
-                            <a:srgbClr val="000000"/>
-                          </a:solidFill>
-                          <a:effectLst/>
-                          <a:latin typeface="배달의민족 한나체 Air" panose="020B0600000101010101" pitchFamily="50" charset="-127"/>
-                          <a:ea typeface="배달의민족 한나체 Air" panose="020B0600000101010101" pitchFamily="50" charset="-127"/>
-                        </a:rPr>
-                        <a:t>)</a:t>
-                      </a:r>
-                    </a:p>
-                    <a:p>
-                      <a:pPr algn="l" fontAlgn="ctr"/>
-                      <a:r>
-                        <a:rPr lang="en-US" sz="1100" b="0" i="0" u="none" strike="noStrike" dirty="0">
-                          <a:solidFill>
-                            <a:srgbClr val="000000"/>
-                          </a:solidFill>
-                          <a:effectLst/>
-                          <a:latin typeface="배달의민족 한나체 Air" panose="020B0600000101010101" pitchFamily="50" charset="-127"/>
-                          <a:ea typeface="배달의민족 한나체 Air" panose="020B0600000101010101" pitchFamily="50" charset="-127"/>
-                        </a:rPr>
-                        <a:t>3xxx</a:t>
-                      </a:r>
-                    </a:p>
-                  </a:txBody>
-                  <a:tcPr marL="36000" marR="7620" marT="7620" marB="0" anchor="ctr">
-                    <a:lnL w="12700" cap="flat" cmpd="sng" algn="ctr">
-                      <a:solidFill>
-                        <a:schemeClr val="tx1"/>
-                      </a:solidFill>
-                      <a:prstDash val="solid"/>
-                      <a:round/>
-                      <a:headEnd type="none" w="med" len="med"/>
-                      <a:tailEnd type="none" w="med" len="med"/>
-                    </a:lnL>
-                    <a:lnR w="12700" cap="flat" cmpd="sng" algn="ctr">
-                      <a:solidFill>
-                        <a:schemeClr val="tx1"/>
-                      </a:solidFill>
-                      <a:prstDash val="solid"/>
-                      <a:round/>
-                      <a:headEnd type="none" w="med" len="med"/>
-                      <a:tailEnd type="none" w="med" len="med"/>
-                    </a:lnR>
-                    <a:lnT w="12700" cap="flat" cmpd="sng" algn="ctr">
-                      <a:solidFill>
-                        <a:schemeClr val="tx1"/>
-                      </a:solidFill>
-                      <a:prstDash val="solid"/>
-                      <a:round/>
-                      <a:headEnd type="none" w="med" len="med"/>
-                      <a:tailEnd type="none" w="med" len="med"/>
-                    </a:lnT>
-                    <a:lnB w="12700" cap="flat" cmpd="sng" algn="ctr">
-                      <a:solidFill>
-                        <a:schemeClr val="tx1"/>
-                      </a:solidFill>
-                      <a:prstDash val="solid"/>
-                      <a:round/>
-                      <a:headEnd type="none" w="med" len="med"/>
-                      <a:tailEnd type="none" w="med" len="med"/>
-                    </a:lnB>
-                  </a:tcPr>
-                </a:tc>
-                <a:tc>
-                  <a:txBody>
-                    <a:bodyPr/>
-                    <a:lstStyle/>
-                    <a:p>
-                      <a:pPr algn="l" fontAlgn="ctr"/>
-                      <a:r>
-                        <a:rPr lang="ko-KR" altLang="en-US" sz="1100" b="0" i="0" u="none" strike="noStrike" dirty="0">
-                          <a:solidFill>
-                            <a:srgbClr val="000000"/>
-                          </a:solidFill>
-                          <a:effectLst/>
-                          <a:latin typeface="배달의민족 한나체 Air" panose="020B0600000101010101" pitchFamily="50" charset="-127"/>
-                          <a:ea typeface="배달의민족 한나체 Air" panose="020B0600000101010101" pitchFamily="50" charset="-127"/>
-                        </a:rPr>
-                        <a:t>이벤트에 필요한 </a:t>
-                      </a:r>
-                      <a:r>
-                        <a:rPr lang="ko-KR" altLang="en-US" sz="1100" b="0" i="0" u="none" strike="noStrike" dirty="0" err="1">
-                          <a:solidFill>
-                            <a:srgbClr val="000000"/>
-                          </a:solidFill>
-                          <a:effectLst/>
-                          <a:latin typeface="배달의민족 한나체 Air" panose="020B0600000101010101" pitchFamily="50" charset="-127"/>
-                          <a:ea typeface="배달의민족 한나체 Air" panose="020B0600000101010101" pitchFamily="50" charset="-127"/>
-                        </a:rPr>
-                        <a:t>프리팹의</a:t>
-                      </a:r>
-                      <a:endParaRPr lang="en-US" altLang="ko-KR" sz="1100" b="0" i="0" u="none" strike="noStrike" dirty="0">
-                        <a:solidFill>
-                          <a:srgbClr val="000000"/>
-                        </a:solidFill>
-                        <a:effectLst/>
-                        <a:latin typeface="배달의민족 한나체 Air" panose="020B0600000101010101" pitchFamily="50" charset="-127"/>
-                        <a:ea typeface="배달의민족 한나체 Air" panose="020B0600000101010101" pitchFamily="50" charset="-127"/>
-                      </a:endParaRPr>
-                    </a:p>
-                    <a:p>
-                      <a:pPr algn="l" fontAlgn="ctr"/>
-                      <a:r>
-                        <a:rPr lang="ko-KR" altLang="en-US" sz="1100" b="0" i="0" u="none" strike="noStrike" dirty="0">
-                          <a:solidFill>
-                            <a:srgbClr val="000000"/>
-                          </a:solidFill>
-                          <a:effectLst/>
-                          <a:latin typeface="배달의민족 한나체 Air" panose="020B0600000101010101" pitchFamily="50" charset="-127"/>
-                          <a:ea typeface="배달의민족 한나체 Air" panose="020B0600000101010101" pitchFamily="50" charset="-127"/>
-                        </a:rPr>
-                        <a:t>이름을 표기한다</a:t>
-                      </a:r>
-                      <a:r>
-                        <a:rPr lang="en-US" altLang="ko-KR" sz="1100" b="0" i="0" u="none" strike="noStrike" dirty="0">
-                          <a:solidFill>
-                            <a:srgbClr val="000000"/>
-                          </a:solidFill>
-                          <a:effectLst/>
-                          <a:latin typeface="배달의민족 한나체 Air" panose="020B0600000101010101" pitchFamily="50" charset="-127"/>
-                          <a:ea typeface="배달의민족 한나체 Air" panose="020B0600000101010101" pitchFamily="50" charset="-127"/>
-                        </a:rPr>
-                        <a:t>.</a:t>
-                      </a:r>
-                      <a:endParaRPr lang="ko-KR" altLang="en-US" sz="1100" b="0" i="0" u="none" strike="noStrike" dirty="0">
-                        <a:solidFill>
-                          <a:srgbClr val="000000"/>
-                        </a:solidFill>
-                        <a:effectLst/>
-                        <a:latin typeface="배달의민족 한나체 Air" panose="020B0600000101010101" pitchFamily="50" charset="-127"/>
-                        <a:ea typeface="배달의민족 한나체 Air" panose="020B0600000101010101" pitchFamily="50" charset="-127"/>
-                      </a:endParaRPr>
-                    </a:p>
-                  </a:txBody>
-                  <a:tcPr marL="36000" marR="7620" marT="7620" marB="0" anchor="ctr">
-                    <a:lnL w="12700" cap="flat" cmpd="sng" algn="ctr">
-                      <a:solidFill>
-                        <a:schemeClr val="tx1"/>
-                      </a:solidFill>
-                      <a:prstDash val="solid"/>
-                      <a:round/>
-                      <a:headEnd type="none" w="med" len="med"/>
-                      <a:tailEnd type="none" w="med" len="med"/>
-                    </a:lnL>
-                    <a:lnR w="12700" cap="flat" cmpd="sng" algn="ctr">
-                      <a:solidFill>
-                        <a:schemeClr val="tx1"/>
-                      </a:solidFill>
-                      <a:prstDash val="solid"/>
-                      <a:round/>
-                      <a:headEnd type="none" w="med" len="med"/>
-                      <a:tailEnd type="none" w="med" len="med"/>
-                    </a:lnR>
-                    <a:lnT w="12700" cap="flat" cmpd="sng" algn="ctr">
-                      <a:solidFill>
-                        <a:schemeClr val="tx1"/>
-                      </a:solidFill>
-                      <a:prstDash val="solid"/>
-                      <a:round/>
-                      <a:headEnd type="none" w="med" len="med"/>
-                      <a:tailEnd type="none" w="med" len="med"/>
-                    </a:lnT>
-                    <a:lnB w="12700" cap="flat" cmpd="sng" algn="ctr">
-                      <a:solidFill>
-                        <a:schemeClr val="tx1"/>
-                      </a:solidFill>
-                      <a:prstDash val="solid"/>
-                      <a:round/>
-                      <a:headEnd type="none" w="med" len="med"/>
-                      <a:tailEnd type="none" w="med" len="med"/>
-                    </a:lnB>
-                  </a:tcPr>
-                </a:tc>
-                <a:extLst>
-                  <a:ext uri="{0D108BD9-81ED-4DB2-BD59-A6C34878D82A}">
-                    <a16:rowId xmlns:a16="http://schemas.microsoft.com/office/drawing/2014/main" val="311596677"/>
-                  </a:ext>
-                </a:extLst>
-              </a:tr>
-              <a:tr h="220980">
-                <a:tc>
-                  <a:txBody>
-                    <a:bodyPr/>
-                    <a:lstStyle/>
-                    <a:p>
-                      <a:pPr algn="ctr" fontAlgn="ctr"/>
-                      <a:r>
-                        <a:rPr lang="ko-KR" altLang="en-US" sz="1100" b="0" i="0" u="none" strike="noStrike" dirty="0" err="1">
-                          <a:solidFill>
-                            <a:srgbClr val="000000"/>
-                          </a:solidFill>
-                          <a:effectLst/>
-                          <a:latin typeface="배달의민족 한나체 Pro" panose="020B0600000101010101" pitchFamily="50" charset="-127"/>
-                          <a:ea typeface="배달의민족 한나체 Pro" panose="020B0600000101010101" pitchFamily="50" charset="-127"/>
-                        </a:rPr>
-                        <a:t>변수명</a:t>
-                      </a:r>
-                      <a:endParaRPr lang="en-US" sz="1100" b="0" i="0" u="none" strike="noStrike" dirty="0">
-                        <a:solidFill>
-                          <a:srgbClr val="000000"/>
-                        </a:solidFill>
-                        <a:effectLst/>
-                        <a:latin typeface="배달의민족 한나체 Pro" panose="020B0600000101010101" pitchFamily="50" charset="-127"/>
-                        <a:ea typeface="배달의민족 한나체 Pro" panose="020B0600000101010101" pitchFamily="50" charset="-127"/>
-                      </a:endParaRPr>
-                    </a:p>
-                  </a:txBody>
-                  <a:tcPr marL="7620" marR="7620" marT="7620" marB="0" anchor="ctr">
-                    <a:lnL w="12700" cap="flat" cmpd="sng" algn="ctr">
-                      <a:solidFill>
-                        <a:schemeClr val="tx1"/>
-                      </a:solidFill>
-                      <a:prstDash val="solid"/>
-                      <a:round/>
-                      <a:headEnd type="none" w="med" len="med"/>
-                      <a:tailEnd type="none" w="med" len="med"/>
-                    </a:lnL>
-                    <a:lnR w="12700" cap="flat" cmpd="sng" algn="ctr">
-                      <a:solidFill>
-                        <a:schemeClr val="tx1"/>
-                      </a:solidFill>
-                      <a:prstDash val="solid"/>
-                      <a:round/>
-                      <a:headEnd type="none" w="med" len="med"/>
-                      <a:tailEnd type="none" w="med" len="med"/>
-                    </a:lnR>
-                    <a:lnT w="12700" cap="flat" cmpd="sng" algn="ctr">
-                      <a:solidFill>
-                        <a:schemeClr val="tx1"/>
-                      </a:solidFill>
-                      <a:prstDash val="solid"/>
-                      <a:round/>
-                      <a:headEnd type="none" w="med" len="med"/>
-                      <a:tailEnd type="none" w="med" len="med"/>
-                    </a:lnT>
-                    <a:lnB w="12700" cap="flat" cmpd="sng" algn="ctr">
-                      <a:solidFill>
-                        <a:schemeClr val="tx1"/>
-                      </a:solidFill>
-                      <a:prstDash val="solid"/>
-                      <a:round/>
-                      <a:headEnd type="none" w="med" len="med"/>
-                      <a:tailEnd type="none" w="med" len="med"/>
-                    </a:lnB>
-                  </a:tcPr>
-                </a:tc>
-                <a:tc>
-                  <a:txBody>
-                    <a:bodyPr/>
-                    <a:lstStyle/>
-                    <a:p>
-                      <a:pPr algn="l" fontAlgn="ctr"/>
-                      <a:r>
-                        <a:rPr lang="en-US" altLang="ko-KR" sz="1100" b="0" i="0" u="none" strike="noStrike" dirty="0" err="1">
-                          <a:solidFill>
-                            <a:srgbClr val="000000"/>
-                          </a:solidFill>
-                          <a:effectLst/>
-                          <a:latin typeface="배달의민족 한나체 Air" panose="020B0600000101010101" pitchFamily="50" charset="-127"/>
-                          <a:ea typeface="배달의민족 한나체 Air" panose="020B0600000101010101" pitchFamily="50" charset="-127"/>
-                        </a:rPr>
-                        <a:t>PrefabID</a:t>
-                      </a:r>
-                      <a:endParaRPr lang="en-US" sz="1100" b="0" i="0" u="none" strike="noStrike" dirty="0">
-                        <a:solidFill>
-                          <a:srgbClr val="000000"/>
-                        </a:solidFill>
-                        <a:effectLst/>
-                        <a:latin typeface="배달의민족 한나체 Air" panose="020B0600000101010101" pitchFamily="50" charset="-127"/>
-                        <a:ea typeface="배달의민족 한나체 Air" panose="020B0600000101010101" pitchFamily="50" charset="-127"/>
-                      </a:endParaRPr>
-                    </a:p>
-                  </a:txBody>
-                  <a:tcPr marL="36000" marR="7620" marT="7620" marB="0" anchor="ctr">
-                    <a:lnL w="12700" cap="flat" cmpd="sng" algn="ctr">
-                      <a:solidFill>
-                        <a:schemeClr val="tx1"/>
-                      </a:solidFill>
-                      <a:prstDash val="solid"/>
-                      <a:round/>
-                      <a:headEnd type="none" w="med" len="med"/>
-                      <a:tailEnd type="none" w="med" len="med"/>
-                    </a:lnL>
-                    <a:lnR w="12700" cap="flat" cmpd="sng" algn="ctr">
-                      <a:solidFill>
-                        <a:schemeClr val="tx1"/>
-                      </a:solidFill>
-                      <a:prstDash val="solid"/>
-                      <a:round/>
-                      <a:headEnd type="none" w="med" len="med"/>
-                      <a:tailEnd type="none" w="med" len="med"/>
-                    </a:lnR>
-                    <a:lnT w="12700" cap="flat" cmpd="sng" algn="ctr">
-                      <a:solidFill>
-                        <a:schemeClr val="tx1"/>
-                      </a:solidFill>
-                      <a:prstDash val="solid"/>
-                      <a:round/>
-                      <a:headEnd type="none" w="med" len="med"/>
-                      <a:tailEnd type="none" w="med" len="med"/>
-                    </a:lnT>
-                    <a:lnB w="12700" cap="flat" cmpd="sng" algn="ctr">
-                      <a:solidFill>
-                        <a:schemeClr val="tx1"/>
-                      </a:solidFill>
-                      <a:prstDash val="solid"/>
-                      <a:round/>
-                      <a:headEnd type="none" w="med" len="med"/>
-                      <a:tailEnd type="none" w="med" len="med"/>
-                    </a:lnB>
-                  </a:tcPr>
-                </a:tc>
-                <a:tc>
-                  <a:txBody>
-                    <a:bodyPr/>
-                    <a:lstStyle/>
-                    <a:p>
-                      <a:pPr algn="l" fontAlgn="ctr"/>
-                      <a:r>
-                        <a:rPr lang="en-US" sz="1100" u="none" strike="noStrike" dirty="0">
-                          <a:effectLst/>
-                          <a:latin typeface="배달의민족 한나체 Air" panose="020B0600000101010101" pitchFamily="50" charset="-127"/>
-                          <a:ea typeface="배달의민족 한나체 Air" panose="020B0600000101010101" pitchFamily="50" charset="-127"/>
-                        </a:rPr>
-                        <a:t>Name</a:t>
                       </a:r>
                       <a:endParaRPr lang="en-US" sz="1100" b="0" i="0" u="none" strike="noStrike" dirty="0">
                         <a:solidFill>

--- a/document/데이터테이블 문서.pptx
+++ b/document/데이터테이블 문서.pptx
@@ -265,7 +265,7 @@
           <a:p>
             <a:fld id="{682C012E-4EBA-4799-9B2E-722E3D1B6301}" type="datetimeFigureOut">
               <a:rPr lang="ko-KR" altLang="en-US" smtClean="0"/>
-              <a:t>2025-02-11</a:t>
+              <a:t>2025-02-12</a:t>
             </a:fld>
             <a:endParaRPr lang="ko-KR" altLang="en-US"/>
           </a:p>
@@ -463,7 +463,7 @@
           <a:p>
             <a:fld id="{682C012E-4EBA-4799-9B2E-722E3D1B6301}" type="datetimeFigureOut">
               <a:rPr lang="ko-KR" altLang="en-US" smtClean="0"/>
-              <a:t>2025-02-11</a:t>
+              <a:t>2025-02-12</a:t>
             </a:fld>
             <a:endParaRPr lang="ko-KR" altLang="en-US"/>
           </a:p>
@@ -671,7 +671,7 @@
           <a:p>
             <a:fld id="{682C012E-4EBA-4799-9B2E-722E3D1B6301}" type="datetimeFigureOut">
               <a:rPr lang="ko-KR" altLang="en-US" smtClean="0"/>
-              <a:t>2025-02-11</a:t>
+              <a:t>2025-02-12</a:t>
             </a:fld>
             <a:endParaRPr lang="ko-KR" altLang="en-US"/>
           </a:p>
@@ -869,7 +869,7 @@
           <a:p>
             <a:fld id="{682C012E-4EBA-4799-9B2E-722E3D1B6301}" type="datetimeFigureOut">
               <a:rPr lang="ko-KR" altLang="en-US" smtClean="0"/>
-              <a:t>2025-02-11</a:t>
+              <a:t>2025-02-12</a:t>
             </a:fld>
             <a:endParaRPr lang="ko-KR" altLang="en-US"/>
           </a:p>
@@ -1144,7 +1144,7 @@
           <a:p>
             <a:fld id="{682C012E-4EBA-4799-9B2E-722E3D1B6301}" type="datetimeFigureOut">
               <a:rPr lang="ko-KR" altLang="en-US" smtClean="0"/>
-              <a:t>2025-02-11</a:t>
+              <a:t>2025-02-12</a:t>
             </a:fld>
             <a:endParaRPr lang="ko-KR" altLang="en-US"/>
           </a:p>
@@ -1409,7 +1409,7 @@
           <a:p>
             <a:fld id="{682C012E-4EBA-4799-9B2E-722E3D1B6301}" type="datetimeFigureOut">
               <a:rPr lang="ko-KR" altLang="en-US" smtClean="0"/>
-              <a:t>2025-02-11</a:t>
+              <a:t>2025-02-12</a:t>
             </a:fld>
             <a:endParaRPr lang="ko-KR" altLang="en-US"/>
           </a:p>
@@ -1821,7 +1821,7 @@
           <a:p>
             <a:fld id="{682C012E-4EBA-4799-9B2E-722E3D1B6301}" type="datetimeFigureOut">
               <a:rPr lang="ko-KR" altLang="en-US" smtClean="0"/>
-              <a:t>2025-02-11</a:t>
+              <a:t>2025-02-12</a:t>
             </a:fld>
             <a:endParaRPr lang="ko-KR" altLang="en-US"/>
           </a:p>
@@ -1962,7 +1962,7 @@
           <a:p>
             <a:fld id="{682C012E-4EBA-4799-9B2E-722E3D1B6301}" type="datetimeFigureOut">
               <a:rPr lang="ko-KR" altLang="en-US" smtClean="0"/>
-              <a:t>2025-02-11</a:t>
+              <a:t>2025-02-12</a:t>
             </a:fld>
             <a:endParaRPr lang="ko-KR" altLang="en-US"/>
           </a:p>
@@ -2075,7 +2075,7 @@
           <a:p>
             <a:fld id="{682C012E-4EBA-4799-9B2E-722E3D1B6301}" type="datetimeFigureOut">
               <a:rPr lang="ko-KR" altLang="en-US" smtClean="0"/>
-              <a:t>2025-02-11</a:t>
+              <a:t>2025-02-12</a:t>
             </a:fld>
             <a:endParaRPr lang="ko-KR" altLang="en-US"/>
           </a:p>
@@ -2386,7 +2386,7 @@
           <a:p>
             <a:fld id="{682C012E-4EBA-4799-9B2E-722E3D1B6301}" type="datetimeFigureOut">
               <a:rPr lang="ko-KR" altLang="en-US" smtClean="0"/>
-              <a:t>2025-02-11</a:t>
+              <a:t>2025-02-12</a:t>
             </a:fld>
             <a:endParaRPr lang="ko-KR" altLang="en-US"/>
           </a:p>
@@ -2674,7 +2674,7 @@
           <a:p>
             <a:fld id="{682C012E-4EBA-4799-9B2E-722E3D1B6301}" type="datetimeFigureOut">
               <a:rPr lang="ko-KR" altLang="en-US" smtClean="0"/>
-              <a:t>2025-02-11</a:t>
+              <a:t>2025-02-12</a:t>
             </a:fld>
             <a:endParaRPr lang="ko-KR" altLang="en-US"/>
           </a:p>
@@ -2915,7 +2915,7 @@
           <a:p>
             <a:fld id="{682C012E-4EBA-4799-9B2E-722E3D1B6301}" type="datetimeFigureOut">
               <a:rPr lang="ko-KR" altLang="en-US" smtClean="0"/>
-              <a:t>2025-02-11</a:t>
+              <a:t>2025-02-12</a:t>
             </a:fld>
             <a:endParaRPr lang="ko-KR" altLang="en-US"/>
           </a:p>
@@ -11299,9 +11299,9 @@
         <p:grpSpPr>
           <a:xfrm>
             <a:off x="1065875" y="1525048"/>
-            <a:ext cx="2938534" cy="1407268"/>
+            <a:ext cx="2938534" cy="1561157"/>
             <a:chOff x="1463440" y="1584683"/>
-            <a:chExt cx="2938534" cy="1407268"/>
+            <a:chExt cx="2938534" cy="1561157"/>
           </a:xfrm>
         </p:grpSpPr>
         <p:sp>
@@ -11371,7 +11371,7 @@
           <p:spPr>
             <a:xfrm>
               <a:off x="1463441" y="1868567"/>
-              <a:ext cx="1628346" cy="1123384"/>
+              <a:ext cx="1628346" cy="1277273"/>
             </a:xfrm>
             <a:prstGeom prst="rect">
               <a:avLst/>
@@ -11422,6 +11422,19 @@
                   <a:ea typeface="배달의민족 한나체 Pro" panose="020B0600000101010101" pitchFamily="50" charset="-127"/>
                 </a:rPr>
                 <a:t>PrefabID</a:t>
+              </a:r>
+              <a:endParaRPr lang="en-US" altLang="ko-KR" sz="1100" dirty="0">
+                <a:latin typeface="배달의민족 한나체 Pro" panose="020B0600000101010101" pitchFamily="50" charset="-127"/>
+                <a:ea typeface="배달의민족 한나체 Pro" panose="020B0600000101010101" pitchFamily="50" charset="-127"/>
+              </a:endParaRPr>
+            </a:p>
+            <a:p>
+              <a:r>
+                <a:rPr lang="en-US" altLang="ko-KR" sz="1100" dirty="0" err="1">
+                  <a:latin typeface="배달의민족 한나체 Pro" panose="020B0600000101010101" pitchFamily="50" charset="-127"/>
+                  <a:ea typeface="배달의민족 한나체 Pro" panose="020B0600000101010101" pitchFamily="50" charset="-127"/>
+                </a:rPr>
+                <a:t>TextList</a:t>
               </a:r>
               <a:endParaRPr lang="en-US" altLang="ko-KR" sz="1100" dirty="0">
                 <a:latin typeface="배달의민족 한나체 Pro" panose="020B0600000101010101" pitchFamily="50" charset="-127"/>
@@ -11471,7 +11484,7 @@
           <p:spPr>
             <a:xfrm>
               <a:off x="3091786" y="1868567"/>
-              <a:ext cx="1310188" cy="1107996"/>
+              <a:ext cx="1310188" cy="1277273"/>
             </a:xfrm>
             <a:prstGeom prst="rect">
               <a:avLst/>
@@ -11530,6 +11543,15 @@
                   <a:ea typeface="배달의민족 한나체 Air" panose="020B0600000101010101" pitchFamily="50" charset="-127"/>
                 </a:rPr>
                 <a:t>2001</a:t>
+              </a:r>
+            </a:p>
+            <a:p>
+              <a:r>
+                <a:rPr lang="en-US" altLang="ko-KR" sz="1100" dirty="0">
+                  <a:latin typeface="배달의민족 한나체 Air" panose="020B0600000101010101" pitchFamily="50" charset="-127"/>
+                  <a:ea typeface="배달의민족 한나체 Air" panose="020B0600000101010101" pitchFamily="50" charset="-127"/>
+                </a:rPr>
+                <a:t>3001,3006</a:t>
               </a:r>
             </a:p>
             <a:p>
@@ -11568,9 +11590,9 @@
         <p:grpSpPr>
           <a:xfrm>
             <a:off x="593986" y="4108517"/>
-            <a:ext cx="2938534" cy="1407268"/>
+            <a:ext cx="2938534" cy="1561157"/>
             <a:chOff x="1463440" y="1584683"/>
-            <a:chExt cx="2938534" cy="1407268"/>
+            <a:chExt cx="2938534" cy="1561157"/>
           </a:xfrm>
         </p:grpSpPr>
         <p:sp>
@@ -11651,7 +11673,7 @@
           <p:spPr>
             <a:xfrm>
               <a:off x="1463441" y="1868567"/>
-              <a:ext cx="1628346" cy="1123384"/>
+              <a:ext cx="1628346" cy="1277273"/>
             </a:xfrm>
             <a:prstGeom prst="rect">
               <a:avLst/>
@@ -11702,6 +11724,19 @@
                   <a:ea typeface="배달의민족 한나체 Pro" panose="020B0600000101010101" pitchFamily="50" charset="-127"/>
                 </a:rPr>
                 <a:t>PrefabID</a:t>
+              </a:r>
+              <a:endParaRPr lang="en-US" altLang="ko-KR" sz="1100" dirty="0">
+                <a:latin typeface="배달의민족 한나체 Pro" panose="020B0600000101010101" pitchFamily="50" charset="-127"/>
+                <a:ea typeface="배달의민족 한나체 Pro" panose="020B0600000101010101" pitchFamily="50" charset="-127"/>
+              </a:endParaRPr>
+            </a:p>
+            <a:p>
+              <a:r>
+                <a:rPr lang="en-US" altLang="ko-KR" sz="1100" dirty="0" err="1">
+                  <a:latin typeface="배달의민족 한나체 Pro" panose="020B0600000101010101" pitchFamily="50" charset="-127"/>
+                  <a:ea typeface="배달의민족 한나체 Pro" panose="020B0600000101010101" pitchFamily="50" charset="-127"/>
+                </a:rPr>
+                <a:t>TextList</a:t>
               </a:r>
               <a:endParaRPr lang="en-US" altLang="ko-KR" sz="1100" dirty="0">
                 <a:latin typeface="배달의민족 한나체 Pro" panose="020B0600000101010101" pitchFamily="50" charset="-127"/>
@@ -11751,7 +11786,7 @@
           <p:spPr>
             <a:xfrm>
               <a:off x="3091786" y="1868567"/>
-              <a:ext cx="1310188" cy="1107996"/>
+              <a:ext cx="1310188" cy="1277273"/>
             </a:xfrm>
             <a:prstGeom prst="rect">
               <a:avLst/>
@@ -11810,6 +11845,15 @@
                   <a:ea typeface="배달의민족 한나체 Air" panose="020B0600000101010101" pitchFamily="50" charset="-127"/>
                 </a:rPr>
                 <a:t>2003</a:t>
+              </a:r>
+            </a:p>
+            <a:p>
+              <a:r>
+                <a:rPr lang="en-US" altLang="ko-KR" sz="1100" dirty="0">
+                  <a:latin typeface="배달의민족 한나체 Air" panose="020B0600000101010101" pitchFamily="50" charset="-127"/>
+                  <a:ea typeface="배달의민족 한나체 Air" panose="020B0600000101010101" pitchFamily="50" charset="-127"/>
+                </a:rPr>
+                <a:t>3002,3003</a:t>
               </a:r>
             </a:p>
             <a:p>
@@ -11848,9 +11892,9 @@
         <p:grpSpPr>
           <a:xfrm>
             <a:off x="3900404" y="4108517"/>
-            <a:ext cx="2938534" cy="1407268"/>
+            <a:ext cx="2938534" cy="1561157"/>
             <a:chOff x="1463440" y="1584683"/>
-            <a:chExt cx="2938534" cy="1407268"/>
+            <a:chExt cx="2938534" cy="1561157"/>
           </a:xfrm>
         </p:grpSpPr>
         <p:sp>
@@ -11931,7 +11975,7 @@
           <p:spPr>
             <a:xfrm>
               <a:off x="1463441" y="1868567"/>
-              <a:ext cx="1628346" cy="1123384"/>
+              <a:ext cx="1628346" cy="1277273"/>
             </a:xfrm>
             <a:prstGeom prst="rect">
               <a:avLst/>
@@ -11982,6 +12026,19 @@
                   <a:ea typeface="배달의민족 한나체 Pro" panose="020B0600000101010101" pitchFamily="50" charset="-127"/>
                 </a:rPr>
                 <a:t>PrefabID</a:t>
+              </a:r>
+              <a:endParaRPr lang="en-US" altLang="ko-KR" sz="1100" dirty="0">
+                <a:latin typeface="배달의민족 한나체 Pro" panose="020B0600000101010101" pitchFamily="50" charset="-127"/>
+                <a:ea typeface="배달의민족 한나체 Pro" panose="020B0600000101010101" pitchFamily="50" charset="-127"/>
+              </a:endParaRPr>
+            </a:p>
+            <a:p>
+              <a:r>
+                <a:rPr lang="en-US" altLang="ko-KR" sz="1100" dirty="0" err="1">
+                  <a:latin typeface="배달의민족 한나체 Pro" panose="020B0600000101010101" pitchFamily="50" charset="-127"/>
+                  <a:ea typeface="배달의민족 한나체 Pro" panose="020B0600000101010101" pitchFamily="50" charset="-127"/>
+                </a:rPr>
+                <a:t>TextList</a:t>
               </a:r>
               <a:endParaRPr lang="en-US" altLang="ko-KR" sz="1100" dirty="0">
                 <a:latin typeface="배달의민족 한나체 Pro" panose="020B0600000101010101" pitchFamily="50" charset="-127"/>
@@ -12031,7 +12088,7 @@
           <p:spPr>
             <a:xfrm>
               <a:off x="3091786" y="1868567"/>
-              <a:ext cx="1310188" cy="1107996"/>
+              <a:ext cx="1310188" cy="1277273"/>
             </a:xfrm>
             <a:prstGeom prst="rect">
               <a:avLst/>
@@ -12090,6 +12147,15 @@
                   <a:ea typeface="배달의민족 한나체 Air" panose="020B0600000101010101" pitchFamily="50" charset="-127"/>
                 </a:rPr>
                 <a:t>2001</a:t>
+              </a:r>
+            </a:p>
+            <a:p>
+              <a:r>
+                <a:rPr lang="en-US" altLang="ko-KR" sz="1100" dirty="0">
+                  <a:latin typeface="배달의민족 한나체 Air" panose="020B0600000101010101" pitchFamily="50" charset="-127"/>
+                  <a:ea typeface="배달의민족 한나체 Air" panose="020B0600000101010101" pitchFamily="50" charset="-127"/>
+                </a:rPr>
+                <a:t>3002,3003</a:t>
               </a:r>
             </a:p>
             <a:p>
@@ -12128,7 +12194,7 @@
         <p:spPr>
           <a:xfrm>
             <a:off x="8660676" y="1526096"/>
-            <a:ext cx="2764475" cy="283884"/>
+            <a:ext cx="1382237" cy="283884"/>
           </a:xfrm>
           <a:prstGeom prst="rect">
             <a:avLst/>
@@ -12199,14 +12265,14 @@
           <p:nvPr>
             <p:extLst>
               <p:ext uri="{D42A27DB-BD31-4B8C-83A1-F6EECF244321}">
-                <p14:modId xmlns:p14="http://schemas.microsoft.com/office/powerpoint/2010/main" val="206099437"/>
+                <p14:modId xmlns:p14="http://schemas.microsoft.com/office/powerpoint/2010/main" val="700964351"/>
               </p:ext>
             </p:extLst>
           </p:nvPr>
         </p:nvGraphicFramePr>
         <p:xfrm>
           <a:off x="8660675" y="1808932"/>
-          <a:ext cx="2764476" cy="1925320"/>
+          <a:ext cx="1382238" cy="1483360"/>
         </p:xfrm>
         <a:graphic>
           <a:graphicData uri="http://schemas.openxmlformats.org/drawingml/2006/table">
@@ -12225,21 +12291,7 @@
                 <a:gridCol w="691119">
                   <a:extLst>
                     <a:ext uri="{9D8B030D-6E8A-4147-A177-3AD203B41FA5}">
-                      <a16:colId xmlns:a16="http://schemas.microsoft.com/office/drawing/2014/main" val="3089515820"/>
-                    </a:ext>
-                  </a:extLst>
-                </a:gridCol>
-                <a:gridCol w="691119">
-                  <a:extLst>
-                    <a:ext uri="{9D8B030D-6E8A-4147-A177-3AD203B41FA5}">
                       <a16:colId xmlns:a16="http://schemas.microsoft.com/office/drawing/2014/main" val="1506094794"/>
-                    </a:ext>
-                  </a:extLst>
-                </a:gridCol>
-                <a:gridCol w="691119">
-                  <a:extLst>
-                    <a:ext uri="{9D8B030D-6E8A-4147-A177-3AD203B41FA5}">
-                      <a16:colId xmlns:a16="http://schemas.microsoft.com/office/drawing/2014/main" val="3315137076"/>
                     </a:ext>
                   </a:extLst>
                 </a:gridCol>
@@ -12284,72 +12336,7 @@
                             <a:schemeClr val="bg1"/>
                           </a:solidFill>
                         </a:rPr>
-                        <a:t>Name</a:t>
-                      </a:r>
-                      <a:endParaRPr lang="ko-KR" altLang="en-US" sz="1050" dirty="0">
-                        <a:solidFill>
-                          <a:schemeClr val="bg1"/>
-                        </a:solidFill>
-                      </a:endParaRPr>
-                    </a:p>
-                  </a:txBody>
-                  <a:tcPr anchor="ctr">
-                    <a:solidFill>
-                      <a:srgbClr val="156082"/>
-                    </a:solidFill>
-                  </a:tcPr>
-                </a:tc>
-                <a:tc>
-                  <a:txBody>
-                    <a:bodyPr/>
-                    <a:lstStyle/>
-                    <a:p>
-                      <a:pPr algn="ctr" latinLnBrk="1"/>
-                      <a:r>
-                        <a:rPr lang="en-US" altLang="ko-KR" sz="1050" dirty="0">
-                          <a:solidFill>
-                            <a:schemeClr val="bg1"/>
-                          </a:solidFill>
-                        </a:rPr>
                         <a:t>Type</a:t>
-                      </a:r>
-                      <a:endParaRPr lang="ko-KR" altLang="en-US" sz="1050" dirty="0">
-                        <a:solidFill>
-                          <a:schemeClr val="bg1"/>
-                        </a:solidFill>
-                      </a:endParaRPr>
-                    </a:p>
-                  </a:txBody>
-                  <a:tcPr anchor="ctr">
-                    <a:solidFill>
-                      <a:srgbClr val="156082"/>
-                    </a:solidFill>
-                  </a:tcPr>
-                </a:tc>
-                <a:tc>
-                  <a:txBody>
-                    <a:bodyPr/>
-                    <a:lstStyle/>
-                    <a:p>
-                      <a:pPr algn="ctr" latinLnBrk="1"/>
-                      <a:r>
-                        <a:rPr lang="en-US" altLang="ko-KR" sz="1050" dirty="0">
-                          <a:solidFill>
-                            <a:schemeClr val="bg1"/>
-                          </a:solidFill>
-                        </a:rPr>
-                        <a:t>Text</a:t>
-                      </a:r>
-                    </a:p>
-                    <a:p>
-                      <a:pPr algn="ctr" latinLnBrk="1"/>
-                      <a:r>
-                        <a:rPr lang="en-US" altLang="ko-KR" sz="1050" dirty="0">
-                          <a:solidFill>
-                            <a:schemeClr val="bg1"/>
-                          </a:solidFill>
-                        </a:rPr>
-                        <a:t>List</a:t>
                       </a:r>
                       <a:endParaRPr lang="ko-KR" altLang="en-US" sz="1050" dirty="0">
                         <a:solidFill>
@@ -12401,64 +12388,12 @@
                     <a:p>
                       <a:pPr algn="ctr" latinLnBrk="1"/>
                       <a:r>
-                        <a:rPr lang="ko-KR" altLang="en-US" sz="900" dirty="0">
-                          <a:solidFill>
-                            <a:schemeClr val="tx1"/>
-                          </a:solidFill>
-                        </a:rPr>
-                        <a:t>엄마의</a:t>
-                      </a:r>
-                      <a:endParaRPr lang="en-US" altLang="ko-KR" sz="900" dirty="0">
-                        <a:solidFill>
-                          <a:schemeClr val="tx1"/>
-                        </a:solidFill>
-                      </a:endParaRPr>
-                    </a:p>
-                    <a:p>
-                      <a:pPr algn="ctr" latinLnBrk="1"/>
-                      <a:r>
-                        <a:rPr lang="ko-KR" altLang="en-US" sz="900" dirty="0">
-                          <a:solidFill>
-                            <a:schemeClr val="tx1"/>
-                          </a:solidFill>
-                        </a:rPr>
-                        <a:t>전화</a:t>
-                      </a:r>
-                    </a:p>
-                  </a:txBody>
-                  <a:tcPr anchor="ctr"/>
-                </a:tc>
-                <a:tc>
-                  <a:txBody>
-                    <a:bodyPr/>
-                    <a:lstStyle/>
-                    <a:p>
-                      <a:pPr algn="ctr" latinLnBrk="1"/>
-                      <a:r>
                         <a:rPr lang="ko-KR" altLang="en-US" sz="800" dirty="0">
                           <a:solidFill>
                             <a:schemeClr val="tx1"/>
                           </a:solidFill>
                         </a:rPr>
                         <a:t>전화 알림</a:t>
-                      </a:r>
-                    </a:p>
-                  </a:txBody>
-                  <a:tcPr anchor="ctr"/>
-                </a:tc>
-                <a:tc>
-                  <a:txBody>
-                    <a:bodyPr/>
-                    <a:lstStyle/>
-                    <a:p>
-                      <a:pPr algn="ctr" latinLnBrk="1"/>
-                      <a:r>
-                        <a:rPr lang="en-US" altLang="ko-KR" sz="1050" dirty="0">
-                          <a:solidFill>
-                            <a:schemeClr val="tx1"/>
-                          </a:solidFill>
-                        </a:rPr>
-                        <a:t>3001</a:t>
                       </a:r>
                     </a:p>
                   </a:txBody>
@@ -12501,75 +12436,12 @@
                     <a:p>
                       <a:pPr algn="ctr" latinLnBrk="1"/>
                       <a:r>
-                        <a:rPr lang="ko-KR" altLang="en-US" sz="900" dirty="0">
-                          <a:solidFill>
-                            <a:schemeClr val="tx1"/>
-                          </a:solidFill>
-                        </a:rPr>
-                        <a:t>엄마의</a:t>
-                      </a:r>
-                      <a:endParaRPr lang="en-US" altLang="ko-KR" sz="900" dirty="0">
-                        <a:solidFill>
-                          <a:schemeClr val="tx1"/>
-                        </a:solidFill>
-                      </a:endParaRPr>
-                    </a:p>
-                    <a:p>
-                      <a:pPr algn="ctr" latinLnBrk="1"/>
-                      <a:r>
-                        <a:rPr lang="ko-KR" altLang="en-US" sz="900" dirty="0">
-                          <a:solidFill>
-                            <a:schemeClr val="tx1"/>
-                          </a:solidFill>
-                        </a:rPr>
-                        <a:t>메시지</a:t>
-                      </a:r>
-                    </a:p>
-                  </a:txBody>
-                  <a:tcPr anchor="ctr"/>
-                </a:tc>
-                <a:tc>
-                  <a:txBody>
-                    <a:bodyPr/>
-                    <a:lstStyle/>
-                    <a:p>
-                      <a:pPr algn="ctr" latinLnBrk="1"/>
-                      <a:r>
                         <a:rPr lang="ko-KR" altLang="en-US" sz="800" dirty="0">
                           <a:solidFill>
                             <a:schemeClr val="tx1"/>
                           </a:solidFill>
                         </a:rPr>
                         <a:t>메시지</a:t>
-                      </a:r>
-                    </a:p>
-                  </a:txBody>
-                  <a:tcPr anchor="ctr"/>
-                </a:tc>
-                <a:tc>
-                  <a:txBody>
-                    <a:bodyPr/>
-                    <a:lstStyle/>
-                    <a:p>
-                      <a:pPr algn="ctr" latinLnBrk="1"/>
-                      <a:r>
-                        <a:rPr lang="en-US" altLang="ko-KR" sz="1050" dirty="0">
-                          <a:solidFill>
-                            <a:schemeClr val="tx1"/>
-                          </a:solidFill>
-                        </a:rPr>
-                        <a:t>3001</a:t>
-                      </a:r>
-                    </a:p>
-                    <a:p>
-                      <a:pPr algn="ctr" latinLnBrk="1"/>
-                      <a:r>
-                        <a:rPr lang="en-US" altLang="ko-KR" sz="1050" dirty="0">
-                          <a:solidFill>
-                            <a:schemeClr val="tx1"/>
-                          </a:solidFill>
-                        </a:rPr>
-                        <a:t>3006</a:t>
                       </a:r>
                     </a:p>
                   </a:txBody>
@@ -12612,40 +12484,6 @@
                     <a:p>
                       <a:pPr algn="ctr" latinLnBrk="1"/>
                       <a:r>
-                        <a:rPr lang="ko-KR" altLang="en-US" sz="900" dirty="0">
-                          <a:solidFill>
-                            <a:schemeClr val="tx1"/>
-                          </a:solidFill>
-                        </a:rPr>
-                        <a:t>엄마와</a:t>
-                      </a:r>
-                      <a:endParaRPr lang="en-US" altLang="ko-KR" sz="900" dirty="0">
-                        <a:solidFill>
-                          <a:schemeClr val="tx1"/>
-                        </a:solidFill>
-                      </a:endParaRPr>
-                    </a:p>
-                    <a:p>
-                      <a:pPr algn="ctr" latinLnBrk="1"/>
-                      <a:r>
-                        <a:rPr lang="ko-KR" altLang="en-US" sz="900" dirty="0">
-                          <a:solidFill>
-                            <a:schemeClr val="tx1"/>
-                          </a:solidFill>
-                        </a:rPr>
-                        <a:t>통화 기록</a:t>
-                      </a:r>
-                    </a:p>
-                  </a:txBody>
-                  <a:tcPr anchor="ctr"/>
-                </a:tc>
-                <a:tc>
-                  <a:txBody>
-                    <a:bodyPr/>
-                    <a:lstStyle/>
-                    <a:p>
-                      <a:pPr algn="ctr" latinLnBrk="1"/>
-                      <a:r>
                         <a:rPr lang="ko-KR" altLang="en-US" sz="800" dirty="0">
                           <a:solidFill>
                             <a:schemeClr val="tx1"/>
@@ -12666,57 +12504,6 @@
                           <a:schemeClr val="tx1"/>
                         </a:solidFill>
                       </a:endParaRPr>
-                    </a:p>
-                  </a:txBody>
-                  <a:tcPr anchor="ctr"/>
-                </a:tc>
-                <a:tc>
-                  <a:txBody>
-                    <a:bodyPr/>
-                    <a:lstStyle/>
-                    <a:p>
-                      <a:pPr algn="ctr" latinLnBrk="1"/>
-                      <a:r>
-                        <a:rPr lang="en-US" altLang="ko-KR" sz="1050" dirty="0">
-                          <a:solidFill>
-                            <a:schemeClr val="tx1"/>
-                          </a:solidFill>
-                        </a:rPr>
-                        <a:t>3002</a:t>
-                      </a:r>
-                    </a:p>
-                    <a:p>
-                      <a:pPr algn="ctr" latinLnBrk="1"/>
-                      <a:r>
-                        <a:rPr lang="en-US" altLang="ko-KR" sz="1050" dirty="0">
-                          <a:solidFill>
-                            <a:schemeClr val="tx1"/>
-                          </a:solidFill>
-                        </a:rPr>
-                        <a:t>3003</a:t>
-                      </a:r>
-                    </a:p>
-                    <a:p>
-                      <a:pPr algn="ctr" latinLnBrk="1"/>
-                      <a:r>
-                        <a:rPr lang="en-US" altLang="ko-KR" sz="1050" dirty="0">
-                          <a:solidFill>
-                            <a:schemeClr val="tx1"/>
-                          </a:solidFill>
-                        </a:rPr>
-                        <a:t>3004</a:t>
-                      </a:r>
-                    </a:p>
-                    <a:p>
-                      <a:pPr algn="ctr" latinLnBrk="1"/>
-                      <a:r>
-                        <a:rPr lang="en-US" altLang="ko-KR" sz="1050" dirty="0">
-                          <a:solidFill>
-                            <a:schemeClr val="tx1"/>
-                          </a:solidFill>
-                        </a:rPr>
-                        <a:t>3005</a:t>
-                      </a:r>
                     </a:p>
                   </a:txBody>
                   <a:tcPr anchor="ctr"/>
@@ -12849,8 +12636,8 @@
         </p:nvCxnSpPr>
         <p:spPr>
           <a:xfrm flipH="1">
-            <a:off x="2063253" y="2633044"/>
-            <a:ext cx="729602" cy="1475473"/>
+            <a:off x="2063253" y="2796209"/>
+            <a:ext cx="686573" cy="1312308"/>
           </a:xfrm>
           <a:prstGeom prst="straightConnector1">
             <a:avLst/>
@@ -12894,8 +12681,8 @@
         </p:nvCxnSpPr>
         <p:spPr>
           <a:xfrm>
-            <a:off x="2987757" y="2850010"/>
-            <a:ext cx="2381914" cy="1258507"/>
+            <a:off x="3054626" y="2955235"/>
+            <a:ext cx="2315045" cy="1153282"/>
           </a:xfrm>
           <a:prstGeom prst="straightConnector1">
             <a:avLst/>
@@ -13960,9 +13747,9 @@
           <p:nvPr/>
         </p:nvCxnSpPr>
         <p:spPr>
-          <a:xfrm flipH="1">
-            <a:off x="10349948" y="3677162"/>
-            <a:ext cx="592733" cy="631178"/>
+          <a:xfrm>
+            <a:off x="3455499" y="2630557"/>
+            <a:ext cx="6894449" cy="1677783"/>
           </a:xfrm>
           <a:prstGeom prst="straightConnector1">
             <a:avLst/>
@@ -14003,7 +13790,7 @@
         </p:nvSpPr>
         <p:spPr>
           <a:xfrm>
-            <a:off x="8779926" y="3848185"/>
+            <a:off x="6927395" y="3653840"/>
             <a:ext cx="2789230" cy="276999"/>
           </a:xfrm>
           <a:prstGeom prst="rect">
@@ -17484,10 +17271,10 @@
         </p:nvGrpSpPr>
         <p:grpSpPr>
           <a:xfrm>
-            <a:off x="922445" y="1410958"/>
-            <a:ext cx="3313043" cy="2315209"/>
+            <a:off x="943387" y="1744387"/>
+            <a:ext cx="3313043" cy="1668879"/>
             <a:chOff x="766689" y="1737360"/>
-            <a:chExt cx="2042772" cy="2868215"/>
+            <a:chExt cx="2042772" cy="2067505"/>
           </a:xfrm>
         </p:grpSpPr>
         <p:sp>
@@ -17575,7 +17362,7 @@
           <p:spPr>
             <a:xfrm>
               <a:off x="766689" y="2089052"/>
-              <a:ext cx="2042772" cy="2516523"/>
+              <a:ext cx="2042772" cy="1715813"/>
             </a:xfrm>
             <a:prstGeom prst="rect">
               <a:avLst/>
@@ -17632,37 +17419,33 @@
                 <a:buChar char="-"/>
               </a:pPr>
               <a:r>
-                <a:rPr lang="en-US" altLang="ko-KR" sz="1400" dirty="0">
+                <a:rPr lang="en-US" altLang="ko-KR" sz="1400" dirty="0" err="1">
                   <a:latin typeface="배달의민족 한나체 Pro" panose="020B0600000101010101" pitchFamily="50" charset="-127"/>
                   <a:ea typeface="배달의민족 한나체 Pro" panose="020B0600000101010101" pitchFamily="50" charset="-127"/>
                 </a:rPr>
-                <a:t>Name </a:t>
+                <a:t>MainTextID</a:t>
               </a:r>
               <a:r>
                 <a:rPr lang="en-US" altLang="ko-KR" sz="1050" dirty="0">
                   <a:latin typeface="배달의민족 한나체 Air" panose="020B0600000101010101" pitchFamily="50" charset="-127"/>
                   <a:ea typeface="배달의민족 한나체 Air" panose="020B0600000101010101" pitchFamily="50" charset="-127"/>
                 </a:rPr>
-                <a:t>(</a:t>
+                <a:t> (</a:t>
               </a:r>
               <a:r>
                 <a:rPr lang="ko-KR" altLang="en-US" sz="1050" dirty="0">
                   <a:latin typeface="배달의민족 한나체 Air" panose="020B0600000101010101" pitchFamily="50" charset="-127"/>
                   <a:ea typeface="배달의민족 한나체 Air" panose="020B0600000101010101" pitchFamily="50" charset="-127"/>
                 </a:rPr>
-                <a:t>대화 이름</a:t>
+                <a:t>내용에 해당되는 </a:t>
               </a:r>
               <a:r>
                 <a:rPr lang="en-US" altLang="ko-KR" sz="1050" dirty="0">
                   <a:latin typeface="배달의민족 한나체 Air" panose="020B0600000101010101" pitchFamily="50" charset="-127"/>
                   <a:ea typeface="배달의민족 한나체 Air" panose="020B0600000101010101" pitchFamily="50" charset="-127"/>
                 </a:rPr>
-                <a:t>)</a:t>
-              </a:r>
-              <a:endParaRPr lang="en-US" altLang="ko-KR" sz="1400" dirty="0">
-                <a:latin typeface="배달의민족 한나체 Air" panose="020B0600000101010101" pitchFamily="50" charset="-127"/>
-                <a:ea typeface="배달의민족 한나체 Air" panose="020B0600000101010101" pitchFamily="50" charset="-127"/>
-              </a:endParaRPr>
+                <a:t>Text ID)</a:t>
+              </a:r>
             </a:p>
             <a:p>
               <a:pPr marL="285750" indent="-285750">
@@ -17670,11 +17453,18 @@
                 <a:buChar char="-"/>
               </a:pPr>
               <a:r>
+                <a:rPr lang="en-US" altLang="ko-KR" sz="1400" dirty="0" err="1">
+                  <a:latin typeface="배달의민족 한나체 Pro" panose="020B0600000101010101" pitchFamily="50" charset="-127"/>
+                  <a:ea typeface="배달의민족 한나체 Pro" panose="020B0600000101010101" pitchFamily="50" charset="-127"/>
+                </a:rPr>
+                <a:t>PositiveTextList</a:t>
+              </a:r>
+              <a:r>
                 <a:rPr lang="en-US" altLang="ko-KR" sz="1400" dirty="0">
                   <a:latin typeface="배달의민족 한나체 Pro" panose="020B0600000101010101" pitchFamily="50" charset="-127"/>
                   <a:ea typeface="배달의민족 한나체 Pro" panose="020B0600000101010101" pitchFamily="50" charset="-127"/>
                 </a:rPr>
-                <a:t>Type </a:t>
+                <a:t> </a:t>
               </a:r>
               <a:r>
                 <a:rPr lang="en-US" altLang="ko-KR" sz="1050" dirty="0">
@@ -17688,19 +17478,29 @@
                   <a:latin typeface="배달의민족 한나체 Air" panose="020B0600000101010101" pitchFamily="50" charset="-127"/>
                   <a:ea typeface="배달의민족 한나체 Air" panose="020B0600000101010101" pitchFamily="50" charset="-127"/>
                 </a:rPr>
-                <a:t>대화의 타입</a:t>
+                <a:t>긍정적인 텍스트 </a:t>
               </a:r>
               <a:r>
                 <a:rPr lang="en-US" altLang="ko-KR" sz="1050" dirty="0">
                   <a:latin typeface="배달의민족 한나체 Air" panose="020B0600000101010101" pitchFamily="50" charset="-127"/>
                   <a:ea typeface="배달의민족 한나체 Air" panose="020B0600000101010101" pitchFamily="50" charset="-127"/>
                 </a:rPr>
+                <a:t>ID </a:t>
+              </a:r>
+              <a:r>
+                <a:rPr lang="ko-KR" altLang="en-US" sz="1050" dirty="0">
+                  <a:latin typeface="배달의민족 한나체 Air" panose="020B0600000101010101" pitchFamily="50" charset="-127"/>
+                  <a:ea typeface="배달의민족 한나체 Air" panose="020B0600000101010101" pitchFamily="50" charset="-127"/>
+                </a:rPr>
+                <a:t>리스트</a:t>
+              </a:r>
+              <a:r>
+                <a:rPr lang="en-US" altLang="ko-KR" sz="1050" dirty="0">
+                  <a:latin typeface="배달의민족 한나체 Air" panose="020B0600000101010101" pitchFamily="50" charset="-127"/>
+                  <a:ea typeface="배달의민족 한나체 Air" panose="020B0600000101010101" pitchFamily="50" charset="-127"/>
+                </a:rPr>
                 <a:t>)</a:t>
               </a:r>
-              <a:endParaRPr lang="en-US" altLang="ko-KR" sz="1400" dirty="0">
-                <a:latin typeface="배달의민족 한나체 Air" panose="020B0600000101010101" pitchFamily="50" charset="-127"/>
-                <a:ea typeface="배달의민족 한나체 Air" panose="020B0600000101010101" pitchFamily="50" charset="-127"/>
-              </a:endParaRPr>
             </a:p>
             <a:p>
               <a:pPr marL="285750" indent="-285750">
@@ -17712,7 +17512,7 @@
                   <a:latin typeface="배달의민족 한나체 Pro" panose="020B0600000101010101" pitchFamily="50" charset="-127"/>
                   <a:ea typeface="배달의민족 한나체 Pro" panose="020B0600000101010101" pitchFamily="50" charset="-127"/>
                 </a:rPr>
-                <a:t>MainText</a:t>
+                <a:t>PositiveResultID</a:t>
               </a:r>
               <a:r>
                 <a:rPr lang="en-US" altLang="ko-KR" sz="1400" dirty="0">
@@ -17733,19 +17533,15 @@
                   <a:latin typeface="배달의민족 한나체 Air" panose="020B0600000101010101" pitchFamily="50" charset="-127"/>
                   <a:ea typeface="배달의민족 한나체 Air" panose="020B0600000101010101" pitchFamily="50" charset="-127"/>
                 </a:rPr>
-                <a:t>문자 텍스트</a:t>
+                <a:t>긍정적인 답변 대화</a:t>
               </a:r>
               <a:r>
                 <a:rPr lang="en-US" altLang="ko-KR" sz="1050" dirty="0">
                   <a:latin typeface="배달의민족 한나체 Air" panose="020B0600000101010101" pitchFamily="50" charset="-127"/>
                   <a:ea typeface="배달의민족 한나체 Air" panose="020B0600000101010101" pitchFamily="50" charset="-127"/>
                 </a:rPr>
-                <a:t>)</a:t>
-              </a:r>
-              <a:endParaRPr lang="en-US" altLang="ko-KR" sz="1400" dirty="0">
-                <a:latin typeface="배달의민족 한나체 Air" panose="020B0600000101010101" pitchFamily="50" charset="-127"/>
-                <a:ea typeface="배달의민족 한나체 Air" panose="020B0600000101010101" pitchFamily="50" charset="-127"/>
-              </a:endParaRPr>
+                <a:t>ID)</a:t>
+              </a:r>
             </a:p>
             <a:p>
               <a:pPr marL="285750" indent="-285750">
@@ -17757,7 +17553,7 @@
                   <a:latin typeface="배달의민족 한나체 Pro" panose="020B0600000101010101" pitchFamily="50" charset="-127"/>
                   <a:ea typeface="배달의민족 한나체 Pro" panose="020B0600000101010101" pitchFamily="50" charset="-127"/>
                 </a:rPr>
-                <a:t>AnswerList</a:t>
+                <a:t>NegativeTextList</a:t>
               </a:r>
               <a:r>
                 <a:rPr lang="en-US" altLang="ko-KR" sz="1400" dirty="0">
@@ -17778,14 +17574,14 @@
                   <a:latin typeface="배달의민족 한나체 Air" panose="020B0600000101010101" pitchFamily="50" charset="-127"/>
                   <a:ea typeface="배달의민족 한나체 Air" panose="020B0600000101010101" pitchFamily="50" charset="-127"/>
                 </a:rPr>
-                <a:t>답변에 이용될 </a:t>
+                <a:t>부정적인 텍스트 </a:t>
               </a:r>
               <a:r>
                 <a:rPr lang="en-US" altLang="ko-KR" sz="1050" dirty="0">
                   <a:latin typeface="배달의민족 한나체 Air" panose="020B0600000101010101" pitchFamily="50" charset="-127"/>
                   <a:ea typeface="배달의민족 한나체 Air" panose="020B0600000101010101" pitchFamily="50" charset="-127"/>
                 </a:rPr>
-                <a:t>text </a:t>
+                <a:t>ID </a:t>
               </a:r>
               <a:r>
                 <a:rPr lang="ko-KR" altLang="en-US" sz="1050" dirty="0">
@@ -17793,129 +17589,6 @@
                   <a:ea typeface="배달의민족 한나체 Air" panose="020B0600000101010101" pitchFamily="50" charset="-127"/>
                 </a:rPr>
                 <a:t>리스트</a:t>
-              </a:r>
-              <a:r>
-                <a:rPr lang="en-US" altLang="ko-KR" sz="1050" dirty="0">
-                  <a:latin typeface="배달의민족 한나체 Air" panose="020B0600000101010101" pitchFamily="50" charset="-127"/>
-                  <a:ea typeface="배달의민족 한나체 Air" panose="020B0600000101010101" pitchFamily="50" charset="-127"/>
-                </a:rPr>
-                <a:t>)</a:t>
-              </a:r>
-            </a:p>
-            <a:p>
-              <a:pPr marL="285750" indent="-285750">
-                <a:buFontTx/>
-                <a:buChar char="-"/>
-              </a:pPr>
-              <a:r>
-                <a:rPr lang="en-US" altLang="ko-KR" sz="1400" dirty="0" err="1">
-                  <a:latin typeface="배달의민족 한나체 Pro" panose="020B0600000101010101" pitchFamily="50" charset="-127"/>
-                  <a:ea typeface="배달의민족 한나체 Pro" panose="020B0600000101010101" pitchFamily="50" charset="-127"/>
-                </a:rPr>
-                <a:t>PositiveTextList</a:t>
-              </a:r>
-              <a:r>
-                <a:rPr lang="en-US" altLang="ko-KR" sz="1400" dirty="0">
-                  <a:latin typeface="배달의민족 한나체 Pro" panose="020B0600000101010101" pitchFamily="50" charset="-127"/>
-                  <a:ea typeface="배달의민족 한나체 Pro" panose="020B0600000101010101" pitchFamily="50" charset="-127"/>
-                </a:rPr>
-                <a:t> </a:t>
-              </a:r>
-              <a:r>
-                <a:rPr lang="en-US" altLang="ko-KR" sz="1050" dirty="0">
-                  <a:latin typeface="배달의민족 한나체 Air" panose="020B0600000101010101" pitchFamily="50" charset="-127"/>
-                  <a:ea typeface="배달의민족 한나체 Air" panose="020B0600000101010101" pitchFamily="50" charset="-127"/>
-                </a:rPr>
-                <a:t>(</a:t>
-              </a:r>
-              <a:r>
-                <a:rPr lang="ko-KR" altLang="en-US" sz="1050" dirty="0">
-                  <a:latin typeface="배달의민족 한나체 Air" panose="020B0600000101010101" pitchFamily="50" charset="-127"/>
-                  <a:ea typeface="배달의민족 한나체 Air" panose="020B0600000101010101" pitchFamily="50" charset="-127"/>
-                </a:rPr>
-                <a:t>긍정적인 텍스트 리스트</a:t>
-              </a:r>
-              <a:r>
-                <a:rPr lang="en-US" altLang="ko-KR" sz="1050" dirty="0">
-                  <a:latin typeface="배달의민족 한나체 Air" panose="020B0600000101010101" pitchFamily="50" charset="-127"/>
-                  <a:ea typeface="배달의민족 한나체 Air" panose="020B0600000101010101" pitchFamily="50" charset="-127"/>
-                </a:rPr>
-                <a:t>)</a:t>
-              </a:r>
-            </a:p>
-            <a:p>
-              <a:pPr marL="285750" indent="-285750">
-                <a:buFontTx/>
-                <a:buChar char="-"/>
-              </a:pPr>
-              <a:r>
-                <a:rPr lang="en-US" altLang="ko-KR" sz="1400" dirty="0" err="1">
-                  <a:latin typeface="배달의민족 한나체 Pro" panose="020B0600000101010101" pitchFamily="50" charset="-127"/>
-                  <a:ea typeface="배달의민족 한나체 Pro" panose="020B0600000101010101" pitchFamily="50" charset="-127"/>
-                </a:rPr>
-                <a:t>PositiveResultID</a:t>
-              </a:r>
-              <a:r>
-                <a:rPr lang="en-US" altLang="ko-KR" sz="1400" dirty="0">
-                  <a:latin typeface="배달의민족 한나체 Pro" panose="020B0600000101010101" pitchFamily="50" charset="-127"/>
-                  <a:ea typeface="배달의민족 한나체 Pro" panose="020B0600000101010101" pitchFamily="50" charset="-127"/>
-                </a:rPr>
-                <a:t> </a:t>
-              </a:r>
-              <a:r>
-                <a:rPr lang="en-US" altLang="ko-KR" sz="1050" dirty="0">
-                  <a:latin typeface="배달의민족 한나체 Air" panose="020B0600000101010101" pitchFamily="50" charset="-127"/>
-                  <a:ea typeface="배달의민족 한나체 Air" panose="020B0600000101010101" pitchFamily="50" charset="-127"/>
-                </a:rPr>
-                <a:t>(</a:t>
-              </a:r>
-              <a:r>
-                <a:rPr lang="ko-KR" altLang="en-US" sz="1050" dirty="0">
-                  <a:latin typeface="배달의민족 한나체 Air" panose="020B0600000101010101" pitchFamily="50" charset="-127"/>
-                  <a:ea typeface="배달의민족 한나체 Air" panose="020B0600000101010101" pitchFamily="50" charset="-127"/>
-                </a:rPr>
-                <a:t>긍정적인 답변 대화</a:t>
-              </a:r>
-              <a:r>
-                <a:rPr lang="en-US" altLang="ko-KR" sz="1050" dirty="0">
-                  <a:latin typeface="배달의민족 한나체 Air" panose="020B0600000101010101" pitchFamily="50" charset="-127"/>
-                  <a:ea typeface="배달의민족 한나체 Air" panose="020B0600000101010101" pitchFamily="50" charset="-127"/>
-                </a:rPr>
-                <a:t>ID)</a:t>
-              </a:r>
-            </a:p>
-            <a:p>
-              <a:pPr marL="285750" indent="-285750">
-                <a:buFontTx/>
-                <a:buChar char="-"/>
-              </a:pPr>
-              <a:r>
-                <a:rPr lang="en-US" altLang="ko-KR" sz="1400" dirty="0" err="1">
-                  <a:latin typeface="배달의민족 한나체 Pro" panose="020B0600000101010101" pitchFamily="50" charset="-127"/>
-                  <a:ea typeface="배달의민족 한나체 Pro" panose="020B0600000101010101" pitchFamily="50" charset="-127"/>
-                </a:rPr>
-                <a:t>NegativeTextList</a:t>
-              </a:r>
-              <a:r>
-                <a:rPr lang="en-US" altLang="ko-KR" sz="1400" dirty="0">
-                  <a:latin typeface="배달의민족 한나체 Pro" panose="020B0600000101010101" pitchFamily="50" charset="-127"/>
-                  <a:ea typeface="배달의민족 한나체 Pro" panose="020B0600000101010101" pitchFamily="50" charset="-127"/>
-                </a:rPr>
-                <a:t> </a:t>
-              </a:r>
-              <a:r>
-                <a:rPr lang="en-US" altLang="ko-KR" sz="1050" dirty="0">
-                  <a:latin typeface="배달의민족 한나체 Air" panose="020B0600000101010101" pitchFamily="50" charset="-127"/>
-                  <a:ea typeface="배달의민족 한나체 Air" panose="020B0600000101010101" pitchFamily="50" charset="-127"/>
-                </a:rPr>
-                <a:t>(</a:t>
-              </a:r>
-              <a:r>
-                <a:rPr lang="ko-KR" altLang="en-US" sz="1050" dirty="0">
-                  <a:latin typeface="배달의민족 한나체 Air" panose="020B0600000101010101" pitchFamily="50" charset="-127"/>
-                  <a:ea typeface="배달의민족 한나체 Air" panose="020B0600000101010101" pitchFamily="50" charset="-127"/>
-                </a:rPr>
-                <a:t>부정적인 텍스트 리스트</a:t>
               </a:r>
               <a:r>
                 <a:rPr lang="en-US" altLang="ko-KR" sz="1050" dirty="0">
@@ -18191,8 +17864,8 @@
         </p:nvSpPr>
         <p:spPr>
           <a:xfrm>
-            <a:off x="2241036" y="3762495"/>
-            <a:ext cx="675860" cy="1157836"/>
+            <a:off x="2241036" y="3515457"/>
+            <a:ext cx="675860" cy="1384995"/>
           </a:xfrm>
           <a:prstGeom prst="downArrow">
             <a:avLst/>
@@ -18229,557 +17902,6 @@
           </a:p>
         </p:txBody>
       </p:sp>
-      <p:sp>
-        <p:nvSpPr>
-          <p:cNvPr id="8" name="직사각형 7">
-            <a:extLst>
-              <a:ext uri="{FF2B5EF4-FFF2-40B4-BE49-F238E27FC236}">
-                <a16:creationId xmlns:a16="http://schemas.microsoft.com/office/drawing/2014/main" id="{1FF22784-0969-368E-56F3-4C1B21A6A0F9}"/>
-              </a:ext>
-            </a:extLst>
-          </p:cNvPr>
-          <p:cNvSpPr/>
-          <p:nvPr/>
-        </p:nvSpPr>
-        <p:spPr>
-          <a:xfrm>
-            <a:off x="1190728" y="3063977"/>
-            <a:ext cx="2789583" cy="212035"/>
-          </a:xfrm>
-          <a:prstGeom prst="rect">
-            <a:avLst/>
-          </a:prstGeom>
-          <a:noFill/>
-          <a:ln w="38100">
-            <a:solidFill>
-              <a:srgbClr val="0070C0"/>
-            </a:solidFill>
-          </a:ln>
-        </p:spPr>
-        <p:style>
-          <a:lnRef idx="2">
-            <a:schemeClr val="accent1">
-              <a:shade val="15000"/>
-            </a:schemeClr>
-          </a:lnRef>
-          <a:fillRef idx="1">
-            <a:schemeClr val="accent1"/>
-          </a:fillRef>
-          <a:effectRef idx="0">
-            <a:schemeClr val="accent1"/>
-          </a:effectRef>
-          <a:fontRef idx="minor">
-            <a:schemeClr val="lt1"/>
-          </a:fontRef>
-        </p:style>
-        <p:txBody>
-          <a:bodyPr rtlCol="0" anchor="ctr"/>
-          <a:lstStyle/>
-          <a:p>
-            <a:pPr algn="ctr"/>
-            <a:endParaRPr lang="ko-KR" altLang="en-US"/>
-          </a:p>
-        </p:txBody>
-      </p:sp>
-      <p:grpSp>
-        <p:nvGrpSpPr>
-          <p:cNvPr id="9" name="그룹 8">
-            <a:extLst>
-              <a:ext uri="{FF2B5EF4-FFF2-40B4-BE49-F238E27FC236}">
-                <a16:creationId xmlns:a16="http://schemas.microsoft.com/office/drawing/2014/main" id="{FD40C003-F826-C7DF-2809-8BF805EAD4BB}"/>
-              </a:ext>
-            </a:extLst>
-          </p:cNvPr>
-          <p:cNvGrpSpPr/>
-          <p:nvPr/>
-        </p:nvGrpSpPr>
-        <p:grpSpPr>
-          <a:xfrm>
-            <a:off x="8176586" y="1356488"/>
-            <a:ext cx="3313043" cy="2315209"/>
-            <a:chOff x="766689" y="1737360"/>
-            <a:chExt cx="2042772" cy="2868215"/>
-          </a:xfrm>
-        </p:grpSpPr>
-        <p:sp>
-          <p:nvSpPr>
-            <p:cNvPr id="10" name="직사각형 9">
-              <a:extLst>
-                <a:ext uri="{FF2B5EF4-FFF2-40B4-BE49-F238E27FC236}">
-                  <a16:creationId xmlns:a16="http://schemas.microsoft.com/office/drawing/2014/main" id="{79A3F878-22CB-4E35-EAE3-2E3BC3E50A28}"/>
-                </a:ext>
-              </a:extLst>
-            </p:cNvPr>
-            <p:cNvSpPr/>
-            <p:nvPr/>
-          </p:nvSpPr>
-          <p:spPr>
-            <a:xfrm>
-              <a:off x="766689" y="1737360"/>
-              <a:ext cx="2042772" cy="351692"/>
-            </a:xfrm>
-            <a:prstGeom prst="rect">
-              <a:avLst/>
-            </a:prstGeom>
-          </p:spPr>
-          <p:style>
-            <a:lnRef idx="2">
-              <a:schemeClr val="accent1">
-                <a:shade val="15000"/>
-              </a:schemeClr>
-            </a:lnRef>
-            <a:fillRef idx="1">
-              <a:schemeClr val="accent1"/>
-            </a:fillRef>
-            <a:effectRef idx="0">
-              <a:schemeClr val="accent1"/>
-            </a:effectRef>
-            <a:fontRef idx="minor">
-              <a:schemeClr val="lt1"/>
-            </a:fontRef>
-          </p:style>
-          <p:txBody>
-            <a:bodyPr rtlCol="0" anchor="ctr"/>
-            <a:lstStyle/>
-            <a:p>
-              <a:pPr algn="ctr"/>
-              <a:r>
-                <a:rPr lang="en-US" altLang="ko-KR" sz="1600" dirty="0">
-                  <a:latin typeface="배달의민족 한나체 Pro" panose="020B0600000101010101" pitchFamily="50" charset="-127"/>
-                  <a:ea typeface="배달의민족 한나체 Pro" panose="020B0600000101010101" pitchFamily="50" charset="-127"/>
-                </a:rPr>
-                <a:t>Next  Pos Talking</a:t>
-              </a:r>
-              <a:r>
-                <a:rPr lang="ko-KR" altLang="en-US" sz="1600" dirty="0">
-                  <a:latin typeface="배달의민족 한나체 Pro" panose="020B0600000101010101" pitchFamily="50" charset="-127"/>
-                  <a:ea typeface="배달의민족 한나체 Pro" panose="020B0600000101010101" pitchFamily="50" charset="-127"/>
-                </a:rPr>
-                <a:t> </a:t>
-              </a:r>
-              <a:r>
-                <a:rPr lang="en-US" altLang="ko-KR" sz="1600" dirty="0">
-                  <a:latin typeface="배달의민족 한나체 Pro" panose="020B0600000101010101" pitchFamily="50" charset="-127"/>
-                  <a:ea typeface="배달의민족 한나체 Pro" panose="020B0600000101010101" pitchFamily="50" charset="-127"/>
-                </a:rPr>
-                <a:t>DT</a:t>
-              </a:r>
-              <a:endParaRPr lang="ko-KR" altLang="en-US" sz="1600" dirty="0">
-                <a:latin typeface="배달의민족 한나체 Pro" panose="020B0600000101010101" pitchFamily="50" charset="-127"/>
-                <a:ea typeface="배달의민족 한나체 Pro" panose="020B0600000101010101" pitchFamily="50" charset="-127"/>
-              </a:endParaRPr>
-            </a:p>
-          </p:txBody>
-        </p:sp>
-        <p:sp>
-          <p:nvSpPr>
-            <p:cNvPr id="11" name="TextBox 10">
-              <a:extLst>
-                <a:ext uri="{FF2B5EF4-FFF2-40B4-BE49-F238E27FC236}">
-                  <a16:creationId xmlns:a16="http://schemas.microsoft.com/office/drawing/2014/main" id="{6B7B08F2-E371-CA00-1CE7-8379F8BCB5C3}"/>
-                </a:ext>
-              </a:extLst>
-            </p:cNvPr>
-            <p:cNvSpPr txBox="1"/>
-            <p:nvPr/>
-          </p:nvSpPr>
-          <p:spPr>
-            <a:xfrm>
-              <a:off x="766689" y="2089052"/>
-              <a:ext cx="2042772" cy="2516523"/>
-            </a:xfrm>
-            <a:prstGeom prst="rect">
-              <a:avLst/>
-            </a:prstGeom>
-            <a:noFill/>
-            <a:ln w="19050">
-              <a:solidFill>
-                <a:schemeClr val="tx1"/>
-              </a:solidFill>
-            </a:ln>
-          </p:spPr>
-          <p:txBody>
-            <a:bodyPr wrap="square" rtlCol="0">
-              <a:spAutoFit/>
-            </a:bodyPr>
-            <a:lstStyle/>
-            <a:p>
-              <a:pPr marL="285750" indent="-285750">
-                <a:buFontTx/>
-                <a:buChar char="-"/>
-              </a:pPr>
-              <a:r>
-                <a:rPr lang="en-US" altLang="ko-KR" sz="1400" dirty="0">
-                  <a:latin typeface="배달의민족 한나체 Pro" panose="020B0600000101010101" pitchFamily="50" charset="-127"/>
-                  <a:ea typeface="배달의민족 한나체 Pro" panose="020B0600000101010101" pitchFamily="50" charset="-127"/>
-                </a:rPr>
-                <a:t>ID </a:t>
-              </a:r>
-              <a:r>
-                <a:rPr lang="en-US" altLang="ko-KR" sz="1050" dirty="0">
-                  <a:latin typeface="배달의민족 한나체 Air" panose="020B0600000101010101" pitchFamily="50" charset="-127"/>
-                  <a:ea typeface="배달의민족 한나체 Air" panose="020B0600000101010101" pitchFamily="50" charset="-127"/>
-                </a:rPr>
-                <a:t>(</a:t>
-              </a:r>
-              <a:r>
-                <a:rPr lang="ko-KR" altLang="en-US" sz="1050" dirty="0">
-                  <a:latin typeface="배달의민족 한나체 Air" panose="020B0600000101010101" pitchFamily="50" charset="-127"/>
-                  <a:ea typeface="배달의민족 한나체 Air" panose="020B0600000101010101" pitchFamily="50" charset="-127"/>
-                </a:rPr>
-                <a:t>대화 </a:t>
-              </a:r>
-              <a:r>
-                <a:rPr lang="en-US" altLang="ko-KR" sz="1050" dirty="0">
-                  <a:latin typeface="배달의민족 한나체 Air" panose="020B0600000101010101" pitchFamily="50" charset="-127"/>
-                  <a:ea typeface="배달의민족 한나체 Air" panose="020B0600000101010101" pitchFamily="50" charset="-127"/>
-                </a:rPr>
-                <a:t>ID)</a:t>
-              </a:r>
-            </a:p>
-            <a:p>
-              <a:pPr marL="285750" indent="-285750">
-                <a:buFontTx/>
-                <a:buChar char="-"/>
-              </a:pPr>
-              <a:r>
-                <a:rPr lang="en-US" altLang="ko-KR" sz="1400" dirty="0">
-                  <a:latin typeface="배달의민족 한나체 Pro" panose="020B0600000101010101" pitchFamily="50" charset="-127"/>
-                  <a:ea typeface="배달의민족 한나체 Pro" panose="020B0600000101010101" pitchFamily="50" charset="-127"/>
-                </a:rPr>
-                <a:t>Name </a:t>
-              </a:r>
-              <a:r>
-                <a:rPr lang="en-US" altLang="ko-KR" sz="1050" dirty="0">
-                  <a:latin typeface="배달의민족 한나체 Air" panose="020B0600000101010101" pitchFamily="50" charset="-127"/>
-                  <a:ea typeface="배달의민족 한나체 Air" panose="020B0600000101010101" pitchFamily="50" charset="-127"/>
-                </a:rPr>
-                <a:t>(</a:t>
-              </a:r>
-              <a:r>
-                <a:rPr lang="ko-KR" altLang="en-US" sz="1050" dirty="0">
-                  <a:latin typeface="배달의민족 한나체 Air" panose="020B0600000101010101" pitchFamily="50" charset="-127"/>
-                  <a:ea typeface="배달의민족 한나체 Air" panose="020B0600000101010101" pitchFamily="50" charset="-127"/>
-                </a:rPr>
-                <a:t>대화 이름</a:t>
-              </a:r>
-              <a:r>
-                <a:rPr lang="en-US" altLang="ko-KR" sz="1050" dirty="0">
-                  <a:latin typeface="배달의민족 한나체 Air" panose="020B0600000101010101" pitchFamily="50" charset="-127"/>
-                  <a:ea typeface="배달의민족 한나체 Air" panose="020B0600000101010101" pitchFamily="50" charset="-127"/>
-                </a:rPr>
-                <a:t>)</a:t>
-              </a:r>
-              <a:endParaRPr lang="en-US" altLang="ko-KR" sz="1400" dirty="0">
-                <a:latin typeface="배달의민족 한나체 Air" panose="020B0600000101010101" pitchFamily="50" charset="-127"/>
-                <a:ea typeface="배달의민족 한나체 Air" panose="020B0600000101010101" pitchFamily="50" charset="-127"/>
-              </a:endParaRPr>
-            </a:p>
-            <a:p>
-              <a:pPr marL="285750" indent="-285750">
-                <a:buFontTx/>
-                <a:buChar char="-"/>
-              </a:pPr>
-              <a:r>
-                <a:rPr lang="en-US" altLang="ko-KR" sz="1400" dirty="0">
-                  <a:latin typeface="배달의민족 한나체 Pro" panose="020B0600000101010101" pitchFamily="50" charset="-127"/>
-                  <a:ea typeface="배달의민족 한나체 Pro" panose="020B0600000101010101" pitchFamily="50" charset="-127"/>
-                </a:rPr>
-                <a:t>Type </a:t>
-              </a:r>
-              <a:r>
-                <a:rPr lang="en-US" altLang="ko-KR" sz="1050" dirty="0">
-                  <a:latin typeface="배달의민족 한나체 Air" panose="020B0600000101010101" pitchFamily="50" charset="-127"/>
-                  <a:ea typeface="배달의민족 한나체 Air" panose="020B0600000101010101" pitchFamily="50" charset="-127"/>
-                </a:rPr>
-                <a:t>(</a:t>
-              </a:r>
-              <a:r>
-                <a:rPr lang="ko-KR" altLang="en-US" sz="1050" dirty="0">
-                  <a:latin typeface="배달의민족 한나체 Air" panose="020B0600000101010101" pitchFamily="50" charset="-127"/>
-                  <a:ea typeface="배달의민족 한나체 Air" panose="020B0600000101010101" pitchFamily="50" charset="-127"/>
-                </a:rPr>
-                <a:t>대화의 타입</a:t>
-              </a:r>
-              <a:r>
-                <a:rPr lang="en-US" altLang="ko-KR" sz="1050" dirty="0">
-                  <a:latin typeface="배달의민족 한나체 Air" panose="020B0600000101010101" pitchFamily="50" charset="-127"/>
-                  <a:ea typeface="배달의민족 한나체 Air" panose="020B0600000101010101" pitchFamily="50" charset="-127"/>
-                </a:rPr>
-                <a:t>)</a:t>
-              </a:r>
-              <a:endParaRPr lang="en-US" altLang="ko-KR" sz="1400" dirty="0">
-                <a:latin typeface="배달의민족 한나체 Air" panose="020B0600000101010101" pitchFamily="50" charset="-127"/>
-                <a:ea typeface="배달의민족 한나체 Air" panose="020B0600000101010101" pitchFamily="50" charset="-127"/>
-              </a:endParaRPr>
-            </a:p>
-            <a:p>
-              <a:pPr marL="285750" indent="-285750">
-                <a:buFontTx/>
-                <a:buChar char="-"/>
-              </a:pPr>
-              <a:r>
-                <a:rPr lang="en-US" altLang="ko-KR" sz="1400" dirty="0" err="1">
-                  <a:latin typeface="배달의민족 한나체 Pro" panose="020B0600000101010101" pitchFamily="50" charset="-127"/>
-                  <a:ea typeface="배달의민족 한나체 Pro" panose="020B0600000101010101" pitchFamily="50" charset="-127"/>
-                </a:rPr>
-                <a:t>MainText</a:t>
-              </a:r>
-              <a:r>
-                <a:rPr lang="en-US" altLang="ko-KR" sz="1400" dirty="0">
-                  <a:latin typeface="배달의민족 한나체 Pro" panose="020B0600000101010101" pitchFamily="50" charset="-127"/>
-                  <a:ea typeface="배달의민족 한나체 Pro" panose="020B0600000101010101" pitchFamily="50" charset="-127"/>
-                </a:rPr>
-                <a:t> </a:t>
-              </a:r>
-              <a:r>
-                <a:rPr lang="en-US" altLang="ko-KR" sz="1050" dirty="0">
-                  <a:latin typeface="배달의민족 한나체 Air" panose="020B0600000101010101" pitchFamily="50" charset="-127"/>
-                  <a:ea typeface="배달의민족 한나체 Air" panose="020B0600000101010101" pitchFamily="50" charset="-127"/>
-                </a:rPr>
-                <a:t>(</a:t>
-              </a:r>
-              <a:r>
-                <a:rPr lang="ko-KR" altLang="en-US" sz="1050" dirty="0">
-                  <a:latin typeface="배달의민족 한나체 Air" panose="020B0600000101010101" pitchFamily="50" charset="-127"/>
-                  <a:ea typeface="배달의민족 한나체 Air" panose="020B0600000101010101" pitchFamily="50" charset="-127"/>
-                </a:rPr>
-                <a:t>문자 텍스트</a:t>
-              </a:r>
-              <a:r>
-                <a:rPr lang="en-US" altLang="ko-KR" sz="1050" dirty="0">
-                  <a:latin typeface="배달의민족 한나체 Air" panose="020B0600000101010101" pitchFamily="50" charset="-127"/>
-                  <a:ea typeface="배달의민족 한나체 Air" panose="020B0600000101010101" pitchFamily="50" charset="-127"/>
-                </a:rPr>
-                <a:t>)</a:t>
-              </a:r>
-              <a:endParaRPr lang="en-US" altLang="ko-KR" sz="1400" dirty="0">
-                <a:latin typeface="배달의민족 한나체 Air" panose="020B0600000101010101" pitchFamily="50" charset="-127"/>
-                <a:ea typeface="배달의민족 한나체 Air" panose="020B0600000101010101" pitchFamily="50" charset="-127"/>
-              </a:endParaRPr>
-            </a:p>
-            <a:p>
-              <a:pPr marL="285750" indent="-285750">
-                <a:buFontTx/>
-                <a:buChar char="-"/>
-              </a:pPr>
-              <a:r>
-                <a:rPr lang="en-US" altLang="ko-KR" sz="1400" dirty="0" err="1">
-                  <a:latin typeface="배달의민족 한나체 Pro" panose="020B0600000101010101" pitchFamily="50" charset="-127"/>
-                  <a:ea typeface="배달의민족 한나체 Pro" panose="020B0600000101010101" pitchFamily="50" charset="-127"/>
-                </a:rPr>
-                <a:t>AnswerList</a:t>
-              </a:r>
-              <a:r>
-                <a:rPr lang="en-US" altLang="ko-KR" sz="1400" dirty="0">
-                  <a:latin typeface="배달의민족 한나체 Pro" panose="020B0600000101010101" pitchFamily="50" charset="-127"/>
-                  <a:ea typeface="배달의민족 한나체 Pro" panose="020B0600000101010101" pitchFamily="50" charset="-127"/>
-                </a:rPr>
-                <a:t> </a:t>
-              </a:r>
-              <a:r>
-                <a:rPr lang="en-US" altLang="ko-KR" sz="1050" dirty="0">
-                  <a:latin typeface="배달의민족 한나체 Air" panose="020B0600000101010101" pitchFamily="50" charset="-127"/>
-                  <a:ea typeface="배달의민족 한나체 Air" panose="020B0600000101010101" pitchFamily="50" charset="-127"/>
-                </a:rPr>
-                <a:t>(</a:t>
-              </a:r>
-              <a:r>
-                <a:rPr lang="ko-KR" altLang="en-US" sz="1050" dirty="0">
-                  <a:latin typeface="배달의민족 한나체 Air" panose="020B0600000101010101" pitchFamily="50" charset="-127"/>
-                  <a:ea typeface="배달의민족 한나체 Air" panose="020B0600000101010101" pitchFamily="50" charset="-127"/>
-                </a:rPr>
-                <a:t>답변에 이용될 </a:t>
-              </a:r>
-              <a:r>
-                <a:rPr lang="en-US" altLang="ko-KR" sz="1050" dirty="0">
-                  <a:latin typeface="배달의민족 한나체 Air" panose="020B0600000101010101" pitchFamily="50" charset="-127"/>
-                  <a:ea typeface="배달의민족 한나체 Air" panose="020B0600000101010101" pitchFamily="50" charset="-127"/>
-                </a:rPr>
-                <a:t>text </a:t>
-              </a:r>
-              <a:r>
-                <a:rPr lang="ko-KR" altLang="en-US" sz="1050" dirty="0">
-                  <a:latin typeface="배달의민족 한나체 Air" panose="020B0600000101010101" pitchFamily="50" charset="-127"/>
-                  <a:ea typeface="배달의민족 한나체 Air" panose="020B0600000101010101" pitchFamily="50" charset="-127"/>
-                </a:rPr>
-                <a:t>리스트</a:t>
-              </a:r>
-              <a:r>
-                <a:rPr lang="en-US" altLang="ko-KR" sz="1050" dirty="0">
-                  <a:latin typeface="배달의민족 한나체 Air" panose="020B0600000101010101" pitchFamily="50" charset="-127"/>
-                  <a:ea typeface="배달의민족 한나체 Air" panose="020B0600000101010101" pitchFamily="50" charset="-127"/>
-                </a:rPr>
-                <a:t>)</a:t>
-              </a:r>
-            </a:p>
-            <a:p>
-              <a:pPr marL="285750" indent="-285750">
-                <a:buFontTx/>
-                <a:buChar char="-"/>
-              </a:pPr>
-              <a:r>
-                <a:rPr lang="en-US" altLang="ko-KR" sz="1400" dirty="0" err="1">
-                  <a:latin typeface="배달의민족 한나체 Pro" panose="020B0600000101010101" pitchFamily="50" charset="-127"/>
-                  <a:ea typeface="배달의민족 한나체 Pro" panose="020B0600000101010101" pitchFamily="50" charset="-127"/>
-                </a:rPr>
-                <a:t>PositiveTextList</a:t>
-              </a:r>
-              <a:r>
-                <a:rPr lang="en-US" altLang="ko-KR" sz="1400" dirty="0">
-                  <a:latin typeface="배달의민족 한나체 Pro" panose="020B0600000101010101" pitchFamily="50" charset="-127"/>
-                  <a:ea typeface="배달의민족 한나체 Pro" panose="020B0600000101010101" pitchFamily="50" charset="-127"/>
-                </a:rPr>
-                <a:t> </a:t>
-              </a:r>
-              <a:r>
-                <a:rPr lang="en-US" altLang="ko-KR" sz="1050" dirty="0">
-                  <a:latin typeface="배달의민족 한나체 Air" panose="020B0600000101010101" pitchFamily="50" charset="-127"/>
-                  <a:ea typeface="배달의민족 한나체 Air" panose="020B0600000101010101" pitchFamily="50" charset="-127"/>
-                </a:rPr>
-                <a:t>(</a:t>
-              </a:r>
-              <a:r>
-                <a:rPr lang="ko-KR" altLang="en-US" sz="1050" dirty="0">
-                  <a:latin typeface="배달의민족 한나체 Air" panose="020B0600000101010101" pitchFamily="50" charset="-127"/>
-                  <a:ea typeface="배달의민족 한나체 Air" panose="020B0600000101010101" pitchFamily="50" charset="-127"/>
-                </a:rPr>
-                <a:t>긍정적인 텍스트 리스트</a:t>
-              </a:r>
-              <a:r>
-                <a:rPr lang="en-US" altLang="ko-KR" sz="1050" dirty="0">
-                  <a:latin typeface="배달의민족 한나체 Air" panose="020B0600000101010101" pitchFamily="50" charset="-127"/>
-                  <a:ea typeface="배달의민족 한나체 Air" panose="020B0600000101010101" pitchFamily="50" charset="-127"/>
-                </a:rPr>
-                <a:t>)</a:t>
-              </a:r>
-            </a:p>
-            <a:p>
-              <a:pPr marL="285750" indent="-285750">
-                <a:buFontTx/>
-                <a:buChar char="-"/>
-              </a:pPr>
-              <a:r>
-                <a:rPr lang="en-US" altLang="ko-KR" sz="1400" dirty="0" err="1">
-                  <a:latin typeface="배달의민족 한나체 Pro" panose="020B0600000101010101" pitchFamily="50" charset="-127"/>
-                  <a:ea typeface="배달의민족 한나체 Pro" panose="020B0600000101010101" pitchFamily="50" charset="-127"/>
-                </a:rPr>
-                <a:t>PositiveResultID</a:t>
-              </a:r>
-              <a:r>
-                <a:rPr lang="en-US" altLang="ko-KR" sz="1400" dirty="0">
-                  <a:latin typeface="배달의민족 한나체 Pro" panose="020B0600000101010101" pitchFamily="50" charset="-127"/>
-                  <a:ea typeface="배달의민족 한나체 Pro" panose="020B0600000101010101" pitchFamily="50" charset="-127"/>
-                </a:rPr>
-                <a:t> </a:t>
-              </a:r>
-              <a:r>
-                <a:rPr lang="en-US" altLang="ko-KR" sz="1050" dirty="0">
-                  <a:latin typeface="배달의민족 한나체 Air" panose="020B0600000101010101" pitchFamily="50" charset="-127"/>
-                  <a:ea typeface="배달의민족 한나체 Air" panose="020B0600000101010101" pitchFamily="50" charset="-127"/>
-                </a:rPr>
-                <a:t>(</a:t>
-              </a:r>
-              <a:r>
-                <a:rPr lang="ko-KR" altLang="en-US" sz="1050" dirty="0">
-                  <a:latin typeface="배달의민족 한나체 Air" panose="020B0600000101010101" pitchFamily="50" charset="-127"/>
-                  <a:ea typeface="배달의민족 한나체 Air" panose="020B0600000101010101" pitchFamily="50" charset="-127"/>
-                </a:rPr>
-                <a:t>긍정적인 답변 대화</a:t>
-              </a:r>
-              <a:r>
-                <a:rPr lang="en-US" altLang="ko-KR" sz="1050" dirty="0">
-                  <a:latin typeface="배달의민족 한나체 Air" panose="020B0600000101010101" pitchFamily="50" charset="-127"/>
-                  <a:ea typeface="배달의민족 한나체 Air" panose="020B0600000101010101" pitchFamily="50" charset="-127"/>
-                </a:rPr>
-                <a:t>ID)</a:t>
-              </a:r>
-            </a:p>
-            <a:p>
-              <a:pPr marL="285750" indent="-285750">
-                <a:buFontTx/>
-                <a:buChar char="-"/>
-              </a:pPr>
-              <a:r>
-                <a:rPr lang="en-US" altLang="ko-KR" sz="1400" dirty="0" err="1">
-                  <a:latin typeface="배달의민족 한나체 Pro" panose="020B0600000101010101" pitchFamily="50" charset="-127"/>
-                  <a:ea typeface="배달의민족 한나체 Pro" panose="020B0600000101010101" pitchFamily="50" charset="-127"/>
-                </a:rPr>
-                <a:t>NegativeTextList</a:t>
-              </a:r>
-              <a:r>
-                <a:rPr lang="en-US" altLang="ko-KR" sz="1400" dirty="0">
-                  <a:latin typeface="배달의민족 한나체 Pro" panose="020B0600000101010101" pitchFamily="50" charset="-127"/>
-                  <a:ea typeface="배달의민족 한나체 Pro" panose="020B0600000101010101" pitchFamily="50" charset="-127"/>
-                </a:rPr>
-                <a:t> </a:t>
-              </a:r>
-              <a:r>
-                <a:rPr lang="en-US" altLang="ko-KR" sz="1050" dirty="0">
-                  <a:latin typeface="배달의민족 한나체 Air" panose="020B0600000101010101" pitchFamily="50" charset="-127"/>
-                  <a:ea typeface="배달의민족 한나체 Air" panose="020B0600000101010101" pitchFamily="50" charset="-127"/>
-                </a:rPr>
-                <a:t>(</a:t>
-              </a:r>
-              <a:r>
-                <a:rPr lang="ko-KR" altLang="en-US" sz="1050" dirty="0">
-                  <a:latin typeface="배달의민족 한나체 Air" panose="020B0600000101010101" pitchFamily="50" charset="-127"/>
-                  <a:ea typeface="배달의민족 한나체 Air" panose="020B0600000101010101" pitchFamily="50" charset="-127"/>
-                </a:rPr>
-                <a:t>부정적인 텍스트 리스트</a:t>
-              </a:r>
-              <a:r>
-                <a:rPr lang="en-US" altLang="ko-KR" sz="1050" dirty="0">
-                  <a:latin typeface="배달의민족 한나체 Air" panose="020B0600000101010101" pitchFamily="50" charset="-127"/>
-                  <a:ea typeface="배달의민족 한나체 Air" panose="020B0600000101010101" pitchFamily="50" charset="-127"/>
-                </a:rPr>
-                <a:t>)</a:t>
-              </a:r>
-            </a:p>
-            <a:p>
-              <a:pPr marL="285750" indent="-285750">
-                <a:buFontTx/>
-                <a:buChar char="-"/>
-              </a:pPr>
-              <a:r>
-                <a:rPr lang="en-US" altLang="ko-KR" sz="1400" dirty="0" err="1">
-                  <a:latin typeface="배달의민족 한나체 Pro" panose="020B0600000101010101" pitchFamily="50" charset="-127"/>
-                  <a:ea typeface="배달의민족 한나체 Pro" panose="020B0600000101010101" pitchFamily="50" charset="-127"/>
-                </a:rPr>
-                <a:t>NegativeResultID</a:t>
-              </a:r>
-              <a:r>
-                <a:rPr lang="en-US" altLang="ko-KR" sz="1050" dirty="0">
-                  <a:latin typeface="배달의민족 한나체 Pro" panose="020B0600000101010101" pitchFamily="50" charset="-127"/>
-                  <a:ea typeface="배달의민족 한나체 Pro" panose="020B0600000101010101" pitchFamily="50" charset="-127"/>
-                </a:rPr>
-                <a:t> </a:t>
-              </a:r>
-              <a:r>
-                <a:rPr lang="en-US" altLang="ko-KR" sz="1050" dirty="0">
-                  <a:latin typeface="배달의민족 한나체 Air" panose="020B0600000101010101" pitchFamily="50" charset="-127"/>
-                  <a:ea typeface="배달의민족 한나체 Air" panose="020B0600000101010101" pitchFamily="50" charset="-127"/>
-                </a:rPr>
-                <a:t>(</a:t>
-              </a:r>
-              <a:r>
-                <a:rPr lang="ko-KR" altLang="en-US" sz="1050" dirty="0">
-                  <a:latin typeface="배달의민족 한나체 Air" panose="020B0600000101010101" pitchFamily="50" charset="-127"/>
-                  <a:ea typeface="배달의민족 한나체 Air" panose="020B0600000101010101" pitchFamily="50" charset="-127"/>
-                </a:rPr>
-                <a:t>부정적인 답변 대화</a:t>
-              </a:r>
-              <a:r>
-                <a:rPr lang="en-US" altLang="ko-KR" sz="1050" dirty="0">
-                  <a:latin typeface="배달의민족 한나체 Air" panose="020B0600000101010101" pitchFamily="50" charset="-127"/>
-                  <a:ea typeface="배달의민족 한나체 Air" panose="020B0600000101010101" pitchFamily="50" charset="-127"/>
-                </a:rPr>
-                <a:t>ID)</a:t>
-              </a:r>
-            </a:p>
-          </p:txBody>
-        </p:sp>
-      </p:grpSp>
       <p:cxnSp>
         <p:nvCxnSpPr>
           <p:cNvPr id="16" name="직선 화살표 연결선 15">
@@ -18790,15 +17912,59 @@
             </a:extLst>
           </p:cNvPr>
           <p:cNvCxnSpPr>
-            <a:stCxn id="8" idx="3"/>
-            <a:endCxn id="11" idx="1"/>
+            <a:cxnSpLocks/>
           </p:cNvCxnSpPr>
           <p:nvPr/>
         </p:nvCxnSpPr>
         <p:spPr>
           <a:xfrm flipV="1">
-            <a:off x="3980311" y="2656035"/>
-            <a:ext cx="4196275" cy="513960"/>
+            <a:off x="3902765" y="2656035"/>
+            <a:ext cx="4273821" cy="205384"/>
+          </a:xfrm>
+          <a:prstGeom prst="straightConnector1">
+            <a:avLst/>
+          </a:prstGeom>
+          <a:ln w="38100">
+            <a:solidFill>
+              <a:srgbClr val="0070C0"/>
+            </a:solidFill>
+            <a:tailEnd type="triangle"/>
+          </a:ln>
+        </p:spPr>
+        <p:style>
+          <a:lnRef idx="2">
+            <a:schemeClr val="accent1"/>
+          </a:lnRef>
+          <a:fillRef idx="0">
+            <a:schemeClr val="accent1"/>
+          </a:fillRef>
+          <a:effectRef idx="1">
+            <a:schemeClr val="accent1"/>
+          </a:effectRef>
+          <a:fontRef idx="minor">
+            <a:schemeClr val="tx1"/>
+          </a:fontRef>
+        </p:style>
+      </p:cxnSp>
+      <p:cxnSp>
+        <p:nvCxnSpPr>
+          <p:cNvPr id="18" name="직선 화살표 연결선 17">
+            <a:extLst>
+              <a:ext uri="{FF2B5EF4-FFF2-40B4-BE49-F238E27FC236}">
+                <a16:creationId xmlns:a16="http://schemas.microsoft.com/office/drawing/2014/main" id="{9CF9F3DA-3DF0-7FC4-E9D6-B81264B8916B}"/>
+              </a:ext>
+            </a:extLst>
+          </p:cNvPr>
+          <p:cNvCxnSpPr>
+            <a:cxnSpLocks/>
+            <a:endCxn id="36" idx="1"/>
+          </p:cNvCxnSpPr>
+          <p:nvPr/>
+        </p:nvCxnSpPr>
+        <p:spPr>
+          <a:xfrm>
+            <a:off x="3955774" y="3333125"/>
+            <a:ext cx="4220811" cy="1854614"/>
           </a:xfrm>
           <a:prstGeom prst="straightConnector1">
             <a:avLst/>
@@ -18827,603 +17993,6 @@
       </p:cxnSp>
       <p:sp>
         <p:nvSpPr>
-          <p:cNvPr id="17" name="직사각형 16">
-            <a:extLst>
-              <a:ext uri="{FF2B5EF4-FFF2-40B4-BE49-F238E27FC236}">
-                <a16:creationId xmlns:a16="http://schemas.microsoft.com/office/drawing/2014/main" id="{23B8DE60-2E52-0217-9980-B0FA7816BCDB}"/>
-              </a:ext>
-            </a:extLst>
-          </p:cNvPr>
-          <p:cNvSpPr/>
-          <p:nvPr/>
-        </p:nvSpPr>
-        <p:spPr>
-          <a:xfrm>
-            <a:off x="1184174" y="3475971"/>
-            <a:ext cx="2789583" cy="212035"/>
-          </a:xfrm>
-          <a:prstGeom prst="rect">
-            <a:avLst/>
-          </a:prstGeom>
-          <a:noFill/>
-          <a:ln w="38100">
-            <a:solidFill>
-              <a:srgbClr val="0070C0"/>
-            </a:solidFill>
-          </a:ln>
-        </p:spPr>
-        <p:style>
-          <a:lnRef idx="2">
-            <a:schemeClr val="accent1">
-              <a:shade val="15000"/>
-            </a:schemeClr>
-          </a:lnRef>
-          <a:fillRef idx="1">
-            <a:schemeClr val="accent1"/>
-          </a:fillRef>
-          <a:effectRef idx="0">
-            <a:schemeClr val="accent1"/>
-          </a:effectRef>
-          <a:fontRef idx="minor">
-            <a:schemeClr val="lt1"/>
-          </a:fontRef>
-        </p:style>
-        <p:txBody>
-          <a:bodyPr rtlCol="0" anchor="ctr"/>
-          <a:lstStyle/>
-          <a:p>
-            <a:pPr algn="ctr"/>
-            <a:endParaRPr lang="ko-KR" altLang="en-US"/>
-          </a:p>
-        </p:txBody>
-      </p:sp>
-      <p:cxnSp>
-        <p:nvCxnSpPr>
-          <p:cNvPr id="18" name="직선 화살표 연결선 17">
-            <a:extLst>
-              <a:ext uri="{FF2B5EF4-FFF2-40B4-BE49-F238E27FC236}">
-                <a16:creationId xmlns:a16="http://schemas.microsoft.com/office/drawing/2014/main" id="{9CF9F3DA-3DF0-7FC4-E9D6-B81264B8916B}"/>
-              </a:ext>
-            </a:extLst>
-          </p:cNvPr>
-          <p:cNvCxnSpPr>
-            <a:cxnSpLocks/>
-            <a:stCxn id="17" idx="3"/>
-            <a:endCxn id="23" idx="1"/>
-          </p:cNvCxnSpPr>
-          <p:nvPr/>
-        </p:nvCxnSpPr>
-        <p:spPr>
-          <a:xfrm>
-            <a:off x="3973757" y="3581989"/>
-            <a:ext cx="4202829" cy="1753305"/>
-          </a:xfrm>
-          <a:prstGeom prst="straightConnector1">
-            <a:avLst/>
-          </a:prstGeom>
-          <a:ln w="38100">
-            <a:solidFill>
-              <a:srgbClr val="0070C0"/>
-            </a:solidFill>
-            <a:tailEnd type="triangle"/>
-          </a:ln>
-        </p:spPr>
-        <p:style>
-          <a:lnRef idx="2">
-            <a:schemeClr val="accent1"/>
-          </a:lnRef>
-          <a:fillRef idx="0">
-            <a:schemeClr val="accent1"/>
-          </a:fillRef>
-          <a:effectRef idx="1">
-            <a:schemeClr val="accent1"/>
-          </a:effectRef>
-          <a:fontRef idx="minor">
-            <a:schemeClr val="tx1"/>
-          </a:fontRef>
-        </p:style>
-      </p:cxnSp>
-      <p:grpSp>
-        <p:nvGrpSpPr>
-          <p:cNvPr id="21" name="그룹 20">
-            <a:extLst>
-              <a:ext uri="{FF2B5EF4-FFF2-40B4-BE49-F238E27FC236}">
-                <a16:creationId xmlns:a16="http://schemas.microsoft.com/office/drawing/2014/main" id="{B764E30F-64A7-960E-96C2-A709246BDC3E}"/>
-              </a:ext>
-            </a:extLst>
-          </p:cNvPr>
-          <p:cNvGrpSpPr/>
-          <p:nvPr/>
-        </p:nvGrpSpPr>
-        <p:grpSpPr>
-          <a:xfrm>
-            <a:off x="8176586" y="4035747"/>
-            <a:ext cx="3313043" cy="2315209"/>
-            <a:chOff x="766689" y="1737360"/>
-            <a:chExt cx="2042772" cy="2868215"/>
-          </a:xfrm>
-        </p:grpSpPr>
-        <p:sp>
-          <p:nvSpPr>
-            <p:cNvPr id="22" name="직사각형 21">
-              <a:extLst>
-                <a:ext uri="{FF2B5EF4-FFF2-40B4-BE49-F238E27FC236}">
-                  <a16:creationId xmlns:a16="http://schemas.microsoft.com/office/drawing/2014/main" id="{51FEBE39-423E-390C-163C-B569EF653A19}"/>
-                </a:ext>
-              </a:extLst>
-            </p:cNvPr>
-            <p:cNvSpPr/>
-            <p:nvPr/>
-          </p:nvSpPr>
-          <p:spPr>
-            <a:xfrm>
-              <a:off x="766689" y="1737360"/>
-              <a:ext cx="2042772" cy="351692"/>
-            </a:xfrm>
-            <a:prstGeom prst="rect">
-              <a:avLst/>
-            </a:prstGeom>
-          </p:spPr>
-          <p:style>
-            <a:lnRef idx="2">
-              <a:schemeClr val="accent1">
-                <a:shade val="15000"/>
-              </a:schemeClr>
-            </a:lnRef>
-            <a:fillRef idx="1">
-              <a:schemeClr val="accent1"/>
-            </a:fillRef>
-            <a:effectRef idx="0">
-              <a:schemeClr val="accent1"/>
-            </a:effectRef>
-            <a:fontRef idx="minor">
-              <a:schemeClr val="lt1"/>
-            </a:fontRef>
-          </p:style>
-          <p:txBody>
-            <a:bodyPr rtlCol="0" anchor="ctr"/>
-            <a:lstStyle/>
-            <a:p>
-              <a:pPr algn="ctr"/>
-              <a:r>
-                <a:rPr lang="en-US" altLang="ko-KR" sz="1600" dirty="0">
-                  <a:latin typeface="배달의민족 한나체 Pro" panose="020B0600000101010101" pitchFamily="50" charset="-127"/>
-                  <a:ea typeface="배달의민족 한나체 Pro" panose="020B0600000101010101" pitchFamily="50" charset="-127"/>
-                </a:rPr>
-                <a:t>Next  Nav Talking</a:t>
-              </a:r>
-              <a:r>
-                <a:rPr lang="ko-KR" altLang="en-US" sz="1600" dirty="0">
-                  <a:latin typeface="배달의민족 한나체 Pro" panose="020B0600000101010101" pitchFamily="50" charset="-127"/>
-                  <a:ea typeface="배달의민족 한나체 Pro" panose="020B0600000101010101" pitchFamily="50" charset="-127"/>
-                </a:rPr>
-                <a:t> </a:t>
-              </a:r>
-              <a:r>
-                <a:rPr lang="en-US" altLang="ko-KR" sz="1600" dirty="0">
-                  <a:latin typeface="배달의민족 한나체 Pro" panose="020B0600000101010101" pitchFamily="50" charset="-127"/>
-                  <a:ea typeface="배달의민족 한나체 Pro" panose="020B0600000101010101" pitchFamily="50" charset="-127"/>
-                </a:rPr>
-                <a:t>DT</a:t>
-              </a:r>
-              <a:endParaRPr lang="ko-KR" altLang="en-US" sz="1600" dirty="0">
-                <a:latin typeface="배달의민족 한나체 Pro" panose="020B0600000101010101" pitchFamily="50" charset="-127"/>
-                <a:ea typeface="배달의민족 한나체 Pro" panose="020B0600000101010101" pitchFamily="50" charset="-127"/>
-              </a:endParaRPr>
-            </a:p>
-          </p:txBody>
-        </p:sp>
-        <p:sp>
-          <p:nvSpPr>
-            <p:cNvPr id="23" name="TextBox 22">
-              <a:extLst>
-                <a:ext uri="{FF2B5EF4-FFF2-40B4-BE49-F238E27FC236}">
-                  <a16:creationId xmlns:a16="http://schemas.microsoft.com/office/drawing/2014/main" id="{32E77A3D-1896-5D24-CF0C-84CC5BF2E3D0}"/>
-                </a:ext>
-              </a:extLst>
-            </p:cNvPr>
-            <p:cNvSpPr txBox="1"/>
-            <p:nvPr/>
-          </p:nvSpPr>
-          <p:spPr>
-            <a:xfrm>
-              <a:off x="766689" y="2089052"/>
-              <a:ext cx="2042772" cy="2516523"/>
-            </a:xfrm>
-            <a:prstGeom prst="rect">
-              <a:avLst/>
-            </a:prstGeom>
-            <a:noFill/>
-            <a:ln w="19050">
-              <a:solidFill>
-                <a:schemeClr val="tx1"/>
-              </a:solidFill>
-            </a:ln>
-          </p:spPr>
-          <p:txBody>
-            <a:bodyPr wrap="square" rtlCol="0">
-              <a:spAutoFit/>
-            </a:bodyPr>
-            <a:lstStyle/>
-            <a:p>
-              <a:pPr marL="285750" indent="-285750">
-                <a:buFontTx/>
-                <a:buChar char="-"/>
-              </a:pPr>
-              <a:r>
-                <a:rPr lang="en-US" altLang="ko-KR" sz="1400" dirty="0">
-                  <a:latin typeface="배달의민족 한나체 Pro" panose="020B0600000101010101" pitchFamily="50" charset="-127"/>
-                  <a:ea typeface="배달의민족 한나체 Pro" panose="020B0600000101010101" pitchFamily="50" charset="-127"/>
-                </a:rPr>
-                <a:t>ID </a:t>
-              </a:r>
-              <a:r>
-                <a:rPr lang="en-US" altLang="ko-KR" sz="1050" dirty="0">
-                  <a:latin typeface="배달의민족 한나체 Air" panose="020B0600000101010101" pitchFamily="50" charset="-127"/>
-                  <a:ea typeface="배달의민족 한나체 Air" panose="020B0600000101010101" pitchFamily="50" charset="-127"/>
-                </a:rPr>
-                <a:t>(</a:t>
-              </a:r>
-              <a:r>
-                <a:rPr lang="ko-KR" altLang="en-US" sz="1050" dirty="0">
-                  <a:latin typeface="배달의민족 한나체 Air" panose="020B0600000101010101" pitchFamily="50" charset="-127"/>
-                  <a:ea typeface="배달의민족 한나체 Air" panose="020B0600000101010101" pitchFamily="50" charset="-127"/>
-                </a:rPr>
-                <a:t>대화 </a:t>
-              </a:r>
-              <a:r>
-                <a:rPr lang="en-US" altLang="ko-KR" sz="1050" dirty="0">
-                  <a:latin typeface="배달의민족 한나체 Air" panose="020B0600000101010101" pitchFamily="50" charset="-127"/>
-                  <a:ea typeface="배달의민족 한나체 Air" panose="020B0600000101010101" pitchFamily="50" charset="-127"/>
-                </a:rPr>
-                <a:t>ID)</a:t>
-              </a:r>
-            </a:p>
-            <a:p>
-              <a:pPr marL="285750" indent="-285750">
-                <a:buFontTx/>
-                <a:buChar char="-"/>
-              </a:pPr>
-              <a:r>
-                <a:rPr lang="en-US" altLang="ko-KR" sz="1400" dirty="0">
-                  <a:latin typeface="배달의민족 한나체 Pro" panose="020B0600000101010101" pitchFamily="50" charset="-127"/>
-                  <a:ea typeface="배달의민족 한나체 Pro" panose="020B0600000101010101" pitchFamily="50" charset="-127"/>
-                </a:rPr>
-                <a:t>Name </a:t>
-              </a:r>
-              <a:r>
-                <a:rPr lang="en-US" altLang="ko-KR" sz="1050" dirty="0">
-                  <a:latin typeface="배달의민족 한나체 Air" panose="020B0600000101010101" pitchFamily="50" charset="-127"/>
-                  <a:ea typeface="배달의민족 한나체 Air" panose="020B0600000101010101" pitchFamily="50" charset="-127"/>
-                </a:rPr>
-                <a:t>(</a:t>
-              </a:r>
-              <a:r>
-                <a:rPr lang="ko-KR" altLang="en-US" sz="1050" dirty="0">
-                  <a:latin typeface="배달의민족 한나체 Air" panose="020B0600000101010101" pitchFamily="50" charset="-127"/>
-                  <a:ea typeface="배달의민족 한나체 Air" panose="020B0600000101010101" pitchFamily="50" charset="-127"/>
-                </a:rPr>
-                <a:t>대화 이름</a:t>
-              </a:r>
-              <a:r>
-                <a:rPr lang="en-US" altLang="ko-KR" sz="1050" dirty="0">
-                  <a:latin typeface="배달의민족 한나체 Air" panose="020B0600000101010101" pitchFamily="50" charset="-127"/>
-                  <a:ea typeface="배달의민족 한나체 Air" panose="020B0600000101010101" pitchFamily="50" charset="-127"/>
-                </a:rPr>
-                <a:t>)</a:t>
-              </a:r>
-              <a:endParaRPr lang="en-US" altLang="ko-KR" sz="1400" dirty="0">
-                <a:latin typeface="배달의민족 한나체 Air" panose="020B0600000101010101" pitchFamily="50" charset="-127"/>
-                <a:ea typeface="배달의민족 한나체 Air" panose="020B0600000101010101" pitchFamily="50" charset="-127"/>
-              </a:endParaRPr>
-            </a:p>
-            <a:p>
-              <a:pPr marL="285750" indent="-285750">
-                <a:buFontTx/>
-                <a:buChar char="-"/>
-              </a:pPr>
-              <a:r>
-                <a:rPr lang="en-US" altLang="ko-KR" sz="1400" dirty="0">
-                  <a:latin typeface="배달의민족 한나체 Pro" panose="020B0600000101010101" pitchFamily="50" charset="-127"/>
-                  <a:ea typeface="배달의민족 한나체 Pro" panose="020B0600000101010101" pitchFamily="50" charset="-127"/>
-                </a:rPr>
-                <a:t>Type </a:t>
-              </a:r>
-              <a:r>
-                <a:rPr lang="en-US" altLang="ko-KR" sz="1050" dirty="0">
-                  <a:latin typeface="배달의민족 한나체 Air" panose="020B0600000101010101" pitchFamily="50" charset="-127"/>
-                  <a:ea typeface="배달의민족 한나체 Air" panose="020B0600000101010101" pitchFamily="50" charset="-127"/>
-                </a:rPr>
-                <a:t>(</a:t>
-              </a:r>
-              <a:r>
-                <a:rPr lang="ko-KR" altLang="en-US" sz="1050" dirty="0">
-                  <a:latin typeface="배달의민족 한나체 Air" panose="020B0600000101010101" pitchFamily="50" charset="-127"/>
-                  <a:ea typeface="배달의민족 한나체 Air" panose="020B0600000101010101" pitchFamily="50" charset="-127"/>
-                </a:rPr>
-                <a:t>대화의 타입</a:t>
-              </a:r>
-              <a:r>
-                <a:rPr lang="en-US" altLang="ko-KR" sz="1050" dirty="0">
-                  <a:latin typeface="배달의민족 한나체 Air" panose="020B0600000101010101" pitchFamily="50" charset="-127"/>
-                  <a:ea typeface="배달의민족 한나체 Air" panose="020B0600000101010101" pitchFamily="50" charset="-127"/>
-                </a:rPr>
-                <a:t>)</a:t>
-              </a:r>
-              <a:endParaRPr lang="en-US" altLang="ko-KR" sz="1400" dirty="0">
-                <a:latin typeface="배달의민족 한나체 Air" panose="020B0600000101010101" pitchFamily="50" charset="-127"/>
-                <a:ea typeface="배달의민족 한나체 Air" panose="020B0600000101010101" pitchFamily="50" charset="-127"/>
-              </a:endParaRPr>
-            </a:p>
-            <a:p>
-              <a:pPr marL="285750" indent="-285750">
-                <a:buFontTx/>
-                <a:buChar char="-"/>
-              </a:pPr>
-              <a:r>
-                <a:rPr lang="en-US" altLang="ko-KR" sz="1400" dirty="0" err="1">
-                  <a:latin typeface="배달의민족 한나체 Pro" panose="020B0600000101010101" pitchFamily="50" charset="-127"/>
-                  <a:ea typeface="배달의민족 한나체 Pro" panose="020B0600000101010101" pitchFamily="50" charset="-127"/>
-                </a:rPr>
-                <a:t>MainText</a:t>
-              </a:r>
-              <a:r>
-                <a:rPr lang="en-US" altLang="ko-KR" sz="1400" dirty="0">
-                  <a:latin typeface="배달의민족 한나체 Pro" panose="020B0600000101010101" pitchFamily="50" charset="-127"/>
-                  <a:ea typeface="배달의민족 한나체 Pro" panose="020B0600000101010101" pitchFamily="50" charset="-127"/>
-                </a:rPr>
-                <a:t> </a:t>
-              </a:r>
-              <a:r>
-                <a:rPr lang="en-US" altLang="ko-KR" sz="1050" dirty="0">
-                  <a:latin typeface="배달의민족 한나체 Air" panose="020B0600000101010101" pitchFamily="50" charset="-127"/>
-                  <a:ea typeface="배달의민족 한나체 Air" panose="020B0600000101010101" pitchFamily="50" charset="-127"/>
-                </a:rPr>
-                <a:t>(</a:t>
-              </a:r>
-              <a:r>
-                <a:rPr lang="ko-KR" altLang="en-US" sz="1050" dirty="0">
-                  <a:latin typeface="배달의민족 한나체 Air" panose="020B0600000101010101" pitchFamily="50" charset="-127"/>
-                  <a:ea typeface="배달의민족 한나체 Air" panose="020B0600000101010101" pitchFamily="50" charset="-127"/>
-                </a:rPr>
-                <a:t>문자 텍스트</a:t>
-              </a:r>
-              <a:r>
-                <a:rPr lang="en-US" altLang="ko-KR" sz="1050" dirty="0">
-                  <a:latin typeface="배달의민족 한나체 Air" panose="020B0600000101010101" pitchFamily="50" charset="-127"/>
-                  <a:ea typeface="배달의민족 한나체 Air" panose="020B0600000101010101" pitchFamily="50" charset="-127"/>
-                </a:rPr>
-                <a:t>)</a:t>
-              </a:r>
-              <a:endParaRPr lang="en-US" altLang="ko-KR" sz="1400" dirty="0">
-                <a:latin typeface="배달의민족 한나체 Air" panose="020B0600000101010101" pitchFamily="50" charset="-127"/>
-                <a:ea typeface="배달의민족 한나체 Air" panose="020B0600000101010101" pitchFamily="50" charset="-127"/>
-              </a:endParaRPr>
-            </a:p>
-            <a:p>
-              <a:pPr marL="285750" indent="-285750">
-                <a:buFontTx/>
-                <a:buChar char="-"/>
-              </a:pPr>
-              <a:r>
-                <a:rPr lang="en-US" altLang="ko-KR" sz="1400" dirty="0" err="1">
-                  <a:latin typeface="배달의민족 한나체 Pro" panose="020B0600000101010101" pitchFamily="50" charset="-127"/>
-                  <a:ea typeface="배달의민족 한나체 Pro" panose="020B0600000101010101" pitchFamily="50" charset="-127"/>
-                </a:rPr>
-                <a:t>AnswerList</a:t>
-              </a:r>
-              <a:r>
-                <a:rPr lang="en-US" altLang="ko-KR" sz="1400" dirty="0">
-                  <a:latin typeface="배달의민족 한나체 Pro" panose="020B0600000101010101" pitchFamily="50" charset="-127"/>
-                  <a:ea typeface="배달의민족 한나체 Pro" panose="020B0600000101010101" pitchFamily="50" charset="-127"/>
-                </a:rPr>
-                <a:t> </a:t>
-              </a:r>
-              <a:r>
-                <a:rPr lang="en-US" altLang="ko-KR" sz="1050" dirty="0">
-                  <a:latin typeface="배달의민족 한나체 Air" panose="020B0600000101010101" pitchFamily="50" charset="-127"/>
-                  <a:ea typeface="배달의민족 한나체 Air" panose="020B0600000101010101" pitchFamily="50" charset="-127"/>
-                </a:rPr>
-                <a:t>(</a:t>
-              </a:r>
-              <a:r>
-                <a:rPr lang="ko-KR" altLang="en-US" sz="1050" dirty="0">
-                  <a:latin typeface="배달의민족 한나체 Air" panose="020B0600000101010101" pitchFamily="50" charset="-127"/>
-                  <a:ea typeface="배달의민족 한나체 Air" panose="020B0600000101010101" pitchFamily="50" charset="-127"/>
-                </a:rPr>
-                <a:t>답변에 이용될 </a:t>
-              </a:r>
-              <a:r>
-                <a:rPr lang="en-US" altLang="ko-KR" sz="1050" dirty="0">
-                  <a:latin typeface="배달의민족 한나체 Air" panose="020B0600000101010101" pitchFamily="50" charset="-127"/>
-                  <a:ea typeface="배달의민족 한나체 Air" panose="020B0600000101010101" pitchFamily="50" charset="-127"/>
-                </a:rPr>
-                <a:t>text </a:t>
-              </a:r>
-              <a:r>
-                <a:rPr lang="ko-KR" altLang="en-US" sz="1050" dirty="0">
-                  <a:latin typeface="배달의민족 한나체 Air" panose="020B0600000101010101" pitchFamily="50" charset="-127"/>
-                  <a:ea typeface="배달의민족 한나체 Air" panose="020B0600000101010101" pitchFamily="50" charset="-127"/>
-                </a:rPr>
-                <a:t>리스트</a:t>
-              </a:r>
-              <a:r>
-                <a:rPr lang="en-US" altLang="ko-KR" sz="1050" dirty="0">
-                  <a:latin typeface="배달의민족 한나체 Air" panose="020B0600000101010101" pitchFamily="50" charset="-127"/>
-                  <a:ea typeface="배달의민족 한나체 Air" panose="020B0600000101010101" pitchFamily="50" charset="-127"/>
-                </a:rPr>
-                <a:t>)</a:t>
-              </a:r>
-            </a:p>
-            <a:p>
-              <a:pPr marL="285750" indent="-285750">
-                <a:buFontTx/>
-                <a:buChar char="-"/>
-              </a:pPr>
-              <a:r>
-                <a:rPr lang="en-US" altLang="ko-KR" sz="1400" dirty="0" err="1">
-                  <a:latin typeface="배달의민족 한나체 Pro" panose="020B0600000101010101" pitchFamily="50" charset="-127"/>
-                  <a:ea typeface="배달의민족 한나체 Pro" panose="020B0600000101010101" pitchFamily="50" charset="-127"/>
-                </a:rPr>
-                <a:t>PositiveTextList</a:t>
-              </a:r>
-              <a:r>
-                <a:rPr lang="en-US" altLang="ko-KR" sz="1400" dirty="0">
-                  <a:latin typeface="배달의민족 한나체 Pro" panose="020B0600000101010101" pitchFamily="50" charset="-127"/>
-                  <a:ea typeface="배달의민족 한나체 Pro" panose="020B0600000101010101" pitchFamily="50" charset="-127"/>
-                </a:rPr>
-                <a:t> </a:t>
-              </a:r>
-              <a:r>
-                <a:rPr lang="en-US" altLang="ko-KR" sz="1050" dirty="0">
-                  <a:latin typeface="배달의민족 한나체 Air" panose="020B0600000101010101" pitchFamily="50" charset="-127"/>
-                  <a:ea typeface="배달의민족 한나체 Air" panose="020B0600000101010101" pitchFamily="50" charset="-127"/>
-                </a:rPr>
-                <a:t>(</a:t>
-              </a:r>
-              <a:r>
-                <a:rPr lang="ko-KR" altLang="en-US" sz="1050" dirty="0">
-                  <a:latin typeface="배달의민족 한나체 Air" panose="020B0600000101010101" pitchFamily="50" charset="-127"/>
-                  <a:ea typeface="배달의민족 한나체 Air" panose="020B0600000101010101" pitchFamily="50" charset="-127"/>
-                </a:rPr>
-                <a:t>긍정적인 텍스트 리스트</a:t>
-              </a:r>
-              <a:r>
-                <a:rPr lang="en-US" altLang="ko-KR" sz="1050" dirty="0">
-                  <a:latin typeface="배달의민족 한나체 Air" panose="020B0600000101010101" pitchFamily="50" charset="-127"/>
-                  <a:ea typeface="배달의민족 한나체 Air" panose="020B0600000101010101" pitchFamily="50" charset="-127"/>
-                </a:rPr>
-                <a:t>)</a:t>
-              </a:r>
-            </a:p>
-            <a:p>
-              <a:pPr marL="285750" indent="-285750">
-                <a:buFontTx/>
-                <a:buChar char="-"/>
-              </a:pPr>
-              <a:r>
-                <a:rPr lang="en-US" altLang="ko-KR" sz="1400" dirty="0" err="1">
-                  <a:latin typeface="배달의민족 한나체 Pro" panose="020B0600000101010101" pitchFamily="50" charset="-127"/>
-                  <a:ea typeface="배달의민족 한나체 Pro" panose="020B0600000101010101" pitchFamily="50" charset="-127"/>
-                </a:rPr>
-                <a:t>PositiveResultID</a:t>
-              </a:r>
-              <a:r>
-                <a:rPr lang="en-US" altLang="ko-KR" sz="1400" dirty="0">
-                  <a:latin typeface="배달의민족 한나체 Pro" panose="020B0600000101010101" pitchFamily="50" charset="-127"/>
-                  <a:ea typeface="배달의민족 한나체 Pro" panose="020B0600000101010101" pitchFamily="50" charset="-127"/>
-                </a:rPr>
-                <a:t> </a:t>
-              </a:r>
-              <a:r>
-                <a:rPr lang="en-US" altLang="ko-KR" sz="1050" dirty="0">
-                  <a:latin typeface="배달의민족 한나체 Air" panose="020B0600000101010101" pitchFamily="50" charset="-127"/>
-                  <a:ea typeface="배달의민족 한나체 Air" panose="020B0600000101010101" pitchFamily="50" charset="-127"/>
-                </a:rPr>
-                <a:t>(</a:t>
-              </a:r>
-              <a:r>
-                <a:rPr lang="ko-KR" altLang="en-US" sz="1050" dirty="0">
-                  <a:latin typeface="배달의민족 한나체 Air" panose="020B0600000101010101" pitchFamily="50" charset="-127"/>
-                  <a:ea typeface="배달의민족 한나체 Air" panose="020B0600000101010101" pitchFamily="50" charset="-127"/>
-                </a:rPr>
-                <a:t>긍정적인 답변 대화</a:t>
-              </a:r>
-              <a:r>
-                <a:rPr lang="en-US" altLang="ko-KR" sz="1050" dirty="0">
-                  <a:latin typeface="배달의민족 한나체 Air" panose="020B0600000101010101" pitchFamily="50" charset="-127"/>
-                  <a:ea typeface="배달의민족 한나체 Air" panose="020B0600000101010101" pitchFamily="50" charset="-127"/>
-                </a:rPr>
-                <a:t>ID)</a:t>
-              </a:r>
-            </a:p>
-            <a:p>
-              <a:pPr marL="285750" indent="-285750">
-                <a:buFontTx/>
-                <a:buChar char="-"/>
-              </a:pPr>
-              <a:r>
-                <a:rPr lang="en-US" altLang="ko-KR" sz="1400" dirty="0" err="1">
-                  <a:latin typeface="배달의민족 한나체 Pro" panose="020B0600000101010101" pitchFamily="50" charset="-127"/>
-                  <a:ea typeface="배달의민족 한나체 Pro" panose="020B0600000101010101" pitchFamily="50" charset="-127"/>
-                </a:rPr>
-                <a:t>NegativeTextList</a:t>
-              </a:r>
-              <a:r>
-                <a:rPr lang="en-US" altLang="ko-KR" sz="1400" dirty="0">
-                  <a:latin typeface="배달의민족 한나체 Pro" panose="020B0600000101010101" pitchFamily="50" charset="-127"/>
-                  <a:ea typeface="배달의민족 한나체 Pro" panose="020B0600000101010101" pitchFamily="50" charset="-127"/>
-                </a:rPr>
-                <a:t> </a:t>
-              </a:r>
-              <a:r>
-                <a:rPr lang="en-US" altLang="ko-KR" sz="1050" dirty="0">
-                  <a:latin typeface="배달의민족 한나체 Air" panose="020B0600000101010101" pitchFamily="50" charset="-127"/>
-                  <a:ea typeface="배달의민족 한나체 Air" panose="020B0600000101010101" pitchFamily="50" charset="-127"/>
-                </a:rPr>
-                <a:t>(</a:t>
-              </a:r>
-              <a:r>
-                <a:rPr lang="ko-KR" altLang="en-US" sz="1050" dirty="0">
-                  <a:latin typeface="배달의민족 한나체 Air" panose="020B0600000101010101" pitchFamily="50" charset="-127"/>
-                  <a:ea typeface="배달의민족 한나체 Air" panose="020B0600000101010101" pitchFamily="50" charset="-127"/>
-                </a:rPr>
-                <a:t>부정적인 텍스트 리스트</a:t>
-              </a:r>
-              <a:r>
-                <a:rPr lang="en-US" altLang="ko-KR" sz="1050" dirty="0">
-                  <a:latin typeface="배달의민족 한나체 Air" panose="020B0600000101010101" pitchFamily="50" charset="-127"/>
-                  <a:ea typeface="배달의민족 한나체 Air" panose="020B0600000101010101" pitchFamily="50" charset="-127"/>
-                </a:rPr>
-                <a:t>)</a:t>
-              </a:r>
-            </a:p>
-            <a:p>
-              <a:pPr marL="285750" indent="-285750">
-                <a:buFontTx/>
-                <a:buChar char="-"/>
-              </a:pPr>
-              <a:r>
-                <a:rPr lang="en-US" altLang="ko-KR" sz="1400" dirty="0" err="1">
-                  <a:latin typeface="배달의민족 한나체 Pro" panose="020B0600000101010101" pitchFamily="50" charset="-127"/>
-                  <a:ea typeface="배달의민족 한나체 Pro" panose="020B0600000101010101" pitchFamily="50" charset="-127"/>
-                </a:rPr>
-                <a:t>NegativeResultID</a:t>
-              </a:r>
-              <a:r>
-                <a:rPr lang="en-US" altLang="ko-KR" sz="1050" dirty="0">
-                  <a:latin typeface="배달의민족 한나체 Pro" panose="020B0600000101010101" pitchFamily="50" charset="-127"/>
-                  <a:ea typeface="배달의민족 한나체 Pro" panose="020B0600000101010101" pitchFamily="50" charset="-127"/>
-                </a:rPr>
-                <a:t> </a:t>
-              </a:r>
-              <a:r>
-                <a:rPr lang="en-US" altLang="ko-KR" sz="1050" dirty="0">
-                  <a:latin typeface="배달의민족 한나체 Air" panose="020B0600000101010101" pitchFamily="50" charset="-127"/>
-                  <a:ea typeface="배달의민족 한나체 Air" panose="020B0600000101010101" pitchFamily="50" charset="-127"/>
-                </a:rPr>
-                <a:t>(</a:t>
-              </a:r>
-              <a:r>
-                <a:rPr lang="ko-KR" altLang="en-US" sz="1050" dirty="0">
-                  <a:latin typeface="배달의민족 한나체 Air" panose="020B0600000101010101" pitchFamily="50" charset="-127"/>
-                  <a:ea typeface="배달의민족 한나체 Air" panose="020B0600000101010101" pitchFamily="50" charset="-127"/>
-                </a:rPr>
-                <a:t>부정적인 답변 대화</a:t>
-              </a:r>
-              <a:r>
-                <a:rPr lang="en-US" altLang="ko-KR" sz="1050" dirty="0">
-                  <a:latin typeface="배달의민족 한나체 Air" panose="020B0600000101010101" pitchFamily="50" charset="-127"/>
-                  <a:ea typeface="배달의민족 한나체 Air" panose="020B0600000101010101" pitchFamily="50" charset="-127"/>
-                </a:rPr>
-                <a:t>ID)</a:t>
-              </a:r>
-            </a:p>
-          </p:txBody>
-        </p:sp>
-      </p:grpSp>
-      <p:sp>
-        <p:nvSpPr>
           <p:cNvPr id="27" name="TextBox 26">
             <a:extLst>
               <a:ext uri="{FF2B5EF4-FFF2-40B4-BE49-F238E27FC236}">
@@ -19436,7 +18005,7 @@
         </p:nvSpPr>
         <p:spPr>
           <a:xfrm>
-            <a:off x="4689515" y="3245680"/>
+            <a:off x="4731174" y="3005725"/>
             <a:ext cx="3225340" cy="461665"/>
           </a:xfrm>
           <a:prstGeom prst="rect">
@@ -19542,6 +18111,864 @@
           </a:p>
         </p:txBody>
       </p:sp>
+      <p:sp>
+        <p:nvSpPr>
+          <p:cNvPr id="26" name="TextBox 25">
+            <a:extLst>
+              <a:ext uri="{FF2B5EF4-FFF2-40B4-BE49-F238E27FC236}">
+                <a16:creationId xmlns:a16="http://schemas.microsoft.com/office/drawing/2014/main" id="{81CE07C6-C532-6FA6-58E2-FD3BE2031E12}"/>
+              </a:ext>
+            </a:extLst>
+          </p:cNvPr>
+          <p:cNvSpPr txBox="1"/>
+          <p:nvPr/>
+        </p:nvSpPr>
+        <p:spPr>
+          <a:xfrm>
+            <a:off x="844135" y="908628"/>
+            <a:ext cx="10503730" cy="307777"/>
+          </a:xfrm>
+          <a:prstGeom prst="rect">
+            <a:avLst/>
+          </a:prstGeom>
+          <a:solidFill>
+            <a:schemeClr val="bg1"/>
+          </a:solidFill>
+          <a:ln w="38100">
+            <a:solidFill>
+              <a:srgbClr val="0070C0"/>
+            </a:solidFill>
+          </a:ln>
+        </p:spPr>
+        <p:txBody>
+          <a:bodyPr wrap="square" rtlCol="0">
+            <a:spAutoFit/>
+          </a:bodyPr>
+          <a:lstStyle/>
+          <a:p>
+            <a:pPr algn="ctr"/>
+            <a:r>
+              <a:rPr lang="en-US" altLang="ko-KR" sz="1400" b="1" dirty="0"/>
+              <a:t>Talking DT</a:t>
+            </a:r>
+            <a:r>
+              <a:rPr lang="ko-KR" altLang="en-US" sz="1400" b="1" dirty="0"/>
+              <a:t>는 대화형 이벤트에서 플레이어가 누른 선택지에 따른 결과와 어떤 </a:t>
+            </a:r>
+            <a:r>
+              <a:rPr lang="en-US" altLang="ko-KR" sz="1400" b="1" dirty="0"/>
+              <a:t>Text</a:t>
+            </a:r>
+            <a:r>
+              <a:rPr lang="ko-KR" altLang="en-US" sz="1400" b="1" dirty="0"/>
+              <a:t>를 불러올지 정하는 역할을 한다</a:t>
+            </a:r>
+            <a:r>
+              <a:rPr lang="en-US" altLang="ko-KR" sz="1400" b="1" dirty="0"/>
+              <a:t>.</a:t>
+            </a:r>
+            <a:endParaRPr lang="ko-KR" altLang="en-US" sz="1400" b="1" dirty="0"/>
+          </a:p>
+        </p:txBody>
+      </p:sp>
+      <p:grpSp>
+        <p:nvGrpSpPr>
+          <p:cNvPr id="31" name="그룹 30">
+            <a:extLst>
+              <a:ext uri="{FF2B5EF4-FFF2-40B4-BE49-F238E27FC236}">
+                <a16:creationId xmlns:a16="http://schemas.microsoft.com/office/drawing/2014/main" id="{2319AB12-5F7F-5CFB-45E0-E0EDB8910C54}"/>
+              </a:ext>
+            </a:extLst>
+          </p:cNvPr>
+          <p:cNvGrpSpPr/>
+          <p:nvPr/>
+        </p:nvGrpSpPr>
+        <p:grpSpPr>
+          <a:xfrm>
+            <a:off x="8176586" y="1473624"/>
+            <a:ext cx="3313043" cy="1668879"/>
+            <a:chOff x="766689" y="1737360"/>
+            <a:chExt cx="2042772" cy="2067505"/>
+          </a:xfrm>
+        </p:grpSpPr>
+        <p:sp>
+          <p:nvSpPr>
+            <p:cNvPr id="32" name="직사각형 31">
+              <a:extLst>
+                <a:ext uri="{FF2B5EF4-FFF2-40B4-BE49-F238E27FC236}">
+                  <a16:creationId xmlns:a16="http://schemas.microsoft.com/office/drawing/2014/main" id="{FFBC56CE-13DF-CD6E-7F8A-D0BFB88ADCA6}"/>
+                </a:ext>
+              </a:extLst>
+            </p:cNvPr>
+            <p:cNvSpPr/>
+            <p:nvPr/>
+          </p:nvSpPr>
+          <p:spPr>
+            <a:xfrm>
+              <a:off x="766689" y="1737360"/>
+              <a:ext cx="2042772" cy="351692"/>
+            </a:xfrm>
+            <a:prstGeom prst="rect">
+              <a:avLst/>
+            </a:prstGeom>
+          </p:spPr>
+          <p:style>
+            <a:lnRef idx="2">
+              <a:schemeClr val="accent1">
+                <a:shade val="15000"/>
+              </a:schemeClr>
+            </a:lnRef>
+            <a:fillRef idx="1">
+              <a:schemeClr val="accent1"/>
+            </a:fillRef>
+            <a:effectRef idx="0">
+              <a:schemeClr val="accent1"/>
+            </a:effectRef>
+            <a:fontRef idx="minor">
+              <a:schemeClr val="lt1"/>
+            </a:fontRef>
+          </p:style>
+          <p:txBody>
+            <a:bodyPr rtlCol="0" anchor="ctr"/>
+            <a:lstStyle/>
+            <a:p>
+              <a:pPr algn="ctr"/>
+              <a:r>
+                <a:rPr lang="en-US" altLang="ko-KR" sz="1600" dirty="0">
+                  <a:latin typeface="배달의민족 한나체 Pro" panose="020B0600000101010101" pitchFamily="50" charset="-127"/>
+                  <a:ea typeface="배달의민족 한나체 Pro" panose="020B0600000101010101" pitchFamily="50" charset="-127"/>
+                </a:rPr>
+                <a:t>Next</a:t>
+              </a:r>
+              <a:r>
+                <a:rPr lang="ko-KR" altLang="en-US" sz="1600" dirty="0">
+                  <a:latin typeface="배달의민족 한나체 Pro" panose="020B0600000101010101" pitchFamily="50" charset="-127"/>
+                  <a:ea typeface="배달의민족 한나체 Pro" panose="020B0600000101010101" pitchFamily="50" charset="-127"/>
+                </a:rPr>
+                <a:t> </a:t>
+              </a:r>
+              <a:r>
+                <a:rPr lang="en-US" altLang="ko-KR" sz="1600" dirty="0">
+                  <a:latin typeface="배달의민족 한나체 Pro" panose="020B0600000101010101" pitchFamily="50" charset="-127"/>
+                  <a:ea typeface="배달의민족 한나체 Pro" panose="020B0600000101010101" pitchFamily="50" charset="-127"/>
+                </a:rPr>
+                <a:t>Pos Talking</a:t>
+              </a:r>
+              <a:r>
+                <a:rPr lang="ko-KR" altLang="en-US" sz="1600" dirty="0">
+                  <a:latin typeface="배달의민족 한나체 Pro" panose="020B0600000101010101" pitchFamily="50" charset="-127"/>
+                  <a:ea typeface="배달의민족 한나체 Pro" panose="020B0600000101010101" pitchFamily="50" charset="-127"/>
+                </a:rPr>
+                <a:t> </a:t>
+              </a:r>
+              <a:r>
+                <a:rPr lang="en-US" altLang="ko-KR" sz="1600" dirty="0">
+                  <a:latin typeface="배달의민족 한나체 Pro" panose="020B0600000101010101" pitchFamily="50" charset="-127"/>
+                  <a:ea typeface="배달의민족 한나체 Pro" panose="020B0600000101010101" pitchFamily="50" charset="-127"/>
+                </a:rPr>
+                <a:t>DT</a:t>
+              </a:r>
+              <a:endParaRPr lang="ko-KR" altLang="en-US" sz="1600" dirty="0">
+                <a:latin typeface="배달의민족 한나체 Pro" panose="020B0600000101010101" pitchFamily="50" charset="-127"/>
+                <a:ea typeface="배달의민족 한나체 Pro" panose="020B0600000101010101" pitchFamily="50" charset="-127"/>
+              </a:endParaRPr>
+            </a:p>
+          </p:txBody>
+        </p:sp>
+        <p:sp>
+          <p:nvSpPr>
+            <p:cNvPr id="33" name="TextBox 32">
+              <a:extLst>
+                <a:ext uri="{FF2B5EF4-FFF2-40B4-BE49-F238E27FC236}">
+                  <a16:creationId xmlns:a16="http://schemas.microsoft.com/office/drawing/2014/main" id="{279F80A6-9E85-33D0-6225-43A350DF1DE0}"/>
+                </a:ext>
+              </a:extLst>
+            </p:cNvPr>
+            <p:cNvSpPr txBox="1"/>
+            <p:nvPr/>
+          </p:nvSpPr>
+          <p:spPr>
+            <a:xfrm>
+              <a:off x="766689" y="2089052"/>
+              <a:ext cx="2042772" cy="1715813"/>
+            </a:xfrm>
+            <a:prstGeom prst="rect">
+              <a:avLst/>
+            </a:prstGeom>
+            <a:noFill/>
+            <a:ln w="19050">
+              <a:solidFill>
+                <a:schemeClr val="tx1"/>
+              </a:solidFill>
+            </a:ln>
+          </p:spPr>
+          <p:txBody>
+            <a:bodyPr wrap="square" rtlCol="0">
+              <a:spAutoFit/>
+            </a:bodyPr>
+            <a:lstStyle/>
+            <a:p>
+              <a:pPr marL="285750" indent="-285750">
+                <a:buFontTx/>
+                <a:buChar char="-"/>
+              </a:pPr>
+              <a:r>
+                <a:rPr lang="en-US" altLang="ko-KR" sz="1400" dirty="0">
+                  <a:latin typeface="배달의민족 한나체 Pro" panose="020B0600000101010101" pitchFamily="50" charset="-127"/>
+                  <a:ea typeface="배달의민족 한나체 Pro" panose="020B0600000101010101" pitchFamily="50" charset="-127"/>
+                </a:rPr>
+                <a:t>ID </a:t>
+              </a:r>
+              <a:r>
+                <a:rPr lang="en-US" altLang="ko-KR" sz="1050" dirty="0">
+                  <a:latin typeface="배달의민족 한나체 Air" panose="020B0600000101010101" pitchFamily="50" charset="-127"/>
+                  <a:ea typeface="배달의민족 한나체 Air" panose="020B0600000101010101" pitchFamily="50" charset="-127"/>
+                </a:rPr>
+                <a:t>(</a:t>
+              </a:r>
+              <a:r>
+                <a:rPr lang="ko-KR" altLang="en-US" sz="1050" dirty="0">
+                  <a:latin typeface="배달의민족 한나체 Air" panose="020B0600000101010101" pitchFamily="50" charset="-127"/>
+                  <a:ea typeface="배달의민족 한나체 Air" panose="020B0600000101010101" pitchFamily="50" charset="-127"/>
+                </a:rPr>
+                <a:t>대화 </a:t>
+              </a:r>
+              <a:r>
+                <a:rPr lang="en-US" altLang="ko-KR" sz="1050" dirty="0">
+                  <a:latin typeface="배달의민족 한나체 Air" panose="020B0600000101010101" pitchFamily="50" charset="-127"/>
+                  <a:ea typeface="배달의민족 한나체 Air" panose="020B0600000101010101" pitchFamily="50" charset="-127"/>
+                </a:rPr>
+                <a:t>ID)</a:t>
+              </a:r>
+            </a:p>
+            <a:p>
+              <a:pPr marL="285750" indent="-285750">
+                <a:buFontTx/>
+                <a:buChar char="-"/>
+              </a:pPr>
+              <a:r>
+                <a:rPr lang="en-US" altLang="ko-KR" sz="1400" dirty="0" err="1">
+                  <a:latin typeface="배달의민족 한나체 Pro" panose="020B0600000101010101" pitchFamily="50" charset="-127"/>
+                  <a:ea typeface="배달의민족 한나체 Pro" panose="020B0600000101010101" pitchFamily="50" charset="-127"/>
+                </a:rPr>
+                <a:t>MainTextID</a:t>
+              </a:r>
+              <a:r>
+                <a:rPr lang="en-US" altLang="ko-KR" sz="1050" dirty="0">
+                  <a:latin typeface="배달의민족 한나체 Air" panose="020B0600000101010101" pitchFamily="50" charset="-127"/>
+                  <a:ea typeface="배달의민족 한나체 Air" panose="020B0600000101010101" pitchFamily="50" charset="-127"/>
+                </a:rPr>
+                <a:t> (</a:t>
+              </a:r>
+              <a:r>
+                <a:rPr lang="ko-KR" altLang="en-US" sz="1050" dirty="0">
+                  <a:latin typeface="배달의민족 한나체 Air" panose="020B0600000101010101" pitchFamily="50" charset="-127"/>
+                  <a:ea typeface="배달의민족 한나체 Air" panose="020B0600000101010101" pitchFamily="50" charset="-127"/>
+                </a:rPr>
+                <a:t>내용에 해당되는 </a:t>
+              </a:r>
+              <a:r>
+                <a:rPr lang="en-US" altLang="ko-KR" sz="1050" dirty="0">
+                  <a:latin typeface="배달의민족 한나체 Air" panose="020B0600000101010101" pitchFamily="50" charset="-127"/>
+                  <a:ea typeface="배달의민족 한나체 Air" panose="020B0600000101010101" pitchFamily="50" charset="-127"/>
+                </a:rPr>
+                <a:t>Text ID)</a:t>
+              </a:r>
+            </a:p>
+            <a:p>
+              <a:pPr marL="285750" indent="-285750">
+                <a:buFontTx/>
+                <a:buChar char="-"/>
+              </a:pPr>
+              <a:r>
+                <a:rPr lang="en-US" altLang="ko-KR" sz="1400" dirty="0" err="1">
+                  <a:latin typeface="배달의민족 한나체 Pro" panose="020B0600000101010101" pitchFamily="50" charset="-127"/>
+                  <a:ea typeface="배달의민족 한나체 Pro" panose="020B0600000101010101" pitchFamily="50" charset="-127"/>
+                </a:rPr>
+                <a:t>PositiveTextList</a:t>
+              </a:r>
+              <a:r>
+                <a:rPr lang="en-US" altLang="ko-KR" sz="1400" dirty="0">
+                  <a:latin typeface="배달의민족 한나체 Pro" panose="020B0600000101010101" pitchFamily="50" charset="-127"/>
+                  <a:ea typeface="배달의민족 한나체 Pro" panose="020B0600000101010101" pitchFamily="50" charset="-127"/>
+                </a:rPr>
+                <a:t> </a:t>
+              </a:r>
+              <a:r>
+                <a:rPr lang="en-US" altLang="ko-KR" sz="1050" dirty="0">
+                  <a:latin typeface="배달의민족 한나체 Air" panose="020B0600000101010101" pitchFamily="50" charset="-127"/>
+                  <a:ea typeface="배달의민족 한나체 Air" panose="020B0600000101010101" pitchFamily="50" charset="-127"/>
+                </a:rPr>
+                <a:t>(</a:t>
+              </a:r>
+              <a:r>
+                <a:rPr lang="ko-KR" altLang="en-US" sz="1050" dirty="0">
+                  <a:latin typeface="배달의민족 한나체 Air" panose="020B0600000101010101" pitchFamily="50" charset="-127"/>
+                  <a:ea typeface="배달의민족 한나체 Air" panose="020B0600000101010101" pitchFamily="50" charset="-127"/>
+                </a:rPr>
+                <a:t>긍정적인 텍스트 </a:t>
+              </a:r>
+              <a:r>
+                <a:rPr lang="en-US" altLang="ko-KR" sz="1050" dirty="0">
+                  <a:latin typeface="배달의민족 한나체 Air" panose="020B0600000101010101" pitchFamily="50" charset="-127"/>
+                  <a:ea typeface="배달의민족 한나체 Air" panose="020B0600000101010101" pitchFamily="50" charset="-127"/>
+                </a:rPr>
+                <a:t>ID </a:t>
+              </a:r>
+              <a:r>
+                <a:rPr lang="ko-KR" altLang="en-US" sz="1050" dirty="0">
+                  <a:latin typeface="배달의민족 한나체 Air" panose="020B0600000101010101" pitchFamily="50" charset="-127"/>
+                  <a:ea typeface="배달의민족 한나체 Air" panose="020B0600000101010101" pitchFamily="50" charset="-127"/>
+                </a:rPr>
+                <a:t>리스트</a:t>
+              </a:r>
+              <a:r>
+                <a:rPr lang="en-US" altLang="ko-KR" sz="1050" dirty="0">
+                  <a:latin typeface="배달의민족 한나체 Air" panose="020B0600000101010101" pitchFamily="50" charset="-127"/>
+                  <a:ea typeface="배달의민족 한나체 Air" panose="020B0600000101010101" pitchFamily="50" charset="-127"/>
+                </a:rPr>
+                <a:t>)</a:t>
+              </a:r>
+            </a:p>
+            <a:p>
+              <a:pPr marL="285750" indent="-285750">
+                <a:buFontTx/>
+                <a:buChar char="-"/>
+              </a:pPr>
+              <a:r>
+                <a:rPr lang="en-US" altLang="ko-KR" sz="1400" dirty="0" err="1">
+                  <a:latin typeface="배달의민족 한나체 Pro" panose="020B0600000101010101" pitchFamily="50" charset="-127"/>
+                  <a:ea typeface="배달의민족 한나체 Pro" panose="020B0600000101010101" pitchFamily="50" charset="-127"/>
+                </a:rPr>
+                <a:t>PositiveResultID</a:t>
+              </a:r>
+              <a:r>
+                <a:rPr lang="en-US" altLang="ko-KR" sz="1400" dirty="0">
+                  <a:latin typeface="배달의민족 한나체 Pro" panose="020B0600000101010101" pitchFamily="50" charset="-127"/>
+                  <a:ea typeface="배달의민족 한나체 Pro" panose="020B0600000101010101" pitchFamily="50" charset="-127"/>
+                </a:rPr>
+                <a:t> </a:t>
+              </a:r>
+              <a:r>
+                <a:rPr lang="en-US" altLang="ko-KR" sz="1050" dirty="0">
+                  <a:latin typeface="배달의민족 한나체 Air" panose="020B0600000101010101" pitchFamily="50" charset="-127"/>
+                  <a:ea typeface="배달의민족 한나체 Air" panose="020B0600000101010101" pitchFamily="50" charset="-127"/>
+                </a:rPr>
+                <a:t>(</a:t>
+              </a:r>
+              <a:r>
+                <a:rPr lang="ko-KR" altLang="en-US" sz="1050" dirty="0">
+                  <a:latin typeface="배달의민족 한나체 Air" panose="020B0600000101010101" pitchFamily="50" charset="-127"/>
+                  <a:ea typeface="배달의민족 한나체 Air" panose="020B0600000101010101" pitchFamily="50" charset="-127"/>
+                </a:rPr>
+                <a:t>긍정적인 답변 대화</a:t>
+              </a:r>
+              <a:r>
+                <a:rPr lang="en-US" altLang="ko-KR" sz="1050" dirty="0">
+                  <a:latin typeface="배달의민족 한나체 Air" panose="020B0600000101010101" pitchFamily="50" charset="-127"/>
+                  <a:ea typeface="배달의민족 한나체 Air" panose="020B0600000101010101" pitchFamily="50" charset="-127"/>
+                </a:rPr>
+                <a:t>ID)</a:t>
+              </a:r>
+            </a:p>
+            <a:p>
+              <a:pPr marL="285750" indent="-285750">
+                <a:buFontTx/>
+                <a:buChar char="-"/>
+              </a:pPr>
+              <a:r>
+                <a:rPr lang="en-US" altLang="ko-KR" sz="1400" dirty="0" err="1">
+                  <a:latin typeface="배달의민족 한나체 Pro" panose="020B0600000101010101" pitchFamily="50" charset="-127"/>
+                  <a:ea typeface="배달의민족 한나체 Pro" panose="020B0600000101010101" pitchFamily="50" charset="-127"/>
+                </a:rPr>
+                <a:t>NegativeTextList</a:t>
+              </a:r>
+              <a:r>
+                <a:rPr lang="en-US" altLang="ko-KR" sz="1400" dirty="0">
+                  <a:latin typeface="배달의민족 한나체 Pro" panose="020B0600000101010101" pitchFamily="50" charset="-127"/>
+                  <a:ea typeface="배달의민족 한나체 Pro" panose="020B0600000101010101" pitchFamily="50" charset="-127"/>
+                </a:rPr>
+                <a:t> </a:t>
+              </a:r>
+              <a:r>
+                <a:rPr lang="en-US" altLang="ko-KR" sz="1050" dirty="0">
+                  <a:latin typeface="배달의민족 한나체 Air" panose="020B0600000101010101" pitchFamily="50" charset="-127"/>
+                  <a:ea typeface="배달의민족 한나체 Air" panose="020B0600000101010101" pitchFamily="50" charset="-127"/>
+                </a:rPr>
+                <a:t>(</a:t>
+              </a:r>
+              <a:r>
+                <a:rPr lang="ko-KR" altLang="en-US" sz="1050" dirty="0">
+                  <a:latin typeface="배달의민족 한나체 Air" panose="020B0600000101010101" pitchFamily="50" charset="-127"/>
+                  <a:ea typeface="배달의민족 한나체 Air" panose="020B0600000101010101" pitchFamily="50" charset="-127"/>
+                </a:rPr>
+                <a:t>부정적인 텍스트 </a:t>
+              </a:r>
+              <a:r>
+                <a:rPr lang="en-US" altLang="ko-KR" sz="1050" dirty="0">
+                  <a:latin typeface="배달의민족 한나체 Air" panose="020B0600000101010101" pitchFamily="50" charset="-127"/>
+                  <a:ea typeface="배달의민족 한나체 Air" panose="020B0600000101010101" pitchFamily="50" charset="-127"/>
+                </a:rPr>
+                <a:t>ID </a:t>
+              </a:r>
+              <a:r>
+                <a:rPr lang="ko-KR" altLang="en-US" sz="1050" dirty="0">
+                  <a:latin typeface="배달의민족 한나체 Air" panose="020B0600000101010101" pitchFamily="50" charset="-127"/>
+                  <a:ea typeface="배달의민족 한나체 Air" panose="020B0600000101010101" pitchFamily="50" charset="-127"/>
+                </a:rPr>
+                <a:t>리스트</a:t>
+              </a:r>
+              <a:r>
+                <a:rPr lang="en-US" altLang="ko-KR" sz="1050" dirty="0">
+                  <a:latin typeface="배달의민족 한나체 Air" panose="020B0600000101010101" pitchFamily="50" charset="-127"/>
+                  <a:ea typeface="배달의민족 한나체 Air" panose="020B0600000101010101" pitchFamily="50" charset="-127"/>
+                </a:rPr>
+                <a:t>)</a:t>
+              </a:r>
+            </a:p>
+            <a:p>
+              <a:pPr marL="285750" indent="-285750">
+                <a:buFontTx/>
+                <a:buChar char="-"/>
+              </a:pPr>
+              <a:r>
+                <a:rPr lang="en-US" altLang="ko-KR" sz="1400" dirty="0" err="1">
+                  <a:latin typeface="배달의민족 한나체 Pro" panose="020B0600000101010101" pitchFamily="50" charset="-127"/>
+                  <a:ea typeface="배달의민족 한나체 Pro" panose="020B0600000101010101" pitchFamily="50" charset="-127"/>
+                </a:rPr>
+                <a:t>NegativeResultID</a:t>
+              </a:r>
+              <a:r>
+                <a:rPr lang="en-US" altLang="ko-KR" sz="1050" dirty="0">
+                  <a:latin typeface="배달의민족 한나체 Pro" panose="020B0600000101010101" pitchFamily="50" charset="-127"/>
+                  <a:ea typeface="배달의민족 한나체 Pro" panose="020B0600000101010101" pitchFamily="50" charset="-127"/>
+                </a:rPr>
+                <a:t> </a:t>
+              </a:r>
+              <a:r>
+                <a:rPr lang="en-US" altLang="ko-KR" sz="1050" dirty="0">
+                  <a:latin typeface="배달의민족 한나체 Air" panose="020B0600000101010101" pitchFamily="50" charset="-127"/>
+                  <a:ea typeface="배달의민족 한나체 Air" panose="020B0600000101010101" pitchFamily="50" charset="-127"/>
+                </a:rPr>
+                <a:t>(</a:t>
+              </a:r>
+              <a:r>
+                <a:rPr lang="ko-KR" altLang="en-US" sz="1050" dirty="0">
+                  <a:latin typeface="배달의민족 한나체 Air" panose="020B0600000101010101" pitchFamily="50" charset="-127"/>
+                  <a:ea typeface="배달의민족 한나체 Air" panose="020B0600000101010101" pitchFamily="50" charset="-127"/>
+                </a:rPr>
+                <a:t>부정적인 답변 대화</a:t>
+              </a:r>
+              <a:r>
+                <a:rPr lang="en-US" altLang="ko-KR" sz="1050" dirty="0">
+                  <a:latin typeface="배달의민족 한나체 Air" panose="020B0600000101010101" pitchFamily="50" charset="-127"/>
+                  <a:ea typeface="배달의민족 한나체 Air" panose="020B0600000101010101" pitchFamily="50" charset="-127"/>
+                </a:rPr>
+                <a:t>ID)</a:t>
+              </a:r>
+            </a:p>
+          </p:txBody>
+        </p:sp>
+      </p:grpSp>
+      <p:grpSp>
+        <p:nvGrpSpPr>
+          <p:cNvPr id="34" name="그룹 33">
+            <a:extLst>
+              <a:ext uri="{FF2B5EF4-FFF2-40B4-BE49-F238E27FC236}">
+                <a16:creationId xmlns:a16="http://schemas.microsoft.com/office/drawing/2014/main" id="{CEEFFBED-E0F3-0963-9D1E-4640B87C8AB3}"/>
+              </a:ext>
+            </a:extLst>
+          </p:cNvPr>
+          <p:cNvGrpSpPr/>
+          <p:nvPr/>
+        </p:nvGrpSpPr>
+        <p:grpSpPr>
+          <a:xfrm>
+            <a:off x="8176585" y="4211357"/>
+            <a:ext cx="3313043" cy="1668879"/>
+            <a:chOff x="766689" y="1737360"/>
+            <a:chExt cx="2042772" cy="2067505"/>
+          </a:xfrm>
+        </p:grpSpPr>
+        <p:sp>
+          <p:nvSpPr>
+            <p:cNvPr id="35" name="직사각형 34">
+              <a:extLst>
+                <a:ext uri="{FF2B5EF4-FFF2-40B4-BE49-F238E27FC236}">
+                  <a16:creationId xmlns:a16="http://schemas.microsoft.com/office/drawing/2014/main" id="{3EAA2286-6449-8276-FBF0-3B78E931A49F}"/>
+                </a:ext>
+              </a:extLst>
+            </p:cNvPr>
+            <p:cNvSpPr/>
+            <p:nvPr/>
+          </p:nvSpPr>
+          <p:spPr>
+            <a:xfrm>
+              <a:off x="766689" y="1737360"/>
+              <a:ext cx="2042772" cy="351692"/>
+            </a:xfrm>
+            <a:prstGeom prst="rect">
+              <a:avLst/>
+            </a:prstGeom>
+          </p:spPr>
+          <p:style>
+            <a:lnRef idx="2">
+              <a:schemeClr val="accent1">
+                <a:shade val="15000"/>
+              </a:schemeClr>
+            </a:lnRef>
+            <a:fillRef idx="1">
+              <a:schemeClr val="accent1"/>
+            </a:fillRef>
+            <a:effectRef idx="0">
+              <a:schemeClr val="accent1"/>
+            </a:effectRef>
+            <a:fontRef idx="minor">
+              <a:schemeClr val="lt1"/>
+            </a:fontRef>
+          </p:style>
+          <p:txBody>
+            <a:bodyPr rtlCol="0" anchor="ctr"/>
+            <a:lstStyle/>
+            <a:p>
+              <a:pPr algn="ctr"/>
+              <a:r>
+                <a:rPr lang="en-US" altLang="ko-KR" sz="1600" dirty="0">
+                  <a:latin typeface="배달의민족 한나체 Pro" panose="020B0600000101010101" pitchFamily="50" charset="-127"/>
+                  <a:ea typeface="배달의민족 한나체 Pro" panose="020B0600000101010101" pitchFamily="50" charset="-127"/>
+                </a:rPr>
+                <a:t>Next</a:t>
+              </a:r>
+              <a:r>
+                <a:rPr lang="ko-KR" altLang="en-US" sz="1600" dirty="0">
+                  <a:latin typeface="배달의민족 한나체 Pro" panose="020B0600000101010101" pitchFamily="50" charset="-127"/>
+                  <a:ea typeface="배달의민족 한나체 Pro" panose="020B0600000101010101" pitchFamily="50" charset="-127"/>
+                </a:rPr>
+                <a:t> </a:t>
+              </a:r>
+              <a:r>
+                <a:rPr lang="en-US" altLang="ko-KR" sz="1600" dirty="0">
+                  <a:latin typeface="배달의민족 한나체 Pro" panose="020B0600000101010101" pitchFamily="50" charset="-127"/>
+                  <a:ea typeface="배달의민족 한나체 Pro" panose="020B0600000101010101" pitchFamily="50" charset="-127"/>
+                </a:rPr>
+                <a:t>Neg Talking</a:t>
+              </a:r>
+              <a:r>
+                <a:rPr lang="ko-KR" altLang="en-US" sz="1600" dirty="0">
+                  <a:latin typeface="배달의민족 한나체 Pro" panose="020B0600000101010101" pitchFamily="50" charset="-127"/>
+                  <a:ea typeface="배달의민족 한나체 Pro" panose="020B0600000101010101" pitchFamily="50" charset="-127"/>
+                </a:rPr>
+                <a:t> </a:t>
+              </a:r>
+              <a:r>
+                <a:rPr lang="en-US" altLang="ko-KR" sz="1600" dirty="0">
+                  <a:latin typeface="배달의민족 한나체 Pro" panose="020B0600000101010101" pitchFamily="50" charset="-127"/>
+                  <a:ea typeface="배달의민족 한나체 Pro" panose="020B0600000101010101" pitchFamily="50" charset="-127"/>
+                </a:rPr>
+                <a:t>DT</a:t>
+              </a:r>
+              <a:endParaRPr lang="ko-KR" altLang="en-US" sz="1600" dirty="0">
+                <a:latin typeface="배달의민족 한나체 Pro" panose="020B0600000101010101" pitchFamily="50" charset="-127"/>
+                <a:ea typeface="배달의민족 한나체 Pro" panose="020B0600000101010101" pitchFamily="50" charset="-127"/>
+              </a:endParaRPr>
+            </a:p>
+          </p:txBody>
+        </p:sp>
+        <p:sp>
+          <p:nvSpPr>
+            <p:cNvPr id="36" name="TextBox 35">
+              <a:extLst>
+                <a:ext uri="{FF2B5EF4-FFF2-40B4-BE49-F238E27FC236}">
+                  <a16:creationId xmlns:a16="http://schemas.microsoft.com/office/drawing/2014/main" id="{30C992BF-1690-0B3A-E7F4-E2AC682BCD70}"/>
+                </a:ext>
+              </a:extLst>
+            </p:cNvPr>
+            <p:cNvSpPr txBox="1"/>
+            <p:nvPr/>
+          </p:nvSpPr>
+          <p:spPr>
+            <a:xfrm>
+              <a:off x="766689" y="2089052"/>
+              <a:ext cx="2042772" cy="1715813"/>
+            </a:xfrm>
+            <a:prstGeom prst="rect">
+              <a:avLst/>
+            </a:prstGeom>
+            <a:noFill/>
+            <a:ln w="19050">
+              <a:solidFill>
+                <a:schemeClr val="tx1"/>
+              </a:solidFill>
+            </a:ln>
+          </p:spPr>
+          <p:txBody>
+            <a:bodyPr wrap="square" rtlCol="0">
+              <a:spAutoFit/>
+            </a:bodyPr>
+            <a:lstStyle/>
+            <a:p>
+              <a:pPr marL="285750" indent="-285750">
+                <a:buFontTx/>
+                <a:buChar char="-"/>
+              </a:pPr>
+              <a:r>
+                <a:rPr lang="en-US" altLang="ko-KR" sz="1400" dirty="0">
+                  <a:latin typeface="배달의민족 한나체 Pro" panose="020B0600000101010101" pitchFamily="50" charset="-127"/>
+                  <a:ea typeface="배달의민족 한나체 Pro" panose="020B0600000101010101" pitchFamily="50" charset="-127"/>
+                </a:rPr>
+                <a:t>ID </a:t>
+              </a:r>
+              <a:r>
+                <a:rPr lang="en-US" altLang="ko-KR" sz="1050" dirty="0">
+                  <a:latin typeface="배달의민족 한나체 Air" panose="020B0600000101010101" pitchFamily="50" charset="-127"/>
+                  <a:ea typeface="배달의민족 한나체 Air" panose="020B0600000101010101" pitchFamily="50" charset="-127"/>
+                </a:rPr>
+                <a:t>(</a:t>
+              </a:r>
+              <a:r>
+                <a:rPr lang="ko-KR" altLang="en-US" sz="1050" dirty="0">
+                  <a:latin typeface="배달의민족 한나체 Air" panose="020B0600000101010101" pitchFamily="50" charset="-127"/>
+                  <a:ea typeface="배달의민족 한나체 Air" panose="020B0600000101010101" pitchFamily="50" charset="-127"/>
+                </a:rPr>
+                <a:t>대화 </a:t>
+              </a:r>
+              <a:r>
+                <a:rPr lang="en-US" altLang="ko-KR" sz="1050" dirty="0">
+                  <a:latin typeface="배달의민족 한나체 Air" panose="020B0600000101010101" pitchFamily="50" charset="-127"/>
+                  <a:ea typeface="배달의민족 한나체 Air" panose="020B0600000101010101" pitchFamily="50" charset="-127"/>
+                </a:rPr>
+                <a:t>ID)</a:t>
+              </a:r>
+            </a:p>
+            <a:p>
+              <a:pPr marL="285750" indent="-285750">
+                <a:buFontTx/>
+                <a:buChar char="-"/>
+              </a:pPr>
+              <a:r>
+                <a:rPr lang="en-US" altLang="ko-KR" sz="1400" dirty="0" err="1">
+                  <a:latin typeface="배달의민족 한나체 Pro" panose="020B0600000101010101" pitchFamily="50" charset="-127"/>
+                  <a:ea typeface="배달의민족 한나체 Pro" panose="020B0600000101010101" pitchFamily="50" charset="-127"/>
+                </a:rPr>
+                <a:t>MainTextID</a:t>
+              </a:r>
+              <a:r>
+                <a:rPr lang="en-US" altLang="ko-KR" sz="1050" dirty="0">
+                  <a:latin typeface="배달의민족 한나체 Air" panose="020B0600000101010101" pitchFamily="50" charset="-127"/>
+                  <a:ea typeface="배달의민족 한나체 Air" panose="020B0600000101010101" pitchFamily="50" charset="-127"/>
+                </a:rPr>
+                <a:t> (</a:t>
+              </a:r>
+              <a:r>
+                <a:rPr lang="ko-KR" altLang="en-US" sz="1050" dirty="0">
+                  <a:latin typeface="배달의민족 한나체 Air" panose="020B0600000101010101" pitchFamily="50" charset="-127"/>
+                  <a:ea typeface="배달의민족 한나체 Air" panose="020B0600000101010101" pitchFamily="50" charset="-127"/>
+                </a:rPr>
+                <a:t>내용에 해당되는 </a:t>
+              </a:r>
+              <a:r>
+                <a:rPr lang="en-US" altLang="ko-KR" sz="1050" dirty="0">
+                  <a:latin typeface="배달의민족 한나체 Air" panose="020B0600000101010101" pitchFamily="50" charset="-127"/>
+                  <a:ea typeface="배달의민족 한나체 Air" panose="020B0600000101010101" pitchFamily="50" charset="-127"/>
+                </a:rPr>
+                <a:t>Text ID)</a:t>
+              </a:r>
+            </a:p>
+            <a:p>
+              <a:pPr marL="285750" indent="-285750">
+                <a:buFontTx/>
+                <a:buChar char="-"/>
+              </a:pPr>
+              <a:r>
+                <a:rPr lang="en-US" altLang="ko-KR" sz="1400" dirty="0" err="1">
+                  <a:latin typeface="배달의민족 한나체 Pro" panose="020B0600000101010101" pitchFamily="50" charset="-127"/>
+                  <a:ea typeface="배달의민족 한나체 Pro" panose="020B0600000101010101" pitchFamily="50" charset="-127"/>
+                </a:rPr>
+                <a:t>PositiveTextList</a:t>
+              </a:r>
+              <a:r>
+                <a:rPr lang="en-US" altLang="ko-KR" sz="1400" dirty="0">
+                  <a:latin typeface="배달의민족 한나체 Pro" panose="020B0600000101010101" pitchFamily="50" charset="-127"/>
+                  <a:ea typeface="배달의민족 한나체 Pro" panose="020B0600000101010101" pitchFamily="50" charset="-127"/>
+                </a:rPr>
+                <a:t> </a:t>
+              </a:r>
+              <a:r>
+                <a:rPr lang="en-US" altLang="ko-KR" sz="1050" dirty="0">
+                  <a:latin typeface="배달의민족 한나체 Air" panose="020B0600000101010101" pitchFamily="50" charset="-127"/>
+                  <a:ea typeface="배달의민족 한나체 Air" panose="020B0600000101010101" pitchFamily="50" charset="-127"/>
+                </a:rPr>
+                <a:t>(</a:t>
+              </a:r>
+              <a:r>
+                <a:rPr lang="ko-KR" altLang="en-US" sz="1050" dirty="0">
+                  <a:latin typeface="배달의민족 한나체 Air" panose="020B0600000101010101" pitchFamily="50" charset="-127"/>
+                  <a:ea typeface="배달의민족 한나체 Air" panose="020B0600000101010101" pitchFamily="50" charset="-127"/>
+                </a:rPr>
+                <a:t>긍정적인 텍스트 </a:t>
+              </a:r>
+              <a:r>
+                <a:rPr lang="en-US" altLang="ko-KR" sz="1050" dirty="0">
+                  <a:latin typeface="배달의민족 한나체 Air" panose="020B0600000101010101" pitchFamily="50" charset="-127"/>
+                  <a:ea typeface="배달의민족 한나체 Air" panose="020B0600000101010101" pitchFamily="50" charset="-127"/>
+                </a:rPr>
+                <a:t>ID </a:t>
+              </a:r>
+              <a:r>
+                <a:rPr lang="ko-KR" altLang="en-US" sz="1050" dirty="0">
+                  <a:latin typeface="배달의민족 한나체 Air" panose="020B0600000101010101" pitchFamily="50" charset="-127"/>
+                  <a:ea typeface="배달의민족 한나체 Air" panose="020B0600000101010101" pitchFamily="50" charset="-127"/>
+                </a:rPr>
+                <a:t>리스트</a:t>
+              </a:r>
+              <a:r>
+                <a:rPr lang="en-US" altLang="ko-KR" sz="1050" dirty="0">
+                  <a:latin typeface="배달의민족 한나체 Air" panose="020B0600000101010101" pitchFamily="50" charset="-127"/>
+                  <a:ea typeface="배달의민족 한나체 Air" panose="020B0600000101010101" pitchFamily="50" charset="-127"/>
+                </a:rPr>
+                <a:t>)</a:t>
+              </a:r>
+            </a:p>
+            <a:p>
+              <a:pPr marL="285750" indent="-285750">
+                <a:buFontTx/>
+                <a:buChar char="-"/>
+              </a:pPr>
+              <a:r>
+                <a:rPr lang="en-US" altLang="ko-KR" sz="1400" dirty="0" err="1">
+                  <a:latin typeface="배달의민족 한나체 Pro" panose="020B0600000101010101" pitchFamily="50" charset="-127"/>
+                  <a:ea typeface="배달의민족 한나체 Pro" panose="020B0600000101010101" pitchFamily="50" charset="-127"/>
+                </a:rPr>
+                <a:t>PositiveResultID</a:t>
+              </a:r>
+              <a:r>
+                <a:rPr lang="en-US" altLang="ko-KR" sz="1400" dirty="0">
+                  <a:latin typeface="배달의민족 한나체 Pro" panose="020B0600000101010101" pitchFamily="50" charset="-127"/>
+                  <a:ea typeface="배달의민족 한나체 Pro" panose="020B0600000101010101" pitchFamily="50" charset="-127"/>
+                </a:rPr>
+                <a:t> </a:t>
+              </a:r>
+              <a:r>
+                <a:rPr lang="en-US" altLang="ko-KR" sz="1050" dirty="0">
+                  <a:latin typeface="배달의민족 한나체 Air" panose="020B0600000101010101" pitchFamily="50" charset="-127"/>
+                  <a:ea typeface="배달의민족 한나체 Air" panose="020B0600000101010101" pitchFamily="50" charset="-127"/>
+                </a:rPr>
+                <a:t>(</a:t>
+              </a:r>
+              <a:r>
+                <a:rPr lang="ko-KR" altLang="en-US" sz="1050" dirty="0">
+                  <a:latin typeface="배달의민족 한나체 Air" panose="020B0600000101010101" pitchFamily="50" charset="-127"/>
+                  <a:ea typeface="배달의민족 한나체 Air" panose="020B0600000101010101" pitchFamily="50" charset="-127"/>
+                </a:rPr>
+                <a:t>긍정적인 답변 대화</a:t>
+              </a:r>
+              <a:r>
+                <a:rPr lang="en-US" altLang="ko-KR" sz="1050" dirty="0">
+                  <a:latin typeface="배달의민족 한나체 Air" panose="020B0600000101010101" pitchFamily="50" charset="-127"/>
+                  <a:ea typeface="배달의민족 한나체 Air" panose="020B0600000101010101" pitchFamily="50" charset="-127"/>
+                </a:rPr>
+                <a:t>ID)</a:t>
+              </a:r>
+            </a:p>
+            <a:p>
+              <a:pPr marL="285750" indent="-285750">
+                <a:buFontTx/>
+                <a:buChar char="-"/>
+              </a:pPr>
+              <a:r>
+                <a:rPr lang="en-US" altLang="ko-KR" sz="1400" dirty="0" err="1">
+                  <a:latin typeface="배달의민족 한나체 Pro" panose="020B0600000101010101" pitchFamily="50" charset="-127"/>
+                  <a:ea typeface="배달의민족 한나체 Pro" panose="020B0600000101010101" pitchFamily="50" charset="-127"/>
+                </a:rPr>
+                <a:t>NegativeTextList</a:t>
+              </a:r>
+              <a:r>
+                <a:rPr lang="en-US" altLang="ko-KR" sz="1400" dirty="0">
+                  <a:latin typeface="배달의민족 한나체 Pro" panose="020B0600000101010101" pitchFamily="50" charset="-127"/>
+                  <a:ea typeface="배달의민족 한나체 Pro" panose="020B0600000101010101" pitchFamily="50" charset="-127"/>
+                </a:rPr>
+                <a:t> </a:t>
+              </a:r>
+              <a:r>
+                <a:rPr lang="en-US" altLang="ko-KR" sz="1050" dirty="0">
+                  <a:latin typeface="배달의민족 한나체 Air" panose="020B0600000101010101" pitchFamily="50" charset="-127"/>
+                  <a:ea typeface="배달의민족 한나체 Air" panose="020B0600000101010101" pitchFamily="50" charset="-127"/>
+                </a:rPr>
+                <a:t>(</a:t>
+              </a:r>
+              <a:r>
+                <a:rPr lang="ko-KR" altLang="en-US" sz="1050" dirty="0">
+                  <a:latin typeface="배달의민족 한나체 Air" panose="020B0600000101010101" pitchFamily="50" charset="-127"/>
+                  <a:ea typeface="배달의민족 한나체 Air" panose="020B0600000101010101" pitchFamily="50" charset="-127"/>
+                </a:rPr>
+                <a:t>부정적인 텍스트 </a:t>
+              </a:r>
+              <a:r>
+                <a:rPr lang="en-US" altLang="ko-KR" sz="1050" dirty="0">
+                  <a:latin typeface="배달의민족 한나체 Air" panose="020B0600000101010101" pitchFamily="50" charset="-127"/>
+                  <a:ea typeface="배달의민족 한나체 Air" panose="020B0600000101010101" pitchFamily="50" charset="-127"/>
+                </a:rPr>
+                <a:t>ID </a:t>
+              </a:r>
+              <a:r>
+                <a:rPr lang="ko-KR" altLang="en-US" sz="1050" dirty="0">
+                  <a:latin typeface="배달의민족 한나체 Air" panose="020B0600000101010101" pitchFamily="50" charset="-127"/>
+                  <a:ea typeface="배달의민족 한나체 Air" panose="020B0600000101010101" pitchFamily="50" charset="-127"/>
+                </a:rPr>
+                <a:t>리스트</a:t>
+              </a:r>
+              <a:r>
+                <a:rPr lang="en-US" altLang="ko-KR" sz="1050" dirty="0">
+                  <a:latin typeface="배달의민족 한나체 Air" panose="020B0600000101010101" pitchFamily="50" charset="-127"/>
+                  <a:ea typeface="배달의민족 한나체 Air" panose="020B0600000101010101" pitchFamily="50" charset="-127"/>
+                </a:rPr>
+                <a:t>)</a:t>
+              </a:r>
+            </a:p>
+            <a:p>
+              <a:pPr marL="285750" indent="-285750">
+                <a:buFontTx/>
+                <a:buChar char="-"/>
+              </a:pPr>
+              <a:r>
+                <a:rPr lang="en-US" altLang="ko-KR" sz="1400" dirty="0" err="1">
+                  <a:latin typeface="배달의민족 한나체 Pro" panose="020B0600000101010101" pitchFamily="50" charset="-127"/>
+                  <a:ea typeface="배달의민족 한나체 Pro" panose="020B0600000101010101" pitchFamily="50" charset="-127"/>
+                </a:rPr>
+                <a:t>NegativeResultID</a:t>
+              </a:r>
+              <a:r>
+                <a:rPr lang="en-US" altLang="ko-KR" sz="1050" dirty="0">
+                  <a:latin typeface="배달의민족 한나체 Pro" panose="020B0600000101010101" pitchFamily="50" charset="-127"/>
+                  <a:ea typeface="배달의민족 한나체 Pro" panose="020B0600000101010101" pitchFamily="50" charset="-127"/>
+                </a:rPr>
+                <a:t> </a:t>
+              </a:r>
+              <a:r>
+                <a:rPr lang="en-US" altLang="ko-KR" sz="1050" dirty="0">
+                  <a:latin typeface="배달의민족 한나체 Air" panose="020B0600000101010101" pitchFamily="50" charset="-127"/>
+                  <a:ea typeface="배달의민족 한나체 Air" panose="020B0600000101010101" pitchFamily="50" charset="-127"/>
+                </a:rPr>
+                <a:t>(</a:t>
+              </a:r>
+              <a:r>
+                <a:rPr lang="ko-KR" altLang="en-US" sz="1050" dirty="0">
+                  <a:latin typeface="배달의민족 한나체 Air" panose="020B0600000101010101" pitchFamily="50" charset="-127"/>
+                  <a:ea typeface="배달의민족 한나체 Air" panose="020B0600000101010101" pitchFamily="50" charset="-127"/>
+                </a:rPr>
+                <a:t>부정적인 답변 대화</a:t>
+              </a:r>
+              <a:r>
+                <a:rPr lang="en-US" altLang="ko-KR" sz="1050" dirty="0">
+                  <a:latin typeface="배달의민족 한나체 Air" panose="020B0600000101010101" pitchFamily="50" charset="-127"/>
+                  <a:ea typeface="배달의민족 한나체 Air" panose="020B0600000101010101" pitchFamily="50" charset="-127"/>
+                </a:rPr>
+                <a:t>ID)</a:t>
+              </a:r>
+            </a:p>
+          </p:txBody>
+        </p:sp>
+      </p:grpSp>
     </p:spTree>
     <p:extLst>
       <p:ext uri="{BB962C8B-B14F-4D97-AF65-F5344CB8AC3E}">
@@ -19704,14 +19131,14 @@
           <p:nvPr>
             <p:extLst>
               <p:ext uri="{D42A27DB-BD31-4B8C-83A1-F6EECF244321}">
-                <p14:modId xmlns:p14="http://schemas.microsoft.com/office/powerpoint/2010/main" val="1918027744"/>
+                <p14:modId xmlns:p14="http://schemas.microsoft.com/office/powerpoint/2010/main" val="6317493"/>
               </p:ext>
             </p:extLst>
           </p:nvPr>
         </p:nvGraphicFramePr>
         <p:xfrm>
           <a:off x="487017" y="780835"/>
-          <a:ext cx="11368706" cy="2147473"/>
+          <a:ext cx="11368709" cy="2147473"/>
         </p:xfrm>
         <a:graphic>
           <a:graphicData uri="http://schemas.openxmlformats.org/drawingml/2006/table">
@@ -19720,63 +19147,56 @@
                 <a:tableStyleId>{5C22544A-7EE6-4342-B048-85BDC9FD1C3A}</a:tableStyleId>
               </a:tblPr>
               <a:tblGrid>
-                <a:gridCol w="760858">
+                <a:gridCol w="861317">
                   <a:extLst>
                     <a:ext uri="{9D8B030D-6E8A-4147-A177-3AD203B41FA5}">
                       <a16:colId xmlns:a16="http://schemas.microsoft.com/office/drawing/2014/main" val="2094208962"/>
                     </a:ext>
                   </a:extLst>
                 </a:gridCol>
-                <a:gridCol w="1325981">
+                <a:gridCol w="1501056">
                   <a:extLst>
                     <a:ext uri="{9D8B030D-6E8A-4147-A177-3AD203B41FA5}">
                       <a16:colId xmlns:a16="http://schemas.microsoft.com/office/drawing/2014/main" val="2752306251"/>
                     </a:ext>
                   </a:extLst>
                 </a:gridCol>
-                <a:gridCol w="1325981">
+                <a:gridCol w="1501056">
                   <a:extLst>
                     <a:ext uri="{9D8B030D-6E8A-4147-A177-3AD203B41FA5}">
                       <a16:colId xmlns:a16="http://schemas.microsoft.com/office/drawing/2014/main" val="596121574"/>
                     </a:ext>
                   </a:extLst>
                 </a:gridCol>
-                <a:gridCol w="1325981">
+                <a:gridCol w="1501056">
                   <a:extLst>
                     <a:ext uri="{9D8B030D-6E8A-4147-A177-3AD203B41FA5}">
                       <a16:colId xmlns:a16="http://schemas.microsoft.com/office/drawing/2014/main" val="463318638"/>
                     </a:ext>
                   </a:extLst>
                 </a:gridCol>
-                <a:gridCol w="1325981">
-                  <a:extLst>
-                    <a:ext uri="{9D8B030D-6E8A-4147-A177-3AD203B41FA5}">
-                      <a16:colId xmlns:a16="http://schemas.microsoft.com/office/drawing/2014/main" val="1037817449"/>
-                    </a:ext>
-                  </a:extLst>
-                </a:gridCol>
-                <a:gridCol w="1325981">
+                <a:gridCol w="1501056">
                   <a:extLst>
                     <a:ext uri="{9D8B030D-6E8A-4147-A177-3AD203B41FA5}">
                       <a16:colId xmlns:a16="http://schemas.microsoft.com/office/drawing/2014/main" val="2961327913"/>
                     </a:ext>
                   </a:extLst>
                 </a:gridCol>
-                <a:gridCol w="1325981">
+                <a:gridCol w="1501056">
                   <a:extLst>
                     <a:ext uri="{9D8B030D-6E8A-4147-A177-3AD203B41FA5}">
                       <a16:colId xmlns:a16="http://schemas.microsoft.com/office/drawing/2014/main" val="3221427985"/>
                     </a:ext>
                   </a:extLst>
                 </a:gridCol>
-                <a:gridCol w="1325981">
+                <a:gridCol w="1501056">
                   <a:extLst>
                     <a:ext uri="{9D8B030D-6E8A-4147-A177-3AD203B41FA5}">
                       <a16:colId xmlns:a16="http://schemas.microsoft.com/office/drawing/2014/main" val="4260391894"/>
                     </a:ext>
                   </a:extLst>
                 </a:gridCol>
-                <a:gridCol w="1325981">
+                <a:gridCol w="1501056">
                   <a:extLst>
                     <a:ext uri="{9D8B030D-6E8A-4147-A177-3AD203B41FA5}">
                       <a16:colId xmlns:a16="http://schemas.microsoft.com/office/drawing/2014/main" val="968585779"/>
@@ -19785,23 +19205,12 @@
                 </a:gridCol>
               </a:tblGrid>
               <a:tr h="305973">
-                <a:tc gridSpan="9">
+                <a:tc gridSpan="8">
                   <a:txBody>
                     <a:bodyPr/>
                     <a:lstStyle/>
                     <a:p>
                       <a:pPr algn="ctr" fontAlgn="ctr"/>
-                      <a:r>
-                        <a:rPr lang="ko-KR" altLang="en-US" sz="1600" b="0" i="0" u="none" strike="noStrike" dirty="0">
-                          <a:solidFill>
-                            <a:srgbClr val="000000"/>
-                          </a:solidFill>
-                          <a:effectLst/>
-                          <a:latin typeface="배달의민족 한나체 Pro" panose="020B0600000101010101" pitchFamily="50" charset="-127"/>
-                          <a:ea typeface="배달의민족 한나체 Pro" panose="020B0600000101010101" pitchFamily="50" charset="-127"/>
-                        </a:rPr>
-                        <a:t>방해 이벤트 </a:t>
-                      </a:r>
                       <a:r>
                         <a:rPr lang="en-US" altLang="ko-KR" sz="1600" b="0" i="0" u="none" strike="noStrike" dirty="0">
                           <a:solidFill>
@@ -19811,7 +19220,7 @@
                           <a:latin typeface="배달의민족 한나체 Pro" panose="020B0600000101010101" pitchFamily="50" charset="-127"/>
                           <a:ea typeface="배달의민족 한나체 Pro" panose="020B0600000101010101" pitchFamily="50" charset="-127"/>
                         </a:rPr>
-                        <a:t>DT</a:t>
+                        <a:t>Talking DT</a:t>
                       </a:r>
                       <a:endParaRPr lang="en-US" sz="1600" b="0" i="0" u="none" strike="noStrike" dirty="0">
                         <a:solidFill>
@@ -19966,25 +19375,17 @@
                       </a:endParaRPr>
                     </a:p>
                   </a:txBody>
-                  <a:tcPr marL="7620" marR="7620" marT="7620" marB="0" anchor="ctr"/>
-                </a:tc>
-                <a:tc hMerge="1">
-                  <a:txBody>
-                    <a:bodyPr/>
-                    <a:lstStyle/>
-                    <a:p>
-                      <a:pPr algn="l" fontAlgn="ctr"/>
-                      <a:endParaRPr lang="ko-KR" altLang="en-US" sz="1100" b="0" i="0" u="none" strike="noStrike">
-                        <a:solidFill>
-                          <a:srgbClr val="000000"/>
-                        </a:solidFill>
-                        <a:effectLst/>
-                        <a:latin typeface="맑은 고딕" panose="020B0503020000020004" pitchFamily="50" charset="-127"/>
-                        <a:ea typeface="맑은 고딕" panose="020B0503020000020004" pitchFamily="50" charset="-127"/>
-                      </a:endParaRPr>
-                    </a:p>
-                  </a:txBody>
-                  <a:tcPr marL="7620" marR="7620" marT="7620" marB="0" anchor="ctr"/>
+                  <a:tcPr marL="7620" marR="7620" marT="7620" marB="0" anchor="ctr">
+                    <a:lnL w="12700" cap="flat" cmpd="sng" algn="ctr">
+                      <a:solidFill>
+                        <a:schemeClr val="tx1"/>
+                      </a:solidFill>
+                      <a:prstDash val="solid"/>
+                      <a:round/>
+                      <a:headEnd type="none" w="med" len="med"/>
+                      <a:tailEnd type="none" w="med" len="med"/>
+                    </a:lnL>
+                  </a:tcPr>
                 </a:tc>
                 <a:tc hMerge="1">
                   <a:txBody>
@@ -20443,86 +19844,6 @@
                     <a:p>
                       <a:pPr algn="ctr" fontAlgn="ctr"/>
                       <a:r>
-                        <a:rPr lang="ko-KR" altLang="en-US" sz="1100" b="0" i="0" u="none" strike="noStrike" dirty="0">
-                          <a:solidFill>
-                            <a:srgbClr val="000000"/>
-                          </a:solidFill>
-                          <a:effectLst/>
-                          <a:latin typeface="배달의민족 한나체 Pro" panose="020B0600000101010101" pitchFamily="50" charset="-127"/>
-                          <a:ea typeface="배달의민족 한나체 Pro" panose="020B0600000101010101" pitchFamily="50" charset="-127"/>
-                        </a:rPr>
-                        <a:t>대답 </a:t>
-                      </a:r>
-                      <a:r>
-                        <a:rPr lang="en-US" altLang="ko-KR" sz="1100" b="0" i="0" u="none" strike="noStrike" dirty="0">
-                          <a:solidFill>
-                            <a:srgbClr val="000000"/>
-                          </a:solidFill>
-                          <a:effectLst/>
-                          <a:latin typeface="배달의민족 한나체 Pro" panose="020B0600000101010101" pitchFamily="50" charset="-127"/>
-                          <a:ea typeface="배달의민족 한나체 Pro" panose="020B0600000101010101" pitchFamily="50" charset="-127"/>
-                        </a:rPr>
-                        <a:t>Text List</a:t>
-                      </a:r>
-                      <a:endParaRPr lang="ko-KR" altLang="en-US" sz="1100" b="0" i="0" u="none" strike="noStrike" dirty="0">
-                        <a:solidFill>
-                          <a:srgbClr val="000000"/>
-                        </a:solidFill>
-                        <a:effectLst/>
-                        <a:latin typeface="배달의민족 한나체 Pro" panose="020B0600000101010101" pitchFamily="50" charset="-127"/>
-                        <a:ea typeface="배달의민족 한나체 Pro" panose="020B0600000101010101" pitchFamily="50" charset="-127"/>
-                      </a:endParaRPr>
-                    </a:p>
-                  </a:txBody>
-                  <a:tcPr marL="7620" marR="7620" marT="7620" marB="0" anchor="ctr">
-                    <a:lnL w="12700" cap="flat" cmpd="sng" algn="ctr">
-                      <a:solidFill>
-                        <a:schemeClr val="tx1"/>
-                      </a:solidFill>
-                      <a:prstDash val="solid"/>
-                      <a:round/>
-                      <a:headEnd type="none" w="med" len="med"/>
-                      <a:tailEnd type="none" w="med" len="med"/>
-                    </a:lnL>
-                    <a:lnR w="12700" cap="flat" cmpd="sng" algn="ctr">
-                      <a:solidFill>
-                        <a:schemeClr val="tx1"/>
-                      </a:solidFill>
-                      <a:prstDash val="solid"/>
-                      <a:round/>
-                      <a:headEnd type="none" w="med" len="med"/>
-                      <a:tailEnd type="none" w="med" len="med"/>
-                    </a:lnR>
-                    <a:lnT w="12700" cap="flat" cmpd="sng" algn="ctr">
-                      <a:solidFill>
-                        <a:schemeClr val="tx1"/>
-                      </a:solidFill>
-                      <a:prstDash val="solid"/>
-                      <a:round/>
-                      <a:headEnd type="none" w="med" len="med"/>
-                      <a:tailEnd type="none" w="med" len="med"/>
-                    </a:lnT>
-                    <a:lnB w="12700" cap="flat" cmpd="sng" algn="ctr">
-                      <a:solidFill>
-                        <a:schemeClr val="tx1"/>
-                      </a:solidFill>
-                      <a:prstDash val="solid"/>
-                      <a:round/>
-                      <a:headEnd type="none" w="med" len="med"/>
-                      <a:tailEnd type="none" w="med" len="med"/>
-                    </a:lnB>
-                    <a:solidFill>
-                      <a:srgbClr val="FFFF00"/>
-                    </a:solidFill>
-                  </a:tcPr>
-                </a:tc>
-                <a:tc>
-                  <a:txBody>
-                    <a:bodyPr/>
-                    <a:lstStyle/>
-                    <a:p>
-                      <a:pPr algn="ctr" fontAlgn="ctr"/>
-                      <a:r>
                         <a:rPr lang="en-US" altLang="ko-KR" sz="1100" b="0" i="0" u="none" strike="noStrike" dirty="0">
                           <a:solidFill>
                             <a:srgbClr val="000000"/>
@@ -20995,64 +20316,6 @@
                         <a:latin typeface="배달의민족 한나체 Air" panose="020B0600000101010101" pitchFamily="50" charset="-127"/>
                         <a:ea typeface="배달의민족 한나체 Air" panose="020B0600000101010101" pitchFamily="50" charset="-127"/>
                       </a:endParaRPr>
-                    </a:p>
-                  </a:txBody>
-                  <a:tcPr marL="36000" marR="7620" marT="7620" marB="0" anchor="ctr">
-                    <a:lnL w="12700" cap="flat" cmpd="sng" algn="ctr">
-                      <a:solidFill>
-                        <a:schemeClr val="tx1"/>
-                      </a:solidFill>
-                      <a:prstDash val="solid"/>
-                      <a:round/>
-                      <a:headEnd type="none" w="med" len="med"/>
-                      <a:tailEnd type="none" w="med" len="med"/>
-                    </a:lnL>
-                    <a:lnR w="12700" cap="flat" cmpd="sng" algn="ctr">
-                      <a:solidFill>
-                        <a:schemeClr val="tx1"/>
-                      </a:solidFill>
-                      <a:prstDash val="solid"/>
-                      <a:round/>
-                      <a:headEnd type="none" w="med" len="med"/>
-                      <a:tailEnd type="none" w="med" len="med"/>
-                    </a:lnR>
-                    <a:lnT w="12700" cap="flat" cmpd="sng" algn="ctr">
-                      <a:solidFill>
-                        <a:schemeClr val="tx1"/>
-                      </a:solidFill>
-                      <a:prstDash val="solid"/>
-                      <a:round/>
-                      <a:headEnd type="none" w="med" len="med"/>
-                      <a:tailEnd type="none" w="med" len="med"/>
-                    </a:lnT>
-                    <a:lnB w="12700" cap="flat" cmpd="sng" algn="ctr">
-                      <a:solidFill>
-                        <a:schemeClr val="tx1"/>
-                      </a:solidFill>
-                      <a:prstDash val="solid"/>
-                      <a:round/>
-                      <a:headEnd type="none" w="med" len="med"/>
-                      <a:tailEnd type="none" w="med" len="med"/>
-                    </a:lnB>
-                  </a:tcPr>
-                </a:tc>
-                <a:tc>
-                  <a:txBody>
-                    <a:bodyPr/>
-                    <a:lstStyle/>
-                    <a:p>
-                      <a:pPr algn="l" fontAlgn="ctr"/>
-                      <a:r>
-                        <a:rPr lang="en-US" sz="1100" b="0" i="0" u="none" strike="noStrike" dirty="0">
-                          <a:solidFill>
-                            <a:srgbClr val="000000"/>
-                          </a:solidFill>
-                          <a:effectLst/>
-                          <a:latin typeface="배달의민족 한나체 Air" panose="020B0600000101010101" pitchFamily="50" charset="-127"/>
-                          <a:ea typeface="배달의민족 한나체 Air" panose="020B0600000101010101" pitchFamily="50" charset="-127"/>
-                        </a:rPr>
-                        <a:t>Int</a:t>
-                      </a:r>
                     </a:p>
                   </a:txBody>
                   <a:tcPr marL="36000" marR="7620" marT="7620" marB="0" anchor="ctr">
@@ -21752,138 +21015,6 @@
                           <a:latin typeface="배달의민족 한나체 Air" panose="020B0600000101010101" pitchFamily="50" charset="-127"/>
                           <a:ea typeface="배달의민족 한나체 Air" panose="020B0600000101010101" pitchFamily="50" charset="-127"/>
                         </a:rPr>
-                        <a:t>해당 대화에 사용될</a:t>
-                      </a:r>
-                      <a:endParaRPr lang="en-US" altLang="ko-KR" sz="1100" b="0" i="0" u="none" strike="noStrike" dirty="0">
-                        <a:solidFill>
-                          <a:srgbClr val="000000"/>
-                        </a:solidFill>
-                        <a:effectLst/>
-                        <a:latin typeface="배달의민족 한나체 Air" panose="020B0600000101010101" pitchFamily="50" charset="-127"/>
-                        <a:ea typeface="배달의민족 한나체 Air" panose="020B0600000101010101" pitchFamily="50" charset="-127"/>
-                      </a:endParaRPr>
-                    </a:p>
-                    <a:p>
-                      <a:pPr algn="l" fontAlgn="ctr"/>
-                      <a:r>
-                        <a:rPr lang="ko-KR" altLang="en-US" sz="1100" b="0" i="0" u="none" strike="noStrike" dirty="0">
-                          <a:solidFill>
-                            <a:srgbClr val="000000"/>
-                          </a:solidFill>
-                          <a:effectLst/>
-                          <a:latin typeface="배달의민족 한나체 Air" panose="020B0600000101010101" pitchFamily="50" charset="-127"/>
-                          <a:ea typeface="배달의민족 한나체 Air" panose="020B0600000101010101" pitchFamily="50" charset="-127"/>
-                        </a:rPr>
-                        <a:t>선택지들의 </a:t>
-                      </a:r>
-                      <a:r>
-                        <a:rPr lang="en-US" altLang="ko-KR" sz="1100" b="0" i="0" u="none" strike="noStrike" dirty="0" err="1">
-                          <a:solidFill>
-                            <a:srgbClr val="000000"/>
-                          </a:solidFill>
-                          <a:effectLst/>
-                          <a:latin typeface="배달의민족 한나체 Air" panose="020B0600000101010101" pitchFamily="50" charset="-127"/>
-                          <a:ea typeface="배달의민족 한나체 Air" panose="020B0600000101010101" pitchFamily="50" charset="-127"/>
-                        </a:rPr>
-                        <a:t>TextID</a:t>
-                      </a:r>
-                      <a:endParaRPr lang="en-US" altLang="ko-KR" sz="1100" b="0" i="0" u="none" strike="noStrike" dirty="0">
-                        <a:solidFill>
-                          <a:srgbClr val="000000"/>
-                        </a:solidFill>
-                        <a:effectLst/>
-                        <a:latin typeface="배달의민족 한나체 Air" panose="020B0600000101010101" pitchFamily="50" charset="-127"/>
-                        <a:ea typeface="배달의민족 한나체 Air" panose="020B0600000101010101" pitchFamily="50" charset="-127"/>
-                      </a:endParaRPr>
-                    </a:p>
-                    <a:p>
-                      <a:pPr algn="l" fontAlgn="ctr"/>
-                      <a:r>
-                        <a:rPr lang="ko-KR" altLang="en-US" sz="1100" b="0" i="0" u="none" strike="noStrike" dirty="0">
-                          <a:solidFill>
-                            <a:srgbClr val="000000"/>
-                          </a:solidFill>
-                          <a:effectLst/>
-                          <a:latin typeface="배달의민족 한나체 Air" panose="020B0600000101010101" pitchFamily="50" charset="-127"/>
-                          <a:ea typeface="배달의민족 한나체 Air" panose="020B0600000101010101" pitchFamily="50" charset="-127"/>
-                        </a:rPr>
-                        <a:t>리스트를 나타낸다</a:t>
-                      </a:r>
-                      <a:r>
-                        <a:rPr lang="en-US" altLang="ko-KR" sz="1100" b="0" i="0" u="none" strike="noStrike" dirty="0">
-                          <a:solidFill>
-                            <a:srgbClr val="000000"/>
-                          </a:solidFill>
-                          <a:effectLst/>
-                          <a:latin typeface="배달의민족 한나체 Air" panose="020B0600000101010101" pitchFamily="50" charset="-127"/>
-                          <a:ea typeface="배달의민족 한나체 Air" panose="020B0600000101010101" pitchFamily="50" charset="-127"/>
-                        </a:rPr>
-                        <a:t>.</a:t>
-                      </a:r>
-                      <a:endParaRPr lang="ko-KR" altLang="en-US" sz="1100" b="0" i="0" u="none" strike="noStrike" dirty="0">
-                        <a:solidFill>
-                          <a:srgbClr val="000000"/>
-                        </a:solidFill>
-                        <a:effectLst/>
-                        <a:latin typeface="배달의민족 한나체 Air" panose="020B0600000101010101" pitchFamily="50" charset="-127"/>
-                        <a:ea typeface="배달의민족 한나체 Air" panose="020B0600000101010101" pitchFamily="50" charset="-127"/>
-                      </a:endParaRPr>
-                    </a:p>
-                  </a:txBody>
-                  <a:tcPr marL="36000" marR="7620" marT="7620" marB="0" anchor="ctr">
-                    <a:lnL w="12700" cap="flat" cmpd="sng" algn="ctr">
-                      <a:solidFill>
-                        <a:schemeClr val="tx1"/>
-                      </a:solidFill>
-                      <a:prstDash val="solid"/>
-                      <a:round/>
-                      <a:headEnd type="none" w="med" len="med"/>
-                      <a:tailEnd type="none" w="med" len="med"/>
-                    </a:lnL>
-                    <a:lnR w="12700" cap="flat" cmpd="sng" algn="ctr">
-                      <a:solidFill>
-                        <a:schemeClr val="tx1"/>
-                      </a:solidFill>
-                      <a:prstDash val="solid"/>
-                      <a:round/>
-                      <a:headEnd type="none" w="med" len="med"/>
-                      <a:tailEnd type="none" w="med" len="med"/>
-                    </a:lnR>
-                    <a:lnT w="12700" cap="flat" cmpd="sng" algn="ctr">
-                      <a:solidFill>
-                        <a:schemeClr val="tx1"/>
-                      </a:solidFill>
-                      <a:prstDash val="solid"/>
-                      <a:round/>
-                      <a:headEnd type="none" w="med" len="med"/>
-                      <a:tailEnd type="none" w="med" len="med"/>
-                    </a:lnT>
-                    <a:lnB w="12700" cap="flat" cmpd="sng" algn="ctr">
-                      <a:solidFill>
-                        <a:schemeClr val="tx1"/>
-                      </a:solidFill>
-                      <a:prstDash val="solid"/>
-                      <a:round/>
-                      <a:headEnd type="none" w="med" len="med"/>
-                      <a:tailEnd type="none" w="med" len="med"/>
-                    </a:lnB>
-                  </a:tcPr>
-                </a:tc>
-                <a:tc>
-                  <a:txBody>
-                    <a:bodyPr/>
-                    <a:lstStyle/>
-                    <a:p>
-                      <a:pPr algn="l" fontAlgn="ctr"/>
-                      <a:r>
-                        <a:rPr lang="ko-KR" altLang="en-US" sz="1100" b="0" i="0" u="none" strike="noStrike" dirty="0">
-                          <a:solidFill>
-                            <a:srgbClr val="000000"/>
-                          </a:solidFill>
-                          <a:effectLst/>
-                          <a:latin typeface="배달의민족 한나체 Air" panose="020B0600000101010101" pitchFamily="50" charset="-127"/>
-                          <a:ea typeface="배달의민족 한나체 Air" panose="020B0600000101010101" pitchFamily="50" charset="-127"/>
-                        </a:rPr>
                         <a:t>우호적인 답변들의</a:t>
                       </a:r>
                       <a:endParaRPr lang="en-US" altLang="ko-KR" sz="1100" b="0" i="0" u="none" strike="noStrike" dirty="0">
@@ -22443,72 +21574,6 @@
                           <a:ea typeface="배달의민족 한나체 Air" panose="020B0600000101010101" pitchFamily="50" charset="-127"/>
                         </a:rPr>
                         <a:t>MainTextID</a:t>
-                      </a:r>
-                      <a:endParaRPr lang="en-US" sz="1100" b="0" i="0" u="none" strike="noStrike" dirty="0">
-                        <a:solidFill>
-                          <a:srgbClr val="000000"/>
-                        </a:solidFill>
-                        <a:effectLst/>
-                        <a:latin typeface="배달의민족 한나체 Air" panose="020B0600000101010101" pitchFamily="50" charset="-127"/>
-                        <a:ea typeface="배달의민족 한나체 Air" panose="020B0600000101010101" pitchFamily="50" charset="-127"/>
-                      </a:endParaRPr>
-                    </a:p>
-                  </a:txBody>
-                  <a:tcPr marL="36000" marR="7620" marT="7620" marB="0" anchor="ctr">
-                    <a:lnL w="12700" cap="flat" cmpd="sng" algn="ctr">
-                      <a:solidFill>
-                        <a:schemeClr val="tx1"/>
-                      </a:solidFill>
-                      <a:prstDash val="solid"/>
-                      <a:round/>
-                      <a:headEnd type="none" w="med" len="med"/>
-                      <a:tailEnd type="none" w="med" len="med"/>
-                    </a:lnL>
-                    <a:lnR w="12700" cap="flat" cmpd="sng" algn="ctr">
-                      <a:solidFill>
-                        <a:schemeClr val="tx1"/>
-                      </a:solidFill>
-                      <a:prstDash val="solid"/>
-                      <a:round/>
-                      <a:headEnd type="none" w="med" len="med"/>
-                      <a:tailEnd type="none" w="med" len="med"/>
-                    </a:lnR>
-                    <a:lnT w="12700" cap="flat" cmpd="sng" algn="ctr">
-                      <a:solidFill>
-                        <a:schemeClr val="tx1"/>
-                      </a:solidFill>
-                      <a:prstDash val="solid"/>
-                      <a:round/>
-                      <a:headEnd type="none" w="med" len="med"/>
-                      <a:tailEnd type="none" w="med" len="med"/>
-                    </a:lnT>
-                    <a:lnB w="12700" cap="flat" cmpd="sng" algn="ctr">
-                      <a:solidFill>
-                        <a:schemeClr val="tx1"/>
-                      </a:solidFill>
-                      <a:prstDash val="solid"/>
-                      <a:round/>
-                      <a:headEnd type="none" w="med" len="med"/>
-                      <a:tailEnd type="none" w="med" len="med"/>
-                    </a:lnB>
-                  </a:tcPr>
-                </a:tc>
-                <a:tc>
-                  <a:txBody>
-                    <a:bodyPr/>
-                    <a:lstStyle/>
-                    <a:p>
-                      <a:pPr algn="l" fontAlgn="ctr"/>
-                      <a:r>
-                        <a:rPr lang="en-US" sz="1100" b="0" i="0" u="none" strike="noStrike" dirty="0" err="1">
-                          <a:solidFill>
-                            <a:srgbClr val="000000"/>
-                          </a:solidFill>
-                          <a:effectLst/>
-                          <a:latin typeface="배달의민족 한나체 Air" panose="020B0600000101010101" pitchFamily="50" charset="-127"/>
-                          <a:ea typeface="배달의민족 한나체 Air" panose="020B0600000101010101" pitchFamily="50" charset="-127"/>
-                        </a:rPr>
-                        <a:t>AnswerList</a:t>
                       </a:r>
                       <a:endParaRPr lang="en-US" sz="1100" b="0" i="0" u="none" strike="noStrike" dirty="0">
                         <a:solidFill>

--- a/document/데이터테이블 문서.pptx
+++ b/document/데이터테이블 문서.pptx
@@ -264,7 +264,7 @@
           <a:p>
             <a:fld id="{682C012E-4EBA-4799-9B2E-722E3D1B6301}" type="datetimeFigureOut">
               <a:rPr lang="ko-KR" altLang="en-US" smtClean="0"/>
-              <a:t>2025-02-13</a:t>
+              <a:t>2025-02-14</a:t>
             </a:fld>
             <a:endParaRPr lang="ko-KR" altLang="en-US"/>
           </a:p>
@@ -462,7 +462,7 @@
           <a:p>
             <a:fld id="{682C012E-4EBA-4799-9B2E-722E3D1B6301}" type="datetimeFigureOut">
               <a:rPr lang="ko-KR" altLang="en-US" smtClean="0"/>
-              <a:t>2025-02-13</a:t>
+              <a:t>2025-02-14</a:t>
             </a:fld>
             <a:endParaRPr lang="ko-KR" altLang="en-US"/>
           </a:p>
@@ -670,7 +670,7 @@
           <a:p>
             <a:fld id="{682C012E-4EBA-4799-9B2E-722E3D1B6301}" type="datetimeFigureOut">
               <a:rPr lang="ko-KR" altLang="en-US" smtClean="0"/>
-              <a:t>2025-02-13</a:t>
+              <a:t>2025-02-14</a:t>
             </a:fld>
             <a:endParaRPr lang="ko-KR" altLang="en-US"/>
           </a:p>
@@ -868,7 +868,7 @@
           <a:p>
             <a:fld id="{682C012E-4EBA-4799-9B2E-722E3D1B6301}" type="datetimeFigureOut">
               <a:rPr lang="ko-KR" altLang="en-US" smtClean="0"/>
-              <a:t>2025-02-13</a:t>
+              <a:t>2025-02-14</a:t>
             </a:fld>
             <a:endParaRPr lang="ko-KR" altLang="en-US"/>
           </a:p>
@@ -1143,7 +1143,7 @@
           <a:p>
             <a:fld id="{682C012E-4EBA-4799-9B2E-722E3D1B6301}" type="datetimeFigureOut">
               <a:rPr lang="ko-KR" altLang="en-US" smtClean="0"/>
-              <a:t>2025-02-13</a:t>
+              <a:t>2025-02-14</a:t>
             </a:fld>
             <a:endParaRPr lang="ko-KR" altLang="en-US"/>
           </a:p>
@@ -1408,7 +1408,7 @@
           <a:p>
             <a:fld id="{682C012E-4EBA-4799-9B2E-722E3D1B6301}" type="datetimeFigureOut">
               <a:rPr lang="ko-KR" altLang="en-US" smtClean="0"/>
-              <a:t>2025-02-13</a:t>
+              <a:t>2025-02-14</a:t>
             </a:fld>
             <a:endParaRPr lang="ko-KR" altLang="en-US"/>
           </a:p>
@@ -1820,7 +1820,7 @@
           <a:p>
             <a:fld id="{682C012E-4EBA-4799-9B2E-722E3D1B6301}" type="datetimeFigureOut">
               <a:rPr lang="ko-KR" altLang="en-US" smtClean="0"/>
-              <a:t>2025-02-13</a:t>
+              <a:t>2025-02-14</a:t>
             </a:fld>
             <a:endParaRPr lang="ko-KR" altLang="en-US"/>
           </a:p>
@@ -1961,7 +1961,7 @@
           <a:p>
             <a:fld id="{682C012E-4EBA-4799-9B2E-722E3D1B6301}" type="datetimeFigureOut">
               <a:rPr lang="ko-KR" altLang="en-US" smtClean="0"/>
-              <a:t>2025-02-13</a:t>
+              <a:t>2025-02-14</a:t>
             </a:fld>
             <a:endParaRPr lang="ko-KR" altLang="en-US"/>
           </a:p>
@@ -2074,7 +2074,7 @@
           <a:p>
             <a:fld id="{682C012E-4EBA-4799-9B2E-722E3D1B6301}" type="datetimeFigureOut">
               <a:rPr lang="ko-KR" altLang="en-US" smtClean="0"/>
-              <a:t>2025-02-13</a:t>
+              <a:t>2025-02-14</a:t>
             </a:fld>
             <a:endParaRPr lang="ko-KR" altLang="en-US"/>
           </a:p>
@@ -2385,7 +2385,7 @@
           <a:p>
             <a:fld id="{682C012E-4EBA-4799-9B2E-722E3D1B6301}" type="datetimeFigureOut">
               <a:rPr lang="ko-KR" altLang="en-US" smtClean="0"/>
-              <a:t>2025-02-13</a:t>
+              <a:t>2025-02-14</a:t>
             </a:fld>
             <a:endParaRPr lang="ko-KR" altLang="en-US"/>
           </a:p>
@@ -2673,7 +2673,7 @@
           <a:p>
             <a:fld id="{682C012E-4EBA-4799-9B2E-722E3D1B6301}" type="datetimeFigureOut">
               <a:rPr lang="ko-KR" altLang="en-US" smtClean="0"/>
-              <a:t>2025-02-13</a:t>
+              <a:t>2025-02-14</a:t>
             </a:fld>
             <a:endParaRPr lang="ko-KR" altLang="en-US"/>
           </a:p>
@@ -2914,7 +2914,7 @@
           <a:p>
             <a:fld id="{682C012E-4EBA-4799-9B2E-722E3D1B6301}" type="datetimeFigureOut">
               <a:rPr lang="ko-KR" altLang="en-US" smtClean="0"/>
-              <a:t>2025-02-13</a:t>
+              <a:t>2025-02-14</a:t>
             </a:fld>
             <a:endParaRPr lang="ko-KR" altLang="en-US"/>
           </a:p>
@@ -18039,7 +18039,7 @@
         <p:spPr>
           <a:xfrm>
             <a:off x="593986" y="88760"/>
-            <a:ext cx="2757486" cy="461665"/>
+            <a:ext cx="2972289" cy="461665"/>
           </a:xfrm>
           <a:prstGeom prst="rect">
             <a:avLst/>
@@ -18060,11 +18060,18 @@
           <a:lstStyle/>
           <a:p>
             <a:r>
-              <a:rPr lang="ko-KR" altLang="en-US" sz="2400" dirty="0">
+              <a:rPr lang="en-US" altLang="ko-KR" sz="2400">
                 <a:latin typeface="배달의민족 한나체 Pro" panose="020B0600000101010101" pitchFamily="50" charset="-127"/>
                 <a:ea typeface="배달의민족 한나체 Pro" panose="020B0600000101010101" pitchFamily="50" charset="-127"/>
               </a:rPr>
-              <a:t>이벤트 </a:t>
+              <a:t>Talking</a:t>
+            </a:r>
+            <a:r>
+              <a:rPr lang="ko-KR" altLang="en-US" sz="2400">
+                <a:latin typeface="배달의민족 한나체 Pro" panose="020B0600000101010101" pitchFamily="50" charset="-127"/>
+                <a:ea typeface="배달의민족 한나체 Pro" panose="020B0600000101010101" pitchFamily="50" charset="-127"/>
+              </a:rPr>
+              <a:t> </a:t>
             </a:r>
             <a:r>
               <a:rPr lang="en-US" altLang="ko-KR" sz="2400" dirty="0">

--- a/document/데이터테이블 문서.pptx
+++ b/document/데이터테이블 문서.pptx
@@ -264,7 +264,7 @@
           <a:p>
             <a:fld id="{682C012E-4EBA-4799-9B2E-722E3D1B6301}" type="datetimeFigureOut">
               <a:rPr lang="ko-KR" altLang="en-US" smtClean="0"/>
-              <a:t>2025-02-14</a:t>
+              <a:t>2025-02-18</a:t>
             </a:fld>
             <a:endParaRPr lang="ko-KR" altLang="en-US"/>
           </a:p>
@@ -462,7 +462,7 @@
           <a:p>
             <a:fld id="{682C012E-4EBA-4799-9B2E-722E3D1B6301}" type="datetimeFigureOut">
               <a:rPr lang="ko-KR" altLang="en-US" smtClean="0"/>
-              <a:t>2025-02-14</a:t>
+              <a:t>2025-02-18</a:t>
             </a:fld>
             <a:endParaRPr lang="ko-KR" altLang="en-US"/>
           </a:p>
@@ -670,7 +670,7 @@
           <a:p>
             <a:fld id="{682C012E-4EBA-4799-9B2E-722E3D1B6301}" type="datetimeFigureOut">
               <a:rPr lang="ko-KR" altLang="en-US" smtClean="0"/>
-              <a:t>2025-02-14</a:t>
+              <a:t>2025-02-18</a:t>
             </a:fld>
             <a:endParaRPr lang="ko-KR" altLang="en-US"/>
           </a:p>
@@ -868,7 +868,7 @@
           <a:p>
             <a:fld id="{682C012E-4EBA-4799-9B2E-722E3D1B6301}" type="datetimeFigureOut">
               <a:rPr lang="ko-KR" altLang="en-US" smtClean="0"/>
-              <a:t>2025-02-14</a:t>
+              <a:t>2025-02-18</a:t>
             </a:fld>
             <a:endParaRPr lang="ko-KR" altLang="en-US"/>
           </a:p>
@@ -1143,7 +1143,7 @@
           <a:p>
             <a:fld id="{682C012E-4EBA-4799-9B2E-722E3D1B6301}" type="datetimeFigureOut">
               <a:rPr lang="ko-KR" altLang="en-US" smtClean="0"/>
-              <a:t>2025-02-14</a:t>
+              <a:t>2025-02-18</a:t>
             </a:fld>
             <a:endParaRPr lang="ko-KR" altLang="en-US"/>
           </a:p>
@@ -1408,7 +1408,7 @@
           <a:p>
             <a:fld id="{682C012E-4EBA-4799-9B2E-722E3D1B6301}" type="datetimeFigureOut">
               <a:rPr lang="ko-KR" altLang="en-US" smtClean="0"/>
-              <a:t>2025-02-14</a:t>
+              <a:t>2025-02-18</a:t>
             </a:fld>
             <a:endParaRPr lang="ko-KR" altLang="en-US"/>
           </a:p>
@@ -1820,7 +1820,7 @@
           <a:p>
             <a:fld id="{682C012E-4EBA-4799-9B2E-722E3D1B6301}" type="datetimeFigureOut">
               <a:rPr lang="ko-KR" altLang="en-US" smtClean="0"/>
-              <a:t>2025-02-14</a:t>
+              <a:t>2025-02-18</a:t>
             </a:fld>
             <a:endParaRPr lang="ko-KR" altLang="en-US"/>
           </a:p>
@@ -1961,7 +1961,7 @@
           <a:p>
             <a:fld id="{682C012E-4EBA-4799-9B2E-722E3D1B6301}" type="datetimeFigureOut">
               <a:rPr lang="ko-KR" altLang="en-US" smtClean="0"/>
-              <a:t>2025-02-14</a:t>
+              <a:t>2025-02-18</a:t>
             </a:fld>
             <a:endParaRPr lang="ko-KR" altLang="en-US"/>
           </a:p>
@@ -2074,7 +2074,7 @@
           <a:p>
             <a:fld id="{682C012E-4EBA-4799-9B2E-722E3D1B6301}" type="datetimeFigureOut">
               <a:rPr lang="ko-KR" altLang="en-US" smtClean="0"/>
-              <a:t>2025-02-14</a:t>
+              <a:t>2025-02-18</a:t>
             </a:fld>
             <a:endParaRPr lang="ko-KR" altLang="en-US"/>
           </a:p>
@@ -2385,7 +2385,7 @@
           <a:p>
             <a:fld id="{682C012E-4EBA-4799-9B2E-722E3D1B6301}" type="datetimeFigureOut">
               <a:rPr lang="ko-KR" altLang="en-US" smtClean="0"/>
-              <a:t>2025-02-14</a:t>
+              <a:t>2025-02-18</a:t>
             </a:fld>
             <a:endParaRPr lang="ko-KR" altLang="en-US"/>
           </a:p>
@@ -2673,7 +2673,7 @@
           <a:p>
             <a:fld id="{682C012E-4EBA-4799-9B2E-722E3D1B6301}" type="datetimeFigureOut">
               <a:rPr lang="ko-KR" altLang="en-US" smtClean="0"/>
-              <a:t>2025-02-14</a:t>
+              <a:t>2025-02-18</a:t>
             </a:fld>
             <a:endParaRPr lang="ko-KR" altLang="en-US"/>
           </a:p>
@@ -2914,7 +2914,7 @@
           <a:p>
             <a:fld id="{682C012E-4EBA-4799-9B2E-722E3D1B6301}" type="datetimeFigureOut">
               <a:rPr lang="ko-KR" altLang="en-US" smtClean="0"/>
-              <a:t>2025-02-14</a:t>
+              <a:t>2025-02-18</a:t>
             </a:fld>
             <a:endParaRPr lang="ko-KR" altLang="en-US"/>
           </a:p>
@@ -3634,9 +3634,9 @@
         <p:grpSpPr>
           <a:xfrm>
             <a:off x="1065875" y="1525048"/>
-            <a:ext cx="2938534" cy="1561157"/>
+            <a:ext cx="2938534" cy="1730434"/>
             <a:chOff x="1463440" y="1584683"/>
-            <a:chExt cx="2938534" cy="1561157"/>
+            <a:chExt cx="2938534" cy="1730434"/>
           </a:xfrm>
         </p:grpSpPr>
         <p:sp>
@@ -3706,7 +3706,7 @@
           <p:spPr>
             <a:xfrm>
               <a:off x="1463441" y="1868567"/>
-              <a:ext cx="1628346" cy="1277273"/>
+              <a:ext cx="1628346" cy="1446550"/>
             </a:xfrm>
             <a:prstGeom prst="rect">
               <a:avLst/>
@@ -3797,6 +3797,19 @@
                 </a:rPr>
                 <a:t>IgnoreEventID</a:t>
               </a:r>
+              <a:endParaRPr lang="en-US" altLang="ko-KR" sz="1100" dirty="0">
+                <a:latin typeface="배달의민족 한나체 Pro" panose="020B0600000101010101" pitchFamily="50" charset="-127"/>
+                <a:ea typeface="배달의민족 한나체 Pro" panose="020B0600000101010101" pitchFamily="50" charset="-127"/>
+              </a:endParaRPr>
+            </a:p>
+            <a:p>
+              <a:r>
+                <a:rPr lang="en-US" altLang="ko-KR" sz="1100" dirty="0" err="1">
+                  <a:latin typeface="배달의민족 한나체 Pro" panose="020B0600000101010101" pitchFamily="50" charset="-127"/>
+                  <a:ea typeface="배달의민족 한나체 Pro" panose="020B0600000101010101" pitchFamily="50" charset="-127"/>
+                </a:rPr>
+                <a:t>ExtraDateID</a:t>
+              </a:r>
               <a:endParaRPr lang="en-US" altLang="ko-KR" sz="900" dirty="0">
                 <a:latin typeface="배달의민족 한나체 Air" panose="020B0600000101010101" pitchFamily="50" charset="-127"/>
                 <a:ea typeface="배달의민족 한나체 Air" panose="020B0600000101010101" pitchFamily="50" charset="-127"/>
@@ -3819,7 +3832,7 @@
           <p:spPr>
             <a:xfrm>
               <a:off x="3091786" y="1868567"/>
-              <a:ext cx="1310188" cy="1277273"/>
+              <a:ext cx="1310188" cy="1446550"/>
             </a:xfrm>
             <a:prstGeom prst="rect">
               <a:avLst/>
@@ -3905,6 +3918,15 @@
                   <a:ea typeface="배달의민족 한나체 Air" panose="020B0600000101010101" pitchFamily="50" charset="-127"/>
                 </a:rPr>
                 <a:t>1102</a:t>
+              </a:r>
+            </a:p>
+            <a:p>
+              <a:r>
+                <a:rPr lang="en-US" altLang="ko-KR" sz="1100" dirty="0">
+                  <a:latin typeface="배달의민족 한나체 Air" panose="020B0600000101010101" pitchFamily="50" charset="-127"/>
+                  <a:ea typeface="배달의민족 한나체 Air" panose="020B0600000101010101" pitchFamily="50" charset="-127"/>
+                </a:rPr>
+                <a:t>4002</a:t>
               </a:r>
             </a:p>
           </p:txBody>
@@ -6331,14 +6353,14 @@
           <p:nvPr>
             <p:extLst>
               <p:ext uri="{D42A27DB-BD31-4B8C-83A1-F6EECF244321}">
-                <p14:modId xmlns:p14="http://schemas.microsoft.com/office/powerpoint/2010/main" val="2933014048"/>
+                <p14:modId xmlns:p14="http://schemas.microsoft.com/office/powerpoint/2010/main" val="239507040"/>
               </p:ext>
             </p:extLst>
           </p:nvPr>
         </p:nvGraphicFramePr>
         <p:xfrm>
           <a:off x="487017" y="780835"/>
-          <a:ext cx="11512823" cy="2147473"/>
+          <a:ext cx="11512822" cy="2195733"/>
         </p:xfrm>
         <a:graphic>
           <a:graphicData uri="http://schemas.openxmlformats.org/drawingml/2006/table">
@@ -6347,65 +6369,72 @@
                 <a:tableStyleId>{5C22544A-7EE6-4342-B048-85BDC9FD1C3A}</a:tableStyleId>
               </a:tblPr>
               <a:tblGrid>
-                <a:gridCol w="872235">
+                <a:gridCol w="770502">
                   <a:extLst>
                     <a:ext uri="{9D8B030D-6E8A-4147-A177-3AD203B41FA5}">
                       <a16:colId xmlns:a16="http://schemas.microsoft.com/office/drawing/2014/main" val="2094208962"/>
                     </a:ext>
                   </a:extLst>
                 </a:gridCol>
-                <a:gridCol w="1520084">
+                <a:gridCol w="1342790">
                   <a:extLst>
                     <a:ext uri="{9D8B030D-6E8A-4147-A177-3AD203B41FA5}">
                       <a16:colId xmlns:a16="http://schemas.microsoft.com/office/drawing/2014/main" val="2752306251"/>
                     </a:ext>
                   </a:extLst>
                 </a:gridCol>
-                <a:gridCol w="1520084">
+                <a:gridCol w="1342790">
                   <a:extLst>
                     <a:ext uri="{9D8B030D-6E8A-4147-A177-3AD203B41FA5}">
                       <a16:colId xmlns:a16="http://schemas.microsoft.com/office/drawing/2014/main" val="596121574"/>
                     </a:ext>
                   </a:extLst>
                 </a:gridCol>
-                <a:gridCol w="1520084">
+                <a:gridCol w="1342790">
                   <a:extLst>
                     <a:ext uri="{9D8B030D-6E8A-4147-A177-3AD203B41FA5}">
                       <a16:colId xmlns:a16="http://schemas.microsoft.com/office/drawing/2014/main" val="1037817449"/>
                     </a:ext>
                   </a:extLst>
                 </a:gridCol>
-                <a:gridCol w="1520084">
+                <a:gridCol w="1342790">
                   <a:extLst>
                     <a:ext uri="{9D8B030D-6E8A-4147-A177-3AD203B41FA5}">
                       <a16:colId xmlns:a16="http://schemas.microsoft.com/office/drawing/2014/main" val="2184342446"/>
                     </a:ext>
                   </a:extLst>
                 </a:gridCol>
-                <a:gridCol w="1520084">
+                <a:gridCol w="1342790">
                   <a:extLst>
                     <a:ext uri="{9D8B030D-6E8A-4147-A177-3AD203B41FA5}">
                       <a16:colId xmlns:a16="http://schemas.microsoft.com/office/drawing/2014/main" val="4158816493"/>
                     </a:ext>
                   </a:extLst>
                 </a:gridCol>
-                <a:gridCol w="1520084">
+                <a:gridCol w="1342790">
                   <a:extLst>
                     <a:ext uri="{9D8B030D-6E8A-4147-A177-3AD203B41FA5}">
                       <a16:colId xmlns:a16="http://schemas.microsoft.com/office/drawing/2014/main" val="3269762025"/>
                     </a:ext>
                   </a:extLst>
                 </a:gridCol>
-                <a:gridCol w="1520084">
+                <a:gridCol w="1342790">
                   <a:extLst>
                     <a:ext uri="{9D8B030D-6E8A-4147-A177-3AD203B41FA5}">
                       <a16:colId xmlns:a16="http://schemas.microsoft.com/office/drawing/2014/main" val="3380621651"/>
                     </a:ext>
                   </a:extLst>
                 </a:gridCol>
+                <a:gridCol w="1342790">
+                  <a:extLst>
+                    <a:ext uri="{9D8B030D-6E8A-4147-A177-3AD203B41FA5}">
+                      <a16:colId xmlns:a16="http://schemas.microsoft.com/office/drawing/2014/main" val="201944673"/>
+                    </a:ext>
+                  </a:extLst>
+                </a:gridCol>
               </a:tblGrid>
               <a:tr h="305973">
-                <a:tc gridSpan="8">
+                <a:tc gridSpan="9">
                   <a:txBody>
                     <a:bodyPr/>
                     <a:lstStyle/>
@@ -6598,6 +6627,67 @@
                     </a:p>
                   </a:txBody>
                   <a:tcPr/>
+                </a:tc>
+                <a:tc hMerge="1">
+                  <a:txBody>
+                    <a:bodyPr/>
+                    <a:lstStyle/>
+                    <a:p>
+                      <a:pPr algn="ctr" fontAlgn="ctr"/>
+                      <a:endParaRPr lang="en-US" sz="1600" b="0" i="0" u="none" strike="noStrike" dirty="0">
+                        <a:solidFill>
+                          <a:srgbClr val="000000"/>
+                        </a:solidFill>
+                        <a:effectLst/>
+                        <a:latin typeface="배달의민족 한나체 Pro" panose="020B0600000101010101" pitchFamily="50" charset="-127"/>
+                        <a:ea typeface="배달의민족 한나체 Pro" panose="020B0600000101010101" pitchFamily="50" charset="-127"/>
+                      </a:endParaRPr>
+                    </a:p>
+                  </a:txBody>
+                  <a:tcPr marL="7620" marR="7620" marT="7620" marB="0" anchor="ctr">
+                    <a:lnL w="12700" cap="flat" cmpd="sng" algn="ctr">
+                      <a:solidFill>
+                        <a:schemeClr val="tx1"/>
+                      </a:solidFill>
+                      <a:prstDash val="solid"/>
+                      <a:round/>
+                      <a:headEnd type="none" w="med" len="med"/>
+                      <a:tailEnd type="none" w="med" len="med"/>
+                    </a:lnL>
+                    <a:lnR w="12700" cap="flat" cmpd="sng" algn="ctr">
+                      <a:solidFill>
+                        <a:schemeClr val="tx1"/>
+                      </a:solidFill>
+                      <a:prstDash val="solid"/>
+                      <a:round/>
+                      <a:headEnd type="none" w="med" len="med"/>
+                      <a:tailEnd type="none" w="med" len="med"/>
+                    </a:lnR>
+                    <a:lnT w="12700" cap="flat" cmpd="sng" algn="ctr">
+                      <a:solidFill>
+                        <a:schemeClr val="tx1"/>
+                      </a:solidFill>
+                      <a:prstDash val="solid"/>
+                      <a:round/>
+                      <a:headEnd type="none" w="med" len="med"/>
+                      <a:tailEnd type="none" w="med" len="med"/>
+                    </a:lnT>
+                    <a:lnB w="12700" cap="flat" cmpd="sng" algn="ctr">
+                      <a:solidFill>
+                        <a:schemeClr val="tx1"/>
+                      </a:solidFill>
+                      <a:prstDash val="solid"/>
+                      <a:round/>
+                      <a:headEnd type="none" w="med" len="med"/>
+                      <a:tailEnd type="none" w="med" len="med"/>
+                    </a:lnB>
+                    <a:solidFill>
+                      <a:schemeClr val="accent1">
+                        <a:lumMod val="40000"/>
+                        <a:lumOff val="60000"/>
+                      </a:schemeClr>
+                    </a:solidFill>
+                  </a:tcPr>
                 </a:tc>
                 <a:tc hMerge="1">
                   <a:txBody>
@@ -7313,6 +7403,67 @@
                     </a:solidFill>
                   </a:tcPr>
                 </a:tc>
+                <a:tc>
+                  <a:txBody>
+                    <a:bodyPr/>
+                    <a:lstStyle/>
+                    <a:p>
+                      <a:pPr algn="ctr" fontAlgn="ctr"/>
+                      <a:r>
+                        <a:rPr lang="ko-KR" altLang="en-US" sz="1100" b="0" i="0" u="none" strike="noStrike" dirty="0">
+                          <a:solidFill>
+                            <a:srgbClr val="000000"/>
+                          </a:solidFill>
+                          <a:effectLst/>
+                          <a:latin typeface="배달의민족 한나체 Pro" panose="020B0600000101010101" pitchFamily="50" charset="-127"/>
+                          <a:ea typeface="배달의민족 한나체 Pro" panose="020B0600000101010101" pitchFamily="50" charset="-127"/>
+                        </a:rPr>
+                        <a:t>추가 데이터</a:t>
+                      </a:r>
+                    </a:p>
+                  </a:txBody>
+                  <a:tcPr marL="7620" marR="7620" marT="7620" marB="0" anchor="ctr">
+                    <a:lnL w="12700" cap="flat" cmpd="sng" algn="ctr">
+                      <a:solidFill>
+                        <a:schemeClr val="tx1"/>
+                      </a:solidFill>
+                      <a:prstDash val="solid"/>
+                      <a:round/>
+                      <a:headEnd type="none" w="med" len="med"/>
+                      <a:tailEnd type="none" w="med" len="med"/>
+                    </a:lnL>
+                    <a:lnR w="12700" cap="flat" cmpd="sng" algn="ctr">
+                      <a:solidFill>
+                        <a:schemeClr val="tx1"/>
+                      </a:solidFill>
+                      <a:prstDash val="solid"/>
+                      <a:round/>
+                      <a:headEnd type="none" w="med" len="med"/>
+                      <a:tailEnd type="none" w="med" len="med"/>
+                    </a:lnR>
+                    <a:lnT w="12700" cap="flat" cmpd="sng" algn="ctr">
+                      <a:solidFill>
+                        <a:schemeClr val="tx1"/>
+                      </a:solidFill>
+                      <a:prstDash val="solid"/>
+                      <a:round/>
+                      <a:headEnd type="none" w="med" len="med"/>
+                      <a:tailEnd type="none" w="med" len="med"/>
+                    </a:lnT>
+                    <a:lnB w="12700" cap="flat" cmpd="sng" algn="ctr">
+                      <a:solidFill>
+                        <a:schemeClr val="tx1"/>
+                      </a:solidFill>
+                      <a:prstDash val="solid"/>
+                      <a:round/>
+                      <a:headEnd type="none" w="med" len="med"/>
+                      <a:tailEnd type="none" w="med" len="med"/>
+                    </a:lnB>
+                    <a:solidFill>
+                      <a:srgbClr val="FFFF00"/>
+                    </a:solidFill>
+                  </a:tcPr>
+                </a:tc>
                 <a:extLst>
                   <a:ext uri="{0D108BD9-81ED-4DB2-BD59-A6C34878D82A}">
                     <a16:rowId xmlns:a16="http://schemas.microsoft.com/office/drawing/2014/main" val="528428707"/>
@@ -7652,6 +7803,64 @@
                           <a:ea typeface="배달의민족 한나체 Air" panose="020B0600000101010101" pitchFamily="50" charset="-127"/>
                         </a:rPr>
                         <a:t>List&lt;int&gt;</a:t>
+                      </a:r>
+                    </a:p>
+                  </a:txBody>
+                  <a:tcPr marL="36000" marR="7620" marT="7620" marB="0" anchor="ctr">
+                    <a:lnL w="12700" cap="flat" cmpd="sng" algn="ctr">
+                      <a:solidFill>
+                        <a:schemeClr val="tx1"/>
+                      </a:solidFill>
+                      <a:prstDash val="solid"/>
+                      <a:round/>
+                      <a:headEnd type="none" w="med" len="med"/>
+                      <a:tailEnd type="none" w="med" len="med"/>
+                    </a:lnL>
+                    <a:lnR w="12700" cap="flat" cmpd="sng" algn="ctr">
+                      <a:solidFill>
+                        <a:schemeClr val="tx1"/>
+                      </a:solidFill>
+                      <a:prstDash val="solid"/>
+                      <a:round/>
+                      <a:headEnd type="none" w="med" len="med"/>
+                      <a:tailEnd type="none" w="med" len="med"/>
+                    </a:lnR>
+                    <a:lnT w="12700" cap="flat" cmpd="sng" algn="ctr">
+                      <a:solidFill>
+                        <a:schemeClr val="tx1"/>
+                      </a:solidFill>
+                      <a:prstDash val="solid"/>
+                      <a:round/>
+                      <a:headEnd type="none" w="med" len="med"/>
+                      <a:tailEnd type="none" w="med" len="med"/>
+                    </a:lnT>
+                    <a:lnB w="12700" cap="flat" cmpd="sng" algn="ctr">
+                      <a:solidFill>
+                        <a:schemeClr val="tx1"/>
+                      </a:solidFill>
+                      <a:prstDash val="solid"/>
+                      <a:round/>
+                      <a:headEnd type="none" w="med" len="med"/>
+                      <a:tailEnd type="none" w="med" len="med"/>
+                    </a:lnB>
+                  </a:tcPr>
+                </a:tc>
+                <a:tc>
+                  <a:txBody>
+                    <a:bodyPr/>
+                    <a:lstStyle/>
+                    <a:p>
+                      <a:pPr algn="l" fontAlgn="ctr"/>
+                      <a:r>
+                        <a:rPr lang="en-US" sz="1100" b="0" i="0" u="none" strike="noStrike" dirty="0">
+                          <a:solidFill>
+                            <a:srgbClr val="000000"/>
+                          </a:solidFill>
+                          <a:effectLst/>
+                          <a:latin typeface="배달의민족 한나체 Air" panose="020B0600000101010101" pitchFamily="50" charset="-127"/>
+                          <a:ea typeface="배달의민족 한나체 Air" panose="020B0600000101010101" pitchFamily="50" charset="-127"/>
+                        </a:rPr>
+                        <a:t>Int</a:t>
                       </a:r>
                     </a:p>
                   </a:txBody>
@@ -8614,6 +8823,149 @@
                     <a:p>
                       <a:pPr algn="l" fontAlgn="ctr"/>
                       <a:endParaRPr lang="ko-KR" altLang="en-US" sz="1100" b="0" i="0" u="none" strike="noStrike" dirty="0">
+                        <a:solidFill>
+                          <a:srgbClr val="000000"/>
+                        </a:solidFill>
+                        <a:effectLst/>
+                        <a:latin typeface="배달의민족 한나체 Air" panose="020B0600000101010101" pitchFamily="50" charset="-127"/>
+                        <a:ea typeface="배달의민족 한나체 Air" panose="020B0600000101010101" pitchFamily="50" charset="-127"/>
+                      </a:endParaRPr>
+                    </a:p>
+                  </a:txBody>
+                  <a:tcPr marL="36000" marR="7620" marT="7620" marB="0" anchor="ctr">
+                    <a:lnL w="12700" cap="flat" cmpd="sng" algn="ctr">
+                      <a:solidFill>
+                        <a:schemeClr val="tx1"/>
+                      </a:solidFill>
+                      <a:prstDash val="solid"/>
+                      <a:round/>
+                      <a:headEnd type="none" w="med" len="med"/>
+                      <a:tailEnd type="none" w="med" len="med"/>
+                    </a:lnL>
+                    <a:lnR w="12700" cap="flat" cmpd="sng" algn="ctr">
+                      <a:solidFill>
+                        <a:schemeClr val="tx1"/>
+                      </a:solidFill>
+                      <a:prstDash val="solid"/>
+                      <a:round/>
+                      <a:headEnd type="none" w="med" len="med"/>
+                      <a:tailEnd type="none" w="med" len="med"/>
+                    </a:lnR>
+                    <a:lnT w="12700" cap="flat" cmpd="sng" algn="ctr">
+                      <a:solidFill>
+                        <a:schemeClr val="tx1"/>
+                      </a:solidFill>
+                      <a:prstDash val="solid"/>
+                      <a:round/>
+                      <a:headEnd type="none" w="med" len="med"/>
+                      <a:tailEnd type="none" w="med" len="med"/>
+                    </a:lnT>
+                    <a:lnB w="12700" cap="flat" cmpd="sng" algn="ctr">
+                      <a:solidFill>
+                        <a:schemeClr val="tx1"/>
+                      </a:solidFill>
+                      <a:prstDash val="solid"/>
+                      <a:round/>
+                      <a:headEnd type="none" w="med" len="med"/>
+                      <a:tailEnd type="none" w="med" len="med"/>
+                    </a:lnB>
+                  </a:tcPr>
+                </a:tc>
+                <a:tc rowSpan="4">
+                  <a:txBody>
+                    <a:bodyPr/>
+                    <a:lstStyle/>
+                    <a:p>
+                      <a:pPr algn="l" fontAlgn="ctr"/>
+                      <a:r>
+                        <a:rPr lang="ko-KR" altLang="en-US" sz="1100" b="0" i="0" u="none" strike="noStrike" dirty="0">
+                          <a:solidFill>
+                            <a:srgbClr val="000000"/>
+                          </a:solidFill>
+                          <a:effectLst/>
+                          <a:latin typeface="배달의민족 한나체 Air" panose="020B0600000101010101" pitchFamily="50" charset="-127"/>
+                          <a:ea typeface="배달의민족 한나체 Air" panose="020B0600000101010101" pitchFamily="50" charset="-127"/>
+                        </a:rPr>
+                        <a:t>이벤트마다</a:t>
+                      </a:r>
+                      <a:endParaRPr lang="en-US" altLang="ko-KR" sz="1100" b="0" i="0" u="none" strike="noStrike" dirty="0">
+                        <a:solidFill>
+                          <a:srgbClr val="000000"/>
+                        </a:solidFill>
+                        <a:effectLst/>
+                        <a:latin typeface="배달의민족 한나체 Air" panose="020B0600000101010101" pitchFamily="50" charset="-127"/>
+                        <a:ea typeface="배달의민족 한나체 Air" panose="020B0600000101010101" pitchFamily="50" charset="-127"/>
+                      </a:endParaRPr>
+                    </a:p>
+                    <a:p>
+                      <a:pPr algn="l" fontAlgn="ctr"/>
+                      <a:r>
+                        <a:rPr lang="ko-KR" altLang="en-US" sz="1100" b="0" i="0" u="none" strike="noStrike" dirty="0">
+                          <a:solidFill>
+                            <a:srgbClr val="000000"/>
+                          </a:solidFill>
+                          <a:effectLst/>
+                          <a:latin typeface="배달의민족 한나체 Air" panose="020B0600000101010101" pitchFamily="50" charset="-127"/>
+                          <a:ea typeface="배달의민족 한나체 Air" panose="020B0600000101010101" pitchFamily="50" charset="-127"/>
+                        </a:rPr>
+                        <a:t>추가적으로 쓰일</a:t>
+                      </a:r>
+                      <a:endParaRPr lang="en-US" altLang="ko-KR" sz="1100" b="0" i="0" u="none" strike="noStrike" dirty="0">
+                        <a:solidFill>
+                          <a:srgbClr val="000000"/>
+                        </a:solidFill>
+                        <a:effectLst/>
+                        <a:latin typeface="배달의민족 한나체 Air" panose="020B0600000101010101" pitchFamily="50" charset="-127"/>
+                        <a:ea typeface="배달의민족 한나체 Air" panose="020B0600000101010101" pitchFamily="50" charset="-127"/>
+                      </a:endParaRPr>
+                    </a:p>
+                    <a:p>
+                      <a:pPr algn="l" fontAlgn="ctr"/>
+                      <a:r>
+                        <a:rPr lang="en-US" altLang="ko-KR" sz="1100" b="0" i="0" u="none" strike="noStrike" dirty="0">
+                          <a:solidFill>
+                            <a:srgbClr val="000000"/>
+                          </a:solidFill>
+                          <a:effectLst/>
+                          <a:latin typeface="배달의민족 한나체 Air" panose="020B0600000101010101" pitchFamily="50" charset="-127"/>
+                          <a:ea typeface="배달의민족 한나체 Air" panose="020B0600000101010101" pitchFamily="50" charset="-127"/>
+                        </a:rPr>
+                        <a:t>Data</a:t>
+                      </a:r>
+                      <a:r>
+                        <a:rPr lang="ko-KR" altLang="en-US" sz="1100" b="0" i="0" u="none" strike="noStrike" dirty="0">
+                          <a:solidFill>
+                            <a:srgbClr val="000000"/>
+                          </a:solidFill>
+                          <a:effectLst/>
+                          <a:latin typeface="배달의민족 한나체 Air" panose="020B0600000101010101" pitchFamily="50" charset="-127"/>
+                          <a:ea typeface="배달의민족 한나체 Air" panose="020B0600000101010101" pitchFamily="50" charset="-127"/>
+                        </a:rPr>
+                        <a:t>의 </a:t>
+                      </a:r>
+                      <a:r>
+                        <a:rPr lang="en-US" altLang="ko-KR" sz="1100" b="0" i="0" u="none" strike="noStrike" dirty="0">
+                          <a:solidFill>
+                            <a:srgbClr val="000000"/>
+                          </a:solidFill>
+                          <a:effectLst/>
+                          <a:latin typeface="배달의민족 한나체 Air" panose="020B0600000101010101" pitchFamily="50" charset="-127"/>
+                          <a:ea typeface="배달의민족 한나체 Air" panose="020B0600000101010101" pitchFamily="50" charset="-127"/>
+                        </a:rPr>
+                        <a:t>ID</a:t>
+                      </a:r>
+                      <a:r>
+                        <a:rPr lang="ko-KR" altLang="en-US" sz="1100" b="0" i="0" u="none" strike="noStrike" dirty="0">
+                          <a:solidFill>
+                            <a:srgbClr val="000000"/>
+                          </a:solidFill>
+                          <a:effectLst/>
+                          <a:latin typeface="배달의민족 한나체 Air" panose="020B0600000101010101" pitchFamily="50" charset="-127"/>
+                          <a:ea typeface="배달의민족 한나체 Air" panose="020B0600000101010101" pitchFamily="50" charset="-127"/>
+                        </a:rPr>
+                        <a:t>를 표기</a:t>
+                      </a:r>
+                      <a:endParaRPr lang="en-US" altLang="ko-KR" sz="1100" b="0" i="0" u="none" strike="noStrike" dirty="0">
                         <a:solidFill>
                           <a:srgbClr val="000000"/>
                         </a:solidFill>
@@ -9053,6 +9405,17 @@
                     </a:lnB>
                   </a:tcPr>
                 </a:tc>
+                <a:tc vMerge="1">
+                  <a:txBody>
+                    <a:bodyPr/>
+                    <a:lstStyle/>
+                    <a:p>
+                      <a:pPr latinLnBrk="1"/>
+                      <a:endParaRPr lang="ko-KR" altLang="en-US"/>
+                    </a:p>
+                  </a:txBody>
+                  <a:tcPr/>
+                </a:tc>
                 <a:extLst>
                   <a:ext uri="{0D108BD9-81ED-4DB2-BD59-A6C34878D82A}">
                     <a16:rowId xmlns:a16="http://schemas.microsoft.com/office/drawing/2014/main" val="4041445063"/>
@@ -9483,6 +9846,17 @@
                       <a:tailEnd type="none" w="med" len="med"/>
                     </a:lnB>
                   </a:tcPr>
+                </a:tc>
+                <a:tc vMerge="1">
+                  <a:txBody>
+                    <a:bodyPr/>
+                    <a:lstStyle/>
+                    <a:p>
+                      <a:pPr latinLnBrk="1"/>
+                      <a:endParaRPr lang="ko-KR" altLang="en-US"/>
+                    </a:p>
+                  </a:txBody>
+                  <a:tcPr/>
                 </a:tc>
                 <a:extLst>
                   <a:ext uri="{0D108BD9-81ED-4DB2-BD59-A6C34878D82A}">
@@ -9925,6 +10299,17 @@
                     </a:lnB>
                   </a:tcPr>
                 </a:tc>
+                <a:tc vMerge="1">
+                  <a:txBody>
+                    <a:bodyPr/>
+                    <a:lstStyle/>
+                    <a:p>
+                      <a:pPr latinLnBrk="1"/>
+                      <a:endParaRPr lang="ko-KR" altLang="en-US"/>
+                    </a:p>
+                  </a:txBody>
+                  <a:tcPr/>
+                </a:tc>
                 <a:extLst>
                   <a:ext uri="{0D108BD9-81ED-4DB2-BD59-A6C34878D82A}">
                     <a16:rowId xmlns:a16="http://schemas.microsoft.com/office/drawing/2014/main" val="1658453515"/>
@@ -10401,6 +10786,72 @@
                           <a:ea typeface="배달의민족 한나체 Air" panose="020B0600000101010101" pitchFamily="50" charset="-127"/>
                         </a:rPr>
                         <a:t>IgnoreEventID</a:t>
+                      </a:r>
+                      <a:endParaRPr lang="en-US" sz="1100" b="0" i="0" u="none" strike="noStrike" dirty="0">
+                        <a:solidFill>
+                          <a:srgbClr val="000000"/>
+                        </a:solidFill>
+                        <a:effectLst/>
+                        <a:latin typeface="배달의민족 한나체 Air" panose="020B0600000101010101" pitchFamily="50" charset="-127"/>
+                        <a:ea typeface="배달의민족 한나체 Air" panose="020B0600000101010101" pitchFamily="50" charset="-127"/>
+                      </a:endParaRPr>
+                    </a:p>
+                  </a:txBody>
+                  <a:tcPr marL="36000" marR="7620" marT="7620" marB="0" anchor="ctr">
+                    <a:lnL w="12700" cap="flat" cmpd="sng" algn="ctr">
+                      <a:solidFill>
+                        <a:schemeClr val="tx1"/>
+                      </a:solidFill>
+                      <a:prstDash val="solid"/>
+                      <a:round/>
+                      <a:headEnd type="none" w="med" len="med"/>
+                      <a:tailEnd type="none" w="med" len="med"/>
+                    </a:lnL>
+                    <a:lnR w="12700" cap="flat" cmpd="sng" algn="ctr">
+                      <a:solidFill>
+                        <a:schemeClr val="tx1"/>
+                      </a:solidFill>
+                      <a:prstDash val="solid"/>
+                      <a:round/>
+                      <a:headEnd type="none" w="med" len="med"/>
+                      <a:tailEnd type="none" w="med" len="med"/>
+                    </a:lnR>
+                    <a:lnT w="12700" cap="flat" cmpd="sng" algn="ctr">
+                      <a:solidFill>
+                        <a:schemeClr val="tx1"/>
+                      </a:solidFill>
+                      <a:prstDash val="solid"/>
+                      <a:round/>
+                      <a:headEnd type="none" w="med" len="med"/>
+                      <a:tailEnd type="none" w="med" len="med"/>
+                    </a:lnT>
+                    <a:lnB w="12700" cap="flat" cmpd="sng" algn="ctr">
+                      <a:solidFill>
+                        <a:schemeClr val="tx1"/>
+                      </a:solidFill>
+                      <a:prstDash val="solid"/>
+                      <a:round/>
+                      <a:headEnd type="none" w="med" len="med"/>
+                      <a:tailEnd type="none" w="med" len="med"/>
+                    </a:lnB>
+                  </a:tcPr>
+                </a:tc>
+                <a:tc>
+                  <a:txBody>
+                    <a:bodyPr/>
+                    <a:lstStyle/>
+                    <a:p>
+                      <a:pPr algn="l" fontAlgn="ctr"/>
+                      <a:r>
+                        <a:rPr lang="en-US" sz="1100" b="0" i="0" u="none" strike="noStrike">
+                          <a:solidFill>
+                            <a:srgbClr val="000000"/>
+                          </a:solidFill>
+                          <a:effectLst/>
+                          <a:latin typeface="배달의민족 한나체 Air" panose="020B0600000101010101" pitchFamily="50" charset="-127"/>
+                          <a:ea typeface="배달의민족 한나체 Air" panose="020B0600000101010101" pitchFamily="50" charset="-127"/>
+                        </a:rPr>
+                        <a:t>ExtraDataID</a:t>
                       </a:r>
                       <a:endParaRPr lang="en-US" sz="1100" b="0" i="0" u="none" strike="noStrike" dirty="0">
                         <a:solidFill>

--- a/document/데이터테이블 문서.pptx
+++ b/document/데이터테이블 문서.pptx
@@ -264,7 +264,7 @@
           <a:p>
             <a:fld id="{682C012E-4EBA-4799-9B2E-722E3D1B6301}" type="datetimeFigureOut">
               <a:rPr lang="ko-KR" altLang="en-US" smtClean="0"/>
-              <a:t>2025-02-18</a:t>
+              <a:t>2025-02-27</a:t>
             </a:fld>
             <a:endParaRPr lang="ko-KR" altLang="en-US"/>
           </a:p>
@@ -462,7 +462,7 @@
           <a:p>
             <a:fld id="{682C012E-4EBA-4799-9B2E-722E3D1B6301}" type="datetimeFigureOut">
               <a:rPr lang="ko-KR" altLang="en-US" smtClean="0"/>
-              <a:t>2025-02-18</a:t>
+              <a:t>2025-02-27</a:t>
             </a:fld>
             <a:endParaRPr lang="ko-KR" altLang="en-US"/>
           </a:p>
@@ -670,7 +670,7 @@
           <a:p>
             <a:fld id="{682C012E-4EBA-4799-9B2E-722E3D1B6301}" type="datetimeFigureOut">
               <a:rPr lang="ko-KR" altLang="en-US" smtClean="0"/>
-              <a:t>2025-02-18</a:t>
+              <a:t>2025-02-27</a:t>
             </a:fld>
             <a:endParaRPr lang="ko-KR" altLang="en-US"/>
           </a:p>
@@ -868,7 +868,7 @@
           <a:p>
             <a:fld id="{682C012E-4EBA-4799-9B2E-722E3D1B6301}" type="datetimeFigureOut">
               <a:rPr lang="ko-KR" altLang="en-US" smtClean="0"/>
-              <a:t>2025-02-18</a:t>
+              <a:t>2025-02-27</a:t>
             </a:fld>
             <a:endParaRPr lang="ko-KR" altLang="en-US"/>
           </a:p>
@@ -1143,7 +1143,7 @@
           <a:p>
             <a:fld id="{682C012E-4EBA-4799-9B2E-722E3D1B6301}" type="datetimeFigureOut">
               <a:rPr lang="ko-KR" altLang="en-US" smtClean="0"/>
-              <a:t>2025-02-18</a:t>
+              <a:t>2025-02-27</a:t>
             </a:fld>
             <a:endParaRPr lang="ko-KR" altLang="en-US"/>
           </a:p>
@@ -1408,7 +1408,7 @@
           <a:p>
             <a:fld id="{682C012E-4EBA-4799-9B2E-722E3D1B6301}" type="datetimeFigureOut">
               <a:rPr lang="ko-KR" altLang="en-US" smtClean="0"/>
-              <a:t>2025-02-18</a:t>
+              <a:t>2025-02-27</a:t>
             </a:fld>
             <a:endParaRPr lang="ko-KR" altLang="en-US"/>
           </a:p>
@@ -1820,7 +1820,7 @@
           <a:p>
             <a:fld id="{682C012E-4EBA-4799-9B2E-722E3D1B6301}" type="datetimeFigureOut">
               <a:rPr lang="ko-KR" altLang="en-US" smtClean="0"/>
-              <a:t>2025-02-18</a:t>
+              <a:t>2025-02-27</a:t>
             </a:fld>
             <a:endParaRPr lang="ko-KR" altLang="en-US"/>
           </a:p>
@@ -1961,7 +1961,7 @@
           <a:p>
             <a:fld id="{682C012E-4EBA-4799-9B2E-722E3D1B6301}" type="datetimeFigureOut">
               <a:rPr lang="ko-KR" altLang="en-US" smtClean="0"/>
-              <a:t>2025-02-18</a:t>
+              <a:t>2025-02-27</a:t>
             </a:fld>
             <a:endParaRPr lang="ko-KR" altLang="en-US"/>
           </a:p>
@@ -2074,7 +2074,7 @@
           <a:p>
             <a:fld id="{682C012E-4EBA-4799-9B2E-722E3D1B6301}" type="datetimeFigureOut">
               <a:rPr lang="ko-KR" altLang="en-US" smtClean="0"/>
-              <a:t>2025-02-18</a:t>
+              <a:t>2025-02-27</a:t>
             </a:fld>
             <a:endParaRPr lang="ko-KR" altLang="en-US"/>
           </a:p>
@@ -2385,7 +2385,7 @@
           <a:p>
             <a:fld id="{682C012E-4EBA-4799-9B2E-722E3D1B6301}" type="datetimeFigureOut">
               <a:rPr lang="ko-KR" altLang="en-US" smtClean="0"/>
-              <a:t>2025-02-18</a:t>
+              <a:t>2025-02-27</a:t>
             </a:fld>
             <a:endParaRPr lang="ko-KR" altLang="en-US"/>
           </a:p>
@@ -2673,7 +2673,7 @@
           <a:p>
             <a:fld id="{682C012E-4EBA-4799-9B2E-722E3D1B6301}" type="datetimeFigureOut">
               <a:rPr lang="ko-KR" altLang="en-US" smtClean="0"/>
-              <a:t>2025-02-18</a:t>
+              <a:t>2025-02-27</a:t>
             </a:fld>
             <a:endParaRPr lang="ko-KR" altLang="en-US"/>
           </a:p>
@@ -2914,7 +2914,7 @@
           <a:p>
             <a:fld id="{682C012E-4EBA-4799-9B2E-722E3D1B6301}" type="datetimeFigureOut">
               <a:rPr lang="ko-KR" altLang="en-US" smtClean="0"/>
-              <a:t>2025-02-18</a:t>
+              <a:t>2025-02-27</a:t>
             </a:fld>
             <a:endParaRPr lang="ko-KR" altLang="en-US"/>
           </a:p>
@@ -3349,9 +3349,76 @@
         </p:nvSpPr>
         <p:spPr/>
         <p:txBody>
-          <a:bodyPr/>
+          <a:bodyPr>
+            <a:normAutofit fontScale="90000"/>
+          </a:bodyPr>
           <a:lstStyle/>
           <a:p>
+            <a:br>
+              <a:rPr lang="en-US" altLang="ko-KR" b="1" dirty="0">
+                <a:latin typeface="Galmuri11 Regular" panose="020B0503020202000000" pitchFamily="50" charset="-127"/>
+                <a:ea typeface="Galmuri11 Regular" panose="020B0503020202000000" pitchFamily="50" charset="-127"/>
+              </a:rPr>
+            </a:br>
+            <a:r>
+              <a:rPr lang="en-US" altLang="ko-KR" sz="7000" b="1" dirty="0">
+                <a:solidFill>
+                  <a:srgbClr val="0070C0"/>
+                </a:solidFill>
+                <a:latin typeface="Galmuri11 Regular" panose="020B0503020202000000" pitchFamily="50" charset="-127"/>
+                <a:ea typeface="Galmuri11 Regular" panose="020B0503020202000000" pitchFamily="50" charset="-127"/>
+              </a:rPr>
+              <a:t>“</a:t>
+            </a:r>
+            <a:r>
+              <a:rPr lang="ko-KR" altLang="en-US" sz="7000" b="1" dirty="0">
+                <a:solidFill>
+                  <a:srgbClr val="0070C0"/>
+                </a:solidFill>
+                <a:latin typeface="Galmuri11 Regular" panose="020B0503020202000000" pitchFamily="50" charset="-127"/>
+                <a:ea typeface="Galmuri11 Regular" panose="020B0503020202000000" pitchFamily="50" charset="-127"/>
+              </a:rPr>
+              <a:t>방치</a:t>
+            </a:r>
+            <a:r>
+              <a:rPr lang="en-US" altLang="ko-KR" sz="7000" b="1" dirty="0">
+                <a:solidFill>
+                  <a:srgbClr val="0070C0"/>
+                </a:solidFill>
+                <a:latin typeface="Galmuri11 Regular" panose="020B0503020202000000" pitchFamily="50" charset="-127"/>
+                <a:ea typeface="Galmuri11 Regular" panose="020B0503020202000000" pitchFamily="50" charset="-127"/>
+              </a:rPr>
+              <a:t>”</a:t>
+            </a:r>
+            <a:br>
+              <a:rPr lang="en-US" altLang="ko-KR" sz="7000" b="1" dirty="0">
+                <a:solidFill>
+                  <a:srgbClr val="0070C0"/>
+                </a:solidFill>
+                <a:latin typeface="Galmuri11 Regular" panose="020B0503020202000000" pitchFamily="50" charset="-127"/>
+                <a:ea typeface="Galmuri11 Regular" panose="020B0503020202000000" pitchFamily="50" charset="-127"/>
+              </a:rPr>
+            </a:br>
+            <a:r>
+              <a:rPr lang="ko-KR" altLang="en-US" sz="5400" b="1" dirty="0">
+                <a:latin typeface="Galmuri11 Regular" panose="020B0503020202000000" pitchFamily="50" charset="-127"/>
+                <a:ea typeface="Galmuri11 Regular" panose="020B0503020202000000" pitchFamily="50" charset="-127"/>
+              </a:rPr>
+              <a:t>해줘</a:t>
+            </a:r>
+            <a:r>
+              <a:rPr lang="en-US" altLang="ko-KR" sz="5400" b="1" dirty="0">
+                <a:latin typeface="Galmuri11 Regular" panose="020B0503020202000000" pitchFamily="50" charset="-127"/>
+                <a:ea typeface="Galmuri11 Regular" panose="020B0503020202000000" pitchFamily="50" charset="-127"/>
+              </a:rPr>
+              <a:t>!!</a:t>
+            </a:r>
+            <a:br>
+              <a:rPr lang="en-US" altLang="ko-KR" b="1" dirty="0">
+                <a:latin typeface="Galmuri11 Regular" panose="020B0503020202000000" pitchFamily="50" charset="-127"/>
+                <a:ea typeface="Galmuri11 Regular" panose="020B0503020202000000" pitchFamily="50" charset="-127"/>
+              </a:rPr>
+            </a:br>
             <a:r>
               <a:rPr lang="en-US" altLang="ko-KR" dirty="0"/>
               <a:t>DT</a:t>
@@ -3381,7 +3448,7 @@
           <a:bodyPr/>
           <a:lstStyle/>
           <a:p>
-            <a:endParaRPr lang="ko-KR" altLang="en-US"/>
+            <a:endParaRPr lang="ko-KR" altLang="en-US" dirty="0"/>
           </a:p>
         </p:txBody>
       </p:sp>
